--- a/課題研究/2013/土井貴司/ARシステム開発に.pptx
+++ b/課題研究/2013/土井貴司/ARシステム開発に.pptx
@@ -3839,7 +3839,7 @@
         </p:nvCxnSpPr>
         <p:spPr>
           <a:xfrm>
-            <a:off x="44624" y="5220072"/>
+            <a:off x="44624" y="5076056"/>
             <a:ext cx="6597352" cy="0"/>
           </a:xfrm>
           <a:prstGeom prst="line">
@@ -3876,7 +3876,7 @@
         </p:nvSpPr>
         <p:spPr>
           <a:xfrm>
-            <a:off x="116632" y="5210780"/>
+            <a:off x="116632" y="5076056"/>
             <a:ext cx="792089" cy="369332"/>
           </a:xfrm>
           <a:prstGeom prst="rect">
@@ -3912,7 +3912,7 @@
         </p:nvSpPr>
         <p:spPr>
           <a:xfrm>
-            <a:off x="116632" y="7380312"/>
+            <a:off x="116632" y="6732240"/>
             <a:ext cx="2376264" cy="369332"/>
           </a:xfrm>
           <a:prstGeom prst="rect">
@@ -3948,7 +3948,7 @@
         </p:nvCxnSpPr>
         <p:spPr>
           <a:xfrm>
-            <a:off x="44624" y="7380312"/>
+            <a:off x="85674" y="6732240"/>
             <a:ext cx="6597352" cy="0"/>
           </a:xfrm>
           <a:prstGeom prst="line">
@@ -3985,7 +3985,7 @@
         </p:nvSpPr>
         <p:spPr>
           <a:xfrm>
-            <a:off x="216024" y="2166700"/>
+            <a:off x="216024" y="2123728"/>
             <a:ext cx="6425952" cy="677108"/>
           </a:xfrm>
           <a:prstGeom prst="rect">
@@ -4086,7 +4086,7 @@
         </p:nvGrpSpPr>
         <p:grpSpPr>
           <a:xfrm>
-            <a:off x="-27384" y="2771800"/>
+            <a:off x="-27384" y="2555776"/>
             <a:ext cx="6885384" cy="1778569"/>
             <a:chOff x="-27384" y="2610362"/>
             <a:chExt cx="6885384" cy="1778569"/>
@@ -4465,7 +4465,7 @@
           </p:nvSpPr>
           <p:spPr>
             <a:xfrm>
-              <a:off x="3284984" y="2826386"/>
+              <a:off x="3298676" y="2797205"/>
               <a:ext cx="360040" cy="1338828"/>
             </a:xfrm>
             <a:prstGeom prst="rect">
@@ -4507,22 +4507,19 @@
       </p:grpSp>
       <p:sp>
         <p:nvSpPr>
-          <p:cNvPr id="39" name="テキスト ボックス 38"/>
+          <p:cNvPr id="64" name="テキスト ボックス 63"/>
           <p:cNvSpPr txBox="1"/>
           <p:nvPr/>
         </p:nvSpPr>
         <p:spPr>
           <a:xfrm>
-            <a:off x="1358770" y="5292080"/>
-            <a:ext cx="4140460" cy="338554"/>
+            <a:off x="-8540" y="8246149"/>
+            <a:ext cx="1736812" cy="646331"/>
           </a:xfrm>
           <a:prstGeom prst="rect">
             <a:avLst/>
           </a:prstGeom>
           <a:noFill/>
-          <a:ln>
-            <a:noFill/>
-          </a:ln>
         </p:spPr>
         <p:txBody>
           <a:bodyPr wrap="square" rtlCol="0">
@@ -4532,43 +4529,390 @@
           <a:p>
             <a:pPr algn="ctr"/>
             <a:r>
-              <a:rPr kumimoji="1" lang="ja-JP" altLang="en-US" sz="1600" dirty="0" smtClean="0">
-                <a:solidFill>
-                  <a:schemeClr val="tx1">
-                    <a:lumMod val="75000"/>
-                    <a:lumOff val="25000"/>
-                  </a:schemeClr>
+              <a:rPr lang="ja-JP" altLang="en-US" dirty="0" smtClean="0">
+                <a:solidFill>
+                  <a:schemeClr val="tx2"/>
                 </a:solidFill>
                 <a:latin typeface="HGS明朝E" panose="02020900000000000000" pitchFamily="18" charset="-128"/>
                 <a:ea typeface="HGS明朝E" panose="02020900000000000000" pitchFamily="18" charset="-128"/>
               </a:rPr>
-              <a:t>様々な現場で</a:t>
-            </a:r>
-            <a:r>
-              <a:rPr kumimoji="1" lang="en-US" altLang="ja-JP" sz="1600" dirty="0" smtClean="0">
-                <a:solidFill>
-                  <a:schemeClr val="tx1">
-                    <a:lumMod val="75000"/>
-                    <a:lumOff val="25000"/>
-                  </a:schemeClr>
+              <a:t>品質</a:t>
+            </a:r>
+            <a:endParaRPr lang="en-US" altLang="ja-JP" dirty="0" smtClean="0">
+              <a:solidFill>
+                <a:schemeClr val="tx2"/>
+              </a:solidFill>
+              <a:latin typeface="HGS明朝E" panose="02020900000000000000" pitchFamily="18" charset="-128"/>
+              <a:ea typeface="HGS明朝E" panose="02020900000000000000" pitchFamily="18" charset="-128"/>
+            </a:endParaRPr>
+          </a:p>
+          <a:p>
+            <a:pPr algn="ctr"/>
+            <a:r>
+              <a:rPr lang="ja-JP" altLang="en-US" dirty="0" smtClean="0">
+                <a:solidFill>
+                  <a:schemeClr val="tx2"/>
                 </a:solidFill>
                 <a:latin typeface="HGS明朝E" panose="02020900000000000000" pitchFamily="18" charset="-128"/>
                 <a:ea typeface="HGS明朝E" panose="02020900000000000000" pitchFamily="18" charset="-128"/>
               </a:rPr>
-              <a:t>AR</a:t>
-            </a:r>
+              <a:t>マネジメント</a:t>
+            </a:r>
+            <a:endParaRPr kumimoji="1" lang="en-US" altLang="ja-JP" dirty="0" smtClean="0">
+              <a:solidFill>
+                <a:schemeClr val="tx2"/>
+              </a:solidFill>
+              <a:latin typeface="HGS明朝E" panose="02020900000000000000" pitchFamily="18" charset="-128"/>
+              <a:ea typeface="HGS明朝E" panose="02020900000000000000" pitchFamily="18" charset="-128"/>
+            </a:endParaRPr>
+          </a:p>
+        </p:txBody>
+      </p:sp>
+      <p:sp>
+        <p:nvSpPr>
+          <p:cNvPr id="65" name="テキスト ボックス 64"/>
+          <p:cNvSpPr txBox="1"/>
+          <p:nvPr/>
+        </p:nvSpPr>
+        <p:spPr>
+          <a:xfrm>
+            <a:off x="1723156" y="8101553"/>
+            <a:ext cx="1057772" cy="338554"/>
+          </a:xfrm>
+          <a:prstGeom prst="rect">
+            <a:avLst/>
+          </a:prstGeom>
+          <a:noFill/>
+        </p:spPr>
+        <p:txBody>
+          <a:bodyPr wrap="square" rtlCol="0">
+            <a:spAutoFit/>
+          </a:bodyPr>
+          <a:lstStyle/>
+          <a:p>
             <a:r>
               <a:rPr kumimoji="1" lang="ja-JP" altLang="en-US" sz="1600" dirty="0" smtClean="0">
                 <a:solidFill>
-                  <a:schemeClr val="tx1">
-                    <a:lumMod val="75000"/>
-                    <a:lumOff val="25000"/>
-                  </a:schemeClr>
+                  <a:schemeClr val="tx2"/>
                 </a:solidFill>
                 <a:latin typeface="HGS明朝E" panose="02020900000000000000" pitchFamily="18" charset="-128"/>
                 <a:ea typeface="HGS明朝E" panose="02020900000000000000" pitchFamily="18" charset="-128"/>
               </a:rPr>
-              <a:t>が利用されつつある</a:t>
+              <a:t>品質向上</a:t>
+            </a:r>
+            <a:endParaRPr kumimoji="1" lang="ja-JP" altLang="en-US" sz="1600" dirty="0">
+              <a:solidFill>
+                <a:schemeClr val="tx2"/>
+              </a:solidFill>
+              <a:latin typeface="HGS明朝E" panose="02020900000000000000" pitchFamily="18" charset="-128"/>
+              <a:ea typeface="HGS明朝E" panose="02020900000000000000" pitchFamily="18" charset="-128"/>
+            </a:endParaRPr>
+          </a:p>
+        </p:txBody>
+      </p:sp>
+      <p:sp>
+        <p:nvSpPr>
+          <p:cNvPr id="81" name="テキスト ボックス 80"/>
+          <p:cNvSpPr txBox="1"/>
+          <p:nvPr/>
+        </p:nvSpPr>
+        <p:spPr>
+          <a:xfrm>
+            <a:off x="5148572" y="8246149"/>
+            <a:ext cx="1736812" cy="646331"/>
+          </a:xfrm>
+          <a:prstGeom prst="rect">
+            <a:avLst/>
+          </a:prstGeom>
+          <a:noFill/>
+        </p:spPr>
+        <p:txBody>
+          <a:bodyPr wrap="square" rtlCol="0">
+            <a:spAutoFit/>
+          </a:bodyPr>
+          <a:lstStyle/>
+          <a:p>
+            <a:pPr algn="ctr"/>
+            <a:r>
+              <a:rPr kumimoji="1" lang="ja-JP" altLang="en-US" dirty="0" smtClean="0">
+                <a:solidFill>
+                  <a:srgbClr val="FF0000"/>
+                </a:solidFill>
+                <a:latin typeface="HGS明朝E" panose="02020900000000000000" pitchFamily="18" charset="-128"/>
+                <a:ea typeface="HGS明朝E" panose="02020900000000000000" pitchFamily="18" charset="-128"/>
+              </a:rPr>
+              <a:t>経営戦略</a:t>
+            </a:r>
+            <a:endParaRPr kumimoji="1" lang="en-US" altLang="ja-JP" dirty="0" smtClean="0">
+              <a:solidFill>
+                <a:srgbClr val="FF0000"/>
+              </a:solidFill>
+              <a:latin typeface="HGS明朝E" panose="02020900000000000000" pitchFamily="18" charset="-128"/>
+              <a:ea typeface="HGS明朝E" panose="02020900000000000000" pitchFamily="18" charset="-128"/>
+            </a:endParaRPr>
+          </a:p>
+          <a:p>
+            <a:pPr algn="ctr"/>
+            <a:r>
+              <a:rPr lang="ja-JP" altLang="en-US" dirty="0">
+                <a:solidFill>
+                  <a:srgbClr val="FF0000"/>
+                </a:solidFill>
+                <a:latin typeface="HGS明朝E" panose="02020900000000000000" pitchFamily="18" charset="-128"/>
+                <a:ea typeface="HGS明朝E" panose="02020900000000000000" pitchFamily="18" charset="-128"/>
+              </a:rPr>
+              <a:t>マネジメント</a:t>
+            </a:r>
+            <a:endParaRPr kumimoji="1" lang="en-US" altLang="ja-JP" dirty="0" smtClean="0">
+              <a:solidFill>
+                <a:srgbClr val="FF0000"/>
+              </a:solidFill>
+              <a:latin typeface="HGS明朝E" panose="02020900000000000000" pitchFamily="18" charset="-128"/>
+              <a:ea typeface="HGS明朝E" panose="02020900000000000000" pitchFamily="18" charset="-128"/>
+            </a:endParaRPr>
+          </a:p>
+        </p:txBody>
+      </p:sp>
+      <p:sp>
+        <p:nvSpPr>
+          <p:cNvPr id="82" name="テキスト ボックス 81"/>
+          <p:cNvSpPr txBox="1"/>
+          <p:nvPr/>
+        </p:nvSpPr>
+        <p:spPr>
+          <a:xfrm>
+            <a:off x="3933056" y="8009220"/>
+            <a:ext cx="1318456" cy="523220"/>
+          </a:xfrm>
+          <a:prstGeom prst="rect">
+            <a:avLst/>
+          </a:prstGeom>
+          <a:noFill/>
+        </p:spPr>
+        <p:txBody>
+          <a:bodyPr wrap="square" rtlCol="0">
+            <a:spAutoFit/>
+          </a:bodyPr>
+          <a:lstStyle/>
+          <a:p>
+            <a:pPr algn="ctr"/>
+            <a:r>
+              <a:rPr kumimoji="1" lang="ja-JP" altLang="en-US" sz="1400" dirty="0" smtClean="0">
+                <a:solidFill>
+                  <a:srgbClr val="FF0000"/>
+                </a:solidFill>
+                <a:latin typeface="HGS明朝E" panose="02020900000000000000" pitchFamily="18" charset="-128"/>
+                <a:ea typeface="HGS明朝E" panose="02020900000000000000" pitchFamily="18" charset="-128"/>
+              </a:rPr>
+              <a:t>競合企業との</a:t>
+            </a:r>
+            <a:endParaRPr kumimoji="1" lang="en-US" altLang="ja-JP" sz="1400" dirty="0" smtClean="0">
+              <a:solidFill>
+                <a:srgbClr val="FF0000"/>
+              </a:solidFill>
+              <a:latin typeface="HGS明朝E" panose="02020900000000000000" pitchFamily="18" charset="-128"/>
+              <a:ea typeface="HGS明朝E" panose="02020900000000000000" pitchFamily="18" charset="-128"/>
+            </a:endParaRPr>
+          </a:p>
+          <a:p>
+            <a:pPr algn="ctr"/>
+            <a:r>
+              <a:rPr lang="ja-JP" altLang="en-US" sz="1400" dirty="0">
+                <a:solidFill>
+                  <a:srgbClr val="FF0000"/>
+                </a:solidFill>
+                <a:latin typeface="HGS明朝E" panose="02020900000000000000" pitchFamily="18" charset="-128"/>
+                <a:ea typeface="HGS明朝E" panose="02020900000000000000" pitchFamily="18" charset="-128"/>
+              </a:rPr>
+              <a:t>差別化</a:t>
+            </a:r>
+            <a:endParaRPr kumimoji="1" lang="ja-JP" altLang="en-US" sz="1400" dirty="0">
+              <a:solidFill>
+                <a:srgbClr val="FF0000"/>
+              </a:solidFill>
+              <a:latin typeface="HGS明朝E" panose="02020900000000000000" pitchFamily="18" charset="-128"/>
+              <a:ea typeface="HGS明朝E" panose="02020900000000000000" pitchFamily="18" charset="-128"/>
+            </a:endParaRPr>
+          </a:p>
+        </p:txBody>
+      </p:sp>
+      <p:grpSp>
+        <p:nvGrpSpPr>
+          <p:cNvPr id="28" name="グループ化 27"/>
+          <p:cNvGrpSpPr/>
+          <p:nvPr/>
+        </p:nvGrpSpPr>
+        <p:grpSpPr>
+          <a:xfrm>
+            <a:off x="3098112" y="3429777"/>
+            <a:ext cx="906952" cy="15034"/>
+            <a:chOff x="3052184" y="3644934"/>
+            <a:chExt cx="906952" cy="15034"/>
+          </a:xfrm>
+        </p:grpSpPr>
+        <p:cxnSp>
+          <p:nvCxnSpPr>
+            <p:cNvPr id="40" name="直線矢印コネクタ 39"/>
+            <p:cNvCxnSpPr/>
+            <p:nvPr/>
+          </p:nvCxnSpPr>
+          <p:spPr>
+            <a:xfrm flipV="1">
+              <a:off x="3657448" y="3644934"/>
+              <a:ext cx="301688" cy="12304"/>
+            </a:xfrm>
+            <a:prstGeom prst="straightConnector1">
+              <a:avLst/>
+            </a:prstGeom>
+            <a:ln w="38100">
+              <a:solidFill>
+                <a:schemeClr val="tx1">
+                  <a:lumMod val="65000"/>
+                  <a:lumOff val="35000"/>
+                </a:schemeClr>
+              </a:solidFill>
+              <a:tailEnd type="arrow"/>
+            </a:ln>
+          </p:spPr>
+          <p:style>
+            <a:lnRef idx="1">
+              <a:schemeClr val="accent1"/>
+            </a:lnRef>
+            <a:fillRef idx="0">
+              <a:schemeClr val="accent1"/>
+            </a:fillRef>
+            <a:effectRef idx="0">
+              <a:schemeClr val="accent1"/>
+            </a:effectRef>
+            <a:fontRef idx="minor">
+              <a:schemeClr val="tx1"/>
+            </a:fontRef>
+          </p:style>
+        </p:cxnSp>
+        <p:cxnSp>
+          <p:nvCxnSpPr>
+            <p:cNvPr id="16" name="直線コネクタ 15"/>
+            <p:cNvCxnSpPr/>
+            <p:nvPr/>
+          </p:nvCxnSpPr>
+          <p:spPr>
+            <a:xfrm>
+              <a:off x="3052184" y="3659968"/>
+              <a:ext cx="283117" cy="0"/>
+            </a:xfrm>
+            <a:prstGeom prst="line">
+              <a:avLst/>
+            </a:prstGeom>
+            <a:ln w="38100">
+              <a:solidFill>
+                <a:schemeClr val="tx1">
+                  <a:lumMod val="65000"/>
+                  <a:lumOff val="35000"/>
+                </a:schemeClr>
+              </a:solidFill>
+            </a:ln>
+          </p:spPr>
+          <p:style>
+            <a:lnRef idx="1">
+              <a:schemeClr val="accent1"/>
+            </a:lnRef>
+            <a:fillRef idx="0">
+              <a:schemeClr val="accent1"/>
+            </a:fillRef>
+            <a:effectRef idx="0">
+              <a:schemeClr val="accent1"/>
+            </a:effectRef>
+            <a:fontRef idx="minor">
+              <a:schemeClr val="tx1"/>
+            </a:fontRef>
+          </p:style>
+        </p:cxnSp>
+      </p:grpSp>
+      <p:sp>
+        <p:nvSpPr>
+          <p:cNvPr id="29" name="テキスト ボックス 28"/>
+          <p:cNvSpPr txBox="1"/>
+          <p:nvPr/>
+        </p:nvSpPr>
+        <p:spPr>
+          <a:xfrm>
+            <a:off x="332657" y="3997677"/>
+            <a:ext cx="2520279" cy="584775"/>
+          </a:xfrm>
+          <a:prstGeom prst="rect">
+            <a:avLst/>
+          </a:prstGeom>
+          <a:noFill/>
+        </p:spPr>
+        <p:txBody>
+          <a:bodyPr wrap="square" rtlCol="0">
+            <a:spAutoFit/>
+          </a:bodyPr>
+          <a:lstStyle/>
+          <a:p>
+            <a:r>
+              <a:rPr kumimoji="1" lang="ja-JP" altLang="en-US" sz="1600" dirty="0" smtClean="0">
+                <a:solidFill>
+                  <a:schemeClr val="tx1">
+                    <a:lumMod val="75000"/>
+                    <a:lumOff val="25000"/>
+                  </a:schemeClr>
+                </a:solidFill>
+                <a:latin typeface="HGP明朝E" panose="02020900000000000000" pitchFamily="18" charset="-128"/>
+                <a:ea typeface="HGP明朝E" panose="02020900000000000000" pitchFamily="18" charset="-128"/>
+              </a:rPr>
+              <a:t>しかし</a:t>
+            </a:r>
+            <a:endParaRPr kumimoji="1" lang="en-US" altLang="ja-JP" sz="1600" dirty="0" smtClean="0">
+              <a:solidFill>
+                <a:schemeClr val="tx1">
+                  <a:lumMod val="75000"/>
+                  <a:lumOff val="25000"/>
+                </a:schemeClr>
+              </a:solidFill>
+              <a:latin typeface="HGP明朝E" panose="02020900000000000000" pitchFamily="18" charset="-128"/>
+              <a:ea typeface="HGP明朝E" panose="02020900000000000000" pitchFamily="18" charset="-128"/>
+            </a:endParaRPr>
+          </a:p>
+          <a:p>
+            <a:r>
+              <a:rPr kumimoji="1" lang="en-US" altLang="ja-JP" sz="1600" dirty="0" smtClean="0">
+                <a:solidFill>
+                  <a:schemeClr val="tx1">
+                    <a:lumMod val="75000"/>
+                    <a:lumOff val="25000"/>
+                  </a:schemeClr>
+                </a:solidFill>
+                <a:latin typeface="HGP明朝E" panose="02020900000000000000" pitchFamily="18" charset="-128"/>
+                <a:ea typeface="HGP明朝E" panose="02020900000000000000" pitchFamily="18" charset="-128"/>
+              </a:rPr>
+              <a:t>AR</a:t>
+            </a:r>
+            <a:r>
+              <a:rPr kumimoji="1" lang="ja-JP" altLang="en-US" sz="1600" dirty="0" smtClean="0">
+                <a:solidFill>
+                  <a:schemeClr val="tx1">
+                    <a:lumMod val="75000"/>
+                    <a:lumOff val="25000"/>
+                  </a:schemeClr>
+                </a:solidFill>
+                <a:latin typeface="HGP明朝E" panose="02020900000000000000" pitchFamily="18" charset="-128"/>
+                <a:ea typeface="HGP明朝E" panose="02020900000000000000" pitchFamily="18" charset="-128"/>
+              </a:rPr>
+              <a:t>のテストは難しい</a:t>
+            </a:r>
+            <a:r>
+              <a:rPr kumimoji="1" lang="ja-JP" altLang="en-US" sz="1600" dirty="0" smtClean="0">
+                <a:solidFill>
+                  <a:schemeClr val="tx1">
+                    <a:lumMod val="75000"/>
+                    <a:lumOff val="25000"/>
+                  </a:schemeClr>
+                </a:solidFill>
+                <a:latin typeface="HGP明朝E" panose="02020900000000000000" pitchFamily="18" charset="-128"/>
+                <a:ea typeface="HGP明朝E" panose="02020900000000000000" pitchFamily="18" charset="-128"/>
+              </a:rPr>
+              <a:t>．．．</a:t>
             </a:r>
             <a:endParaRPr kumimoji="1" lang="ja-JP" altLang="en-US" sz="1600" dirty="0">
               <a:solidFill>
@@ -4577,61 +4921,22 @@
                   <a:lumOff val="25000"/>
                 </a:schemeClr>
               </a:solidFill>
-              <a:latin typeface="HGS明朝E" panose="02020900000000000000" pitchFamily="18" charset="-128"/>
-              <a:ea typeface="HGS明朝E" panose="02020900000000000000" pitchFamily="18" charset="-128"/>
+              <a:latin typeface="HGP明朝E" panose="02020900000000000000" pitchFamily="18" charset="-128"/>
+              <a:ea typeface="HGP明朝E" panose="02020900000000000000" pitchFamily="18" charset="-128"/>
             </a:endParaRPr>
           </a:p>
         </p:txBody>
       </p:sp>
-      <p:cxnSp>
-        <p:nvCxnSpPr>
-          <p:cNvPr id="41" name="直線矢印コネクタ 40"/>
-          <p:cNvCxnSpPr/>
+      <p:sp>
+        <p:nvSpPr>
+          <p:cNvPr id="30" name="テキスト ボックス 29"/>
+          <p:cNvSpPr txBox="1"/>
           <p:nvPr/>
-        </p:nvCxnSpPr>
+        </p:nvSpPr>
         <p:spPr>
           <a:xfrm>
-            <a:off x="3419170" y="5580112"/>
-            <a:ext cx="0" cy="360040"/>
-          </a:xfrm>
-          <a:prstGeom prst="straightConnector1">
-            <a:avLst/>
-          </a:prstGeom>
-          <a:ln w="38100">
-            <a:solidFill>
-              <a:schemeClr val="tx1">
-                <a:lumMod val="65000"/>
-                <a:lumOff val="35000"/>
-              </a:schemeClr>
-            </a:solidFill>
-            <a:tailEnd type="arrow"/>
-          </a:ln>
-        </p:spPr>
-        <p:style>
-          <a:lnRef idx="1">
-            <a:schemeClr val="accent1"/>
-          </a:lnRef>
-          <a:fillRef idx="0">
-            <a:schemeClr val="accent1"/>
-          </a:fillRef>
-          <a:effectRef idx="0">
-            <a:schemeClr val="accent1"/>
-          </a:effectRef>
-          <a:fontRef idx="minor">
-            <a:schemeClr val="tx1"/>
-          </a:fontRef>
-        </p:style>
-      </p:cxnSp>
-      <p:sp>
-        <p:nvSpPr>
-          <p:cNvPr id="46" name="テキスト ボックス 45"/>
-          <p:cNvSpPr txBox="1"/>
-          <p:nvPr/>
-        </p:nvSpPr>
-        <p:spPr>
-          <a:xfrm>
-            <a:off x="562372" y="5940152"/>
-            <a:ext cx="5733255" cy="584775"/>
+            <a:off x="414046" y="4603938"/>
+            <a:ext cx="6129300" cy="400110"/>
           </a:xfrm>
           <a:prstGeom prst="rect">
             <a:avLst/>
@@ -4644,452 +4949,177 @@
           </a:bodyPr>
           <a:lstStyle/>
           <a:p>
-            <a:pPr algn="ctr"/>
-            <a:r>
-              <a:rPr kumimoji="1" lang="ja-JP" altLang="en-US" sz="1600" dirty="0" smtClean="0">
-                <a:solidFill>
-                  <a:schemeClr val="tx1">
-                    <a:lumMod val="75000"/>
-                    <a:lumOff val="25000"/>
-                  </a:schemeClr>
-                </a:solidFill>
-                <a:latin typeface="HGS明朝E" panose="02020900000000000000" pitchFamily="18" charset="-128"/>
-                <a:ea typeface="HGS明朝E" panose="02020900000000000000" pitchFamily="18" charset="-128"/>
-              </a:rPr>
-              <a:t>人間の現実感を拡張するもの</a:t>
-            </a:r>
-            <a:endParaRPr kumimoji="1" lang="en-US" altLang="ja-JP" sz="1600" dirty="0" smtClean="0">
+            <a:r>
+              <a:rPr lang="ja-JP" altLang="en-US" sz="2000" dirty="0">
+                <a:solidFill>
+                  <a:schemeClr val="tx1">
+                    <a:lumMod val="75000"/>
+                    <a:lumOff val="25000"/>
+                  </a:schemeClr>
+                </a:solidFill>
+                <a:latin typeface="HGP明朝E" panose="02020900000000000000" pitchFamily="18" charset="-128"/>
+                <a:ea typeface="HGP明朝E" panose="02020900000000000000" pitchFamily="18" charset="-128"/>
+              </a:rPr>
+              <a:t>人間が操作して確かめる部分が多く，自動化</a:t>
+            </a:r>
+            <a:r>
+              <a:rPr lang="ja-JP" altLang="en-US" sz="2000" dirty="0" smtClean="0">
+                <a:solidFill>
+                  <a:schemeClr val="tx1">
+                    <a:lumMod val="75000"/>
+                    <a:lumOff val="25000"/>
+                  </a:schemeClr>
+                </a:solidFill>
+                <a:latin typeface="HGP明朝E" panose="02020900000000000000" pitchFamily="18" charset="-128"/>
+                <a:ea typeface="HGP明朝E" panose="02020900000000000000" pitchFamily="18" charset="-128"/>
+              </a:rPr>
+              <a:t>しにくい！</a:t>
+            </a:r>
+            <a:endParaRPr kumimoji="1" lang="ja-JP" altLang="en-US" sz="2000" dirty="0">
               <a:solidFill>
                 <a:schemeClr val="tx1">
                   <a:lumMod val="75000"/>
                   <a:lumOff val="25000"/>
                 </a:schemeClr>
               </a:solidFill>
-              <a:latin typeface="HGS明朝E" panose="02020900000000000000" pitchFamily="18" charset="-128"/>
-              <a:ea typeface="HGS明朝E" panose="02020900000000000000" pitchFamily="18" charset="-128"/>
+              <a:latin typeface="HGP明朝E" panose="02020900000000000000" pitchFamily="18" charset="-128"/>
+              <a:ea typeface="HGP明朝E" panose="02020900000000000000" pitchFamily="18" charset="-128"/>
             </a:endParaRPr>
           </a:p>
+        </p:txBody>
+      </p:sp>
+      <p:sp>
+        <p:nvSpPr>
+          <p:cNvPr id="31" name="テキスト ボックス 30"/>
+          <p:cNvSpPr txBox="1"/>
+          <p:nvPr/>
+        </p:nvSpPr>
+        <p:spPr>
+          <a:xfrm>
+            <a:off x="490328" y="5580112"/>
+            <a:ext cx="2650640" cy="646331"/>
+          </a:xfrm>
+          <a:prstGeom prst="rect">
+            <a:avLst/>
+          </a:prstGeom>
+          <a:noFill/>
+        </p:spPr>
+        <p:txBody>
+          <a:bodyPr wrap="square" rtlCol="0">
+            <a:spAutoFit/>
+          </a:bodyPr>
+          <a:lstStyle/>
           <a:p>
             <a:pPr algn="ctr"/>
             <a:r>
-              <a:rPr lang="ja-JP" altLang="en-US" sz="1600" dirty="0">
-                <a:solidFill>
-                  <a:schemeClr val="tx1">
-                    <a:lumMod val="75000"/>
-                    <a:lumOff val="25000"/>
-                  </a:schemeClr>
-                </a:solidFill>
-                <a:latin typeface="HGS明朝E" panose="02020900000000000000" pitchFamily="18" charset="-128"/>
-                <a:ea typeface="HGS明朝E" panose="02020900000000000000" pitchFamily="18" charset="-128"/>
-              </a:rPr>
-              <a:t>機械で</a:t>
-            </a:r>
-            <a:r>
-              <a:rPr lang="ja-JP" altLang="en-US" sz="1600" dirty="0" smtClean="0">
-                <a:solidFill>
-                  <a:schemeClr val="tx1">
-                    <a:lumMod val="75000"/>
-                    <a:lumOff val="25000"/>
-                  </a:schemeClr>
-                </a:solidFill>
-                <a:latin typeface="HGS明朝E" panose="02020900000000000000" pitchFamily="18" charset="-128"/>
-                <a:ea typeface="HGS明朝E" panose="02020900000000000000" pitchFamily="18" charset="-128"/>
-              </a:rPr>
-              <a:t>なく人が見ないとテストにならない</a:t>
-            </a:r>
-            <a:endParaRPr kumimoji="1" lang="ja-JP" altLang="en-US" sz="1600" dirty="0">
+              <a:rPr lang="en-US" altLang="ja-JP" dirty="0">
+                <a:solidFill>
+                  <a:schemeClr val="tx1">
+                    <a:lumMod val="75000"/>
+                    <a:lumOff val="25000"/>
+                  </a:schemeClr>
+                </a:solidFill>
+                <a:latin typeface="HGP明朝E" panose="02020900000000000000" pitchFamily="18" charset="-128"/>
+                <a:ea typeface="HGP明朝E" panose="02020900000000000000" pitchFamily="18" charset="-128"/>
+              </a:rPr>
+              <a:t>AR</a:t>
+            </a:r>
+            <a:r>
+              <a:rPr lang="ja-JP" altLang="en-US" dirty="0">
+                <a:solidFill>
+                  <a:schemeClr val="tx1">
+                    <a:lumMod val="75000"/>
+                    <a:lumOff val="25000"/>
+                  </a:schemeClr>
+                </a:solidFill>
+                <a:latin typeface="HGP明朝E" panose="02020900000000000000" pitchFamily="18" charset="-128"/>
+                <a:ea typeface="HGP明朝E" panose="02020900000000000000" pitchFamily="18" charset="-128"/>
+              </a:rPr>
+              <a:t>システム開発に</a:t>
+            </a:r>
+            <a:r>
+              <a:rPr lang="ja-JP" altLang="en-US" dirty="0" smtClean="0">
+                <a:solidFill>
+                  <a:schemeClr val="tx1">
+                    <a:lumMod val="75000"/>
+                    <a:lumOff val="25000"/>
+                  </a:schemeClr>
+                </a:solidFill>
+                <a:latin typeface="HGP明朝E" panose="02020900000000000000" pitchFamily="18" charset="-128"/>
+                <a:ea typeface="HGP明朝E" panose="02020900000000000000" pitchFamily="18" charset="-128"/>
+              </a:rPr>
+              <a:t>おける</a:t>
+            </a:r>
+            <a:endParaRPr lang="en-US" altLang="ja-JP" dirty="0" smtClean="0">
               <a:solidFill>
                 <a:schemeClr val="tx1">
                   <a:lumMod val="75000"/>
                   <a:lumOff val="25000"/>
                 </a:schemeClr>
               </a:solidFill>
-              <a:latin typeface="HGS明朝E" panose="02020900000000000000" pitchFamily="18" charset="-128"/>
-              <a:ea typeface="HGS明朝E" panose="02020900000000000000" pitchFamily="18" charset="-128"/>
+              <a:latin typeface="HGP明朝E" panose="02020900000000000000" pitchFamily="18" charset="-128"/>
+              <a:ea typeface="HGP明朝E" panose="02020900000000000000" pitchFamily="18" charset="-128"/>
             </a:endParaRPr>
           </a:p>
-        </p:txBody>
-      </p:sp>
-      <p:sp>
-        <p:nvSpPr>
-          <p:cNvPr id="48" name="テキスト ボックス 47"/>
-          <p:cNvSpPr txBox="1"/>
-          <p:nvPr/>
-        </p:nvSpPr>
-        <p:spPr>
-          <a:xfrm>
-            <a:off x="2517744" y="5580112"/>
-            <a:ext cx="2279408" cy="338554"/>
-          </a:xfrm>
-          <a:prstGeom prst="rect">
-            <a:avLst/>
-          </a:prstGeom>
-          <a:noFill/>
-        </p:spPr>
-        <p:txBody>
-          <a:bodyPr wrap="square" rtlCol="0">
-            <a:spAutoFit/>
-          </a:bodyPr>
-          <a:lstStyle/>
-          <a:p>
-            <a:r>
-              <a:rPr lang="ja-JP" altLang="en-US" sz="1600" dirty="0">
-                <a:solidFill>
-                  <a:schemeClr val="tx1">
-                    <a:lumMod val="75000"/>
-                    <a:lumOff val="25000"/>
-                  </a:schemeClr>
-                </a:solidFill>
-                <a:latin typeface="HGS明朝E" panose="02020900000000000000" pitchFamily="18" charset="-128"/>
-                <a:ea typeface="HGS明朝E" panose="02020900000000000000" pitchFamily="18" charset="-128"/>
-              </a:rPr>
-              <a:t>．．</a:t>
-            </a:r>
-            <a:r>
-              <a:rPr lang="ja-JP" altLang="en-US" sz="1600" dirty="0" smtClean="0">
-                <a:solidFill>
-                  <a:schemeClr val="tx1">
-                    <a:lumMod val="75000"/>
-                    <a:lumOff val="25000"/>
-                  </a:schemeClr>
-                </a:solidFill>
-                <a:latin typeface="HGS明朝E" panose="02020900000000000000" pitchFamily="18" charset="-128"/>
-                <a:ea typeface="HGS明朝E" panose="02020900000000000000" pitchFamily="18" charset="-128"/>
-              </a:rPr>
-              <a:t>．　　</a:t>
-            </a:r>
-            <a:r>
-              <a:rPr kumimoji="1" lang="ja-JP" altLang="en-US" sz="1600" dirty="0" smtClean="0">
-                <a:solidFill>
-                  <a:schemeClr val="tx1">
-                    <a:lumMod val="75000"/>
-                    <a:lumOff val="25000"/>
-                  </a:schemeClr>
-                </a:solidFill>
-                <a:latin typeface="HGS明朝E" panose="02020900000000000000" pitchFamily="18" charset="-128"/>
-                <a:ea typeface="HGS明朝E" panose="02020900000000000000" pitchFamily="18" charset="-128"/>
-              </a:rPr>
-              <a:t>しかし！</a:t>
-            </a:r>
-            <a:endParaRPr kumimoji="1" lang="ja-JP" altLang="en-US" sz="1600" dirty="0">
+          <a:p>
+            <a:pPr algn="ctr"/>
+            <a:r>
+              <a:rPr lang="ja-JP" altLang="en-US" dirty="0" smtClean="0">
+                <a:solidFill>
+                  <a:schemeClr val="tx1">
+                    <a:lumMod val="75000"/>
+                    <a:lumOff val="25000"/>
+                  </a:schemeClr>
+                </a:solidFill>
+                <a:latin typeface="HGP明朝E" panose="02020900000000000000" pitchFamily="18" charset="-128"/>
+                <a:ea typeface="HGP明朝E" panose="02020900000000000000" pitchFamily="18" charset="-128"/>
+              </a:rPr>
+              <a:t>テスト</a:t>
+            </a:r>
+            <a:r>
+              <a:rPr lang="ja-JP" altLang="en-US" dirty="0">
+                <a:solidFill>
+                  <a:schemeClr val="tx1">
+                    <a:lumMod val="75000"/>
+                    <a:lumOff val="25000"/>
+                  </a:schemeClr>
+                </a:solidFill>
+                <a:latin typeface="HGP明朝E" panose="02020900000000000000" pitchFamily="18" charset="-128"/>
+                <a:ea typeface="HGP明朝E" panose="02020900000000000000" pitchFamily="18" charset="-128"/>
+              </a:rPr>
+              <a:t>について研究</a:t>
+            </a:r>
+            <a:endParaRPr kumimoji="1" lang="ja-JP" altLang="en-US" dirty="0">
               <a:solidFill>
                 <a:schemeClr val="tx1">
                   <a:lumMod val="75000"/>
                   <a:lumOff val="25000"/>
                 </a:schemeClr>
               </a:solidFill>
-              <a:latin typeface="HGS明朝E" panose="02020900000000000000" pitchFamily="18" charset="-128"/>
-              <a:ea typeface="HGS明朝E" panose="02020900000000000000" pitchFamily="18" charset="-128"/>
+              <a:latin typeface="HGP明朝E" panose="02020900000000000000" pitchFamily="18" charset="-128"/>
+              <a:ea typeface="HGP明朝E" panose="02020900000000000000" pitchFamily="18" charset="-128"/>
             </a:endParaRPr>
           </a:p>
         </p:txBody>
       </p:sp>
-      <p:cxnSp>
-        <p:nvCxnSpPr>
-          <p:cNvPr id="49" name="直線矢印コネクタ 48"/>
-          <p:cNvCxnSpPr/>
+      <p:sp>
+        <p:nvSpPr>
+          <p:cNvPr id="42" name="円弧 41"/>
+          <p:cNvSpPr/>
           <p:nvPr/>
-        </p:nvCxnSpPr>
+        </p:nvSpPr>
         <p:spPr>
           <a:xfrm>
-            <a:off x="3429000" y="6444208"/>
-            <a:ext cx="0" cy="360040"/>
-          </a:xfrm>
-          <a:prstGeom prst="straightConnector1">
-            <a:avLst/>
-          </a:prstGeom>
-          <a:ln w="38100">
-            <a:solidFill>
-              <a:schemeClr val="tx1">
-                <a:lumMod val="65000"/>
-                <a:lumOff val="35000"/>
-              </a:schemeClr>
-            </a:solidFill>
-            <a:tailEnd type="arrow"/>
-          </a:ln>
-        </p:spPr>
-        <p:style>
-          <a:lnRef idx="1">
-            <a:schemeClr val="accent1"/>
-          </a:lnRef>
-          <a:fillRef idx="0">
-            <a:schemeClr val="accent1"/>
-          </a:fillRef>
-          <a:effectRef idx="0">
-            <a:schemeClr val="accent1"/>
-          </a:effectRef>
-          <a:fontRef idx="minor">
-            <a:schemeClr val="tx1"/>
-          </a:fontRef>
-        </p:style>
-      </p:cxnSp>
-      <p:sp>
-        <p:nvSpPr>
-          <p:cNvPr id="50" name="テキスト ボックス 49"/>
-          <p:cNvSpPr txBox="1"/>
-          <p:nvPr/>
-        </p:nvSpPr>
-        <p:spPr>
-          <a:xfrm>
-            <a:off x="880888" y="6795537"/>
-            <a:ext cx="5076564" cy="584775"/>
-          </a:xfrm>
-          <a:prstGeom prst="rect">
-            <a:avLst/>
-          </a:prstGeom>
-          <a:noFill/>
-        </p:spPr>
-        <p:txBody>
-          <a:bodyPr wrap="square" rtlCol="0">
-            <a:spAutoFit/>
-          </a:bodyPr>
-          <a:lstStyle/>
-          <a:p>
-            <a:pPr algn="ctr"/>
-            <a:r>
-              <a:rPr kumimoji="1" lang="en-US" altLang="ja-JP" sz="1600" dirty="0" smtClean="0">
-                <a:solidFill>
-                  <a:schemeClr val="tx1">
-                    <a:lumMod val="75000"/>
-                    <a:lumOff val="25000"/>
-                  </a:schemeClr>
-                </a:solidFill>
-                <a:latin typeface="HGS明朝E" panose="02020900000000000000" pitchFamily="18" charset="-128"/>
-                <a:ea typeface="HGS明朝E" panose="02020900000000000000" pitchFamily="18" charset="-128"/>
-              </a:rPr>
-              <a:t>AR</a:t>
-            </a:r>
-            <a:r>
-              <a:rPr kumimoji="1" lang="ja-JP" altLang="en-US" sz="1600" dirty="0" smtClean="0">
-                <a:solidFill>
-                  <a:schemeClr val="tx1">
-                    <a:lumMod val="75000"/>
-                    <a:lumOff val="25000"/>
-                  </a:schemeClr>
-                </a:solidFill>
-                <a:latin typeface="HGS明朝E" panose="02020900000000000000" pitchFamily="18" charset="-128"/>
-                <a:ea typeface="HGS明朝E" panose="02020900000000000000" pitchFamily="18" charset="-128"/>
-              </a:rPr>
-              <a:t>コンテンツ“</a:t>
-            </a:r>
-            <a:r>
-              <a:rPr kumimoji="1" lang="en-US" altLang="ja-JP" sz="1600" dirty="0" smtClean="0">
-                <a:solidFill>
-                  <a:schemeClr val="tx1">
-                    <a:lumMod val="75000"/>
-                    <a:lumOff val="25000"/>
-                  </a:schemeClr>
-                </a:solidFill>
-                <a:latin typeface="HGS明朝E" panose="02020900000000000000" pitchFamily="18" charset="-128"/>
-                <a:ea typeface="HGS明朝E" panose="02020900000000000000" pitchFamily="18" charset="-128"/>
-              </a:rPr>
-              <a:t>junaio</a:t>
-            </a:r>
-            <a:r>
-              <a:rPr kumimoji="1" lang="ja-JP" altLang="en-US" sz="1600" dirty="0" smtClean="0">
-                <a:solidFill>
-                  <a:schemeClr val="tx1">
-                    <a:lumMod val="75000"/>
-                    <a:lumOff val="25000"/>
-                  </a:schemeClr>
-                </a:solidFill>
-                <a:latin typeface="HGS明朝E" panose="02020900000000000000" pitchFamily="18" charset="-128"/>
-                <a:ea typeface="HGS明朝E" panose="02020900000000000000" pitchFamily="18" charset="-128"/>
-              </a:rPr>
-              <a:t>”を用いり，理解・作成</a:t>
-            </a:r>
-            <a:endParaRPr kumimoji="1" lang="en-US" altLang="ja-JP" sz="1600" dirty="0" smtClean="0">
-              <a:solidFill>
-                <a:schemeClr val="tx1">
-                  <a:lumMod val="75000"/>
-                  <a:lumOff val="25000"/>
-                </a:schemeClr>
-              </a:solidFill>
-              <a:latin typeface="HGS明朝E" panose="02020900000000000000" pitchFamily="18" charset="-128"/>
-              <a:ea typeface="HGS明朝E" panose="02020900000000000000" pitchFamily="18" charset="-128"/>
-            </a:endParaRPr>
-          </a:p>
-          <a:p>
-            <a:pPr algn="ctr"/>
-            <a:r>
-              <a:rPr lang="ja-JP" altLang="en-US" sz="1600" dirty="0">
-                <a:solidFill>
-                  <a:schemeClr val="tx1">
-                    <a:lumMod val="75000"/>
-                    <a:lumOff val="25000"/>
-                  </a:schemeClr>
-                </a:solidFill>
-                <a:latin typeface="HGS明朝E" panose="02020900000000000000" pitchFamily="18" charset="-128"/>
-                <a:ea typeface="HGS明朝E" panose="02020900000000000000" pitchFamily="18" charset="-128"/>
-              </a:rPr>
-              <a:t>実際</a:t>
-            </a:r>
-            <a:r>
-              <a:rPr lang="ja-JP" altLang="en-US" sz="1600" dirty="0" smtClean="0">
-                <a:solidFill>
-                  <a:schemeClr val="tx1">
-                    <a:lumMod val="75000"/>
-                    <a:lumOff val="25000"/>
-                  </a:schemeClr>
-                </a:solidFill>
-                <a:latin typeface="HGS明朝E" panose="02020900000000000000" pitchFamily="18" charset="-128"/>
-                <a:ea typeface="HGS明朝E" panose="02020900000000000000" pitchFamily="18" charset="-128"/>
-              </a:rPr>
-              <a:t>に</a:t>
-            </a:r>
-            <a:r>
-              <a:rPr lang="en-US" altLang="ja-JP" sz="1600" dirty="0" smtClean="0">
-                <a:solidFill>
-                  <a:schemeClr val="tx1">
-                    <a:lumMod val="75000"/>
-                    <a:lumOff val="25000"/>
-                  </a:schemeClr>
-                </a:solidFill>
-                <a:latin typeface="HGS明朝E" panose="02020900000000000000" pitchFamily="18" charset="-128"/>
-                <a:ea typeface="HGS明朝E" panose="02020900000000000000" pitchFamily="18" charset="-128"/>
-              </a:rPr>
-              <a:t>AR</a:t>
-            </a:r>
-            <a:r>
-              <a:rPr lang="ja-JP" altLang="en-US" sz="1600" dirty="0" smtClean="0">
-                <a:solidFill>
-                  <a:schemeClr val="tx1">
-                    <a:lumMod val="75000"/>
-                    <a:lumOff val="25000"/>
-                  </a:schemeClr>
-                </a:solidFill>
-                <a:latin typeface="HGS明朝E" panose="02020900000000000000" pitchFamily="18" charset="-128"/>
-                <a:ea typeface="HGS明朝E" panose="02020900000000000000" pitchFamily="18" charset="-128"/>
-              </a:rPr>
-              <a:t>を使用しテストをする</a:t>
-            </a:r>
-            <a:endParaRPr kumimoji="1" lang="ja-JP" altLang="en-US" sz="1600" dirty="0">
-              <a:solidFill>
-                <a:schemeClr val="tx1">
-                  <a:lumMod val="75000"/>
-                  <a:lumOff val="25000"/>
-                </a:schemeClr>
-              </a:solidFill>
-              <a:latin typeface="HGS明朝E" panose="02020900000000000000" pitchFamily="18" charset="-128"/>
-              <a:ea typeface="HGS明朝E" panose="02020900000000000000" pitchFamily="18" charset="-128"/>
-            </a:endParaRPr>
-          </a:p>
-        </p:txBody>
-      </p:sp>
-      <p:sp>
-        <p:nvSpPr>
-          <p:cNvPr id="51" name="テキスト ボックス 50"/>
-          <p:cNvSpPr txBox="1"/>
-          <p:nvPr/>
-        </p:nvSpPr>
-        <p:spPr>
-          <a:xfrm>
-            <a:off x="3559324" y="6465694"/>
-            <a:ext cx="1237828" cy="338554"/>
-          </a:xfrm>
-          <a:prstGeom prst="rect">
-            <a:avLst/>
-          </a:prstGeom>
-          <a:noFill/>
-        </p:spPr>
-        <p:txBody>
-          <a:bodyPr wrap="square" rtlCol="0">
-            <a:spAutoFit/>
-          </a:bodyPr>
-          <a:lstStyle/>
-          <a:p>
-            <a:r>
-              <a:rPr kumimoji="1" lang="ja-JP" altLang="en-US" sz="1600" dirty="0" smtClean="0">
-                <a:solidFill>
-                  <a:schemeClr val="tx1">
-                    <a:lumMod val="75000"/>
-                    <a:lumOff val="25000"/>
-                  </a:schemeClr>
-                </a:solidFill>
-                <a:latin typeface="HGS明朝E" panose="02020900000000000000" pitchFamily="18" charset="-128"/>
-                <a:ea typeface="HGS明朝E" panose="02020900000000000000" pitchFamily="18" charset="-128"/>
-              </a:rPr>
-              <a:t>そこで！</a:t>
-            </a:r>
-            <a:endParaRPr kumimoji="1" lang="ja-JP" altLang="en-US" sz="1600" dirty="0">
-              <a:solidFill>
-                <a:schemeClr val="tx1">
-                  <a:lumMod val="75000"/>
-                  <a:lumOff val="25000"/>
-                </a:schemeClr>
-              </a:solidFill>
-              <a:latin typeface="HGS明朝E" panose="02020900000000000000" pitchFamily="18" charset="-128"/>
-              <a:ea typeface="HGS明朝E" panose="02020900000000000000" pitchFamily="18" charset="-128"/>
-            </a:endParaRPr>
-          </a:p>
-        </p:txBody>
-      </p:sp>
-      <p:sp>
-        <p:nvSpPr>
-          <p:cNvPr id="52" name="テキスト ボックス 51"/>
-          <p:cNvSpPr txBox="1"/>
-          <p:nvPr/>
-        </p:nvSpPr>
-        <p:spPr>
-          <a:xfrm>
-            <a:off x="2963274" y="7884368"/>
-            <a:ext cx="908877" cy="707886"/>
-          </a:xfrm>
-          <a:prstGeom prst="rect">
-            <a:avLst/>
-          </a:prstGeom>
-          <a:noFill/>
-        </p:spPr>
-        <p:txBody>
-          <a:bodyPr wrap="square" rtlCol="0">
-            <a:spAutoFit/>
-          </a:bodyPr>
-          <a:lstStyle/>
-          <a:p>
-            <a:r>
-              <a:rPr kumimoji="1" lang="en-US" altLang="ja-JP" sz="4000" dirty="0" smtClean="0">
-                <a:solidFill>
-                  <a:schemeClr val="tx1">
-                    <a:lumMod val="75000"/>
-                    <a:lumOff val="25000"/>
-                  </a:schemeClr>
-                </a:solidFill>
-                <a:latin typeface="HGS明朝E" panose="02020900000000000000" pitchFamily="18" charset="-128"/>
-                <a:ea typeface="HGS明朝E" panose="02020900000000000000" pitchFamily="18" charset="-128"/>
-              </a:rPr>
-              <a:t>AR</a:t>
-            </a:r>
-            <a:endParaRPr kumimoji="1" lang="ja-JP" altLang="en-US" sz="4000" dirty="0">
-              <a:solidFill>
-                <a:schemeClr val="tx1">
-                  <a:lumMod val="75000"/>
-                  <a:lumOff val="25000"/>
-                </a:schemeClr>
-              </a:solidFill>
-              <a:latin typeface="HGS明朝E" panose="02020900000000000000" pitchFamily="18" charset="-128"/>
-              <a:ea typeface="HGS明朝E" panose="02020900000000000000" pitchFamily="18" charset="-128"/>
-            </a:endParaRPr>
-          </a:p>
-        </p:txBody>
-      </p:sp>
-      <p:sp>
-        <p:nvSpPr>
-          <p:cNvPr id="57" name="円弧 56"/>
-          <p:cNvSpPr/>
-          <p:nvPr/>
-        </p:nvSpPr>
-        <p:spPr>
-          <a:xfrm rot="5824864">
-            <a:off x="2905314" y="7760353"/>
-            <a:ext cx="1011086" cy="998820"/>
+            <a:off x="886371" y="5260722"/>
+            <a:ext cx="1800199" cy="886162"/>
           </a:xfrm>
           <a:prstGeom prst="arc">
             <a:avLst>
-              <a:gd name="adj1" fmla="val 10114227"/>
-              <a:gd name="adj2" fmla="val 0"/>
+              <a:gd name="adj1" fmla="val 10966426"/>
+              <a:gd name="adj2" fmla="val 21444214"/>
             </a:avLst>
           </a:prstGeom>
-          <a:ln w="28575">
+          <a:ln>
             <a:solidFill>
               <a:srgbClr val="FF0000"/>
             </a:solidFill>
@@ -5120,24 +5150,24 @@
       </p:sp>
       <p:sp>
         <p:nvSpPr>
-          <p:cNvPr id="58" name="円弧 57"/>
+          <p:cNvPr id="59" name="円弧 58"/>
           <p:cNvSpPr/>
           <p:nvPr/>
         </p:nvSpPr>
         <p:spPr>
-          <a:xfrm rot="16425063">
-            <a:off x="2878807" y="7760352"/>
-            <a:ext cx="1011086" cy="998820"/>
+          <a:xfrm rot="10800000">
+            <a:off x="814363" y="5630054"/>
+            <a:ext cx="1944216" cy="886162"/>
           </a:xfrm>
           <a:prstGeom prst="arc">
             <a:avLst>
-              <a:gd name="adj1" fmla="val 10204763"/>
-              <a:gd name="adj2" fmla="val 38119"/>
+              <a:gd name="adj1" fmla="val 10927602"/>
+              <a:gd name="adj2" fmla="val 21444214"/>
             </a:avLst>
           </a:prstGeom>
-          <a:ln w="28575">
+          <a:ln>
             <a:solidFill>
-              <a:schemeClr val="tx2"/>
+              <a:srgbClr val="FF0000"/>
             </a:solidFill>
           </a:ln>
         </p:spPr>
@@ -5164,16 +5194,473 @@
           </a:p>
         </p:txBody>
       </p:sp>
+      <p:sp>
+        <p:nvSpPr>
+          <p:cNvPr id="33" name="テキスト ボックス 32"/>
+          <p:cNvSpPr txBox="1"/>
+          <p:nvPr/>
+        </p:nvSpPr>
+        <p:spPr>
+          <a:xfrm>
+            <a:off x="3789040" y="5580111"/>
+            <a:ext cx="2353916" cy="646331"/>
+          </a:xfrm>
+          <a:prstGeom prst="rect">
+            <a:avLst/>
+          </a:prstGeom>
+          <a:noFill/>
+        </p:spPr>
+        <p:txBody>
+          <a:bodyPr wrap="square" rtlCol="0">
+            <a:spAutoFit/>
+          </a:bodyPr>
+          <a:lstStyle/>
+          <a:p>
+            <a:pPr algn="ctr"/>
+            <a:r>
+              <a:rPr lang="ja-JP" altLang="en-US" dirty="0">
+                <a:solidFill>
+                  <a:schemeClr val="tx1">
+                    <a:lumMod val="75000"/>
+                    <a:lumOff val="25000"/>
+                  </a:schemeClr>
+                </a:solidFill>
+                <a:latin typeface="HGP明朝E" panose="02020900000000000000" pitchFamily="18" charset="-128"/>
+                <a:ea typeface="HGP明朝E" panose="02020900000000000000" pitchFamily="18" charset="-128"/>
+              </a:rPr>
+              <a:t>テストの現状を調査</a:t>
+            </a:r>
+            <a:r>
+              <a:rPr lang="ja-JP" altLang="en-US" dirty="0" smtClean="0">
+                <a:solidFill>
+                  <a:schemeClr val="tx1">
+                    <a:lumMod val="75000"/>
+                    <a:lumOff val="25000"/>
+                  </a:schemeClr>
+                </a:solidFill>
+                <a:latin typeface="HGP明朝E" panose="02020900000000000000" pitchFamily="18" charset="-128"/>
+                <a:ea typeface="HGP明朝E" panose="02020900000000000000" pitchFamily="18" charset="-128"/>
+              </a:rPr>
+              <a:t>しテスト</a:t>
+            </a:r>
+            <a:r>
+              <a:rPr lang="ja-JP" altLang="en-US" dirty="0">
+                <a:solidFill>
+                  <a:schemeClr val="tx1">
+                    <a:lumMod val="75000"/>
+                    <a:lumOff val="25000"/>
+                  </a:schemeClr>
+                </a:solidFill>
+                <a:latin typeface="HGP明朝E" panose="02020900000000000000" pitchFamily="18" charset="-128"/>
+                <a:ea typeface="HGP明朝E" panose="02020900000000000000" pitchFamily="18" charset="-128"/>
+              </a:rPr>
+              <a:t>のあり方を提案</a:t>
+            </a:r>
+            <a:endParaRPr kumimoji="1" lang="ja-JP" altLang="en-US" dirty="0">
+              <a:solidFill>
+                <a:schemeClr val="tx1">
+                  <a:lumMod val="75000"/>
+                  <a:lumOff val="25000"/>
+                </a:schemeClr>
+              </a:solidFill>
+              <a:latin typeface="HGP明朝E" panose="02020900000000000000" pitchFamily="18" charset="-128"/>
+              <a:ea typeface="HGP明朝E" panose="02020900000000000000" pitchFamily="18" charset="-128"/>
+            </a:endParaRPr>
+          </a:p>
+        </p:txBody>
+      </p:sp>
+      <p:sp>
+        <p:nvSpPr>
+          <p:cNvPr id="61" name="円弧 60"/>
+          <p:cNvSpPr/>
+          <p:nvPr/>
+        </p:nvSpPr>
+        <p:spPr>
+          <a:xfrm>
+            <a:off x="4054724" y="5219479"/>
+            <a:ext cx="1800199" cy="886162"/>
+          </a:xfrm>
+          <a:prstGeom prst="arc">
+            <a:avLst>
+              <a:gd name="adj1" fmla="val 10966426"/>
+              <a:gd name="adj2" fmla="val 21444214"/>
+            </a:avLst>
+          </a:prstGeom>
+          <a:ln>
+            <a:solidFill>
+              <a:srgbClr val="FF0000"/>
+            </a:solidFill>
+          </a:ln>
+        </p:spPr>
+        <p:style>
+          <a:lnRef idx="1">
+            <a:schemeClr val="accent1"/>
+          </a:lnRef>
+          <a:fillRef idx="0">
+            <a:schemeClr val="accent1"/>
+          </a:fillRef>
+          <a:effectRef idx="0">
+            <a:schemeClr val="accent1"/>
+          </a:effectRef>
+          <a:fontRef idx="minor">
+            <a:schemeClr val="tx1"/>
+          </a:fontRef>
+        </p:style>
+        <p:txBody>
+          <a:bodyPr rtlCol="0" anchor="ctr"/>
+          <a:lstStyle/>
+          <a:p>
+            <a:pPr algn="ctr"/>
+            <a:endParaRPr kumimoji="1" lang="ja-JP" altLang="en-US"/>
+          </a:p>
+        </p:txBody>
+      </p:sp>
+      <p:sp>
+        <p:nvSpPr>
+          <p:cNvPr id="63" name="円弧 62"/>
+          <p:cNvSpPr/>
+          <p:nvPr/>
+        </p:nvSpPr>
+        <p:spPr>
+          <a:xfrm rot="10800000">
+            <a:off x="4054724" y="5630054"/>
+            <a:ext cx="1836204" cy="886162"/>
+          </a:xfrm>
+          <a:prstGeom prst="arc">
+            <a:avLst>
+              <a:gd name="adj1" fmla="val 11117599"/>
+              <a:gd name="adj2" fmla="val 21212043"/>
+            </a:avLst>
+          </a:prstGeom>
+          <a:ln>
+            <a:solidFill>
+              <a:srgbClr val="FF0000"/>
+            </a:solidFill>
+          </a:ln>
+        </p:spPr>
+        <p:style>
+          <a:lnRef idx="1">
+            <a:schemeClr val="accent1"/>
+          </a:lnRef>
+          <a:fillRef idx="0">
+            <a:schemeClr val="accent1"/>
+          </a:fillRef>
+          <a:effectRef idx="0">
+            <a:schemeClr val="accent1"/>
+          </a:effectRef>
+          <a:fontRef idx="minor">
+            <a:schemeClr val="tx1"/>
+          </a:fontRef>
+        </p:style>
+        <p:txBody>
+          <a:bodyPr rtlCol="0" anchor="ctr"/>
+          <a:lstStyle/>
+          <a:p>
+            <a:pPr algn="ctr"/>
+            <a:endParaRPr kumimoji="1" lang="ja-JP" altLang="en-US"/>
+          </a:p>
+        </p:txBody>
+      </p:sp>
       <p:cxnSp>
         <p:nvCxnSpPr>
-          <p:cNvPr id="60" name="直線矢印コネクタ 59"/>
+          <p:cNvPr id="68" name="直線矢印コネクタ 67"/>
           <p:cNvCxnSpPr/>
           <p:nvPr/>
         </p:nvCxnSpPr>
         <p:spPr>
           <a:xfrm>
-            <a:off x="1628800" y="8259762"/>
-            <a:ext cx="1080120" cy="1"/>
+            <a:off x="3933056" y="8604448"/>
+            <a:ext cx="1296144" cy="0"/>
+          </a:xfrm>
+          <a:prstGeom prst="straightConnector1">
+            <a:avLst/>
+          </a:prstGeom>
+          <a:ln w="28575">
+            <a:solidFill>
+              <a:srgbClr val="FF0000"/>
+            </a:solidFill>
+            <a:headEnd type="arrow" w="med" len="med"/>
+            <a:tailEnd type="arrow" w="med" len="med"/>
+          </a:ln>
+        </p:spPr>
+        <p:style>
+          <a:lnRef idx="1">
+            <a:schemeClr val="accent1"/>
+          </a:lnRef>
+          <a:fillRef idx="0">
+            <a:schemeClr val="accent1"/>
+          </a:fillRef>
+          <a:effectRef idx="0">
+            <a:schemeClr val="accent1"/>
+          </a:effectRef>
+          <a:fontRef idx="minor">
+            <a:schemeClr val="tx1"/>
+          </a:fontRef>
+        </p:style>
+      </p:cxnSp>
+      <p:grpSp>
+        <p:nvGrpSpPr>
+          <p:cNvPr id="76" name="グループ化 75"/>
+          <p:cNvGrpSpPr/>
+          <p:nvPr/>
+        </p:nvGrpSpPr>
+        <p:grpSpPr>
+          <a:xfrm>
+            <a:off x="2852936" y="7806844"/>
+            <a:ext cx="1014167" cy="1013628"/>
+            <a:chOff x="2852936" y="7607661"/>
+            <a:chExt cx="1014167" cy="1013628"/>
+          </a:xfrm>
+        </p:grpSpPr>
+        <p:sp>
+          <p:nvSpPr>
+            <p:cNvPr id="52" name="テキスト ボックス 51"/>
+            <p:cNvSpPr txBox="1"/>
+            <p:nvPr/>
+          </p:nvSpPr>
+          <p:spPr>
+            <a:xfrm>
+              <a:off x="2927552" y="7737809"/>
+              <a:ext cx="908877" cy="707886"/>
+            </a:xfrm>
+            <a:prstGeom prst="rect">
+              <a:avLst/>
+            </a:prstGeom>
+            <a:noFill/>
+          </p:spPr>
+          <p:txBody>
+            <a:bodyPr wrap="square" rtlCol="0">
+              <a:spAutoFit/>
+            </a:bodyPr>
+            <a:lstStyle/>
+            <a:p>
+              <a:r>
+                <a:rPr kumimoji="1" lang="en-US" altLang="ja-JP" sz="4000" dirty="0" smtClean="0">
+                  <a:solidFill>
+                    <a:schemeClr val="tx1">
+                      <a:lumMod val="75000"/>
+                      <a:lumOff val="25000"/>
+                    </a:schemeClr>
+                  </a:solidFill>
+                  <a:latin typeface="HGS明朝E" panose="02020900000000000000" pitchFamily="18" charset="-128"/>
+                  <a:ea typeface="HGS明朝E" panose="02020900000000000000" pitchFamily="18" charset="-128"/>
+                </a:rPr>
+                <a:t>AR</a:t>
+              </a:r>
+              <a:endParaRPr kumimoji="1" lang="ja-JP" altLang="en-US" sz="4000" dirty="0">
+                <a:solidFill>
+                  <a:schemeClr val="tx1">
+                    <a:lumMod val="75000"/>
+                    <a:lumOff val="25000"/>
+                  </a:schemeClr>
+                </a:solidFill>
+                <a:latin typeface="HGS明朝E" panose="02020900000000000000" pitchFamily="18" charset="-128"/>
+                <a:ea typeface="HGS明朝E" panose="02020900000000000000" pitchFamily="18" charset="-128"/>
+              </a:endParaRPr>
+            </a:p>
+          </p:txBody>
+        </p:sp>
+        <p:grpSp>
+          <p:nvGrpSpPr>
+            <p:cNvPr id="75" name="グループ化 74"/>
+            <p:cNvGrpSpPr/>
+            <p:nvPr/>
+          </p:nvGrpSpPr>
+          <p:grpSpPr>
+            <a:xfrm>
+              <a:off x="2852936" y="7607661"/>
+              <a:ext cx="1014167" cy="1013628"/>
+              <a:chOff x="2875725" y="7607661"/>
+              <a:chExt cx="1014167" cy="1013628"/>
+            </a:xfrm>
+          </p:grpSpPr>
+          <p:sp>
+            <p:nvSpPr>
+              <p:cNvPr id="57" name="円弧 56"/>
+              <p:cNvSpPr/>
+              <p:nvPr/>
+            </p:nvSpPr>
+            <p:spPr>
+              <a:xfrm rot="5824864">
+                <a:off x="2869592" y="7613794"/>
+                <a:ext cx="1011086" cy="998820"/>
+              </a:xfrm>
+              <a:prstGeom prst="arc">
+                <a:avLst>
+                  <a:gd name="adj1" fmla="val 14707295"/>
+                  <a:gd name="adj2" fmla="val 0"/>
+                </a:avLst>
+              </a:prstGeom>
+              <a:ln w="28575">
+                <a:solidFill>
+                  <a:srgbClr val="FF0000"/>
+                </a:solidFill>
+              </a:ln>
+            </p:spPr>
+            <p:style>
+              <a:lnRef idx="1">
+                <a:schemeClr val="accent1"/>
+              </a:lnRef>
+              <a:fillRef idx="0">
+                <a:schemeClr val="accent1"/>
+              </a:fillRef>
+              <a:effectRef idx="0">
+                <a:schemeClr val="accent1"/>
+              </a:effectRef>
+              <a:fontRef idx="minor">
+                <a:schemeClr val="tx1"/>
+              </a:fontRef>
+            </p:style>
+            <p:txBody>
+              <a:bodyPr rtlCol="0" anchor="ctr"/>
+              <a:lstStyle/>
+              <a:p>
+                <a:pPr algn="ctr"/>
+                <a:endParaRPr kumimoji="1" lang="ja-JP" altLang="en-US"/>
+              </a:p>
+            </p:txBody>
+          </p:sp>
+          <p:sp>
+            <p:nvSpPr>
+              <p:cNvPr id="58" name="円弧 57"/>
+              <p:cNvSpPr/>
+              <p:nvPr/>
+            </p:nvSpPr>
+            <p:spPr>
+              <a:xfrm rot="16425063">
+                <a:off x="2878807" y="7616336"/>
+                <a:ext cx="1011086" cy="998820"/>
+              </a:xfrm>
+              <a:prstGeom prst="arc">
+                <a:avLst>
+                  <a:gd name="adj1" fmla="val 10204763"/>
+                  <a:gd name="adj2" fmla="val 17042470"/>
+                </a:avLst>
+              </a:prstGeom>
+              <a:ln w="28575">
+                <a:solidFill>
+                  <a:schemeClr val="tx2"/>
+                </a:solidFill>
+              </a:ln>
+            </p:spPr>
+            <p:style>
+              <a:lnRef idx="1">
+                <a:schemeClr val="accent1"/>
+              </a:lnRef>
+              <a:fillRef idx="0">
+                <a:schemeClr val="accent1"/>
+              </a:fillRef>
+              <a:effectRef idx="0">
+                <a:schemeClr val="accent1"/>
+              </a:effectRef>
+              <a:fontRef idx="minor">
+                <a:schemeClr val="tx1"/>
+              </a:fontRef>
+            </p:style>
+            <p:txBody>
+              <a:bodyPr rtlCol="0" anchor="ctr"/>
+              <a:lstStyle/>
+              <a:p>
+                <a:pPr algn="ctr"/>
+                <a:endParaRPr kumimoji="1" lang="ja-JP" altLang="en-US"/>
+              </a:p>
+            </p:txBody>
+          </p:sp>
+          <p:sp>
+            <p:nvSpPr>
+              <p:cNvPr id="73" name="円弧 72"/>
+              <p:cNvSpPr/>
+              <p:nvPr/>
+            </p:nvSpPr>
+            <p:spPr>
+              <a:xfrm rot="2385999">
+                <a:off x="2878806" y="7616335"/>
+                <a:ext cx="1011086" cy="998820"/>
+              </a:xfrm>
+              <a:prstGeom prst="arc">
+                <a:avLst>
+                  <a:gd name="adj1" fmla="val 9381073"/>
+                  <a:gd name="adj2" fmla="val 18166756"/>
+                </a:avLst>
+              </a:prstGeom>
+              <a:ln w="28575">
+                <a:solidFill>
+                  <a:srgbClr val="00B050"/>
+                </a:solidFill>
+              </a:ln>
+            </p:spPr>
+            <p:style>
+              <a:lnRef idx="1">
+                <a:schemeClr val="accent1"/>
+              </a:lnRef>
+              <a:fillRef idx="0">
+                <a:schemeClr val="accent1"/>
+              </a:fillRef>
+              <a:effectRef idx="0">
+                <a:schemeClr val="accent1"/>
+              </a:effectRef>
+              <a:fontRef idx="minor">
+                <a:schemeClr val="tx1"/>
+              </a:fontRef>
+            </p:style>
+            <p:txBody>
+              <a:bodyPr rtlCol="0" anchor="ctr"/>
+              <a:lstStyle/>
+              <a:p>
+                <a:pPr algn="ctr"/>
+                <a:endParaRPr kumimoji="1" lang="ja-JP" altLang="en-US"/>
+              </a:p>
+            </p:txBody>
+          </p:sp>
+        </p:grpSp>
+      </p:grpSp>
+      <p:cxnSp>
+        <p:nvCxnSpPr>
+          <p:cNvPr id="74" name="直線矢印コネクタ 73"/>
+          <p:cNvCxnSpPr/>
+          <p:nvPr/>
+        </p:nvCxnSpPr>
+        <p:spPr>
+          <a:xfrm>
+            <a:off x="3356992" y="7335371"/>
+            <a:ext cx="0" cy="413764"/>
+          </a:xfrm>
+          <a:prstGeom prst="straightConnector1">
+            <a:avLst/>
+          </a:prstGeom>
+          <a:ln w="28575">
+            <a:solidFill>
+              <a:srgbClr val="00B050"/>
+            </a:solidFill>
+            <a:headEnd type="arrow" w="med" len="med"/>
+            <a:tailEnd type="arrow" w="med" len="med"/>
+          </a:ln>
+        </p:spPr>
+        <p:style>
+          <a:lnRef idx="1">
+            <a:schemeClr val="accent1"/>
+          </a:lnRef>
+          <a:fillRef idx="0">
+            <a:schemeClr val="accent1"/>
+          </a:fillRef>
+          <a:effectRef idx="0">
+            <a:schemeClr val="accent1"/>
+          </a:effectRef>
+          <a:fontRef idx="minor">
+            <a:schemeClr val="tx1"/>
+          </a:fontRef>
+        </p:style>
+      </p:cxnSp>
+      <p:cxnSp>
+        <p:nvCxnSpPr>
+          <p:cNvPr id="83" name="直線矢印コネクタ 82"/>
+          <p:cNvCxnSpPr/>
+          <p:nvPr/>
+        </p:nvCxnSpPr>
+        <p:spPr>
+          <a:xfrm>
+            <a:off x="1628800" y="8604448"/>
+            <a:ext cx="1224136" cy="0"/>
           </a:xfrm>
           <a:prstGeom prst="straightConnector1">
             <a:avLst/>
@@ -5203,14 +5690,14 @@
       </p:cxnSp>
       <p:sp>
         <p:nvSpPr>
-          <p:cNvPr id="64" name="テキスト ボックス 63"/>
+          <p:cNvPr id="80" name="テキスト ボックス 79"/>
           <p:cNvSpPr txBox="1"/>
           <p:nvPr/>
         </p:nvSpPr>
         <p:spPr>
           <a:xfrm>
-            <a:off x="-27384" y="7958117"/>
-            <a:ext cx="1736812" cy="646331"/>
+            <a:off x="2551212" y="6937639"/>
+            <a:ext cx="1885900" cy="369332"/>
           </a:xfrm>
           <a:prstGeom prst="rect">
             <a:avLst/>
@@ -5223,57 +5710,36 @@
           </a:bodyPr>
           <a:lstStyle/>
           <a:p>
-            <a:pPr algn="ctr"/>
-            <a:r>
-              <a:rPr lang="ja-JP" altLang="en-US" dirty="0" smtClean="0">
-                <a:solidFill>
-                  <a:schemeClr val="tx2"/>
-                </a:solidFill>
-                <a:latin typeface="HGS明朝E" panose="02020900000000000000" pitchFamily="18" charset="-128"/>
-                <a:ea typeface="HGS明朝E" panose="02020900000000000000" pitchFamily="18" charset="-128"/>
-              </a:rPr>
-              <a:t>品質</a:t>
-            </a:r>
-            <a:endParaRPr lang="en-US" altLang="ja-JP" dirty="0" smtClean="0">
+            <a:r>
+              <a:rPr kumimoji="1" lang="ja-JP" altLang="en-US" dirty="0" smtClean="0">
+                <a:solidFill>
+                  <a:srgbClr val="00B050"/>
+                </a:solidFill>
+                <a:latin typeface="HGP明朝E" panose="02020900000000000000" pitchFamily="18" charset="-128"/>
+                <a:ea typeface="HGP明朝E" panose="02020900000000000000" pitchFamily="18" charset="-128"/>
+              </a:rPr>
+              <a:t>リスクマネジメント</a:t>
+            </a:r>
+            <a:endParaRPr kumimoji="1" lang="ja-JP" altLang="en-US" dirty="0">
               <a:solidFill>
-                <a:schemeClr val="tx2"/>
+                <a:srgbClr val="00B050"/>
               </a:solidFill>
-              <a:latin typeface="HGS明朝E" panose="02020900000000000000" pitchFamily="18" charset="-128"/>
-              <a:ea typeface="HGS明朝E" panose="02020900000000000000" pitchFamily="18" charset="-128"/>
+              <a:latin typeface="HGP明朝E" panose="02020900000000000000" pitchFamily="18" charset="-128"/>
+              <a:ea typeface="HGP明朝E" panose="02020900000000000000" pitchFamily="18" charset="-128"/>
             </a:endParaRPr>
           </a:p>
-          <a:p>
-            <a:pPr algn="ctr"/>
-            <a:r>
-              <a:rPr lang="ja-JP" altLang="en-US" dirty="0" smtClean="0">
-                <a:solidFill>
-                  <a:schemeClr val="tx2"/>
-                </a:solidFill>
-                <a:latin typeface="HGS明朝E" panose="02020900000000000000" pitchFamily="18" charset="-128"/>
-                <a:ea typeface="HGS明朝E" panose="02020900000000000000" pitchFamily="18" charset="-128"/>
-              </a:rPr>
-              <a:t>マネジメント</a:t>
-            </a:r>
-            <a:endParaRPr kumimoji="1" lang="en-US" altLang="ja-JP" dirty="0" smtClean="0">
-              <a:solidFill>
-                <a:schemeClr val="tx2"/>
-              </a:solidFill>
-              <a:latin typeface="HGS明朝E" panose="02020900000000000000" pitchFamily="18" charset="-128"/>
-              <a:ea typeface="HGS明朝E" panose="02020900000000000000" pitchFamily="18" charset="-128"/>
-            </a:endParaRPr>
-          </a:p>
-        </p:txBody>
-      </p:sp>
-      <p:sp>
-        <p:nvSpPr>
-          <p:cNvPr id="65" name="テキスト ボックス 64"/>
+        </p:txBody>
+      </p:sp>
+      <p:sp>
+        <p:nvSpPr>
+          <p:cNvPr id="84" name="テキスト ボックス 83"/>
           <p:cNvSpPr txBox="1"/>
           <p:nvPr/>
         </p:nvSpPr>
         <p:spPr>
           <a:xfrm>
-            <a:off x="1628800" y="8481918"/>
-            <a:ext cx="1080120" cy="338554"/>
+            <a:off x="3573016" y="7389159"/>
+            <a:ext cx="2448272" cy="307777"/>
           </a:xfrm>
           <a:prstGeom prst="rect">
             <a:avLst/>
@@ -5287,319 +5753,28 @@
           <a:lstStyle/>
           <a:p>
             <a:r>
-              <a:rPr kumimoji="1" lang="ja-JP" altLang="en-US" sz="1600" dirty="0" smtClean="0">
-                <a:solidFill>
-                  <a:schemeClr val="tx2"/>
-                </a:solidFill>
-                <a:latin typeface="HGS明朝E" panose="02020900000000000000" pitchFamily="18" charset="-128"/>
-                <a:ea typeface="HGS明朝E" panose="02020900000000000000" pitchFamily="18" charset="-128"/>
-              </a:rPr>
-              <a:t>品質向上</a:t>
-            </a:r>
-            <a:endParaRPr kumimoji="1" lang="ja-JP" altLang="en-US" sz="1600" dirty="0">
-              <a:solidFill>
-                <a:schemeClr val="tx2"/>
-              </a:solidFill>
-              <a:latin typeface="HGS明朝E" panose="02020900000000000000" pitchFamily="18" charset="-128"/>
-              <a:ea typeface="HGS明朝E" panose="02020900000000000000" pitchFamily="18" charset="-128"/>
-            </a:endParaRPr>
-          </a:p>
-        </p:txBody>
-      </p:sp>
-      <p:cxnSp>
-        <p:nvCxnSpPr>
-          <p:cNvPr id="66" name="直線矢印コネクタ 65"/>
-          <p:cNvCxnSpPr/>
-          <p:nvPr/>
-        </p:nvCxnSpPr>
-        <p:spPr>
-          <a:xfrm flipH="1">
-            <a:off x="4077073" y="8259762"/>
-            <a:ext cx="1022052" cy="761"/>
-          </a:xfrm>
-          <a:prstGeom prst="straightConnector1">
-            <a:avLst/>
-          </a:prstGeom>
-          <a:ln w="28575">
-            <a:solidFill>
-              <a:srgbClr val="FF0000"/>
-            </a:solidFill>
-            <a:headEnd type="arrow" w="med" len="med"/>
-            <a:tailEnd type="arrow" w="med" len="med"/>
-          </a:ln>
-        </p:spPr>
-        <p:style>
-          <a:lnRef idx="1">
-            <a:schemeClr val="accent1"/>
-          </a:lnRef>
-          <a:fillRef idx="0">
-            <a:schemeClr val="accent1"/>
-          </a:fillRef>
-          <a:effectRef idx="0">
-            <a:schemeClr val="accent1"/>
-          </a:effectRef>
-          <a:fontRef idx="minor">
-            <a:schemeClr val="tx1"/>
-          </a:fontRef>
-        </p:style>
-      </p:cxnSp>
-      <p:sp>
-        <p:nvSpPr>
-          <p:cNvPr id="81" name="テキスト ボックス 80"/>
-          <p:cNvSpPr txBox="1"/>
-          <p:nvPr/>
-        </p:nvSpPr>
-        <p:spPr>
-          <a:xfrm>
-            <a:off x="4941168" y="7956376"/>
-            <a:ext cx="1736812" cy="646331"/>
-          </a:xfrm>
-          <a:prstGeom prst="rect">
-            <a:avLst/>
-          </a:prstGeom>
-          <a:noFill/>
-        </p:spPr>
-        <p:txBody>
-          <a:bodyPr wrap="square" rtlCol="0">
-            <a:spAutoFit/>
-          </a:bodyPr>
-          <a:lstStyle/>
-          <a:p>
-            <a:pPr algn="ctr"/>
-            <a:r>
-              <a:rPr kumimoji="1" lang="ja-JP" altLang="en-US" dirty="0" smtClean="0">
-                <a:solidFill>
-                  <a:srgbClr val="FF0000"/>
-                </a:solidFill>
-                <a:latin typeface="HGS明朝E" panose="02020900000000000000" pitchFamily="18" charset="-128"/>
-                <a:ea typeface="HGS明朝E" panose="02020900000000000000" pitchFamily="18" charset="-128"/>
-              </a:rPr>
-              <a:t>経営戦略</a:t>
-            </a:r>
-            <a:endParaRPr kumimoji="1" lang="en-US" altLang="ja-JP" dirty="0" smtClean="0">
-              <a:solidFill>
-                <a:srgbClr val="FF0000"/>
-              </a:solidFill>
-              <a:latin typeface="HGS明朝E" panose="02020900000000000000" pitchFamily="18" charset="-128"/>
-              <a:ea typeface="HGS明朝E" panose="02020900000000000000" pitchFamily="18" charset="-128"/>
-            </a:endParaRPr>
-          </a:p>
-          <a:p>
-            <a:pPr algn="ctr"/>
-            <a:r>
-              <a:rPr lang="ja-JP" altLang="en-US" dirty="0">
-                <a:solidFill>
-                  <a:srgbClr val="FF0000"/>
-                </a:solidFill>
-                <a:latin typeface="HGS明朝E" panose="02020900000000000000" pitchFamily="18" charset="-128"/>
-                <a:ea typeface="HGS明朝E" panose="02020900000000000000" pitchFamily="18" charset="-128"/>
-              </a:rPr>
-              <a:t>マネジメント</a:t>
-            </a:r>
-            <a:endParaRPr kumimoji="1" lang="en-US" altLang="ja-JP" dirty="0" smtClean="0">
-              <a:solidFill>
-                <a:srgbClr val="FF0000"/>
-              </a:solidFill>
-              <a:latin typeface="HGS明朝E" panose="02020900000000000000" pitchFamily="18" charset="-128"/>
-              <a:ea typeface="HGS明朝E" panose="02020900000000000000" pitchFamily="18" charset="-128"/>
-            </a:endParaRPr>
-          </a:p>
-        </p:txBody>
-      </p:sp>
-      <p:sp>
-        <p:nvSpPr>
-          <p:cNvPr id="82" name="テキスト ボックス 81"/>
-          <p:cNvSpPr txBox="1"/>
-          <p:nvPr/>
-        </p:nvSpPr>
-        <p:spPr>
-          <a:xfrm>
-            <a:off x="3933056" y="8460432"/>
-            <a:ext cx="1318456" cy="523220"/>
-          </a:xfrm>
-          <a:prstGeom prst="rect">
-            <a:avLst/>
-          </a:prstGeom>
-          <a:noFill/>
-        </p:spPr>
-        <p:txBody>
-          <a:bodyPr wrap="square" rtlCol="0">
-            <a:spAutoFit/>
-          </a:bodyPr>
-          <a:lstStyle/>
-          <a:p>
-            <a:pPr algn="ctr"/>
-            <a:r>
-              <a:rPr kumimoji="1" lang="ja-JP" altLang="en-US" sz="1400" dirty="0" smtClean="0">
-                <a:solidFill>
-                  <a:srgbClr val="FF0000"/>
-                </a:solidFill>
-                <a:latin typeface="HGS明朝E" panose="02020900000000000000" pitchFamily="18" charset="-128"/>
-                <a:ea typeface="HGS明朝E" panose="02020900000000000000" pitchFamily="18" charset="-128"/>
-              </a:rPr>
-              <a:t>競合企業との</a:t>
-            </a:r>
-            <a:endParaRPr kumimoji="1" lang="en-US" altLang="ja-JP" sz="1400" dirty="0" smtClean="0">
-              <a:solidFill>
-                <a:srgbClr val="FF0000"/>
-              </a:solidFill>
-              <a:latin typeface="HGS明朝E" panose="02020900000000000000" pitchFamily="18" charset="-128"/>
-              <a:ea typeface="HGS明朝E" panose="02020900000000000000" pitchFamily="18" charset="-128"/>
-            </a:endParaRPr>
-          </a:p>
-          <a:p>
-            <a:pPr algn="ctr"/>
-            <a:r>
               <a:rPr lang="ja-JP" altLang="en-US" sz="1400" dirty="0">
                 <a:solidFill>
-                  <a:srgbClr val="FF0000"/>
-                </a:solidFill>
-                <a:latin typeface="HGS明朝E" panose="02020900000000000000" pitchFamily="18" charset="-128"/>
-                <a:ea typeface="HGS明朝E" panose="02020900000000000000" pitchFamily="18" charset="-128"/>
-              </a:rPr>
-              <a:t>差別化</a:t>
+                  <a:srgbClr val="00B050"/>
+                </a:solidFill>
+                <a:latin typeface="HGP明朝E" panose="02020900000000000000" pitchFamily="18" charset="-128"/>
+                <a:ea typeface="HGP明朝E" panose="02020900000000000000" pitchFamily="18" charset="-128"/>
+              </a:rPr>
+              <a:t>テスト</a:t>
+            </a:r>
+            <a:r>
+              <a:rPr lang="ja-JP" altLang="en-US" sz="1400" dirty="0" smtClean="0">
+                <a:solidFill>
+                  <a:srgbClr val="00B050"/>
+                </a:solidFill>
+                <a:latin typeface="HGP明朝E" panose="02020900000000000000" pitchFamily="18" charset="-128"/>
+                <a:ea typeface="HGP明朝E" panose="02020900000000000000" pitchFamily="18" charset="-128"/>
+              </a:rPr>
+              <a:t>の自動化による不具合</a:t>
             </a:r>
             <a:endParaRPr kumimoji="1" lang="ja-JP" altLang="en-US" sz="1400" dirty="0">
               <a:solidFill>
-                <a:srgbClr val="FF0000"/>
-              </a:solidFill>
-              <a:latin typeface="HGS明朝E" panose="02020900000000000000" pitchFamily="18" charset="-128"/>
-              <a:ea typeface="HGS明朝E" panose="02020900000000000000" pitchFamily="18" charset="-128"/>
-            </a:endParaRPr>
-          </a:p>
-        </p:txBody>
-      </p:sp>
-      <p:cxnSp>
-        <p:nvCxnSpPr>
-          <p:cNvPr id="40" name="直線矢印コネクタ 39"/>
-          <p:cNvCxnSpPr/>
-          <p:nvPr/>
-        </p:nvCxnSpPr>
-        <p:spPr>
-          <a:xfrm flipV="1">
-            <a:off x="3657448" y="3644934"/>
-            <a:ext cx="301688" cy="12304"/>
-          </a:xfrm>
-          <a:prstGeom prst="straightConnector1">
-            <a:avLst/>
-          </a:prstGeom>
-          <a:ln w="38100">
-            <a:solidFill>
-              <a:schemeClr val="tx1">
-                <a:lumMod val="65000"/>
-                <a:lumOff val="35000"/>
-              </a:schemeClr>
-            </a:solidFill>
-            <a:tailEnd type="arrow"/>
-          </a:ln>
-        </p:spPr>
-        <p:style>
-          <a:lnRef idx="1">
-            <a:schemeClr val="accent1"/>
-          </a:lnRef>
-          <a:fillRef idx="0">
-            <a:schemeClr val="accent1"/>
-          </a:fillRef>
-          <a:effectRef idx="0">
-            <a:schemeClr val="accent1"/>
-          </a:effectRef>
-          <a:fontRef idx="minor">
-            <a:schemeClr val="tx1"/>
-          </a:fontRef>
-        </p:style>
-      </p:cxnSp>
-      <p:cxnSp>
-        <p:nvCxnSpPr>
-          <p:cNvPr id="16" name="直線コネクタ 15"/>
-          <p:cNvCxnSpPr/>
-          <p:nvPr/>
-        </p:nvCxnSpPr>
-        <p:spPr>
-          <a:xfrm>
-            <a:off x="3052184" y="3659968"/>
-            <a:ext cx="283117" cy="0"/>
-          </a:xfrm>
-          <a:prstGeom prst="line">
-            <a:avLst/>
-          </a:prstGeom>
-          <a:ln w="38100">
-            <a:solidFill>
-              <a:schemeClr val="tx1">
-                <a:lumMod val="65000"/>
-                <a:lumOff val="35000"/>
-              </a:schemeClr>
-            </a:solidFill>
-          </a:ln>
-        </p:spPr>
-        <p:style>
-          <a:lnRef idx="1">
-            <a:schemeClr val="accent1"/>
-          </a:lnRef>
-          <a:fillRef idx="0">
-            <a:schemeClr val="accent1"/>
-          </a:fillRef>
-          <a:effectRef idx="0">
-            <a:schemeClr val="accent1"/>
-          </a:effectRef>
-          <a:fontRef idx="minor">
-            <a:schemeClr val="tx1"/>
-          </a:fontRef>
-        </p:style>
-      </p:cxnSp>
-      <p:sp>
-        <p:nvSpPr>
-          <p:cNvPr id="24" name="テキスト ボックス 23"/>
-          <p:cNvSpPr txBox="1"/>
-          <p:nvPr/>
-        </p:nvSpPr>
-        <p:spPr>
-          <a:xfrm>
-            <a:off x="792784" y="4706724"/>
-            <a:ext cx="5416447" cy="369332"/>
-          </a:xfrm>
-          <a:prstGeom prst="rect">
-            <a:avLst/>
-          </a:prstGeom>
-          <a:noFill/>
-        </p:spPr>
-        <p:txBody>
-          <a:bodyPr wrap="square" rtlCol="0">
-            <a:spAutoFit/>
-          </a:bodyPr>
-          <a:lstStyle/>
-          <a:p>
-            <a:r>
-              <a:rPr lang="ja-JP" altLang="en-US" dirty="0">
-                <a:solidFill>
-                  <a:schemeClr val="tx1">
-                    <a:lumMod val="75000"/>
-                    <a:lumOff val="25000"/>
-                  </a:schemeClr>
-                </a:solidFill>
-                <a:latin typeface="HGP明朝E" panose="02020900000000000000" pitchFamily="18" charset="-128"/>
-                <a:ea typeface="HGP明朝E" panose="02020900000000000000" pitchFamily="18" charset="-128"/>
-              </a:rPr>
-              <a:t>新しいコミュニケーション空間を創造することが</a:t>
-            </a:r>
-            <a:r>
-              <a:rPr lang="ja-JP" altLang="en-US" dirty="0" smtClean="0">
-                <a:solidFill>
-                  <a:schemeClr val="tx1">
-                    <a:lumMod val="75000"/>
-                    <a:lumOff val="25000"/>
-                  </a:schemeClr>
-                </a:solidFill>
-                <a:latin typeface="HGP明朝E" panose="02020900000000000000" pitchFamily="18" charset="-128"/>
-                <a:ea typeface="HGP明朝E" panose="02020900000000000000" pitchFamily="18" charset="-128"/>
-              </a:rPr>
-              <a:t>できる！</a:t>
-            </a:r>
-            <a:endParaRPr kumimoji="1" lang="ja-JP" altLang="en-US" dirty="0">
-              <a:solidFill>
-                <a:schemeClr val="tx1">
-                  <a:lumMod val="75000"/>
-                  <a:lumOff val="25000"/>
-                </a:schemeClr>
+                <a:srgbClr val="00B050"/>
               </a:solidFill>
               <a:latin typeface="HGP明朝E" panose="02020900000000000000" pitchFamily="18" charset="-128"/>
               <a:ea typeface="HGP明朝E" panose="02020900000000000000" pitchFamily="18" charset="-128"/>
@@ -5688,7 +5863,7 @@
         </p:nvCxnSpPr>
         <p:spPr>
           <a:xfrm>
-            <a:off x="116632" y="2483768"/>
+            <a:off x="139756" y="2483768"/>
             <a:ext cx="6480720" cy="0"/>
           </a:xfrm>
           <a:prstGeom prst="line">
@@ -6399,6 +6574,19 @@
               <a:t>AR</a:t>
             </a:r>
             <a:r>
+              <a:rPr lang="ja-JP" altLang="en-US" sz="2000" dirty="0">
+                <a:solidFill>
+                  <a:schemeClr val="tx1">
+                    <a:lumMod val="75000"/>
+                    <a:lumOff val="25000"/>
+                  </a:schemeClr>
+                </a:solidFill>
+                <a:latin typeface="HGP明朝E" panose="02020900000000000000" pitchFamily="18" charset="-128"/>
+                <a:ea typeface="HGP明朝E" panose="02020900000000000000" pitchFamily="18" charset="-128"/>
+              </a:rPr>
+              <a:t>アプリケーションの実装実験を</a:t>
+            </a:r>
+            <a:r>
               <a:rPr lang="ja-JP" altLang="en-US" sz="2000" dirty="0" smtClean="0">
                 <a:solidFill>
                   <a:schemeClr val="tx1">
@@ -6406,36 +6594,10 @@
                     <a:lumOff val="25000"/>
                   </a:schemeClr>
                 </a:solidFill>
-                <a:latin typeface="HGS明朝E" panose="02020900000000000000" pitchFamily="18" charset="-128"/>
-                <a:ea typeface="HGS明朝E" panose="02020900000000000000" pitchFamily="18" charset="-128"/>
-              </a:rPr>
-              <a:t>のコンテンツ作成である“</a:t>
-            </a:r>
-            <a:r>
-              <a:rPr lang="en-US" altLang="ja-JP" sz="2000" dirty="0" smtClean="0">
-                <a:solidFill>
-                  <a:schemeClr val="tx1">
-                    <a:lumMod val="75000"/>
-                    <a:lumOff val="25000"/>
-                  </a:schemeClr>
-                </a:solidFill>
-                <a:latin typeface="HGS明朝E" panose="02020900000000000000" pitchFamily="18" charset="-128"/>
-                <a:ea typeface="HGS明朝E" panose="02020900000000000000" pitchFamily="18" charset="-128"/>
-              </a:rPr>
-              <a:t>junaio</a:t>
-            </a:r>
-            <a:r>
-              <a:rPr lang="ja-JP" altLang="en-US" sz="2000" dirty="0" smtClean="0">
-                <a:solidFill>
-                  <a:schemeClr val="tx1">
-                    <a:lumMod val="75000"/>
-                    <a:lumOff val="25000"/>
-                  </a:schemeClr>
-                </a:solidFill>
-                <a:latin typeface="HGS明朝E" panose="02020900000000000000" pitchFamily="18" charset="-128"/>
-                <a:ea typeface="HGS明朝E" panose="02020900000000000000" pitchFamily="18" charset="-128"/>
-              </a:rPr>
-              <a:t>”を用いる</a:t>
+                <a:latin typeface="HGP明朝E" panose="02020900000000000000" pitchFamily="18" charset="-128"/>
+                <a:ea typeface="HGP明朝E" panose="02020900000000000000" pitchFamily="18" charset="-128"/>
+              </a:rPr>
+              <a:t>行う</a:t>
             </a:r>
             <a:endParaRPr lang="en-US" altLang="ja-JP" sz="2000" dirty="0" smtClean="0">
               <a:solidFill>
@@ -6444,8 +6606,8 @@
                   <a:lumOff val="25000"/>
                 </a:schemeClr>
               </a:solidFill>
-              <a:latin typeface="HGS明朝E" panose="02020900000000000000" pitchFamily="18" charset="-128"/>
-              <a:ea typeface="HGS明朝E" panose="02020900000000000000" pitchFamily="18" charset="-128"/>
+              <a:latin typeface="HGP明朝E" panose="02020900000000000000" pitchFamily="18" charset="-128"/>
+              <a:ea typeface="HGP明朝E" panose="02020900000000000000" pitchFamily="18" charset="-128"/>
             </a:endParaRPr>
           </a:p>
           <a:p>
@@ -6457,72 +6619,148 @@
               <a:buAutoNum type="arabicPeriod"/>
             </a:pPr>
             <a:r>
-              <a:rPr kumimoji="1" lang="en-US" altLang="ja-JP" sz="2000" dirty="0" smtClean="0">
-                <a:solidFill>
-                  <a:schemeClr val="tx1">
-                    <a:lumMod val="75000"/>
-                    <a:lumOff val="25000"/>
-                  </a:schemeClr>
-                </a:solidFill>
-                <a:latin typeface="HGS明朝E" panose="02020900000000000000" pitchFamily="18" charset="-128"/>
-                <a:ea typeface="HGS明朝E" panose="02020900000000000000" pitchFamily="18" charset="-128"/>
-              </a:rPr>
-              <a:t>junaio</a:t>
-            </a:r>
-            <a:r>
-              <a:rPr kumimoji="1" lang="ja-JP" altLang="en-US" sz="2000" dirty="0" smtClean="0">
-                <a:solidFill>
-                  <a:schemeClr val="tx1">
-                    <a:lumMod val="75000"/>
-                    <a:lumOff val="25000"/>
-                  </a:schemeClr>
-                </a:solidFill>
-                <a:latin typeface="HGS明朝E" panose="02020900000000000000" pitchFamily="18" charset="-128"/>
-                <a:ea typeface="HGS明朝E" panose="02020900000000000000" pitchFamily="18" charset="-128"/>
-              </a:rPr>
-              <a:t>で実践する</a:t>
-            </a:r>
-            <a:endParaRPr kumimoji="1" lang="en-US" altLang="ja-JP" sz="2000" dirty="0" smtClean="0">
+              <a:rPr lang="en-US" altLang="ja-JP" sz="2000" dirty="0">
+                <a:solidFill>
+                  <a:schemeClr val="tx1">
+                    <a:lumMod val="75000"/>
+                    <a:lumOff val="25000"/>
+                  </a:schemeClr>
+                </a:solidFill>
+                <a:latin typeface="HGP明朝E" panose="02020900000000000000" pitchFamily="18" charset="-128"/>
+                <a:ea typeface="HGP明朝E" panose="02020900000000000000" pitchFamily="18" charset="-128"/>
+              </a:rPr>
+              <a:t>2</a:t>
+            </a:r>
+            <a:r>
+              <a:rPr lang="ja-JP" altLang="en-US" sz="2000" dirty="0">
+                <a:solidFill>
+                  <a:schemeClr val="tx1">
+                    <a:lumMod val="75000"/>
+                    <a:lumOff val="25000"/>
+                  </a:schemeClr>
+                </a:solidFill>
+                <a:latin typeface="HGP明朝E" panose="02020900000000000000" pitchFamily="18" charset="-128"/>
+                <a:ea typeface="HGP明朝E" panose="02020900000000000000" pitchFamily="18" charset="-128"/>
+              </a:rPr>
+              <a:t>を通じて</a:t>
+            </a:r>
+            <a:r>
+              <a:rPr lang="en-US" altLang="ja-JP" sz="2000" dirty="0">
+                <a:solidFill>
+                  <a:schemeClr val="tx1">
+                    <a:lumMod val="75000"/>
+                    <a:lumOff val="25000"/>
+                  </a:schemeClr>
+                </a:solidFill>
+                <a:latin typeface="HGP明朝E" panose="02020900000000000000" pitchFamily="18" charset="-128"/>
+                <a:ea typeface="HGP明朝E" panose="02020900000000000000" pitchFamily="18" charset="-128"/>
+              </a:rPr>
+              <a:t>AP</a:t>
+            </a:r>
+            <a:r>
+              <a:rPr lang="ja-JP" altLang="en-US" sz="2000" dirty="0">
+                <a:solidFill>
+                  <a:schemeClr val="tx1">
+                    <a:lumMod val="75000"/>
+                    <a:lumOff val="25000"/>
+                  </a:schemeClr>
+                </a:solidFill>
+                <a:latin typeface="HGP明朝E" panose="02020900000000000000" pitchFamily="18" charset="-128"/>
+                <a:ea typeface="HGP明朝E" panose="02020900000000000000" pitchFamily="18" charset="-128"/>
+              </a:rPr>
+              <a:t>アプリのテストの現状を把握</a:t>
+            </a:r>
+            <a:r>
+              <a:rPr lang="ja-JP" altLang="en-US" sz="2000" dirty="0" smtClean="0">
+                <a:solidFill>
+                  <a:schemeClr val="tx1">
+                    <a:lumMod val="75000"/>
+                    <a:lumOff val="25000"/>
+                  </a:schemeClr>
+                </a:solidFill>
+                <a:latin typeface="HGP明朝E" panose="02020900000000000000" pitchFamily="18" charset="-128"/>
+                <a:ea typeface="HGP明朝E" panose="02020900000000000000" pitchFamily="18" charset="-128"/>
+              </a:rPr>
+              <a:t>する</a:t>
+            </a:r>
+            <a:endParaRPr lang="en-US" altLang="ja-JP" sz="2000" dirty="0">
               <a:solidFill>
                 <a:schemeClr val="tx1">
                   <a:lumMod val="75000"/>
                   <a:lumOff val="25000"/>
                 </a:schemeClr>
               </a:solidFill>
-              <a:latin typeface="HGS明朝E" panose="02020900000000000000" pitchFamily="18" charset="-128"/>
-              <a:ea typeface="HGS明朝E" panose="02020900000000000000" pitchFamily="18" charset="-128"/>
+              <a:latin typeface="HGP明朝E" panose="02020900000000000000" pitchFamily="18" charset="-128"/>
+              <a:ea typeface="HGP明朝E" panose="02020900000000000000" pitchFamily="18" charset="-128"/>
             </a:endParaRPr>
           </a:p>
           <a:p>
-            <a:pPr marL="342900" indent="-342900">
+            <a:pPr lvl="2">
               <a:lnSpc>
                 <a:spcPct val="150000"/>
               </a:lnSpc>
-              <a:buFont typeface="+mj-lt"/>
-              <a:buAutoNum type="arabicPeriod"/>
             </a:pPr>
             <a:r>
-              <a:rPr lang="ja-JP" altLang="en-US" sz="2000" dirty="0" smtClean="0">
-                <a:solidFill>
-                  <a:schemeClr val="tx1">
-                    <a:lumMod val="75000"/>
-                    <a:lumOff val="25000"/>
-                  </a:schemeClr>
-                </a:solidFill>
-                <a:latin typeface="HGS明朝E" panose="02020900000000000000" pitchFamily="18" charset="-128"/>
-                <a:ea typeface="HGS明朝E" panose="02020900000000000000" pitchFamily="18" charset="-128"/>
-              </a:rPr>
-              <a:t>テストを行う</a:t>
-            </a:r>
-            <a:endParaRPr kumimoji="1" lang="ja-JP" altLang="en-US" sz="2000" dirty="0">
+              <a:rPr lang="en-US" altLang="ja-JP" sz="2000" dirty="0" smtClean="0">
+                <a:solidFill>
+                  <a:schemeClr val="tx1">
+                    <a:lumMod val="75000"/>
+                    <a:lumOff val="25000"/>
+                  </a:schemeClr>
+                </a:solidFill>
+                <a:latin typeface="HGP明朝E" panose="02020900000000000000" pitchFamily="18" charset="-128"/>
+                <a:ea typeface="HGP明朝E" panose="02020900000000000000" pitchFamily="18" charset="-128"/>
+              </a:rPr>
+              <a:t>AR</a:t>
+            </a:r>
+            <a:r>
+              <a:rPr lang="ja-JP" altLang="en-US" sz="2000" dirty="0">
+                <a:solidFill>
+                  <a:schemeClr val="tx1">
+                    <a:lumMod val="75000"/>
+                    <a:lumOff val="25000"/>
+                  </a:schemeClr>
+                </a:solidFill>
+                <a:latin typeface="HGP明朝E" panose="02020900000000000000" pitchFamily="18" charset="-128"/>
+                <a:ea typeface="HGP明朝E" panose="02020900000000000000" pitchFamily="18" charset="-128"/>
+              </a:rPr>
+              <a:t>の実装には</a:t>
+            </a:r>
+            <a:r>
+              <a:rPr lang="en-US" altLang="ja-JP" sz="2000" dirty="0">
+                <a:solidFill>
+                  <a:schemeClr val="tx1">
+                    <a:lumMod val="75000"/>
+                    <a:lumOff val="25000"/>
+                  </a:schemeClr>
+                </a:solidFill>
+                <a:latin typeface="HGP明朝E" panose="02020900000000000000" pitchFamily="18" charset="-128"/>
+                <a:ea typeface="HGP明朝E" panose="02020900000000000000" pitchFamily="18" charset="-128"/>
+              </a:rPr>
+              <a:t>Junaio</a:t>
+            </a:r>
+            <a:r>
+              <a:rPr lang="ja-JP" altLang="en-US" sz="2000" dirty="0">
+                <a:solidFill>
+                  <a:schemeClr val="tx1">
+                    <a:lumMod val="75000"/>
+                    <a:lumOff val="25000"/>
+                  </a:schemeClr>
+                </a:solidFill>
+                <a:latin typeface="HGP明朝E" panose="02020900000000000000" pitchFamily="18" charset="-128"/>
+                <a:ea typeface="HGP明朝E" panose="02020900000000000000" pitchFamily="18" charset="-128"/>
+              </a:rPr>
+              <a:t>を用いる</a:t>
+            </a:r>
+            <a:endParaRPr kumimoji="1" lang="en-US" altLang="ja-JP" sz="2000" dirty="0">
               <a:solidFill>
                 <a:schemeClr val="tx1">
                   <a:lumMod val="75000"/>
                   <a:lumOff val="25000"/>
                 </a:schemeClr>
               </a:solidFill>
-              <a:latin typeface="HGS明朝E" panose="02020900000000000000" pitchFamily="18" charset="-128"/>
-              <a:ea typeface="HGS明朝E" panose="02020900000000000000" pitchFamily="18" charset="-128"/>
+              <a:latin typeface="HGP明朝E" panose="02020900000000000000" pitchFamily="18" charset="-128"/>
+              <a:ea typeface="HGP明朝E" panose="02020900000000000000" pitchFamily="18" charset="-128"/>
             </a:endParaRPr>
           </a:p>
         </p:txBody>
@@ -6535,8 +6773,8 @@
         </p:nvGrpSpPr>
         <p:grpSpPr>
           <a:xfrm>
-            <a:off x="68627" y="3033698"/>
-            <a:ext cx="1920213" cy="1754326"/>
+            <a:off x="344657" y="2871168"/>
+            <a:ext cx="1920213" cy="1772840"/>
             <a:chOff x="2516899" y="2915816"/>
             <a:chExt cx="1920213" cy="1754326"/>
           </a:xfrm>
@@ -6653,6 +6891,22 @@
                   <a:latin typeface="HGS明朝E" panose="02020900000000000000" pitchFamily="18" charset="-128"/>
                   <a:ea typeface="HGS明朝E" panose="02020900000000000000" pitchFamily="18" charset="-128"/>
                 </a:rPr>
+                <a:t>pioneer</a:t>
+              </a:r>
+            </a:p>
+            <a:p>
+              <a:pPr algn="ctr"/>
+              <a:r>
+                <a:rPr lang="en-US" altLang="ja-JP" dirty="0" smtClean="0">
+                  <a:solidFill>
+                    <a:schemeClr val="tx1">
+                      <a:lumMod val="75000"/>
+                      <a:lumOff val="25000"/>
+                    </a:schemeClr>
+                  </a:solidFill>
+                  <a:latin typeface="HGS明朝E" panose="02020900000000000000" pitchFamily="18" charset="-128"/>
+                  <a:ea typeface="HGS明朝E" panose="02020900000000000000" pitchFamily="18" charset="-128"/>
+                </a:rPr>
                 <a:t>NTT</a:t>
               </a:r>
               <a:r>
@@ -6668,32 +6922,6 @@
                 </a:rPr>
                 <a:t>東日本</a:t>
               </a:r>
-              <a:endParaRPr lang="en-US" altLang="ja-JP" dirty="0" smtClean="0">
-                <a:solidFill>
-                  <a:schemeClr val="tx1">
-                    <a:lumMod val="75000"/>
-                    <a:lumOff val="25000"/>
-                  </a:schemeClr>
-                </a:solidFill>
-                <a:latin typeface="HGS明朝E" panose="02020900000000000000" pitchFamily="18" charset="-128"/>
-                <a:ea typeface="HGS明朝E" panose="02020900000000000000" pitchFamily="18" charset="-128"/>
-              </a:endParaRPr>
-            </a:p>
-            <a:p>
-              <a:pPr algn="ctr"/>
-              <a:r>
-                <a:rPr lang="ja-JP" altLang="en-US" dirty="0" smtClean="0">
-                  <a:solidFill>
-                    <a:schemeClr val="tx1">
-                      <a:lumMod val="75000"/>
-                      <a:lumOff val="25000"/>
-                    </a:schemeClr>
-                  </a:solidFill>
-                  <a:latin typeface="HGS明朝E" panose="02020900000000000000" pitchFamily="18" charset="-128"/>
-                  <a:ea typeface="HGS明朝E" panose="02020900000000000000" pitchFamily="18" charset="-128"/>
-                </a:rPr>
-                <a:t>コカ・コーラ</a:t>
-              </a:r>
               <a:endParaRPr lang="en-US" altLang="ja-JP" dirty="0">
                 <a:solidFill>
                   <a:schemeClr val="tx1">
@@ -6701,8 +6929,8 @@
                     <a:lumOff val="25000"/>
                   </a:schemeClr>
                 </a:solidFill>
-                <a:latin typeface="HGS明朝E" panose="02020900000000000000" pitchFamily="18" charset="-128"/>
-                <a:ea typeface="HGS明朝E" panose="02020900000000000000" pitchFamily="18" charset="-128"/>
+                <a:latin typeface="HGP明朝E" panose="02020900000000000000" pitchFamily="18" charset="-128"/>
+                <a:ea typeface="HGP明朝E" panose="02020900000000000000" pitchFamily="18" charset="-128"/>
               </a:endParaRPr>
             </a:p>
             <a:p>
@@ -6924,23 +7152,118 @@
           </p:cxnSp>
         </p:grpSp>
       </p:grpSp>
+      <p:sp>
+        <p:nvSpPr>
+          <p:cNvPr id="65" name="テキスト ボックス 64"/>
+          <p:cNvSpPr txBox="1"/>
+          <p:nvPr/>
+        </p:nvSpPr>
+        <p:spPr>
+          <a:xfrm>
+            <a:off x="5085184" y="2977756"/>
+            <a:ext cx="1064576" cy="738664"/>
+          </a:xfrm>
+          <a:prstGeom prst="rect">
+            <a:avLst/>
+          </a:prstGeom>
+          <a:noFill/>
+        </p:spPr>
+        <p:txBody>
+          <a:bodyPr wrap="square" rtlCol="0">
+            <a:spAutoFit/>
+          </a:bodyPr>
+          <a:lstStyle/>
+          <a:p>
+            <a:r>
+              <a:rPr lang="en-US" altLang="ja-JP" sz="2400" dirty="0">
+                <a:solidFill>
+                  <a:schemeClr val="tx1">
+                    <a:lumMod val="75000"/>
+                    <a:lumOff val="25000"/>
+                  </a:schemeClr>
+                </a:solidFill>
+                <a:latin typeface="HGP明朝E" panose="02020900000000000000" pitchFamily="18" charset="-128"/>
+                <a:ea typeface="HGP明朝E" panose="02020900000000000000" pitchFamily="18" charset="-128"/>
+              </a:rPr>
+              <a:t>j</a:t>
+            </a:r>
+            <a:r>
+              <a:rPr kumimoji="1" lang="en-US" altLang="ja-JP" sz="2400" dirty="0" smtClean="0">
+                <a:solidFill>
+                  <a:schemeClr val="tx1">
+                    <a:lumMod val="75000"/>
+                    <a:lumOff val="25000"/>
+                  </a:schemeClr>
+                </a:solidFill>
+                <a:latin typeface="HGP明朝E" panose="02020900000000000000" pitchFamily="18" charset="-128"/>
+                <a:ea typeface="HGP明朝E" panose="02020900000000000000" pitchFamily="18" charset="-128"/>
+              </a:rPr>
+              <a:t>unaio</a:t>
+            </a:r>
+          </a:p>
+          <a:p>
+            <a:endParaRPr kumimoji="1" lang="ja-JP" altLang="en-US" dirty="0"/>
+          </a:p>
+        </p:txBody>
+      </p:sp>
+      <p:pic>
+        <p:nvPicPr>
+          <p:cNvPr id="1027" name="Picture 3" descr="C:\Users\doi\Pictures\IMG_1579.PNG"/>
+          <p:cNvPicPr>
+            <a:picLocks noChangeAspect="1" noChangeArrowheads="1"/>
+          </p:cNvPicPr>
+          <p:nvPr/>
+        </p:nvPicPr>
+        <p:blipFill>
+          <a:blip r:embed="rId2" cstate="print">
+            <a:extLst>
+              <a:ext uri="{28A0092B-C50C-407E-A947-70E740481C1C}">
+                <a14:useLocalDpi xmlns:a14="http://schemas.microsoft.com/office/drawing/2010/main" val="0"/>
+              </a:ext>
+            </a:extLst>
+          </a:blip>
+          <a:srcRect/>
+          <a:stretch>
+            <a:fillRect/>
+          </a:stretch>
+        </p:blipFill>
+        <p:spPr bwMode="auto">
+          <a:xfrm>
+            <a:off x="4769504" y="3490690"/>
+            <a:ext cx="1792141" cy="3313558"/>
+          </a:xfrm>
+          <a:prstGeom prst="rect">
+            <a:avLst/>
+          </a:prstGeom>
+          <a:noFill/>
+          <a:extLst>
+            <a:ext uri="{909E8E84-426E-40DD-AFC4-6F175D3DCCD1}">
+              <a14:hiddenFill xmlns:a14="http://schemas.microsoft.com/office/drawing/2010/main">
+                <a:solidFill>
+                  <a:srgbClr val="FFFFFF"/>
+                </a:solidFill>
+              </a14:hiddenFill>
+            </a:ext>
+          </a:extLst>
+        </p:spPr>
+      </p:pic>
       <p:grpSp>
         <p:nvGrpSpPr>
-          <p:cNvPr id="40" name="グループ化 39"/>
+          <p:cNvPr id="71" name="グループ化 70"/>
           <p:cNvGrpSpPr/>
           <p:nvPr/>
         </p:nvGrpSpPr>
         <p:grpSpPr>
           <a:xfrm>
-            <a:off x="2132856" y="2699792"/>
-            <a:ext cx="2863345" cy="2054798"/>
+            <a:off x="932601" y="4710619"/>
+            <a:ext cx="2746713" cy="2152788"/>
             <a:chOff x="404664" y="2915816"/>
             <a:chExt cx="1512169" cy="1728192"/>
           </a:xfrm>
         </p:grpSpPr>
         <p:sp>
           <p:nvSpPr>
-            <p:cNvPr id="41" name="テキスト ボックス 40"/>
+            <p:cNvPr id="72" name="テキスト ボックス 71"/>
             <p:cNvSpPr txBox="1"/>
             <p:nvPr/>
           </p:nvSpPr>
@@ -7016,10 +7339,7 @@
               <a:r>
                 <a:rPr lang="ja-JP" altLang="en-US" sz="1400" dirty="0" smtClean="0">
                   <a:solidFill>
-                    <a:schemeClr val="tx1">
-                      <a:lumMod val="75000"/>
-                      <a:lumOff val="25000"/>
-                    </a:schemeClr>
+                    <a:srgbClr val="FF0000"/>
                   </a:solidFill>
                   <a:latin typeface="HGS明朝E" panose="02020900000000000000" pitchFamily="18" charset="-128"/>
                   <a:ea typeface="HGS明朝E" panose="02020900000000000000" pitchFamily="18" charset="-128"/>
@@ -7028,10 +7348,7 @@
               </a:r>
               <a:endParaRPr lang="en-US" altLang="ja-JP" sz="1400" dirty="0" smtClean="0">
                 <a:solidFill>
-                  <a:schemeClr val="tx1">
-                    <a:lumMod val="75000"/>
-                    <a:lumOff val="25000"/>
-                  </a:schemeClr>
+                  <a:srgbClr val="FF0000"/>
                 </a:solidFill>
                 <a:latin typeface="HGS明朝E" panose="02020900000000000000" pitchFamily="18" charset="-128"/>
                 <a:ea typeface="HGS明朝E" panose="02020900000000000000" pitchFamily="18" charset="-128"/>
@@ -7042,10 +7359,7 @@
               <a:r>
                 <a:rPr lang="ja-JP" altLang="en-US" sz="1400" dirty="0" smtClean="0">
                   <a:solidFill>
-                    <a:schemeClr val="tx1">
-                      <a:lumMod val="75000"/>
-                      <a:lumOff val="25000"/>
-                    </a:schemeClr>
+                    <a:srgbClr val="FF0000"/>
                   </a:solidFill>
                   <a:latin typeface="HGS明朝E" panose="02020900000000000000" pitchFamily="18" charset="-128"/>
                   <a:ea typeface="HGS明朝E" panose="02020900000000000000" pitchFamily="18" charset="-128"/>
@@ -7055,10 +7369,7 @@
               <a:r>
                 <a:rPr lang="en-US" altLang="ja-JP" sz="1400" dirty="0" smtClean="0">
                   <a:solidFill>
-                    <a:schemeClr val="tx1">
-                      <a:lumMod val="75000"/>
-                      <a:lumOff val="25000"/>
-                    </a:schemeClr>
+                    <a:srgbClr val="FF0000"/>
                   </a:solidFill>
                   <a:latin typeface="HGS明朝E" panose="02020900000000000000" pitchFamily="18" charset="-128"/>
                   <a:ea typeface="HGS明朝E" panose="02020900000000000000" pitchFamily="18" charset="-128"/>
@@ -7216,7 +7527,7 @@
         </p:sp>
         <p:grpSp>
           <p:nvGrpSpPr>
-            <p:cNvPr id="42" name="グループ化 41"/>
+            <p:cNvPr id="73" name="グループ化 72"/>
             <p:cNvGrpSpPr/>
             <p:nvPr/>
           </p:nvGrpSpPr>
@@ -7230,7 +7541,7 @@
           </p:grpSpPr>
           <p:cxnSp>
             <p:nvCxnSpPr>
-              <p:cNvPr id="43" name="直線コネクタ 42"/>
+              <p:cNvPr id="74" name="直線コネクタ 73"/>
               <p:cNvCxnSpPr/>
               <p:nvPr/>
             </p:nvCxnSpPr>
@@ -7265,7 +7576,7 @@
           </p:cxnSp>
           <p:cxnSp>
             <p:nvCxnSpPr>
-              <p:cNvPr id="44" name="直線コネクタ 43"/>
+              <p:cNvPr id="75" name="直線コネクタ 74"/>
               <p:cNvCxnSpPr/>
               <p:nvPr/>
             </p:nvCxnSpPr>
@@ -7300,7 +7611,7 @@
           </p:cxnSp>
           <p:cxnSp>
             <p:nvCxnSpPr>
-              <p:cNvPr id="45" name="直線コネクタ 44"/>
+              <p:cNvPr id="76" name="直線コネクタ 75"/>
               <p:cNvCxnSpPr/>
               <p:nvPr/>
             </p:nvCxnSpPr>
@@ -7335,7 +7646,7 @@
           </p:cxnSp>
           <p:cxnSp>
             <p:nvCxnSpPr>
-              <p:cNvPr id="46" name="直線コネクタ 45"/>
+              <p:cNvPr id="77" name="直線コネクタ 76"/>
               <p:cNvCxnSpPr/>
               <p:nvPr/>
             </p:nvCxnSpPr>
@@ -7370,14 +7681,14 @@
           </p:cxnSp>
           <p:cxnSp>
             <p:nvCxnSpPr>
-              <p:cNvPr id="47" name="直線コネクタ 46"/>
+              <p:cNvPr id="78" name="直線コネクタ 77"/>
               <p:cNvCxnSpPr/>
               <p:nvPr/>
             </p:nvCxnSpPr>
             <p:spPr>
-              <a:xfrm>
+              <a:xfrm flipV="1">
                 <a:off x="404664" y="3131840"/>
-                <a:ext cx="430692" cy="0"/>
+                <a:ext cx="366040" cy="1"/>
               </a:xfrm>
               <a:prstGeom prst="line">
                 <a:avLst/>
@@ -7405,362 +7716,392 @@
           </p:cxnSp>
         </p:grpSp>
       </p:grpSp>
-      <p:sp>
-        <p:nvSpPr>
-          <p:cNvPr id="58" name="テキスト ボックス 57"/>
-          <p:cNvSpPr txBox="1"/>
-          <p:nvPr/>
-        </p:nvSpPr>
-        <p:spPr>
-          <a:xfrm>
-            <a:off x="5229200" y="3011679"/>
-            <a:ext cx="1368152" cy="1754326"/>
-          </a:xfrm>
-          <a:prstGeom prst="rect">
-            <a:avLst/>
-          </a:prstGeom>
-          <a:noFill/>
-        </p:spPr>
-        <p:txBody>
-          <a:bodyPr wrap="square" rtlCol="0">
-            <a:spAutoFit/>
-          </a:bodyPr>
-          <a:lstStyle/>
-          <a:p>
-            <a:pPr algn="dist"/>
-            <a:r>
-              <a:rPr kumimoji="1" lang="en-US" altLang="ja-JP" dirty="0" smtClean="0">
-                <a:solidFill>
-                  <a:schemeClr val="tx1">
-                    <a:lumMod val="75000"/>
-                    <a:lumOff val="25000"/>
-                  </a:schemeClr>
-                </a:solidFill>
-                <a:latin typeface="HGS明朝E" panose="02020900000000000000" pitchFamily="18" charset="-128"/>
-                <a:ea typeface="HGS明朝E" panose="02020900000000000000" pitchFamily="18" charset="-128"/>
-              </a:rPr>
-              <a:t>AR</a:t>
-            </a:r>
-            <a:r>
-              <a:rPr kumimoji="1" lang="ja-JP" altLang="en-US" dirty="0" smtClean="0">
-                <a:solidFill>
-                  <a:schemeClr val="tx1">
-                    <a:lumMod val="75000"/>
-                    <a:lumOff val="25000"/>
-                  </a:schemeClr>
-                </a:solidFill>
-                <a:latin typeface="HGS明朝E" panose="02020900000000000000" pitchFamily="18" charset="-128"/>
-                <a:ea typeface="HGS明朝E" panose="02020900000000000000" pitchFamily="18" charset="-128"/>
-              </a:rPr>
-              <a:t>の現状</a:t>
-            </a:r>
-            <a:endParaRPr kumimoji="1" lang="en-US" altLang="ja-JP" dirty="0" smtClean="0">
-              <a:solidFill>
-                <a:schemeClr val="tx1">
-                  <a:lumMod val="75000"/>
-                  <a:lumOff val="25000"/>
-                </a:schemeClr>
-              </a:solidFill>
-              <a:latin typeface="HGS明朝E" panose="02020900000000000000" pitchFamily="18" charset="-128"/>
-              <a:ea typeface="HGS明朝E" panose="02020900000000000000" pitchFamily="18" charset="-128"/>
-            </a:endParaRPr>
-          </a:p>
-          <a:p>
-            <a:pPr algn="ctr"/>
-            <a:endParaRPr lang="en-US" altLang="ja-JP" dirty="0">
-              <a:solidFill>
-                <a:schemeClr val="tx1">
-                  <a:lumMod val="75000"/>
-                  <a:lumOff val="25000"/>
-                </a:schemeClr>
-              </a:solidFill>
-              <a:latin typeface="HGS明朝E" panose="02020900000000000000" pitchFamily="18" charset="-128"/>
-              <a:ea typeface="HGS明朝E" panose="02020900000000000000" pitchFamily="18" charset="-128"/>
-            </a:endParaRPr>
-          </a:p>
-          <a:p>
-            <a:pPr algn="ctr"/>
-            <a:r>
-              <a:rPr kumimoji="1" lang="ja-JP" altLang="en-US" dirty="0" smtClean="0">
-                <a:solidFill>
-                  <a:schemeClr val="tx1">
-                    <a:lumMod val="75000"/>
-                    <a:lumOff val="25000"/>
-                  </a:schemeClr>
-                </a:solidFill>
-                <a:latin typeface="HGS明朝E" panose="02020900000000000000" pitchFamily="18" charset="-128"/>
-                <a:ea typeface="HGS明朝E" panose="02020900000000000000" pitchFamily="18" charset="-128"/>
-              </a:rPr>
-              <a:t>カーナビ</a:t>
-            </a:r>
-            <a:endParaRPr kumimoji="1" lang="en-US" altLang="ja-JP" dirty="0" smtClean="0">
-              <a:solidFill>
-                <a:schemeClr val="tx1">
-                  <a:lumMod val="75000"/>
-                  <a:lumOff val="25000"/>
-                </a:schemeClr>
-              </a:solidFill>
-              <a:latin typeface="HGS明朝E" panose="02020900000000000000" pitchFamily="18" charset="-128"/>
-              <a:ea typeface="HGS明朝E" panose="02020900000000000000" pitchFamily="18" charset="-128"/>
-            </a:endParaRPr>
-          </a:p>
-          <a:p>
-            <a:pPr algn="ctr"/>
-            <a:r>
-              <a:rPr lang="ja-JP" altLang="en-US" dirty="0" smtClean="0">
-                <a:solidFill>
-                  <a:schemeClr val="tx1">
-                    <a:lumMod val="75000"/>
-                    <a:lumOff val="25000"/>
-                  </a:schemeClr>
-                </a:solidFill>
-                <a:latin typeface="HGS明朝E" panose="02020900000000000000" pitchFamily="18" charset="-128"/>
-                <a:ea typeface="HGS明朝E" panose="02020900000000000000" pitchFamily="18" charset="-128"/>
-              </a:rPr>
-              <a:t>ゲーム機</a:t>
-            </a:r>
-            <a:endParaRPr lang="en-US" altLang="ja-JP" dirty="0" smtClean="0">
-              <a:solidFill>
-                <a:schemeClr val="tx1">
-                  <a:lumMod val="75000"/>
-                  <a:lumOff val="25000"/>
-                </a:schemeClr>
-              </a:solidFill>
-              <a:latin typeface="HGS明朝E" panose="02020900000000000000" pitchFamily="18" charset="-128"/>
-              <a:ea typeface="HGS明朝E" panose="02020900000000000000" pitchFamily="18" charset="-128"/>
-            </a:endParaRPr>
-          </a:p>
-          <a:p>
-            <a:pPr algn="ctr"/>
-            <a:r>
-              <a:rPr kumimoji="1" lang="ja-JP" altLang="en-US" dirty="0" smtClean="0">
-                <a:solidFill>
-                  <a:schemeClr val="tx1">
-                    <a:lumMod val="75000"/>
-                    <a:lumOff val="25000"/>
-                  </a:schemeClr>
-                </a:solidFill>
-                <a:latin typeface="HGS明朝E" panose="02020900000000000000" pitchFamily="18" charset="-128"/>
-                <a:ea typeface="HGS明朝E" panose="02020900000000000000" pitchFamily="18" charset="-128"/>
-              </a:rPr>
-              <a:t>新聞・雑誌</a:t>
-            </a:r>
-            <a:endParaRPr kumimoji="1" lang="en-US" altLang="ja-JP" dirty="0" smtClean="0">
-              <a:solidFill>
-                <a:schemeClr val="tx1">
-                  <a:lumMod val="75000"/>
-                  <a:lumOff val="25000"/>
-                </a:schemeClr>
-              </a:solidFill>
-              <a:latin typeface="HGS明朝E" panose="02020900000000000000" pitchFamily="18" charset="-128"/>
-              <a:ea typeface="HGS明朝E" panose="02020900000000000000" pitchFamily="18" charset="-128"/>
-            </a:endParaRPr>
-          </a:p>
-          <a:p>
-            <a:pPr algn="ctr"/>
-            <a:r>
-              <a:rPr kumimoji="1" lang="en-US" altLang="ja-JP" dirty="0" smtClean="0">
-                <a:solidFill>
-                  <a:schemeClr val="tx1">
-                    <a:lumMod val="75000"/>
-                    <a:lumOff val="25000"/>
-                  </a:schemeClr>
-                </a:solidFill>
-                <a:latin typeface="HGS明朝E" panose="02020900000000000000" pitchFamily="18" charset="-128"/>
-                <a:ea typeface="HGS明朝E" panose="02020900000000000000" pitchFamily="18" charset="-128"/>
-              </a:rPr>
-              <a:t>T</a:t>
-            </a:r>
-            <a:r>
-              <a:rPr kumimoji="1" lang="ja-JP" altLang="en-US" dirty="0" smtClean="0">
-                <a:solidFill>
-                  <a:schemeClr val="tx1">
-                    <a:lumMod val="75000"/>
-                    <a:lumOff val="25000"/>
-                  </a:schemeClr>
-                </a:solidFill>
-                <a:latin typeface="HGS明朝E" panose="02020900000000000000" pitchFamily="18" charset="-128"/>
-                <a:ea typeface="HGS明朝E" panose="02020900000000000000" pitchFamily="18" charset="-128"/>
-              </a:rPr>
-              <a:t>シャツ</a:t>
-            </a:r>
-            <a:endParaRPr kumimoji="1" lang="ja-JP" altLang="en-US" dirty="0">
-              <a:solidFill>
-                <a:schemeClr val="tx1">
-                  <a:lumMod val="75000"/>
-                  <a:lumOff val="25000"/>
-                </a:schemeClr>
-              </a:solidFill>
-              <a:latin typeface="HGS明朝E" panose="02020900000000000000" pitchFamily="18" charset="-128"/>
-              <a:ea typeface="HGS明朝E" panose="02020900000000000000" pitchFamily="18" charset="-128"/>
-            </a:endParaRPr>
-          </a:p>
-        </p:txBody>
-      </p:sp>
       <p:grpSp>
         <p:nvGrpSpPr>
-          <p:cNvPr id="59" name="グループ化 58"/>
+          <p:cNvPr id="90" name="グループ化 89"/>
           <p:cNvGrpSpPr/>
           <p:nvPr/>
         </p:nvGrpSpPr>
         <p:grpSpPr>
           <a:xfrm>
-            <a:off x="5157192" y="3215484"/>
-            <a:ext cx="1512168" cy="1524387"/>
-            <a:chOff x="404664" y="3119621"/>
-            <a:chExt cx="1512168" cy="1524387"/>
+            <a:off x="2604452" y="2931749"/>
+            <a:ext cx="1677386" cy="1694191"/>
+            <a:chOff x="455470" y="5235260"/>
+            <a:chExt cx="1677386" cy="1694191"/>
           </a:xfrm>
         </p:grpSpPr>
+        <p:grpSp>
+          <p:nvGrpSpPr>
+            <p:cNvPr id="68" name="グループ化 67"/>
+            <p:cNvGrpSpPr/>
+            <p:nvPr/>
+          </p:nvGrpSpPr>
+          <p:grpSpPr>
+            <a:xfrm>
+              <a:off x="455470" y="5235260"/>
+              <a:ext cx="1669585" cy="1694191"/>
+              <a:chOff x="517966" y="5076056"/>
+              <a:chExt cx="1614890" cy="1793941"/>
+            </a:xfrm>
+          </p:grpSpPr>
+          <p:sp>
+            <p:nvSpPr>
+              <p:cNvPr id="58" name="テキスト ボックス 57"/>
+              <p:cNvSpPr txBox="1"/>
+              <p:nvPr/>
+            </p:nvSpPr>
+            <p:spPr>
+              <a:xfrm>
+                <a:off x="620688" y="5076056"/>
+                <a:ext cx="1368152" cy="1754326"/>
+              </a:xfrm>
+              <a:prstGeom prst="rect">
+                <a:avLst/>
+              </a:prstGeom>
+              <a:noFill/>
+            </p:spPr>
+            <p:txBody>
+              <a:bodyPr wrap="square" rtlCol="0">
+                <a:spAutoFit/>
+              </a:bodyPr>
+              <a:lstStyle/>
+              <a:p>
+                <a:pPr algn="dist"/>
+                <a:r>
+                  <a:rPr kumimoji="1" lang="en-US" altLang="ja-JP" dirty="0" smtClean="0">
+                    <a:solidFill>
+                      <a:schemeClr val="tx1">
+                        <a:lumMod val="75000"/>
+                        <a:lumOff val="25000"/>
+                      </a:schemeClr>
+                    </a:solidFill>
+                    <a:latin typeface="HGS明朝E" panose="02020900000000000000" pitchFamily="18" charset="-128"/>
+                    <a:ea typeface="HGS明朝E" panose="02020900000000000000" pitchFamily="18" charset="-128"/>
+                  </a:rPr>
+                  <a:t>AR</a:t>
+                </a:r>
+                <a:r>
+                  <a:rPr kumimoji="1" lang="ja-JP" altLang="en-US" dirty="0" smtClean="0">
+                    <a:solidFill>
+                      <a:schemeClr val="tx1">
+                        <a:lumMod val="75000"/>
+                        <a:lumOff val="25000"/>
+                      </a:schemeClr>
+                    </a:solidFill>
+                    <a:latin typeface="HGS明朝E" panose="02020900000000000000" pitchFamily="18" charset="-128"/>
+                    <a:ea typeface="HGS明朝E" panose="02020900000000000000" pitchFamily="18" charset="-128"/>
+                  </a:rPr>
+                  <a:t>の現状</a:t>
+                </a:r>
+                <a:endParaRPr kumimoji="1" lang="en-US" altLang="ja-JP" dirty="0" smtClean="0">
+                  <a:solidFill>
+                    <a:schemeClr val="tx1">
+                      <a:lumMod val="75000"/>
+                      <a:lumOff val="25000"/>
+                    </a:schemeClr>
+                  </a:solidFill>
+                  <a:latin typeface="HGS明朝E" panose="02020900000000000000" pitchFamily="18" charset="-128"/>
+                  <a:ea typeface="HGS明朝E" panose="02020900000000000000" pitchFamily="18" charset="-128"/>
+                </a:endParaRPr>
+              </a:p>
+              <a:p>
+                <a:pPr algn="ctr"/>
+                <a:endParaRPr lang="en-US" altLang="ja-JP" dirty="0">
+                  <a:solidFill>
+                    <a:schemeClr val="tx1">
+                      <a:lumMod val="75000"/>
+                      <a:lumOff val="25000"/>
+                    </a:schemeClr>
+                  </a:solidFill>
+                  <a:latin typeface="HGS明朝E" panose="02020900000000000000" pitchFamily="18" charset="-128"/>
+                  <a:ea typeface="HGS明朝E" panose="02020900000000000000" pitchFamily="18" charset="-128"/>
+                </a:endParaRPr>
+              </a:p>
+              <a:p>
+                <a:pPr algn="ctr"/>
+                <a:r>
+                  <a:rPr kumimoji="1" lang="ja-JP" altLang="en-US" dirty="0" smtClean="0">
+                    <a:solidFill>
+                      <a:schemeClr val="tx1">
+                        <a:lumMod val="75000"/>
+                        <a:lumOff val="25000"/>
+                      </a:schemeClr>
+                    </a:solidFill>
+                    <a:latin typeface="HGS明朝E" panose="02020900000000000000" pitchFamily="18" charset="-128"/>
+                    <a:ea typeface="HGS明朝E" panose="02020900000000000000" pitchFamily="18" charset="-128"/>
+                  </a:rPr>
+                  <a:t>カーナビ</a:t>
+                </a:r>
+                <a:endParaRPr kumimoji="1" lang="en-US" altLang="ja-JP" dirty="0" smtClean="0">
+                  <a:solidFill>
+                    <a:schemeClr val="tx1">
+                      <a:lumMod val="75000"/>
+                      <a:lumOff val="25000"/>
+                    </a:schemeClr>
+                  </a:solidFill>
+                  <a:latin typeface="HGS明朝E" panose="02020900000000000000" pitchFamily="18" charset="-128"/>
+                  <a:ea typeface="HGS明朝E" panose="02020900000000000000" pitchFamily="18" charset="-128"/>
+                </a:endParaRPr>
+              </a:p>
+              <a:p>
+                <a:pPr algn="ctr"/>
+                <a:r>
+                  <a:rPr lang="ja-JP" altLang="en-US" dirty="0" smtClean="0">
+                    <a:solidFill>
+                      <a:schemeClr val="tx1">
+                        <a:lumMod val="75000"/>
+                        <a:lumOff val="25000"/>
+                      </a:schemeClr>
+                    </a:solidFill>
+                    <a:latin typeface="HGS明朝E" panose="02020900000000000000" pitchFamily="18" charset="-128"/>
+                    <a:ea typeface="HGS明朝E" panose="02020900000000000000" pitchFamily="18" charset="-128"/>
+                  </a:rPr>
+                  <a:t>ゲーム機</a:t>
+                </a:r>
+                <a:endParaRPr lang="en-US" altLang="ja-JP" dirty="0" smtClean="0">
+                  <a:solidFill>
+                    <a:schemeClr val="tx1">
+                      <a:lumMod val="75000"/>
+                      <a:lumOff val="25000"/>
+                    </a:schemeClr>
+                  </a:solidFill>
+                  <a:latin typeface="HGS明朝E" panose="02020900000000000000" pitchFamily="18" charset="-128"/>
+                  <a:ea typeface="HGS明朝E" panose="02020900000000000000" pitchFamily="18" charset="-128"/>
+                </a:endParaRPr>
+              </a:p>
+              <a:p>
+                <a:pPr algn="ctr"/>
+                <a:r>
+                  <a:rPr kumimoji="1" lang="ja-JP" altLang="en-US" dirty="0" smtClean="0">
+                    <a:solidFill>
+                      <a:schemeClr val="tx1">
+                        <a:lumMod val="75000"/>
+                        <a:lumOff val="25000"/>
+                      </a:schemeClr>
+                    </a:solidFill>
+                    <a:latin typeface="HGS明朝E" panose="02020900000000000000" pitchFamily="18" charset="-128"/>
+                    <a:ea typeface="HGS明朝E" panose="02020900000000000000" pitchFamily="18" charset="-128"/>
+                  </a:rPr>
+                  <a:t>新聞・雑誌</a:t>
+                </a:r>
+                <a:endParaRPr kumimoji="1" lang="en-US" altLang="ja-JP" dirty="0" smtClean="0">
+                  <a:solidFill>
+                    <a:schemeClr val="tx1">
+                      <a:lumMod val="75000"/>
+                      <a:lumOff val="25000"/>
+                    </a:schemeClr>
+                  </a:solidFill>
+                  <a:latin typeface="HGS明朝E" panose="02020900000000000000" pitchFamily="18" charset="-128"/>
+                  <a:ea typeface="HGS明朝E" panose="02020900000000000000" pitchFamily="18" charset="-128"/>
+                </a:endParaRPr>
+              </a:p>
+              <a:p>
+                <a:pPr algn="ctr"/>
+                <a:r>
+                  <a:rPr kumimoji="1" lang="en-US" altLang="ja-JP" dirty="0" smtClean="0">
+                    <a:solidFill>
+                      <a:schemeClr val="tx1">
+                        <a:lumMod val="75000"/>
+                        <a:lumOff val="25000"/>
+                      </a:schemeClr>
+                    </a:solidFill>
+                    <a:latin typeface="HGS明朝E" panose="02020900000000000000" pitchFamily="18" charset="-128"/>
+                    <a:ea typeface="HGS明朝E" panose="02020900000000000000" pitchFamily="18" charset="-128"/>
+                  </a:rPr>
+                  <a:t>T</a:t>
+                </a:r>
+                <a:r>
+                  <a:rPr kumimoji="1" lang="ja-JP" altLang="en-US" dirty="0" smtClean="0">
+                    <a:solidFill>
+                      <a:schemeClr val="tx1">
+                        <a:lumMod val="75000"/>
+                        <a:lumOff val="25000"/>
+                      </a:schemeClr>
+                    </a:solidFill>
+                    <a:latin typeface="HGS明朝E" panose="02020900000000000000" pitchFamily="18" charset="-128"/>
+                    <a:ea typeface="HGS明朝E" panose="02020900000000000000" pitchFamily="18" charset="-128"/>
+                  </a:rPr>
+                  <a:t>シャツ</a:t>
+                </a:r>
+                <a:endParaRPr kumimoji="1" lang="ja-JP" altLang="en-US" dirty="0">
+                  <a:solidFill>
+                    <a:schemeClr val="tx1">
+                      <a:lumMod val="75000"/>
+                      <a:lumOff val="25000"/>
+                    </a:schemeClr>
+                  </a:solidFill>
+                  <a:latin typeface="HGS明朝E" panose="02020900000000000000" pitchFamily="18" charset="-128"/>
+                  <a:ea typeface="HGS明朝E" panose="02020900000000000000" pitchFamily="18" charset="-128"/>
+                </a:endParaRPr>
+              </a:p>
+            </p:txBody>
+          </p:sp>
+          <p:grpSp>
+            <p:nvGrpSpPr>
+              <p:cNvPr id="59" name="グループ化 58"/>
+              <p:cNvGrpSpPr/>
+              <p:nvPr/>
+            </p:nvGrpSpPr>
+            <p:grpSpPr>
+              <a:xfrm>
+                <a:off x="517966" y="5318214"/>
+                <a:ext cx="1614890" cy="1551783"/>
+                <a:chOff x="395001" y="3131840"/>
+                <a:chExt cx="1521831" cy="1551783"/>
+              </a:xfrm>
+            </p:grpSpPr>
+            <p:cxnSp>
+              <p:nvCxnSpPr>
+                <p:cNvPr id="60" name="直線コネクタ 59"/>
+                <p:cNvCxnSpPr/>
+                <p:nvPr/>
+              </p:nvCxnSpPr>
+              <p:spPr>
+                <a:xfrm>
+                  <a:off x="1772816" y="3131840"/>
+                  <a:ext cx="144016" cy="0"/>
+                </a:xfrm>
+                <a:prstGeom prst="line">
+                  <a:avLst/>
+                </a:prstGeom>
+                <a:ln w="19050">
+                  <a:solidFill>
+                    <a:srgbClr val="0070C0"/>
+                  </a:solidFill>
+                </a:ln>
+              </p:spPr>
+              <p:style>
+                <a:lnRef idx="1">
+                  <a:schemeClr val="accent1"/>
+                </a:lnRef>
+                <a:fillRef idx="0">
+                  <a:schemeClr val="accent1"/>
+                </a:fillRef>
+                <a:effectRef idx="0">
+                  <a:schemeClr val="accent1"/>
+                </a:effectRef>
+                <a:fontRef idx="minor">
+                  <a:schemeClr val="tx1"/>
+                </a:fontRef>
+              </p:style>
+            </p:cxnSp>
+            <p:cxnSp>
+              <p:nvCxnSpPr>
+                <p:cNvPr id="62" name="直線コネクタ 61"/>
+                <p:cNvCxnSpPr/>
+                <p:nvPr/>
+              </p:nvCxnSpPr>
+              <p:spPr>
+                <a:xfrm>
+                  <a:off x="404664" y="3131840"/>
+                  <a:ext cx="0" cy="1551783"/>
+                </a:xfrm>
+                <a:prstGeom prst="line">
+                  <a:avLst/>
+                </a:prstGeom>
+                <a:ln w="19050">
+                  <a:solidFill>
+                    <a:srgbClr val="0070C0"/>
+                  </a:solidFill>
+                </a:ln>
+              </p:spPr>
+              <p:style>
+                <a:lnRef idx="1">
+                  <a:schemeClr val="accent1"/>
+                </a:lnRef>
+                <a:fillRef idx="0">
+                  <a:schemeClr val="accent1"/>
+                </a:fillRef>
+                <a:effectRef idx="0">
+                  <a:schemeClr val="accent1"/>
+                </a:effectRef>
+                <a:fontRef idx="minor">
+                  <a:schemeClr val="tx1"/>
+                </a:fontRef>
+              </p:style>
+            </p:cxnSp>
+            <p:cxnSp>
+              <p:nvCxnSpPr>
+                <p:cNvPr id="63" name="直線コネクタ 62"/>
+                <p:cNvCxnSpPr/>
+                <p:nvPr/>
+              </p:nvCxnSpPr>
+              <p:spPr>
+                <a:xfrm>
+                  <a:off x="395001" y="4683623"/>
+                  <a:ext cx="1512168" cy="0"/>
+                </a:xfrm>
+                <a:prstGeom prst="line">
+                  <a:avLst/>
+                </a:prstGeom>
+                <a:ln w="19050">
+                  <a:solidFill>
+                    <a:srgbClr val="0070C0"/>
+                  </a:solidFill>
+                </a:ln>
+              </p:spPr>
+              <p:style>
+                <a:lnRef idx="1">
+                  <a:schemeClr val="accent1"/>
+                </a:lnRef>
+                <a:fillRef idx="0">
+                  <a:schemeClr val="accent1"/>
+                </a:fillRef>
+                <a:effectRef idx="0">
+                  <a:schemeClr val="accent1"/>
+                </a:effectRef>
+                <a:fontRef idx="minor">
+                  <a:schemeClr val="tx1"/>
+                </a:fontRef>
+              </p:style>
+            </p:cxnSp>
+            <p:cxnSp>
+              <p:nvCxnSpPr>
+                <p:cNvPr id="64" name="直線コネクタ 63"/>
+                <p:cNvCxnSpPr/>
+                <p:nvPr/>
+              </p:nvCxnSpPr>
+              <p:spPr>
+                <a:xfrm flipV="1">
+                  <a:off x="413576" y="3131840"/>
+                  <a:ext cx="126192" cy="1"/>
+                </a:xfrm>
+                <a:prstGeom prst="line">
+                  <a:avLst/>
+                </a:prstGeom>
+                <a:ln w="19050">
+                  <a:solidFill>
+                    <a:srgbClr val="0070C0"/>
+                  </a:solidFill>
+                </a:ln>
+              </p:spPr>
+              <p:style>
+                <a:lnRef idx="1">
+                  <a:schemeClr val="accent1"/>
+                </a:lnRef>
+                <a:fillRef idx="0">
+                  <a:schemeClr val="accent1"/>
+                </a:fillRef>
+                <a:effectRef idx="0">
+                  <a:schemeClr val="accent1"/>
+                </a:effectRef>
+                <a:fontRef idx="minor">
+                  <a:schemeClr val="tx1"/>
+                </a:fontRef>
+              </p:style>
+            </p:cxnSp>
+          </p:grpSp>
+        </p:grpSp>
         <p:cxnSp>
           <p:nvCxnSpPr>
-            <p:cNvPr id="60" name="直線コネクタ 59"/>
+            <p:cNvPr id="92" name="直線コネクタ 91"/>
             <p:cNvCxnSpPr/>
             <p:nvPr/>
           </p:nvCxnSpPr>
           <p:spPr>
             <a:xfrm>
-              <a:off x="1772816" y="3131840"/>
-              <a:ext cx="144016" cy="0"/>
-            </a:xfrm>
-            <a:prstGeom prst="line">
-              <a:avLst/>
-            </a:prstGeom>
-            <a:ln w="19050">
-              <a:solidFill>
-                <a:srgbClr val="0070C0"/>
-              </a:solidFill>
-            </a:ln>
-          </p:spPr>
-          <p:style>
-            <a:lnRef idx="1">
-              <a:schemeClr val="accent1"/>
-            </a:lnRef>
-            <a:fillRef idx="0">
-              <a:schemeClr val="accent1"/>
-            </a:fillRef>
-            <a:effectRef idx="0">
-              <a:schemeClr val="accent1"/>
-            </a:effectRef>
-            <a:fontRef idx="minor">
-              <a:schemeClr val="tx1"/>
-            </a:fontRef>
-          </p:style>
-        </p:cxnSp>
-        <p:cxnSp>
-          <p:nvCxnSpPr>
-            <p:cNvPr id="61" name="直線コネクタ 60"/>
-            <p:cNvCxnSpPr/>
-            <p:nvPr/>
-          </p:nvCxnSpPr>
-          <p:spPr>
-            <a:xfrm>
-              <a:off x="1916832" y="3119621"/>
-              <a:ext cx="0" cy="1524387"/>
-            </a:xfrm>
-            <a:prstGeom prst="line">
-              <a:avLst/>
-            </a:prstGeom>
-            <a:ln w="19050">
-              <a:solidFill>
-                <a:srgbClr val="0070C0"/>
-              </a:solidFill>
-            </a:ln>
-          </p:spPr>
-          <p:style>
-            <a:lnRef idx="1">
-              <a:schemeClr val="accent1"/>
-            </a:lnRef>
-            <a:fillRef idx="0">
-              <a:schemeClr val="accent1"/>
-            </a:fillRef>
-            <a:effectRef idx="0">
-              <a:schemeClr val="accent1"/>
-            </a:effectRef>
-            <a:fontRef idx="minor">
-              <a:schemeClr val="tx1"/>
-            </a:fontRef>
-          </p:style>
-        </p:cxnSp>
-        <p:cxnSp>
-          <p:nvCxnSpPr>
-            <p:cNvPr id="62" name="直線コネクタ 61"/>
-            <p:cNvCxnSpPr/>
-            <p:nvPr/>
-          </p:nvCxnSpPr>
-          <p:spPr>
-            <a:xfrm>
-              <a:off x="404664" y="3131840"/>
-              <a:ext cx="0" cy="1512168"/>
-            </a:xfrm>
-            <a:prstGeom prst="line">
-              <a:avLst/>
-            </a:prstGeom>
-            <a:ln w="19050">
-              <a:solidFill>
-                <a:srgbClr val="0070C0"/>
-              </a:solidFill>
-            </a:ln>
-          </p:spPr>
-          <p:style>
-            <a:lnRef idx="1">
-              <a:schemeClr val="accent1"/>
-            </a:lnRef>
-            <a:fillRef idx="0">
-              <a:schemeClr val="accent1"/>
-            </a:fillRef>
-            <a:effectRef idx="0">
-              <a:schemeClr val="accent1"/>
-            </a:effectRef>
-            <a:fontRef idx="minor">
-              <a:schemeClr val="tx1"/>
-            </a:fontRef>
-          </p:style>
-        </p:cxnSp>
-        <p:cxnSp>
-          <p:nvCxnSpPr>
-            <p:cNvPr id="63" name="直線コネクタ 62"/>
-            <p:cNvCxnSpPr/>
-            <p:nvPr/>
-          </p:nvCxnSpPr>
-          <p:spPr>
-            <a:xfrm>
-              <a:off x="404664" y="4644008"/>
-              <a:ext cx="1512168" cy="0"/>
-            </a:xfrm>
-            <a:prstGeom prst="line">
-              <a:avLst/>
-            </a:prstGeom>
-            <a:ln w="19050">
-              <a:solidFill>
-                <a:srgbClr val="0070C0"/>
-              </a:solidFill>
-            </a:ln>
-          </p:spPr>
-          <p:style>
-            <a:lnRef idx="1">
-              <a:schemeClr val="accent1"/>
-            </a:lnRef>
-            <a:fillRef idx="0">
-              <a:schemeClr val="accent1"/>
-            </a:fillRef>
-            <a:effectRef idx="0">
-              <a:schemeClr val="accent1"/>
-            </a:effectRef>
-            <a:fontRef idx="minor">
-              <a:schemeClr val="tx1"/>
-            </a:fontRef>
-          </p:style>
-        </p:cxnSp>
-        <p:cxnSp>
-          <p:nvCxnSpPr>
-            <p:cNvPr id="64" name="直線コネクタ 63"/>
-            <p:cNvCxnSpPr/>
-            <p:nvPr/>
-          </p:nvCxnSpPr>
-          <p:spPr>
-            <a:xfrm flipV="1">
-              <a:off x="413576" y="3131840"/>
-              <a:ext cx="126192" cy="1"/>
+              <a:off x="2132856" y="5463953"/>
+              <a:ext cx="0" cy="1465497"/>
             </a:xfrm>
             <a:prstGeom prst="line">
               <a:avLst/>
@@ -7787,101 +8128,6 @@
           </p:style>
         </p:cxnSp>
       </p:grpSp>
-      <p:sp>
-        <p:nvSpPr>
-          <p:cNvPr id="65" name="テキスト ボックス 64"/>
-          <p:cNvSpPr txBox="1"/>
-          <p:nvPr/>
-        </p:nvSpPr>
-        <p:spPr>
-          <a:xfrm>
-            <a:off x="276192" y="4985464"/>
-            <a:ext cx="1064576" cy="738664"/>
-          </a:xfrm>
-          <a:prstGeom prst="rect">
-            <a:avLst/>
-          </a:prstGeom>
-          <a:noFill/>
-        </p:spPr>
-        <p:txBody>
-          <a:bodyPr wrap="square" rtlCol="0">
-            <a:spAutoFit/>
-          </a:bodyPr>
-          <a:lstStyle/>
-          <a:p>
-            <a:r>
-              <a:rPr lang="en-US" altLang="ja-JP" sz="2400" dirty="0">
-                <a:solidFill>
-                  <a:schemeClr val="tx1">
-                    <a:lumMod val="75000"/>
-                    <a:lumOff val="25000"/>
-                  </a:schemeClr>
-                </a:solidFill>
-                <a:latin typeface="HGP明朝E" panose="02020900000000000000" pitchFamily="18" charset="-128"/>
-                <a:ea typeface="HGP明朝E" panose="02020900000000000000" pitchFamily="18" charset="-128"/>
-              </a:rPr>
-              <a:t>j</a:t>
-            </a:r>
-            <a:r>
-              <a:rPr kumimoji="1" lang="en-US" altLang="ja-JP" sz="2400" dirty="0" smtClean="0">
-                <a:solidFill>
-                  <a:schemeClr val="tx1">
-                    <a:lumMod val="75000"/>
-                    <a:lumOff val="25000"/>
-                  </a:schemeClr>
-                </a:solidFill>
-                <a:latin typeface="HGP明朝E" panose="02020900000000000000" pitchFamily="18" charset="-128"/>
-                <a:ea typeface="HGP明朝E" panose="02020900000000000000" pitchFamily="18" charset="-128"/>
-              </a:rPr>
-              <a:t>unaio</a:t>
-            </a:r>
-          </a:p>
-          <a:p>
-            <a:endParaRPr kumimoji="1" lang="ja-JP" altLang="en-US" dirty="0"/>
-          </a:p>
-        </p:txBody>
-      </p:sp>
-      <p:pic>
-        <p:nvPicPr>
-          <p:cNvPr id="1026" name="Picture 2" descr="C:\Users\doi\Pictures\system-1.png"/>
-          <p:cNvPicPr>
-            <a:picLocks noChangeAspect="1" noChangeArrowheads="1"/>
-          </p:cNvPicPr>
-          <p:nvPr/>
-        </p:nvPicPr>
-        <p:blipFill>
-          <a:blip r:embed="rId2">
-            <a:extLst>
-              <a:ext uri="{28A0092B-C50C-407E-A947-70E740481C1C}">
-                <a14:useLocalDpi xmlns:a14="http://schemas.microsoft.com/office/drawing/2010/main" val="0"/>
-              </a:ext>
-            </a:extLst>
-          </a:blip>
-          <a:srcRect/>
-          <a:stretch>
-            <a:fillRect/>
-          </a:stretch>
-        </p:blipFill>
-        <p:spPr bwMode="auto">
-          <a:xfrm>
-            <a:off x="1534741" y="4937829"/>
-            <a:ext cx="3920727" cy="1938427"/>
-          </a:xfrm>
-          <a:prstGeom prst="rect">
-            <a:avLst/>
-          </a:prstGeom>
-          <a:noFill/>
-          <a:extLst>
-            <a:ext uri="{909E8E84-426E-40DD-AFC4-6F175D3DCCD1}">
-              <a14:hiddenFill xmlns:a14="http://schemas.microsoft.com/office/drawing/2010/main">
-                <a:solidFill>
-                  <a:srgbClr val="FFFFFF"/>
-                </a:solidFill>
-              </a14:hiddenFill>
-            </a:ext>
-          </a:extLst>
-        </p:spPr>
-      </p:pic>
     </p:spTree>
     <p:extLst>
       <p:ext uri="{BB962C8B-B14F-4D97-AF65-F5344CB8AC3E}">

--- a/課題研究/2013/土井貴司/ARシステム開発に.pptx
+++ b/課題研究/2013/土井貴司/ARシステム開発に.pptx
@@ -4,18 +4,21 @@
   <p:sldMasterIdLst>
     <p:sldMasterId id="2147483648" r:id="rId1"/>
   </p:sldMasterIdLst>
+  <p:notesMasterIdLst>
+    <p:notesMasterId r:id="rId4"/>
+  </p:notesMasterIdLst>
   <p:sldIdLst>
     <p:sldId id="256" r:id="rId2"/>
     <p:sldId id="257" r:id="rId3"/>
   </p:sldIdLst>
-  <p:sldSz cx="6858000" cy="9144000" type="screen4x3"/>
+  <p:sldSz cx="21386800" cy="30279975"/>
   <p:notesSz cx="6858000" cy="9144000"/>
   <p:defaultTextStyle>
     <a:defPPr>
       <a:defRPr lang="ja-JP"/>
     </a:defPPr>
-    <a:lvl1pPr marL="0" algn="l" defTabSz="914400" rtl="0" eaLnBrk="1" latinLnBrk="0" hangingPunct="1">
-      <a:defRPr kumimoji="1" sz="1800" kern="1200">
+    <a:lvl1pPr marL="0" algn="l" defTabSz="2952323" rtl="0" eaLnBrk="1" latinLnBrk="0" hangingPunct="1">
+      <a:defRPr kumimoji="1" sz="5800" kern="1200">
         <a:solidFill>
           <a:schemeClr val="tx1"/>
         </a:solidFill>
@@ -24,8 +27,8 @@
         <a:cs typeface="+mn-cs"/>
       </a:defRPr>
     </a:lvl1pPr>
-    <a:lvl2pPr marL="457200" algn="l" defTabSz="914400" rtl="0" eaLnBrk="1" latinLnBrk="0" hangingPunct="1">
-      <a:defRPr kumimoji="1" sz="1800" kern="1200">
+    <a:lvl2pPr marL="1476162" algn="l" defTabSz="2952323" rtl="0" eaLnBrk="1" latinLnBrk="0" hangingPunct="1">
+      <a:defRPr kumimoji="1" sz="5800" kern="1200">
         <a:solidFill>
           <a:schemeClr val="tx1"/>
         </a:solidFill>
@@ -34,8 +37,8 @@
         <a:cs typeface="+mn-cs"/>
       </a:defRPr>
     </a:lvl2pPr>
-    <a:lvl3pPr marL="914400" algn="l" defTabSz="914400" rtl="0" eaLnBrk="1" latinLnBrk="0" hangingPunct="1">
-      <a:defRPr kumimoji="1" sz="1800" kern="1200">
+    <a:lvl3pPr marL="2952323" algn="l" defTabSz="2952323" rtl="0" eaLnBrk="1" latinLnBrk="0" hangingPunct="1">
+      <a:defRPr kumimoji="1" sz="5800" kern="1200">
         <a:solidFill>
           <a:schemeClr val="tx1"/>
         </a:solidFill>
@@ -44,8 +47,8 @@
         <a:cs typeface="+mn-cs"/>
       </a:defRPr>
     </a:lvl3pPr>
-    <a:lvl4pPr marL="1371600" algn="l" defTabSz="914400" rtl="0" eaLnBrk="1" latinLnBrk="0" hangingPunct="1">
-      <a:defRPr kumimoji="1" sz="1800" kern="1200">
+    <a:lvl4pPr marL="4428485" algn="l" defTabSz="2952323" rtl="0" eaLnBrk="1" latinLnBrk="0" hangingPunct="1">
+      <a:defRPr kumimoji="1" sz="5800" kern="1200">
         <a:solidFill>
           <a:schemeClr val="tx1"/>
         </a:solidFill>
@@ -54,8 +57,8 @@
         <a:cs typeface="+mn-cs"/>
       </a:defRPr>
     </a:lvl4pPr>
-    <a:lvl5pPr marL="1828800" algn="l" defTabSz="914400" rtl="0" eaLnBrk="1" latinLnBrk="0" hangingPunct="1">
-      <a:defRPr kumimoji="1" sz="1800" kern="1200">
+    <a:lvl5pPr marL="5904647" algn="l" defTabSz="2952323" rtl="0" eaLnBrk="1" latinLnBrk="0" hangingPunct="1">
+      <a:defRPr kumimoji="1" sz="5800" kern="1200">
         <a:solidFill>
           <a:schemeClr val="tx1"/>
         </a:solidFill>
@@ -64,8 +67,8 @@
         <a:cs typeface="+mn-cs"/>
       </a:defRPr>
     </a:lvl5pPr>
-    <a:lvl6pPr marL="2286000" algn="l" defTabSz="914400" rtl="0" eaLnBrk="1" latinLnBrk="0" hangingPunct="1">
-      <a:defRPr kumimoji="1" sz="1800" kern="1200">
+    <a:lvl6pPr marL="7380808" algn="l" defTabSz="2952323" rtl="0" eaLnBrk="1" latinLnBrk="0" hangingPunct="1">
+      <a:defRPr kumimoji="1" sz="5800" kern="1200">
         <a:solidFill>
           <a:schemeClr val="tx1"/>
         </a:solidFill>
@@ -74,8 +77,8 @@
         <a:cs typeface="+mn-cs"/>
       </a:defRPr>
     </a:lvl6pPr>
-    <a:lvl7pPr marL="2743200" algn="l" defTabSz="914400" rtl="0" eaLnBrk="1" latinLnBrk="0" hangingPunct="1">
-      <a:defRPr kumimoji="1" sz="1800" kern="1200">
+    <a:lvl7pPr marL="8856970" algn="l" defTabSz="2952323" rtl="0" eaLnBrk="1" latinLnBrk="0" hangingPunct="1">
+      <a:defRPr kumimoji="1" sz="5800" kern="1200">
         <a:solidFill>
           <a:schemeClr val="tx1"/>
         </a:solidFill>
@@ -84,8 +87,8 @@
         <a:cs typeface="+mn-cs"/>
       </a:defRPr>
     </a:lvl7pPr>
-    <a:lvl8pPr marL="3200400" algn="l" defTabSz="914400" rtl="0" eaLnBrk="1" latinLnBrk="0" hangingPunct="1">
-      <a:defRPr kumimoji="1" sz="1800" kern="1200">
+    <a:lvl8pPr marL="10333131" algn="l" defTabSz="2952323" rtl="0" eaLnBrk="1" latinLnBrk="0" hangingPunct="1">
+      <a:defRPr kumimoji="1" sz="5800" kern="1200">
         <a:solidFill>
           <a:schemeClr val="tx1"/>
         </a:solidFill>
@@ -94,8 +97,8 @@
         <a:cs typeface="+mn-cs"/>
       </a:defRPr>
     </a:lvl8pPr>
-    <a:lvl9pPr marL="3657600" algn="l" defTabSz="914400" rtl="0" eaLnBrk="1" latinLnBrk="0" hangingPunct="1">
-      <a:defRPr kumimoji="1" sz="1800" kern="1200">
+    <a:lvl9pPr marL="11809293" algn="l" defTabSz="2952323" rtl="0" eaLnBrk="1" latinLnBrk="0" hangingPunct="1">
+      <a:defRPr kumimoji="1" sz="5800" kern="1200">
         <a:solidFill>
           <a:schemeClr val="tx1"/>
         </a:solidFill>
@@ -106,6 +109,472 @@
     </a:lvl9pPr>
   </p:defaultTextStyle>
 </p:presentation>
+</file>
+
+<file path=ppt/notesMasters/notesMaster1.xml><?xml version="1.0" encoding="utf-8"?>
+<p:notesMaster xmlns:a="http://schemas.openxmlformats.org/drawingml/2006/main" xmlns:r="http://schemas.openxmlformats.org/officeDocument/2006/relationships" xmlns:p="http://schemas.openxmlformats.org/presentationml/2006/main">
+  <p:cSld>
+    <p:bg>
+      <p:bgRef idx="1001">
+        <a:schemeClr val="bg1"/>
+      </p:bgRef>
+    </p:bg>
+    <p:spTree>
+      <p:nvGrpSpPr>
+        <p:cNvPr id="1" name=""/>
+        <p:cNvGrpSpPr/>
+        <p:nvPr/>
+      </p:nvGrpSpPr>
+      <p:grpSpPr>
+        <a:xfrm>
+          <a:off x="0" y="0"/>
+          <a:ext cx="0" cy="0"/>
+          <a:chOff x="0" y="0"/>
+          <a:chExt cx="0" cy="0"/>
+        </a:xfrm>
+      </p:grpSpPr>
+      <p:sp>
+        <p:nvSpPr>
+          <p:cNvPr id="2" name="ヘッダー プレースホルダー 1"/>
+          <p:cNvSpPr>
+            <a:spLocks noGrp="1"/>
+          </p:cNvSpPr>
+          <p:nvPr>
+            <p:ph type="hdr" sz="quarter"/>
+          </p:nvPr>
+        </p:nvSpPr>
+        <p:spPr>
+          <a:xfrm>
+            <a:off x="0" y="0"/>
+            <a:ext cx="2971800" cy="457200"/>
+          </a:xfrm>
+          <a:prstGeom prst="rect">
+            <a:avLst/>
+          </a:prstGeom>
+        </p:spPr>
+        <p:txBody>
+          <a:bodyPr vert="horz" lIns="91440" tIns="45720" rIns="91440" bIns="45720" rtlCol="0"/>
+          <a:lstStyle>
+            <a:lvl1pPr algn="l">
+              <a:defRPr sz="1200"/>
+            </a:lvl1pPr>
+          </a:lstStyle>
+          <a:p>
+            <a:endParaRPr kumimoji="1" lang="ja-JP" altLang="en-US"/>
+          </a:p>
+        </p:txBody>
+      </p:sp>
+      <p:sp>
+        <p:nvSpPr>
+          <p:cNvPr id="3" name="日付プレースホルダー 2"/>
+          <p:cNvSpPr>
+            <a:spLocks noGrp="1"/>
+          </p:cNvSpPr>
+          <p:nvPr>
+            <p:ph type="dt" idx="1"/>
+          </p:nvPr>
+        </p:nvSpPr>
+        <p:spPr>
+          <a:xfrm>
+            <a:off x="3884613" y="0"/>
+            <a:ext cx="2971800" cy="457200"/>
+          </a:xfrm>
+          <a:prstGeom prst="rect">
+            <a:avLst/>
+          </a:prstGeom>
+        </p:spPr>
+        <p:txBody>
+          <a:bodyPr vert="horz" lIns="91440" tIns="45720" rIns="91440" bIns="45720" rtlCol="0"/>
+          <a:lstStyle>
+            <a:lvl1pPr algn="r">
+              <a:defRPr sz="1200"/>
+            </a:lvl1pPr>
+          </a:lstStyle>
+          <a:p>
+            <a:fld id="{A5BB4238-7C41-4C19-A49A-A98CA0890A28}" type="datetimeFigureOut">
+              <a:rPr kumimoji="1" lang="ja-JP" altLang="en-US" smtClean="0"/>
+              <a:t>2013/12/12</a:t>
+            </a:fld>
+            <a:endParaRPr kumimoji="1" lang="ja-JP" altLang="en-US"/>
+          </a:p>
+        </p:txBody>
+      </p:sp>
+      <p:sp>
+        <p:nvSpPr>
+          <p:cNvPr id="4" name="スライド イメージ プレースホルダー 3"/>
+          <p:cNvSpPr>
+            <a:spLocks noGrp="1" noRot="1" noChangeAspect="1"/>
+          </p:cNvSpPr>
+          <p:nvPr>
+            <p:ph type="sldImg" idx="2"/>
+          </p:nvPr>
+        </p:nvSpPr>
+        <p:spPr>
+          <a:xfrm>
+            <a:off x="2217738" y="685800"/>
+            <a:ext cx="2422525" cy="3429000"/>
+          </a:xfrm>
+          <a:prstGeom prst="rect">
+            <a:avLst/>
+          </a:prstGeom>
+          <a:noFill/>
+          <a:ln w="12700">
+            <a:solidFill>
+              <a:prstClr val="black"/>
+            </a:solidFill>
+          </a:ln>
+        </p:spPr>
+        <p:txBody>
+          <a:bodyPr vert="horz" lIns="91440" tIns="45720" rIns="91440" bIns="45720" rtlCol="0" anchor="ctr"/>
+          <a:lstStyle/>
+          <a:p>
+            <a:endParaRPr lang="ja-JP" altLang="en-US"/>
+          </a:p>
+        </p:txBody>
+      </p:sp>
+      <p:sp>
+        <p:nvSpPr>
+          <p:cNvPr id="5" name="ノート プレースホルダー 4"/>
+          <p:cNvSpPr>
+            <a:spLocks noGrp="1"/>
+          </p:cNvSpPr>
+          <p:nvPr>
+            <p:ph type="body" sz="quarter" idx="3"/>
+          </p:nvPr>
+        </p:nvSpPr>
+        <p:spPr>
+          <a:xfrm>
+            <a:off x="685800" y="4343400"/>
+            <a:ext cx="5486400" cy="4114800"/>
+          </a:xfrm>
+          <a:prstGeom prst="rect">
+            <a:avLst/>
+          </a:prstGeom>
+        </p:spPr>
+        <p:txBody>
+          <a:bodyPr vert="horz" lIns="91440" tIns="45720" rIns="91440" bIns="45720" rtlCol="0"/>
+          <a:lstStyle/>
+          <a:p>
+            <a:pPr lvl="0"/>
+            <a:r>
+              <a:rPr kumimoji="1" lang="ja-JP" altLang="en-US" smtClean="0"/>
+              <a:t>マスター テキストの書式設定</a:t>
+            </a:r>
+          </a:p>
+          <a:p>
+            <a:pPr lvl="1"/>
+            <a:r>
+              <a:rPr kumimoji="1" lang="ja-JP" altLang="en-US" smtClean="0"/>
+              <a:t>第 </a:t>
+            </a:r>
+            <a:r>
+              <a:rPr kumimoji="1" lang="en-US" altLang="ja-JP" smtClean="0"/>
+              <a:t>2 </a:t>
+            </a:r>
+            <a:r>
+              <a:rPr kumimoji="1" lang="ja-JP" altLang="en-US" smtClean="0"/>
+              <a:t>レベル</a:t>
+            </a:r>
+          </a:p>
+          <a:p>
+            <a:pPr lvl="2"/>
+            <a:r>
+              <a:rPr kumimoji="1" lang="ja-JP" altLang="en-US" smtClean="0"/>
+              <a:t>第 </a:t>
+            </a:r>
+            <a:r>
+              <a:rPr kumimoji="1" lang="en-US" altLang="ja-JP" smtClean="0"/>
+              <a:t>3 </a:t>
+            </a:r>
+            <a:r>
+              <a:rPr kumimoji="1" lang="ja-JP" altLang="en-US" smtClean="0"/>
+              <a:t>レベル</a:t>
+            </a:r>
+          </a:p>
+          <a:p>
+            <a:pPr lvl="3"/>
+            <a:r>
+              <a:rPr kumimoji="1" lang="ja-JP" altLang="en-US" smtClean="0"/>
+              <a:t>第 </a:t>
+            </a:r>
+            <a:r>
+              <a:rPr kumimoji="1" lang="en-US" altLang="ja-JP" smtClean="0"/>
+              <a:t>4 </a:t>
+            </a:r>
+            <a:r>
+              <a:rPr kumimoji="1" lang="ja-JP" altLang="en-US" smtClean="0"/>
+              <a:t>レベル</a:t>
+            </a:r>
+          </a:p>
+          <a:p>
+            <a:pPr lvl="4"/>
+            <a:r>
+              <a:rPr kumimoji="1" lang="ja-JP" altLang="en-US" smtClean="0"/>
+              <a:t>第 </a:t>
+            </a:r>
+            <a:r>
+              <a:rPr kumimoji="1" lang="en-US" altLang="ja-JP" smtClean="0"/>
+              <a:t>5 </a:t>
+            </a:r>
+            <a:r>
+              <a:rPr kumimoji="1" lang="ja-JP" altLang="en-US" smtClean="0"/>
+              <a:t>レベル</a:t>
+            </a:r>
+            <a:endParaRPr kumimoji="1" lang="ja-JP" altLang="en-US"/>
+          </a:p>
+        </p:txBody>
+      </p:sp>
+      <p:sp>
+        <p:nvSpPr>
+          <p:cNvPr id="6" name="フッター プレースホルダー 5"/>
+          <p:cNvSpPr>
+            <a:spLocks noGrp="1"/>
+          </p:cNvSpPr>
+          <p:nvPr>
+            <p:ph type="ftr" sz="quarter" idx="4"/>
+          </p:nvPr>
+        </p:nvSpPr>
+        <p:spPr>
+          <a:xfrm>
+            <a:off x="0" y="8685213"/>
+            <a:ext cx="2971800" cy="457200"/>
+          </a:xfrm>
+          <a:prstGeom prst="rect">
+            <a:avLst/>
+          </a:prstGeom>
+        </p:spPr>
+        <p:txBody>
+          <a:bodyPr vert="horz" lIns="91440" tIns="45720" rIns="91440" bIns="45720" rtlCol="0" anchor="b"/>
+          <a:lstStyle>
+            <a:lvl1pPr algn="l">
+              <a:defRPr sz="1200"/>
+            </a:lvl1pPr>
+          </a:lstStyle>
+          <a:p>
+            <a:endParaRPr kumimoji="1" lang="ja-JP" altLang="en-US"/>
+          </a:p>
+        </p:txBody>
+      </p:sp>
+      <p:sp>
+        <p:nvSpPr>
+          <p:cNvPr id="7" name="スライド番号プレースホルダー 6"/>
+          <p:cNvSpPr>
+            <a:spLocks noGrp="1"/>
+          </p:cNvSpPr>
+          <p:nvPr>
+            <p:ph type="sldNum" sz="quarter" idx="5"/>
+          </p:nvPr>
+        </p:nvSpPr>
+        <p:spPr>
+          <a:xfrm>
+            <a:off x="3884613" y="8685213"/>
+            <a:ext cx="2971800" cy="457200"/>
+          </a:xfrm>
+          <a:prstGeom prst="rect">
+            <a:avLst/>
+          </a:prstGeom>
+        </p:spPr>
+        <p:txBody>
+          <a:bodyPr vert="horz" lIns="91440" tIns="45720" rIns="91440" bIns="45720" rtlCol="0" anchor="b"/>
+          <a:lstStyle>
+            <a:lvl1pPr algn="r">
+              <a:defRPr sz="1200"/>
+            </a:lvl1pPr>
+          </a:lstStyle>
+          <a:p>
+            <a:fld id="{5ECBA51D-1CA4-4A9E-A77B-B1CBCAEC8AE0}" type="slidenum">
+              <a:rPr kumimoji="1" lang="ja-JP" altLang="en-US" smtClean="0"/>
+              <a:t>‹#›</a:t>
+            </a:fld>
+            <a:endParaRPr kumimoji="1" lang="ja-JP" altLang="en-US"/>
+          </a:p>
+        </p:txBody>
+      </p:sp>
+    </p:spTree>
+    <p:extLst>
+      <p:ext uri="{BB962C8B-B14F-4D97-AF65-F5344CB8AC3E}">
+        <p14:creationId xmlns:p14="http://schemas.microsoft.com/office/powerpoint/2010/main" val="3982327722"/>
+      </p:ext>
+    </p:extLst>
+  </p:cSld>
+  <p:clrMap bg1="lt1" tx1="dk1" bg2="lt2" tx2="dk2" accent1="accent1" accent2="accent2" accent3="accent3" accent4="accent4" accent5="accent5" accent6="accent6" hlink="hlink" folHlink="folHlink"/>
+  <p:notesStyle>
+    <a:lvl1pPr marL="0" algn="l" defTabSz="2952323" rtl="0" eaLnBrk="1" latinLnBrk="0" hangingPunct="1">
+      <a:defRPr kumimoji="1" sz="3900" kern="1200">
+        <a:solidFill>
+          <a:schemeClr val="tx1"/>
+        </a:solidFill>
+        <a:latin typeface="+mn-lt"/>
+        <a:ea typeface="+mn-ea"/>
+        <a:cs typeface="+mn-cs"/>
+      </a:defRPr>
+    </a:lvl1pPr>
+    <a:lvl2pPr marL="1476162" algn="l" defTabSz="2952323" rtl="0" eaLnBrk="1" latinLnBrk="0" hangingPunct="1">
+      <a:defRPr kumimoji="1" sz="3900" kern="1200">
+        <a:solidFill>
+          <a:schemeClr val="tx1"/>
+        </a:solidFill>
+        <a:latin typeface="+mn-lt"/>
+        <a:ea typeface="+mn-ea"/>
+        <a:cs typeface="+mn-cs"/>
+      </a:defRPr>
+    </a:lvl2pPr>
+    <a:lvl3pPr marL="2952323" algn="l" defTabSz="2952323" rtl="0" eaLnBrk="1" latinLnBrk="0" hangingPunct="1">
+      <a:defRPr kumimoji="1" sz="3900" kern="1200">
+        <a:solidFill>
+          <a:schemeClr val="tx1"/>
+        </a:solidFill>
+        <a:latin typeface="+mn-lt"/>
+        <a:ea typeface="+mn-ea"/>
+        <a:cs typeface="+mn-cs"/>
+      </a:defRPr>
+    </a:lvl3pPr>
+    <a:lvl4pPr marL="4428485" algn="l" defTabSz="2952323" rtl="0" eaLnBrk="1" latinLnBrk="0" hangingPunct="1">
+      <a:defRPr kumimoji="1" sz="3900" kern="1200">
+        <a:solidFill>
+          <a:schemeClr val="tx1"/>
+        </a:solidFill>
+        <a:latin typeface="+mn-lt"/>
+        <a:ea typeface="+mn-ea"/>
+        <a:cs typeface="+mn-cs"/>
+      </a:defRPr>
+    </a:lvl4pPr>
+    <a:lvl5pPr marL="5904647" algn="l" defTabSz="2952323" rtl="0" eaLnBrk="1" latinLnBrk="0" hangingPunct="1">
+      <a:defRPr kumimoji="1" sz="3900" kern="1200">
+        <a:solidFill>
+          <a:schemeClr val="tx1"/>
+        </a:solidFill>
+        <a:latin typeface="+mn-lt"/>
+        <a:ea typeface="+mn-ea"/>
+        <a:cs typeface="+mn-cs"/>
+      </a:defRPr>
+    </a:lvl5pPr>
+    <a:lvl6pPr marL="7380808" algn="l" defTabSz="2952323" rtl="0" eaLnBrk="1" latinLnBrk="0" hangingPunct="1">
+      <a:defRPr kumimoji="1" sz="3900" kern="1200">
+        <a:solidFill>
+          <a:schemeClr val="tx1"/>
+        </a:solidFill>
+        <a:latin typeface="+mn-lt"/>
+        <a:ea typeface="+mn-ea"/>
+        <a:cs typeface="+mn-cs"/>
+      </a:defRPr>
+    </a:lvl6pPr>
+    <a:lvl7pPr marL="8856970" algn="l" defTabSz="2952323" rtl="0" eaLnBrk="1" latinLnBrk="0" hangingPunct="1">
+      <a:defRPr kumimoji="1" sz="3900" kern="1200">
+        <a:solidFill>
+          <a:schemeClr val="tx1"/>
+        </a:solidFill>
+        <a:latin typeface="+mn-lt"/>
+        <a:ea typeface="+mn-ea"/>
+        <a:cs typeface="+mn-cs"/>
+      </a:defRPr>
+    </a:lvl7pPr>
+    <a:lvl8pPr marL="10333131" algn="l" defTabSz="2952323" rtl="0" eaLnBrk="1" latinLnBrk="0" hangingPunct="1">
+      <a:defRPr kumimoji="1" sz="3900" kern="1200">
+        <a:solidFill>
+          <a:schemeClr val="tx1"/>
+        </a:solidFill>
+        <a:latin typeface="+mn-lt"/>
+        <a:ea typeface="+mn-ea"/>
+        <a:cs typeface="+mn-cs"/>
+      </a:defRPr>
+    </a:lvl8pPr>
+    <a:lvl9pPr marL="11809293" algn="l" defTabSz="2952323" rtl="0" eaLnBrk="1" latinLnBrk="0" hangingPunct="1">
+      <a:defRPr kumimoji="1" sz="3900" kern="1200">
+        <a:solidFill>
+          <a:schemeClr val="tx1"/>
+        </a:solidFill>
+        <a:latin typeface="+mn-lt"/>
+        <a:ea typeface="+mn-ea"/>
+        <a:cs typeface="+mn-cs"/>
+      </a:defRPr>
+    </a:lvl9pPr>
+  </p:notesStyle>
+</p:notesMaster>
+</file>
+
+<file path=ppt/notesSlides/notesSlide1.xml><?xml version="1.0" encoding="utf-8"?>
+<p:notes xmlns:a="http://schemas.openxmlformats.org/drawingml/2006/main" xmlns:r="http://schemas.openxmlformats.org/officeDocument/2006/relationships" xmlns:p="http://schemas.openxmlformats.org/presentationml/2006/main">
+  <p:cSld>
+    <p:spTree>
+      <p:nvGrpSpPr>
+        <p:cNvPr id="1" name=""/>
+        <p:cNvGrpSpPr/>
+        <p:nvPr/>
+      </p:nvGrpSpPr>
+      <p:grpSpPr>
+        <a:xfrm>
+          <a:off x="0" y="0"/>
+          <a:ext cx="0" cy="0"/>
+          <a:chOff x="0" y="0"/>
+          <a:chExt cx="0" cy="0"/>
+        </a:xfrm>
+      </p:grpSpPr>
+      <p:sp>
+        <p:nvSpPr>
+          <p:cNvPr id="2" name="スライド イメージ プレースホルダー 1"/>
+          <p:cNvSpPr>
+            <a:spLocks noGrp="1" noRot="1" noChangeAspect="1"/>
+          </p:cNvSpPr>
+          <p:nvPr>
+            <p:ph type="sldImg"/>
+          </p:nvPr>
+        </p:nvSpPr>
+        <p:spPr/>
+      </p:sp>
+      <p:sp>
+        <p:nvSpPr>
+          <p:cNvPr id="3" name="ノート プレースホルダー 2"/>
+          <p:cNvSpPr>
+            <a:spLocks noGrp="1"/>
+          </p:cNvSpPr>
+          <p:nvPr>
+            <p:ph type="body" idx="1"/>
+          </p:nvPr>
+        </p:nvSpPr>
+        <p:spPr/>
+        <p:txBody>
+          <a:bodyPr/>
+          <a:lstStyle/>
+          <a:p>
+            <a:endParaRPr kumimoji="1" lang="ja-JP" altLang="en-US" dirty="0"/>
+          </a:p>
+        </p:txBody>
+      </p:sp>
+      <p:sp>
+        <p:nvSpPr>
+          <p:cNvPr id="4" name="スライド番号プレースホルダー 3"/>
+          <p:cNvSpPr>
+            <a:spLocks noGrp="1"/>
+          </p:cNvSpPr>
+          <p:nvPr>
+            <p:ph type="sldNum" sz="quarter" idx="10"/>
+          </p:nvPr>
+        </p:nvSpPr>
+        <p:spPr/>
+        <p:txBody>
+          <a:bodyPr/>
+          <a:lstStyle/>
+          <a:p>
+            <a:fld id="{5ECBA51D-1CA4-4A9E-A77B-B1CBCAEC8AE0}" type="slidenum">
+              <a:rPr kumimoji="1" lang="ja-JP" altLang="en-US" smtClean="0"/>
+              <a:t>1</a:t>
+            </a:fld>
+            <a:endParaRPr kumimoji="1" lang="ja-JP" altLang="en-US"/>
+          </a:p>
+        </p:txBody>
+      </p:sp>
+    </p:spTree>
+    <p:extLst>
+      <p:ext uri="{BB962C8B-B14F-4D97-AF65-F5344CB8AC3E}">
+        <p14:creationId xmlns:p14="http://schemas.microsoft.com/office/powerpoint/2010/main" val="1506719642"/>
+      </p:ext>
+    </p:extLst>
+  </p:cSld>
+  <p:clrMapOvr>
+    <a:masterClrMapping/>
+  </p:clrMapOvr>
+</p:notes>
 </file>
 
 <file path=ppt/slideLayouts/slideLayout1.xml><?xml version="1.0" encoding="utf-8"?>
@@ -137,8 +606,8 @@
         </p:nvSpPr>
         <p:spPr>
           <a:xfrm>
-            <a:off x="514350" y="2840568"/>
-            <a:ext cx="5829300" cy="1960033"/>
+            <a:off x="1604010" y="9406424"/>
+            <a:ext cx="18178780" cy="6490568"/>
           </a:xfrm>
         </p:spPr>
         <p:txBody>
@@ -165,8 +634,8 @@
         </p:nvSpPr>
         <p:spPr>
           <a:xfrm>
-            <a:off x="1028700" y="5181600"/>
-            <a:ext cx="4800600" cy="2336800"/>
+            <a:off x="3208020" y="17158652"/>
+            <a:ext cx="14970760" cy="7738216"/>
           </a:xfrm>
         </p:spPr>
         <p:txBody>
@@ -182,7 +651,7 @@
                 </a:solidFill>
               </a:defRPr>
             </a:lvl1pPr>
-            <a:lvl2pPr marL="457200" indent="0" algn="ctr">
+            <a:lvl2pPr marL="1476162" indent="0" algn="ctr">
               <a:buNone/>
               <a:defRPr>
                 <a:solidFill>
@@ -192,7 +661,7 @@
                 </a:solidFill>
               </a:defRPr>
             </a:lvl2pPr>
-            <a:lvl3pPr marL="914400" indent="0" algn="ctr">
+            <a:lvl3pPr marL="2952323" indent="0" algn="ctr">
               <a:buNone/>
               <a:defRPr>
                 <a:solidFill>
@@ -202,7 +671,7 @@
                 </a:solidFill>
               </a:defRPr>
             </a:lvl3pPr>
-            <a:lvl4pPr marL="1371600" indent="0" algn="ctr">
+            <a:lvl4pPr marL="4428485" indent="0" algn="ctr">
               <a:buNone/>
               <a:defRPr>
                 <a:solidFill>
@@ -212,7 +681,7 @@
                 </a:solidFill>
               </a:defRPr>
             </a:lvl4pPr>
-            <a:lvl5pPr marL="1828800" indent="0" algn="ctr">
+            <a:lvl5pPr marL="5904647" indent="0" algn="ctr">
               <a:buNone/>
               <a:defRPr>
                 <a:solidFill>
@@ -222,7 +691,7 @@
                 </a:solidFill>
               </a:defRPr>
             </a:lvl5pPr>
-            <a:lvl6pPr marL="2286000" indent="0" algn="ctr">
+            <a:lvl6pPr marL="7380808" indent="0" algn="ctr">
               <a:buNone/>
               <a:defRPr>
                 <a:solidFill>
@@ -232,7 +701,7 @@
                 </a:solidFill>
               </a:defRPr>
             </a:lvl6pPr>
-            <a:lvl7pPr marL="2743200" indent="0" algn="ctr">
+            <a:lvl7pPr marL="8856970" indent="0" algn="ctr">
               <a:buNone/>
               <a:defRPr>
                 <a:solidFill>
@@ -242,7 +711,7 @@
                 </a:solidFill>
               </a:defRPr>
             </a:lvl7pPr>
-            <a:lvl8pPr marL="3200400" indent="0" algn="ctr">
+            <a:lvl8pPr marL="10333131" indent="0" algn="ctr">
               <a:buNone/>
               <a:defRPr>
                 <a:solidFill>
@@ -252,7 +721,7 @@
                 </a:solidFill>
               </a:defRPr>
             </a:lvl8pPr>
-            <a:lvl9pPr marL="3657600" indent="0" algn="ctr">
+            <a:lvl9pPr marL="11809293" indent="0" algn="ctr">
               <a:buNone/>
               <a:defRPr>
                 <a:solidFill>
@@ -289,7 +758,7 @@
           <a:p>
             <a:fld id="{F2959956-4FD5-416F-A9E5-DABD44530C50}" type="datetimeFigureOut">
               <a:rPr kumimoji="1" lang="ja-JP" altLang="en-US" smtClean="0"/>
-              <a:t>2013/12/10</a:t>
+              <a:t>2013/12/12</a:t>
             </a:fld>
             <a:endParaRPr kumimoji="1" lang="ja-JP" altLang="en-US"/>
           </a:p>
@@ -491,7 +960,7 @@
           <a:p>
             <a:fld id="{F2959956-4FD5-416F-A9E5-DABD44530C50}" type="datetimeFigureOut">
               <a:rPr kumimoji="1" lang="ja-JP" altLang="en-US" smtClean="0"/>
-              <a:t>2013/12/10</a:t>
+              <a:t>2013/12/12</a:t>
             </a:fld>
             <a:endParaRPr kumimoji="1" lang="ja-JP" altLang="en-US"/>
           </a:p>
@@ -581,8 +1050,8 @@
         </p:nvSpPr>
         <p:spPr>
           <a:xfrm>
-            <a:off x="3729037" y="488951"/>
-            <a:ext cx="1157288" cy="10401300"/>
+            <a:off x="11629071" y="1619141"/>
+            <a:ext cx="3609024" cy="34443472"/>
           </a:xfrm>
         </p:spPr>
         <p:txBody>
@@ -609,8 +1078,8 @@
         </p:nvSpPr>
         <p:spPr>
           <a:xfrm>
-            <a:off x="257175" y="488951"/>
-            <a:ext cx="3357563" cy="10401300"/>
+            <a:off x="802007" y="1619141"/>
+            <a:ext cx="10470622" cy="34443472"/>
           </a:xfrm>
         </p:spPr>
         <p:txBody>
@@ -703,7 +1172,7 @@
           <a:p>
             <a:fld id="{F2959956-4FD5-416F-A9E5-DABD44530C50}" type="datetimeFigureOut">
               <a:rPr kumimoji="1" lang="ja-JP" altLang="en-US" smtClean="0"/>
-              <a:t>2013/12/10</a:t>
+              <a:t>2013/12/12</a:t>
             </a:fld>
             <a:endParaRPr kumimoji="1" lang="ja-JP" altLang="en-US"/>
           </a:p>
@@ -905,7 +1374,7 @@
           <a:p>
             <a:fld id="{F2959956-4FD5-416F-A9E5-DABD44530C50}" type="datetimeFigureOut">
               <a:rPr kumimoji="1" lang="ja-JP" altLang="en-US" smtClean="0"/>
-              <a:t>2013/12/10</a:t>
+              <a:t>2013/12/12</a:t>
             </a:fld>
             <a:endParaRPr kumimoji="1" lang="ja-JP" altLang="en-US"/>
           </a:p>
@@ -995,15 +1464,15 @@
         </p:nvSpPr>
         <p:spPr>
           <a:xfrm>
-            <a:off x="541735" y="5875867"/>
-            <a:ext cx="5829300" cy="1816100"/>
+            <a:off x="1689411" y="19457689"/>
+            <a:ext cx="18178780" cy="6013939"/>
           </a:xfrm>
         </p:spPr>
         <p:txBody>
           <a:bodyPr anchor="t"/>
           <a:lstStyle>
             <a:lvl1pPr algn="l">
-              <a:defRPr sz="4000" b="1" cap="all"/>
+              <a:defRPr sz="12900" b="1" cap="all"/>
             </a:lvl1pPr>
           </a:lstStyle>
           <a:p>
@@ -1027,8 +1496,8 @@
         </p:nvSpPr>
         <p:spPr>
           <a:xfrm>
-            <a:off x="541735" y="3875618"/>
-            <a:ext cx="5829300" cy="2000249"/>
+            <a:off x="1689411" y="12833949"/>
+            <a:ext cx="18178780" cy="6623741"/>
           </a:xfrm>
         </p:spPr>
         <p:txBody>
@@ -1036,7 +1505,7 @@
           <a:lstStyle>
             <a:lvl1pPr marL="0" indent="0">
               <a:buNone/>
-              <a:defRPr sz="2000">
+              <a:defRPr sz="6500">
                 <a:solidFill>
                   <a:schemeClr val="tx1">
                     <a:tint val="75000"/>
@@ -1044,9 +1513,9 @@
                 </a:solidFill>
               </a:defRPr>
             </a:lvl1pPr>
-            <a:lvl2pPr marL="457200" indent="0">
+            <a:lvl2pPr marL="1476162" indent="0">
               <a:buNone/>
-              <a:defRPr sz="1800">
+              <a:defRPr sz="5800">
                 <a:solidFill>
                   <a:schemeClr val="tx1">
                     <a:tint val="75000"/>
@@ -1054,9 +1523,9 @@
                 </a:solidFill>
               </a:defRPr>
             </a:lvl2pPr>
-            <a:lvl3pPr marL="914400" indent="0">
+            <a:lvl3pPr marL="2952323" indent="0">
               <a:buNone/>
-              <a:defRPr sz="1600">
+              <a:defRPr sz="5200">
                 <a:solidFill>
                   <a:schemeClr val="tx1">
                     <a:tint val="75000"/>
@@ -1064,9 +1533,9 @@
                 </a:solidFill>
               </a:defRPr>
             </a:lvl3pPr>
-            <a:lvl4pPr marL="1371600" indent="0">
+            <a:lvl4pPr marL="4428485" indent="0">
               <a:buNone/>
-              <a:defRPr sz="1400">
+              <a:defRPr sz="4500">
                 <a:solidFill>
                   <a:schemeClr val="tx1">
                     <a:tint val="75000"/>
@@ -1074,9 +1543,9 @@
                 </a:solidFill>
               </a:defRPr>
             </a:lvl4pPr>
-            <a:lvl5pPr marL="1828800" indent="0">
+            <a:lvl5pPr marL="5904647" indent="0">
               <a:buNone/>
-              <a:defRPr sz="1400">
+              <a:defRPr sz="4500">
                 <a:solidFill>
                   <a:schemeClr val="tx1">
                     <a:tint val="75000"/>
@@ -1084,9 +1553,9 @@
                 </a:solidFill>
               </a:defRPr>
             </a:lvl5pPr>
-            <a:lvl6pPr marL="2286000" indent="0">
+            <a:lvl6pPr marL="7380808" indent="0">
               <a:buNone/>
-              <a:defRPr sz="1400">
+              <a:defRPr sz="4500">
                 <a:solidFill>
                   <a:schemeClr val="tx1">
                     <a:tint val="75000"/>
@@ -1094,9 +1563,9 @@
                 </a:solidFill>
               </a:defRPr>
             </a:lvl6pPr>
-            <a:lvl7pPr marL="2743200" indent="0">
+            <a:lvl7pPr marL="8856970" indent="0">
               <a:buNone/>
-              <a:defRPr sz="1400">
+              <a:defRPr sz="4500">
                 <a:solidFill>
                   <a:schemeClr val="tx1">
                     <a:tint val="75000"/>
@@ -1104,9 +1573,9 @@
                 </a:solidFill>
               </a:defRPr>
             </a:lvl7pPr>
-            <a:lvl8pPr marL="3200400" indent="0">
+            <a:lvl8pPr marL="10333131" indent="0">
               <a:buNone/>
-              <a:defRPr sz="1400">
+              <a:defRPr sz="4500">
                 <a:solidFill>
                   <a:schemeClr val="tx1">
                     <a:tint val="75000"/>
@@ -1114,9 +1583,9 @@
                 </a:solidFill>
               </a:defRPr>
             </a:lvl8pPr>
-            <a:lvl9pPr marL="3657600" indent="0">
+            <a:lvl9pPr marL="11809293" indent="0">
               <a:buNone/>
-              <a:defRPr sz="1400">
+              <a:defRPr sz="4500">
                 <a:solidFill>
                   <a:schemeClr val="tx1">
                     <a:tint val="75000"/>
@@ -1151,7 +1620,7 @@
           <a:p>
             <a:fld id="{F2959956-4FD5-416F-A9E5-DABD44530C50}" type="datetimeFigureOut">
               <a:rPr kumimoji="1" lang="ja-JP" altLang="en-US" smtClean="0"/>
-              <a:t>2013/12/10</a:t>
+              <a:t>2013/12/12</a:t>
             </a:fld>
             <a:endParaRPr kumimoji="1" lang="ja-JP" altLang="en-US"/>
           </a:p>
@@ -1264,39 +1733,39 @@
         </p:nvSpPr>
         <p:spPr>
           <a:xfrm>
-            <a:off x="257175" y="2844800"/>
-            <a:ext cx="2257425" cy="8045451"/>
+            <a:off x="802006" y="9420438"/>
+            <a:ext cx="7039822" cy="26642176"/>
           </a:xfrm>
         </p:spPr>
         <p:txBody>
           <a:bodyPr/>
           <a:lstStyle>
             <a:lvl1pPr>
-              <a:defRPr sz="2800"/>
+              <a:defRPr sz="9000"/>
             </a:lvl1pPr>
             <a:lvl2pPr>
-              <a:defRPr sz="2400"/>
+              <a:defRPr sz="7700"/>
             </a:lvl2pPr>
             <a:lvl3pPr>
-              <a:defRPr sz="2000"/>
+              <a:defRPr sz="6500"/>
             </a:lvl3pPr>
             <a:lvl4pPr>
-              <a:defRPr sz="1800"/>
+              <a:defRPr sz="5800"/>
             </a:lvl4pPr>
             <a:lvl5pPr>
-              <a:defRPr sz="1800"/>
+              <a:defRPr sz="5800"/>
             </a:lvl5pPr>
             <a:lvl6pPr>
-              <a:defRPr sz="1800"/>
+              <a:defRPr sz="5800"/>
             </a:lvl6pPr>
             <a:lvl7pPr>
-              <a:defRPr sz="1800"/>
+              <a:defRPr sz="5800"/>
             </a:lvl7pPr>
             <a:lvl8pPr>
-              <a:defRPr sz="1800"/>
+              <a:defRPr sz="5800"/>
             </a:lvl8pPr>
             <a:lvl9pPr>
-              <a:defRPr sz="1800"/>
+              <a:defRPr sz="5800"/>
             </a:lvl9pPr>
           </a:lstStyle>
           <a:p>
@@ -1381,39 +1850,39 @@
         </p:nvSpPr>
         <p:spPr>
           <a:xfrm>
-            <a:off x="2628900" y="2844800"/>
-            <a:ext cx="2257425" cy="8045451"/>
+            <a:off x="8198275" y="9420438"/>
+            <a:ext cx="7039822" cy="26642176"/>
           </a:xfrm>
         </p:spPr>
         <p:txBody>
           <a:bodyPr/>
           <a:lstStyle>
             <a:lvl1pPr>
-              <a:defRPr sz="2800"/>
+              <a:defRPr sz="9000"/>
             </a:lvl1pPr>
             <a:lvl2pPr>
-              <a:defRPr sz="2400"/>
+              <a:defRPr sz="7700"/>
             </a:lvl2pPr>
             <a:lvl3pPr>
-              <a:defRPr sz="2000"/>
+              <a:defRPr sz="6500"/>
             </a:lvl3pPr>
             <a:lvl4pPr>
-              <a:defRPr sz="1800"/>
+              <a:defRPr sz="5800"/>
             </a:lvl4pPr>
             <a:lvl5pPr>
-              <a:defRPr sz="1800"/>
+              <a:defRPr sz="5800"/>
             </a:lvl5pPr>
             <a:lvl6pPr>
-              <a:defRPr sz="1800"/>
+              <a:defRPr sz="5800"/>
             </a:lvl6pPr>
             <a:lvl7pPr>
-              <a:defRPr sz="1800"/>
+              <a:defRPr sz="5800"/>
             </a:lvl7pPr>
             <a:lvl8pPr>
-              <a:defRPr sz="1800"/>
+              <a:defRPr sz="5800"/>
             </a:lvl8pPr>
             <a:lvl9pPr>
-              <a:defRPr sz="1800"/>
+              <a:defRPr sz="5800"/>
             </a:lvl9pPr>
           </a:lstStyle>
           <a:p>
@@ -1503,7 +1972,7 @@
           <a:p>
             <a:fld id="{F2959956-4FD5-416F-A9E5-DABD44530C50}" type="datetimeFigureOut">
               <a:rPr kumimoji="1" lang="ja-JP" altLang="en-US" smtClean="0"/>
-              <a:t>2013/12/10</a:t>
+              <a:t>2013/12/12</a:t>
             </a:fld>
             <a:endParaRPr kumimoji="1" lang="ja-JP" altLang="en-US"/>
           </a:p>
@@ -1593,8 +2062,8 @@
         </p:nvSpPr>
         <p:spPr>
           <a:xfrm>
-            <a:off x="342900" y="366184"/>
-            <a:ext cx="6172200" cy="1524000"/>
+            <a:off x="1069340" y="1212603"/>
+            <a:ext cx="19248120" cy="5046663"/>
           </a:xfrm>
         </p:spPr>
         <p:txBody>
@@ -1625,8 +2094,8 @@
         </p:nvSpPr>
         <p:spPr>
           <a:xfrm>
-            <a:off x="342900" y="2046817"/>
-            <a:ext cx="3030141" cy="853016"/>
+            <a:off x="1069341" y="6777949"/>
+            <a:ext cx="9449551" cy="2824727"/>
           </a:xfrm>
         </p:spPr>
         <p:txBody>
@@ -1634,39 +2103,39 @@
           <a:lstStyle>
             <a:lvl1pPr marL="0" indent="0">
               <a:buNone/>
-              <a:defRPr sz="2400" b="1"/>
+              <a:defRPr sz="7700" b="1"/>
             </a:lvl1pPr>
-            <a:lvl2pPr marL="457200" indent="0">
+            <a:lvl2pPr marL="1476162" indent="0">
               <a:buNone/>
-              <a:defRPr sz="2000" b="1"/>
+              <a:defRPr sz="6500" b="1"/>
             </a:lvl2pPr>
-            <a:lvl3pPr marL="914400" indent="0">
+            <a:lvl3pPr marL="2952323" indent="0">
               <a:buNone/>
-              <a:defRPr sz="1800" b="1"/>
+              <a:defRPr sz="5800" b="1"/>
             </a:lvl3pPr>
-            <a:lvl4pPr marL="1371600" indent="0">
+            <a:lvl4pPr marL="4428485" indent="0">
               <a:buNone/>
-              <a:defRPr sz="1600" b="1"/>
+              <a:defRPr sz="5200" b="1"/>
             </a:lvl4pPr>
-            <a:lvl5pPr marL="1828800" indent="0">
+            <a:lvl5pPr marL="5904647" indent="0">
               <a:buNone/>
-              <a:defRPr sz="1600" b="1"/>
+              <a:defRPr sz="5200" b="1"/>
             </a:lvl5pPr>
-            <a:lvl6pPr marL="2286000" indent="0">
+            <a:lvl6pPr marL="7380808" indent="0">
               <a:buNone/>
-              <a:defRPr sz="1600" b="1"/>
+              <a:defRPr sz="5200" b="1"/>
             </a:lvl6pPr>
-            <a:lvl7pPr marL="2743200" indent="0">
+            <a:lvl7pPr marL="8856970" indent="0">
               <a:buNone/>
-              <a:defRPr sz="1600" b="1"/>
+              <a:defRPr sz="5200" b="1"/>
             </a:lvl7pPr>
-            <a:lvl8pPr marL="3200400" indent="0">
+            <a:lvl8pPr marL="10333131" indent="0">
               <a:buNone/>
-              <a:defRPr sz="1600" b="1"/>
+              <a:defRPr sz="5200" b="1"/>
             </a:lvl8pPr>
-            <a:lvl9pPr marL="3657600" indent="0">
+            <a:lvl9pPr marL="11809293" indent="0">
               <a:buNone/>
-              <a:defRPr sz="1600" b="1"/>
+              <a:defRPr sz="5200" b="1"/>
             </a:lvl9pPr>
           </a:lstStyle>
           <a:p>
@@ -1690,39 +2159,39 @@
         </p:nvSpPr>
         <p:spPr>
           <a:xfrm>
-            <a:off x="342900" y="2899833"/>
-            <a:ext cx="3030141" cy="5268384"/>
+            <a:off x="1069341" y="9602676"/>
+            <a:ext cx="9449551" cy="17446034"/>
           </a:xfrm>
         </p:spPr>
         <p:txBody>
           <a:bodyPr/>
           <a:lstStyle>
             <a:lvl1pPr>
-              <a:defRPr sz="2400"/>
+              <a:defRPr sz="7700"/>
             </a:lvl1pPr>
             <a:lvl2pPr>
-              <a:defRPr sz="2000"/>
+              <a:defRPr sz="6500"/>
             </a:lvl2pPr>
             <a:lvl3pPr>
-              <a:defRPr sz="1800"/>
+              <a:defRPr sz="5800"/>
             </a:lvl3pPr>
             <a:lvl4pPr>
-              <a:defRPr sz="1600"/>
+              <a:defRPr sz="5200"/>
             </a:lvl4pPr>
             <a:lvl5pPr>
-              <a:defRPr sz="1600"/>
+              <a:defRPr sz="5200"/>
             </a:lvl5pPr>
             <a:lvl6pPr>
-              <a:defRPr sz="1600"/>
+              <a:defRPr sz="5200"/>
             </a:lvl6pPr>
             <a:lvl7pPr>
-              <a:defRPr sz="1600"/>
+              <a:defRPr sz="5200"/>
             </a:lvl7pPr>
             <a:lvl8pPr>
-              <a:defRPr sz="1600"/>
+              <a:defRPr sz="5200"/>
             </a:lvl8pPr>
             <a:lvl9pPr>
-              <a:defRPr sz="1600"/>
+              <a:defRPr sz="5200"/>
             </a:lvl9pPr>
           </a:lstStyle>
           <a:p>
@@ -1807,8 +2276,8 @@
         </p:nvSpPr>
         <p:spPr>
           <a:xfrm>
-            <a:off x="3483769" y="2046817"/>
-            <a:ext cx="3031331" cy="853016"/>
+            <a:off x="10864200" y="6777949"/>
+            <a:ext cx="9453262" cy="2824727"/>
           </a:xfrm>
         </p:spPr>
         <p:txBody>
@@ -1816,39 +2285,39 @@
           <a:lstStyle>
             <a:lvl1pPr marL="0" indent="0">
               <a:buNone/>
-              <a:defRPr sz="2400" b="1"/>
+              <a:defRPr sz="7700" b="1"/>
             </a:lvl1pPr>
-            <a:lvl2pPr marL="457200" indent="0">
+            <a:lvl2pPr marL="1476162" indent="0">
               <a:buNone/>
-              <a:defRPr sz="2000" b="1"/>
+              <a:defRPr sz="6500" b="1"/>
             </a:lvl2pPr>
-            <a:lvl3pPr marL="914400" indent="0">
+            <a:lvl3pPr marL="2952323" indent="0">
               <a:buNone/>
-              <a:defRPr sz="1800" b="1"/>
+              <a:defRPr sz="5800" b="1"/>
             </a:lvl3pPr>
-            <a:lvl4pPr marL="1371600" indent="0">
+            <a:lvl4pPr marL="4428485" indent="0">
               <a:buNone/>
-              <a:defRPr sz="1600" b="1"/>
+              <a:defRPr sz="5200" b="1"/>
             </a:lvl4pPr>
-            <a:lvl5pPr marL="1828800" indent="0">
+            <a:lvl5pPr marL="5904647" indent="0">
               <a:buNone/>
-              <a:defRPr sz="1600" b="1"/>
+              <a:defRPr sz="5200" b="1"/>
             </a:lvl5pPr>
-            <a:lvl6pPr marL="2286000" indent="0">
+            <a:lvl6pPr marL="7380808" indent="0">
               <a:buNone/>
-              <a:defRPr sz="1600" b="1"/>
+              <a:defRPr sz="5200" b="1"/>
             </a:lvl6pPr>
-            <a:lvl7pPr marL="2743200" indent="0">
+            <a:lvl7pPr marL="8856970" indent="0">
               <a:buNone/>
-              <a:defRPr sz="1600" b="1"/>
+              <a:defRPr sz="5200" b="1"/>
             </a:lvl7pPr>
-            <a:lvl8pPr marL="3200400" indent="0">
+            <a:lvl8pPr marL="10333131" indent="0">
               <a:buNone/>
-              <a:defRPr sz="1600" b="1"/>
+              <a:defRPr sz="5200" b="1"/>
             </a:lvl8pPr>
-            <a:lvl9pPr marL="3657600" indent="0">
+            <a:lvl9pPr marL="11809293" indent="0">
               <a:buNone/>
-              <a:defRPr sz="1600" b="1"/>
+              <a:defRPr sz="5200" b="1"/>
             </a:lvl9pPr>
           </a:lstStyle>
           <a:p>
@@ -1872,39 +2341,39 @@
         </p:nvSpPr>
         <p:spPr>
           <a:xfrm>
-            <a:off x="3483769" y="2899833"/>
-            <a:ext cx="3031331" cy="5268384"/>
+            <a:off x="10864200" y="9602676"/>
+            <a:ext cx="9453262" cy="17446034"/>
           </a:xfrm>
         </p:spPr>
         <p:txBody>
           <a:bodyPr/>
           <a:lstStyle>
             <a:lvl1pPr>
-              <a:defRPr sz="2400"/>
+              <a:defRPr sz="7700"/>
             </a:lvl1pPr>
             <a:lvl2pPr>
-              <a:defRPr sz="2000"/>
+              <a:defRPr sz="6500"/>
             </a:lvl2pPr>
             <a:lvl3pPr>
-              <a:defRPr sz="1800"/>
+              <a:defRPr sz="5800"/>
             </a:lvl3pPr>
             <a:lvl4pPr>
-              <a:defRPr sz="1600"/>
+              <a:defRPr sz="5200"/>
             </a:lvl4pPr>
             <a:lvl5pPr>
-              <a:defRPr sz="1600"/>
+              <a:defRPr sz="5200"/>
             </a:lvl5pPr>
             <a:lvl6pPr>
-              <a:defRPr sz="1600"/>
+              <a:defRPr sz="5200"/>
             </a:lvl6pPr>
             <a:lvl7pPr>
-              <a:defRPr sz="1600"/>
+              <a:defRPr sz="5200"/>
             </a:lvl7pPr>
             <a:lvl8pPr>
-              <a:defRPr sz="1600"/>
+              <a:defRPr sz="5200"/>
             </a:lvl8pPr>
             <a:lvl9pPr>
-              <a:defRPr sz="1600"/>
+              <a:defRPr sz="5200"/>
             </a:lvl9pPr>
           </a:lstStyle>
           <a:p>
@@ -1994,7 +2463,7 @@
           <a:p>
             <a:fld id="{F2959956-4FD5-416F-A9E5-DABD44530C50}" type="datetimeFigureOut">
               <a:rPr kumimoji="1" lang="ja-JP" altLang="en-US" smtClean="0"/>
-              <a:t>2013/12/10</a:t>
+              <a:t>2013/12/12</a:t>
             </a:fld>
             <a:endParaRPr kumimoji="1" lang="ja-JP" altLang="en-US"/>
           </a:p>
@@ -2112,7 +2581,7 @@
           <a:p>
             <a:fld id="{F2959956-4FD5-416F-A9E5-DABD44530C50}" type="datetimeFigureOut">
               <a:rPr kumimoji="1" lang="ja-JP" altLang="en-US" smtClean="0"/>
-              <a:t>2013/12/10</a:t>
+              <a:t>2013/12/12</a:t>
             </a:fld>
             <a:endParaRPr kumimoji="1" lang="ja-JP" altLang="en-US"/>
           </a:p>
@@ -2207,7 +2676,7 @@
           <a:p>
             <a:fld id="{F2959956-4FD5-416F-A9E5-DABD44530C50}" type="datetimeFigureOut">
               <a:rPr kumimoji="1" lang="ja-JP" altLang="en-US" smtClean="0"/>
-              <a:t>2013/12/10</a:t>
+              <a:t>2013/12/12</a:t>
             </a:fld>
             <a:endParaRPr kumimoji="1" lang="ja-JP" altLang="en-US"/>
           </a:p>
@@ -2297,15 +2766,15 @@
         </p:nvSpPr>
         <p:spPr>
           <a:xfrm>
-            <a:off x="342900" y="364067"/>
-            <a:ext cx="2256235" cy="1549400"/>
+            <a:off x="1069341" y="1205592"/>
+            <a:ext cx="7036111" cy="5130774"/>
           </a:xfrm>
         </p:spPr>
         <p:txBody>
           <a:bodyPr anchor="b"/>
           <a:lstStyle>
             <a:lvl1pPr algn="l">
-              <a:defRPr sz="2000" b="1"/>
+              <a:defRPr sz="6500" b="1"/>
             </a:lvl1pPr>
           </a:lstStyle>
           <a:p>
@@ -2329,39 +2798,39 @@
         </p:nvSpPr>
         <p:spPr>
           <a:xfrm>
-            <a:off x="2681287" y="364067"/>
-            <a:ext cx="3833813" cy="7804151"/>
+            <a:off x="8361645" y="1205594"/>
+            <a:ext cx="11955817" cy="25843121"/>
           </a:xfrm>
         </p:spPr>
         <p:txBody>
           <a:bodyPr/>
           <a:lstStyle>
             <a:lvl1pPr>
-              <a:defRPr sz="3200"/>
+              <a:defRPr sz="10300"/>
             </a:lvl1pPr>
             <a:lvl2pPr>
-              <a:defRPr sz="2800"/>
+              <a:defRPr sz="9000"/>
             </a:lvl2pPr>
             <a:lvl3pPr>
-              <a:defRPr sz="2400"/>
+              <a:defRPr sz="7700"/>
             </a:lvl3pPr>
             <a:lvl4pPr>
-              <a:defRPr sz="2000"/>
+              <a:defRPr sz="6500"/>
             </a:lvl4pPr>
             <a:lvl5pPr>
-              <a:defRPr sz="2000"/>
+              <a:defRPr sz="6500"/>
             </a:lvl5pPr>
             <a:lvl6pPr>
-              <a:defRPr sz="2000"/>
+              <a:defRPr sz="6500"/>
             </a:lvl6pPr>
             <a:lvl7pPr>
-              <a:defRPr sz="2000"/>
+              <a:defRPr sz="6500"/>
             </a:lvl7pPr>
             <a:lvl8pPr>
-              <a:defRPr sz="2000"/>
+              <a:defRPr sz="6500"/>
             </a:lvl8pPr>
             <a:lvl9pPr>
-              <a:defRPr sz="2000"/>
+              <a:defRPr sz="6500"/>
             </a:lvl9pPr>
           </a:lstStyle>
           <a:p>
@@ -2446,8 +2915,8 @@
         </p:nvSpPr>
         <p:spPr>
           <a:xfrm>
-            <a:off x="342900" y="1913467"/>
-            <a:ext cx="2256235" cy="6254751"/>
+            <a:off x="1069341" y="6336368"/>
+            <a:ext cx="7036111" cy="20712347"/>
           </a:xfrm>
         </p:spPr>
         <p:txBody>
@@ -2455,39 +2924,39 @@
           <a:lstStyle>
             <a:lvl1pPr marL="0" indent="0">
               <a:buNone/>
-              <a:defRPr sz="1400"/>
+              <a:defRPr sz="4500"/>
             </a:lvl1pPr>
-            <a:lvl2pPr marL="457200" indent="0">
+            <a:lvl2pPr marL="1476162" indent="0">
               <a:buNone/>
-              <a:defRPr sz="1200"/>
+              <a:defRPr sz="3900"/>
             </a:lvl2pPr>
-            <a:lvl3pPr marL="914400" indent="0">
+            <a:lvl3pPr marL="2952323" indent="0">
               <a:buNone/>
-              <a:defRPr sz="1000"/>
+              <a:defRPr sz="3200"/>
             </a:lvl3pPr>
-            <a:lvl4pPr marL="1371600" indent="0">
+            <a:lvl4pPr marL="4428485" indent="0">
               <a:buNone/>
-              <a:defRPr sz="900"/>
+              <a:defRPr sz="2900"/>
             </a:lvl4pPr>
-            <a:lvl5pPr marL="1828800" indent="0">
+            <a:lvl5pPr marL="5904647" indent="0">
               <a:buNone/>
-              <a:defRPr sz="900"/>
+              <a:defRPr sz="2900"/>
             </a:lvl5pPr>
-            <a:lvl6pPr marL="2286000" indent="0">
+            <a:lvl6pPr marL="7380808" indent="0">
               <a:buNone/>
-              <a:defRPr sz="900"/>
+              <a:defRPr sz="2900"/>
             </a:lvl6pPr>
-            <a:lvl7pPr marL="2743200" indent="0">
+            <a:lvl7pPr marL="8856970" indent="0">
               <a:buNone/>
-              <a:defRPr sz="900"/>
+              <a:defRPr sz="2900"/>
             </a:lvl7pPr>
-            <a:lvl8pPr marL="3200400" indent="0">
+            <a:lvl8pPr marL="10333131" indent="0">
               <a:buNone/>
-              <a:defRPr sz="900"/>
+              <a:defRPr sz="2900"/>
             </a:lvl8pPr>
-            <a:lvl9pPr marL="3657600" indent="0">
+            <a:lvl9pPr marL="11809293" indent="0">
               <a:buNone/>
-              <a:defRPr sz="900"/>
+              <a:defRPr sz="2900"/>
             </a:lvl9pPr>
           </a:lstStyle>
           <a:p>
@@ -2516,7 +2985,7 @@
           <a:p>
             <a:fld id="{F2959956-4FD5-416F-A9E5-DABD44530C50}" type="datetimeFigureOut">
               <a:rPr kumimoji="1" lang="ja-JP" altLang="en-US" smtClean="0"/>
-              <a:t>2013/12/10</a:t>
+              <a:t>2013/12/12</a:t>
             </a:fld>
             <a:endParaRPr kumimoji="1" lang="ja-JP" altLang="en-US"/>
           </a:p>
@@ -2606,15 +3075,15 @@
         </p:nvSpPr>
         <p:spPr>
           <a:xfrm>
-            <a:off x="1344216" y="6400800"/>
-            <a:ext cx="4114800" cy="755651"/>
+            <a:off x="4191962" y="21195984"/>
+            <a:ext cx="12832080" cy="2502307"/>
           </a:xfrm>
         </p:spPr>
         <p:txBody>
           <a:bodyPr anchor="b"/>
           <a:lstStyle>
             <a:lvl1pPr algn="l">
-              <a:defRPr sz="2000" b="1"/>
+              <a:defRPr sz="6500" b="1"/>
             </a:lvl1pPr>
           </a:lstStyle>
           <a:p>
@@ -2638,8 +3107,8 @@
         </p:nvSpPr>
         <p:spPr>
           <a:xfrm>
-            <a:off x="1344216" y="817033"/>
-            <a:ext cx="4114800" cy="5486400"/>
+            <a:off x="4191962" y="2705571"/>
+            <a:ext cx="12832080" cy="18167985"/>
           </a:xfrm>
         </p:spPr>
         <p:txBody>
@@ -2647,39 +3116,39 @@
           <a:lstStyle>
             <a:lvl1pPr marL="0" indent="0">
               <a:buNone/>
-              <a:defRPr sz="3200"/>
+              <a:defRPr sz="10300"/>
             </a:lvl1pPr>
-            <a:lvl2pPr marL="457200" indent="0">
+            <a:lvl2pPr marL="1476162" indent="0">
               <a:buNone/>
-              <a:defRPr sz="2800"/>
+              <a:defRPr sz="9000"/>
             </a:lvl2pPr>
-            <a:lvl3pPr marL="914400" indent="0">
+            <a:lvl3pPr marL="2952323" indent="0">
               <a:buNone/>
-              <a:defRPr sz="2400"/>
+              <a:defRPr sz="7700"/>
             </a:lvl3pPr>
-            <a:lvl4pPr marL="1371600" indent="0">
+            <a:lvl4pPr marL="4428485" indent="0">
               <a:buNone/>
-              <a:defRPr sz="2000"/>
+              <a:defRPr sz="6500"/>
             </a:lvl4pPr>
-            <a:lvl5pPr marL="1828800" indent="0">
+            <a:lvl5pPr marL="5904647" indent="0">
               <a:buNone/>
-              <a:defRPr sz="2000"/>
+              <a:defRPr sz="6500"/>
             </a:lvl5pPr>
-            <a:lvl6pPr marL="2286000" indent="0">
+            <a:lvl6pPr marL="7380808" indent="0">
               <a:buNone/>
-              <a:defRPr sz="2000"/>
+              <a:defRPr sz="6500"/>
             </a:lvl6pPr>
-            <a:lvl7pPr marL="2743200" indent="0">
+            <a:lvl7pPr marL="8856970" indent="0">
               <a:buNone/>
-              <a:defRPr sz="2000"/>
+              <a:defRPr sz="6500"/>
             </a:lvl7pPr>
-            <a:lvl8pPr marL="3200400" indent="0">
+            <a:lvl8pPr marL="10333131" indent="0">
               <a:buNone/>
-              <a:defRPr sz="2000"/>
+              <a:defRPr sz="6500"/>
             </a:lvl8pPr>
-            <a:lvl9pPr marL="3657600" indent="0">
+            <a:lvl9pPr marL="11809293" indent="0">
               <a:buNone/>
-              <a:defRPr sz="2000"/>
+              <a:defRPr sz="6500"/>
             </a:lvl9pPr>
           </a:lstStyle>
           <a:p>
@@ -2699,8 +3168,8 @@
         </p:nvSpPr>
         <p:spPr>
           <a:xfrm>
-            <a:off x="1344216" y="7156451"/>
-            <a:ext cx="4114800" cy="1073149"/>
+            <a:off x="4191962" y="23698291"/>
+            <a:ext cx="12832080" cy="3553688"/>
           </a:xfrm>
         </p:spPr>
         <p:txBody>
@@ -2708,39 +3177,39 @@
           <a:lstStyle>
             <a:lvl1pPr marL="0" indent="0">
               <a:buNone/>
-              <a:defRPr sz="1400"/>
+              <a:defRPr sz="4500"/>
             </a:lvl1pPr>
-            <a:lvl2pPr marL="457200" indent="0">
+            <a:lvl2pPr marL="1476162" indent="0">
               <a:buNone/>
-              <a:defRPr sz="1200"/>
+              <a:defRPr sz="3900"/>
             </a:lvl2pPr>
-            <a:lvl3pPr marL="914400" indent="0">
+            <a:lvl3pPr marL="2952323" indent="0">
               <a:buNone/>
-              <a:defRPr sz="1000"/>
+              <a:defRPr sz="3200"/>
             </a:lvl3pPr>
-            <a:lvl4pPr marL="1371600" indent="0">
+            <a:lvl4pPr marL="4428485" indent="0">
               <a:buNone/>
-              <a:defRPr sz="900"/>
+              <a:defRPr sz="2900"/>
             </a:lvl4pPr>
-            <a:lvl5pPr marL="1828800" indent="0">
+            <a:lvl5pPr marL="5904647" indent="0">
               <a:buNone/>
-              <a:defRPr sz="900"/>
+              <a:defRPr sz="2900"/>
             </a:lvl5pPr>
-            <a:lvl6pPr marL="2286000" indent="0">
+            <a:lvl6pPr marL="7380808" indent="0">
               <a:buNone/>
-              <a:defRPr sz="900"/>
+              <a:defRPr sz="2900"/>
             </a:lvl6pPr>
-            <a:lvl7pPr marL="2743200" indent="0">
+            <a:lvl7pPr marL="8856970" indent="0">
               <a:buNone/>
-              <a:defRPr sz="900"/>
+              <a:defRPr sz="2900"/>
             </a:lvl7pPr>
-            <a:lvl8pPr marL="3200400" indent="0">
+            <a:lvl8pPr marL="10333131" indent="0">
               <a:buNone/>
-              <a:defRPr sz="900"/>
+              <a:defRPr sz="2900"/>
             </a:lvl8pPr>
-            <a:lvl9pPr marL="3657600" indent="0">
+            <a:lvl9pPr marL="11809293" indent="0">
               <a:buNone/>
-              <a:defRPr sz="900"/>
+              <a:defRPr sz="2900"/>
             </a:lvl9pPr>
           </a:lstStyle>
           <a:p>
@@ -2769,7 +3238,7 @@
           <a:p>
             <a:fld id="{F2959956-4FD5-416F-A9E5-DABD44530C50}" type="datetimeFigureOut">
               <a:rPr kumimoji="1" lang="ja-JP" altLang="en-US" smtClean="0"/>
-              <a:t>2013/12/10</a:t>
+              <a:t>2013/12/12</a:t>
             </a:fld>
             <a:endParaRPr kumimoji="1" lang="ja-JP" altLang="en-US"/>
           </a:p>
@@ -2869,15 +3338,15 @@
         </p:nvSpPr>
         <p:spPr>
           <a:xfrm>
-            <a:off x="342900" y="366184"/>
-            <a:ext cx="6172200" cy="1524000"/>
+            <a:off x="1069340" y="1212603"/>
+            <a:ext cx="19248120" cy="5046663"/>
           </a:xfrm>
           <a:prstGeom prst="rect">
             <a:avLst/>
           </a:prstGeom>
         </p:spPr>
         <p:txBody>
-          <a:bodyPr vert="horz" lIns="91440" tIns="45720" rIns="91440" bIns="45720" rtlCol="0" anchor="ctr">
+          <a:bodyPr vert="horz" lIns="295232" tIns="147616" rIns="295232" bIns="147616" rtlCol="0" anchor="ctr">
             <a:normAutofit/>
           </a:bodyPr>
           <a:lstStyle/>
@@ -2902,15 +3371,15 @@
         </p:nvSpPr>
         <p:spPr>
           <a:xfrm>
-            <a:off x="342900" y="2133601"/>
-            <a:ext cx="6172200" cy="6034617"/>
+            <a:off x="1069340" y="7065332"/>
+            <a:ext cx="19248120" cy="19983383"/>
           </a:xfrm>
           <a:prstGeom prst="rect">
             <a:avLst/>
           </a:prstGeom>
         </p:spPr>
         <p:txBody>
-          <a:bodyPr vert="horz" lIns="91440" tIns="45720" rIns="91440" bIns="45720" rtlCol="0">
+          <a:bodyPr vert="horz" lIns="295232" tIns="147616" rIns="295232" bIns="147616" rtlCol="0">
             <a:normAutofit/>
           </a:bodyPr>
           <a:lstStyle/>
@@ -2996,18 +3465,18 @@
         </p:nvSpPr>
         <p:spPr>
           <a:xfrm>
-            <a:off x="342900" y="8475134"/>
-            <a:ext cx="1600200" cy="486833"/>
+            <a:off x="1069340" y="28065055"/>
+            <a:ext cx="4990253" cy="1612127"/>
           </a:xfrm>
           <a:prstGeom prst="rect">
             <a:avLst/>
           </a:prstGeom>
         </p:spPr>
         <p:txBody>
-          <a:bodyPr vert="horz" lIns="91440" tIns="45720" rIns="91440" bIns="45720" rtlCol="0" anchor="ctr"/>
+          <a:bodyPr vert="horz" lIns="295232" tIns="147616" rIns="295232" bIns="147616" rtlCol="0" anchor="ctr"/>
           <a:lstStyle>
             <a:lvl1pPr algn="l">
-              <a:defRPr sz="1200">
+              <a:defRPr sz="3900">
                 <a:solidFill>
                   <a:schemeClr val="tx1">
                     <a:tint val="75000"/>
@@ -3019,7 +3488,7 @@
           <a:p>
             <a:fld id="{F2959956-4FD5-416F-A9E5-DABD44530C50}" type="datetimeFigureOut">
               <a:rPr kumimoji="1" lang="ja-JP" altLang="en-US" smtClean="0"/>
-              <a:t>2013/12/10</a:t>
+              <a:t>2013/12/12</a:t>
             </a:fld>
             <a:endParaRPr kumimoji="1" lang="ja-JP" altLang="en-US"/>
           </a:p>
@@ -3037,18 +3506,18 @@
         </p:nvSpPr>
         <p:spPr>
           <a:xfrm>
-            <a:off x="2343150" y="8475134"/>
-            <a:ext cx="2171700" cy="486833"/>
+            <a:off x="7307157" y="28065055"/>
+            <a:ext cx="6772487" cy="1612127"/>
           </a:xfrm>
           <a:prstGeom prst="rect">
             <a:avLst/>
           </a:prstGeom>
         </p:spPr>
         <p:txBody>
-          <a:bodyPr vert="horz" lIns="91440" tIns="45720" rIns="91440" bIns="45720" rtlCol="0" anchor="ctr"/>
+          <a:bodyPr vert="horz" lIns="295232" tIns="147616" rIns="295232" bIns="147616" rtlCol="0" anchor="ctr"/>
           <a:lstStyle>
             <a:lvl1pPr algn="ctr">
-              <a:defRPr sz="1200">
+              <a:defRPr sz="3900">
                 <a:solidFill>
                   <a:schemeClr val="tx1">
                     <a:tint val="75000"/>
@@ -3074,18 +3543,18 @@
         </p:nvSpPr>
         <p:spPr>
           <a:xfrm>
-            <a:off x="4914900" y="8475134"/>
-            <a:ext cx="1600200" cy="486833"/>
+            <a:off x="15327207" y="28065055"/>
+            <a:ext cx="4990253" cy="1612127"/>
           </a:xfrm>
           <a:prstGeom prst="rect">
             <a:avLst/>
           </a:prstGeom>
         </p:spPr>
         <p:txBody>
-          <a:bodyPr vert="horz" lIns="91440" tIns="45720" rIns="91440" bIns="45720" rtlCol="0" anchor="ctr"/>
+          <a:bodyPr vert="horz" lIns="295232" tIns="147616" rIns="295232" bIns="147616" rtlCol="0" anchor="ctr"/>
           <a:lstStyle>
             <a:lvl1pPr algn="r">
-              <a:defRPr sz="1200">
+              <a:defRPr sz="3900">
                 <a:solidFill>
                   <a:schemeClr val="tx1">
                     <a:tint val="75000"/>
@@ -3126,12 +3595,12 @@
   </p:sldLayoutIdLst>
   <p:txStyles>
     <p:titleStyle>
-      <a:lvl1pPr algn="ctr" defTabSz="914400" rtl="0" eaLnBrk="1" latinLnBrk="0" hangingPunct="1">
+      <a:lvl1pPr algn="ctr" defTabSz="2952323" rtl="0" eaLnBrk="1" latinLnBrk="0" hangingPunct="1">
         <a:spcBef>
           <a:spcPct val="0"/>
         </a:spcBef>
         <a:buNone/>
-        <a:defRPr kumimoji="1" sz="4400" kern="1200">
+        <a:defRPr kumimoji="1" sz="14200" kern="1200">
           <a:solidFill>
             <a:schemeClr val="tx1"/>
           </a:solidFill>
@@ -3142,13 +3611,13 @@
       </a:lvl1pPr>
     </p:titleStyle>
     <p:bodyStyle>
-      <a:lvl1pPr marL="342900" indent="-342900" algn="l" defTabSz="914400" rtl="0" eaLnBrk="1" latinLnBrk="0" hangingPunct="1">
+      <a:lvl1pPr marL="1107121" indent="-1107121" algn="l" defTabSz="2952323" rtl="0" eaLnBrk="1" latinLnBrk="0" hangingPunct="1">
         <a:spcBef>
           <a:spcPct val="20000"/>
         </a:spcBef>
         <a:buFont typeface="Arial" panose="020B0604020202020204" pitchFamily="34" charset="0"/>
         <a:buChar char="•"/>
-        <a:defRPr kumimoji="1" sz="3200" kern="1200">
+        <a:defRPr kumimoji="1" sz="10300" kern="1200">
           <a:solidFill>
             <a:schemeClr val="tx1"/>
           </a:solidFill>
@@ -3157,13 +3626,13 @@
           <a:cs typeface="+mn-cs"/>
         </a:defRPr>
       </a:lvl1pPr>
-      <a:lvl2pPr marL="742950" indent="-285750" algn="l" defTabSz="914400" rtl="0" eaLnBrk="1" latinLnBrk="0" hangingPunct="1">
+      <a:lvl2pPr marL="2398763" indent="-922601" algn="l" defTabSz="2952323" rtl="0" eaLnBrk="1" latinLnBrk="0" hangingPunct="1">
         <a:spcBef>
           <a:spcPct val="20000"/>
         </a:spcBef>
         <a:buFont typeface="Arial" panose="020B0604020202020204" pitchFamily="34" charset="0"/>
         <a:buChar char="–"/>
-        <a:defRPr kumimoji="1" sz="2800" kern="1200">
+        <a:defRPr kumimoji="1" sz="9000" kern="1200">
           <a:solidFill>
             <a:schemeClr val="tx1"/>
           </a:solidFill>
@@ -3172,13 +3641,13 @@
           <a:cs typeface="+mn-cs"/>
         </a:defRPr>
       </a:lvl2pPr>
-      <a:lvl3pPr marL="1143000" indent="-228600" algn="l" defTabSz="914400" rtl="0" eaLnBrk="1" latinLnBrk="0" hangingPunct="1">
+      <a:lvl3pPr marL="3690404" indent="-738081" algn="l" defTabSz="2952323" rtl="0" eaLnBrk="1" latinLnBrk="0" hangingPunct="1">
         <a:spcBef>
           <a:spcPct val="20000"/>
         </a:spcBef>
         <a:buFont typeface="Arial" panose="020B0604020202020204" pitchFamily="34" charset="0"/>
         <a:buChar char="•"/>
-        <a:defRPr kumimoji="1" sz="2400" kern="1200">
+        <a:defRPr kumimoji="1" sz="7700" kern="1200">
           <a:solidFill>
             <a:schemeClr val="tx1"/>
           </a:solidFill>
@@ -3187,13 +3656,13 @@
           <a:cs typeface="+mn-cs"/>
         </a:defRPr>
       </a:lvl3pPr>
-      <a:lvl4pPr marL="1600200" indent="-228600" algn="l" defTabSz="914400" rtl="0" eaLnBrk="1" latinLnBrk="0" hangingPunct="1">
+      <a:lvl4pPr marL="5166566" indent="-738081" algn="l" defTabSz="2952323" rtl="0" eaLnBrk="1" latinLnBrk="0" hangingPunct="1">
         <a:spcBef>
           <a:spcPct val="20000"/>
         </a:spcBef>
         <a:buFont typeface="Arial" panose="020B0604020202020204" pitchFamily="34" charset="0"/>
         <a:buChar char="–"/>
-        <a:defRPr kumimoji="1" sz="2000" kern="1200">
+        <a:defRPr kumimoji="1" sz="6500" kern="1200">
           <a:solidFill>
             <a:schemeClr val="tx1"/>
           </a:solidFill>
@@ -3202,13 +3671,13 @@
           <a:cs typeface="+mn-cs"/>
         </a:defRPr>
       </a:lvl4pPr>
-      <a:lvl5pPr marL="2057400" indent="-228600" algn="l" defTabSz="914400" rtl="0" eaLnBrk="1" latinLnBrk="0" hangingPunct="1">
+      <a:lvl5pPr marL="6642727" indent="-738081" algn="l" defTabSz="2952323" rtl="0" eaLnBrk="1" latinLnBrk="0" hangingPunct="1">
         <a:spcBef>
           <a:spcPct val="20000"/>
         </a:spcBef>
         <a:buFont typeface="Arial" panose="020B0604020202020204" pitchFamily="34" charset="0"/>
         <a:buChar char="»"/>
-        <a:defRPr kumimoji="1" sz="2000" kern="1200">
+        <a:defRPr kumimoji="1" sz="6500" kern="1200">
           <a:solidFill>
             <a:schemeClr val="tx1"/>
           </a:solidFill>
@@ -3217,13 +3686,13 @@
           <a:cs typeface="+mn-cs"/>
         </a:defRPr>
       </a:lvl5pPr>
-      <a:lvl6pPr marL="2514600" indent="-228600" algn="l" defTabSz="914400" rtl="0" eaLnBrk="1" latinLnBrk="0" hangingPunct="1">
+      <a:lvl6pPr marL="8118889" indent="-738081" algn="l" defTabSz="2952323" rtl="0" eaLnBrk="1" latinLnBrk="0" hangingPunct="1">
         <a:spcBef>
           <a:spcPct val="20000"/>
         </a:spcBef>
         <a:buFont typeface="Arial" panose="020B0604020202020204" pitchFamily="34" charset="0"/>
         <a:buChar char="•"/>
-        <a:defRPr kumimoji="1" sz="2000" kern="1200">
+        <a:defRPr kumimoji="1" sz="6500" kern="1200">
           <a:solidFill>
             <a:schemeClr val="tx1"/>
           </a:solidFill>
@@ -3232,13 +3701,13 @@
           <a:cs typeface="+mn-cs"/>
         </a:defRPr>
       </a:lvl6pPr>
-      <a:lvl7pPr marL="2971800" indent="-228600" algn="l" defTabSz="914400" rtl="0" eaLnBrk="1" latinLnBrk="0" hangingPunct="1">
+      <a:lvl7pPr marL="9595051" indent="-738081" algn="l" defTabSz="2952323" rtl="0" eaLnBrk="1" latinLnBrk="0" hangingPunct="1">
         <a:spcBef>
           <a:spcPct val="20000"/>
         </a:spcBef>
         <a:buFont typeface="Arial" panose="020B0604020202020204" pitchFamily="34" charset="0"/>
         <a:buChar char="•"/>
-        <a:defRPr kumimoji="1" sz="2000" kern="1200">
+        <a:defRPr kumimoji="1" sz="6500" kern="1200">
           <a:solidFill>
             <a:schemeClr val="tx1"/>
           </a:solidFill>
@@ -3247,13 +3716,13 @@
           <a:cs typeface="+mn-cs"/>
         </a:defRPr>
       </a:lvl7pPr>
-      <a:lvl8pPr marL="3429000" indent="-228600" algn="l" defTabSz="914400" rtl="0" eaLnBrk="1" latinLnBrk="0" hangingPunct="1">
+      <a:lvl8pPr marL="11071212" indent="-738081" algn="l" defTabSz="2952323" rtl="0" eaLnBrk="1" latinLnBrk="0" hangingPunct="1">
         <a:spcBef>
           <a:spcPct val="20000"/>
         </a:spcBef>
         <a:buFont typeface="Arial" panose="020B0604020202020204" pitchFamily="34" charset="0"/>
         <a:buChar char="•"/>
-        <a:defRPr kumimoji="1" sz="2000" kern="1200">
+        <a:defRPr kumimoji="1" sz="6500" kern="1200">
           <a:solidFill>
             <a:schemeClr val="tx1"/>
           </a:solidFill>
@@ -3262,13 +3731,13 @@
           <a:cs typeface="+mn-cs"/>
         </a:defRPr>
       </a:lvl8pPr>
-      <a:lvl9pPr marL="3886200" indent="-228600" algn="l" defTabSz="914400" rtl="0" eaLnBrk="1" latinLnBrk="0" hangingPunct="1">
+      <a:lvl9pPr marL="12547374" indent="-738081" algn="l" defTabSz="2952323" rtl="0" eaLnBrk="1" latinLnBrk="0" hangingPunct="1">
         <a:spcBef>
           <a:spcPct val="20000"/>
         </a:spcBef>
         <a:buFont typeface="Arial" panose="020B0604020202020204" pitchFamily="34" charset="0"/>
         <a:buChar char="•"/>
-        <a:defRPr kumimoji="1" sz="2000" kern="1200">
+        <a:defRPr kumimoji="1" sz="6500" kern="1200">
           <a:solidFill>
             <a:schemeClr val="tx1"/>
           </a:solidFill>
@@ -3282,8 +3751,8 @@
       <a:defPPr>
         <a:defRPr lang="ja-JP"/>
       </a:defPPr>
-      <a:lvl1pPr marL="0" algn="l" defTabSz="914400" rtl="0" eaLnBrk="1" latinLnBrk="0" hangingPunct="1">
-        <a:defRPr kumimoji="1" sz="1800" kern="1200">
+      <a:lvl1pPr marL="0" algn="l" defTabSz="2952323" rtl="0" eaLnBrk="1" latinLnBrk="0" hangingPunct="1">
+        <a:defRPr kumimoji="1" sz="5800" kern="1200">
           <a:solidFill>
             <a:schemeClr val="tx1"/>
           </a:solidFill>
@@ -3292,8 +3761,8 @@
           <a:cs typeface="+mn-cs"/>
         </a:defRPr>
       </a:lvl1pPr>
-      <a:lvl2pPr marL="457200" algn="l" defTabSz="914400" rtl="0" eaLnBrk="1" latinLnBrk="0" hangingPunct="1">
-        <a:defRPr kumimoji="1" sz="1800" kern="1200">
+      <a:lvl2pPr marL="1476162" algn="l" defTabSz="2952323" rtl="0" eaLnBrk="1" latinLnBrk="0" hangingPunct="1">
+        <a:defRPr kumimoji="1" sz="5800" kern="1200">
           <a:solidFill>
             <a:schemeClr val="tx1"/>
           </a:solidFill>
@@ -3302,8 +3771,8 @@
           <a:cs typeface="+mn-cs"/>
         </a:defRPr>
       </a:lvl2pPr>
-      <a:lvl3pPr marL="914400" algn="l" defTabSz="914400" rtl="0" eaLnBrk="1" latinLnBrk="0" hangingPunct="1">
-        <a:defRPr kumimoji="1" sz="1800" kern="1200">
+      <a:lvl3pPr marL="2952323" algn="l" defTabSz="2952323" rtl="0" eaLnBrk="1" latinLnBrk="0" hangingPunct="1">
+        <a:defRPr kumimoji="1" sz="5800" kern="1200">
           <a:solidFill>
             <a:schemeClr val="tx1"/>
           </a:solidFill>
@@ -3312,8 +3781,8 @@
           <a:cs typeface="+mn-cs"/>
         </a:defRPr>
       </a:lvl3pPr>
-      <a:lvl4pPr marL="1371600" algn="l" defTabSz="914400" rtl="0" eaLnBrk="1" latinLnBrk="0" hangingPunct="1">
-        <a:defRPr kumimoji="1" sz="1800" kern="1200">
+      <a:lvl4pPr marL="4428485" algn="l" defTabSz="2952323" rtl="0" eaLnBrk="1" latinLnBrk="0" hangingPunct="1">
+        <a:defRPr kumimoji="1" sz="5800" kern="1200">
           <a:solidFill>
             <a:schemeClr val="tx1"/>
           </a:solidFill>
@@ -3322,8 +3791,8 @@
           <a:cs typeface="+mn-cs"/>
         </a:defRPr>
       </a:lvl4pPr>
-      <a:lvl5pPr marL="1828800" algn="l" defTabSz="914400" rtl="0" eaLnBrk="1" latinLnBrk="0" hangingPunct="1">
-        <a:defRPr kumimoji="1" sz="1800" kern="1200">
+      <a:lvl5pPr marL="5904647" algn="l" defTabSz="2952323" rtl="0" eaLnBrk="1" latinLnBrk="0" hangingPunct="1">
+        <a:defRPr kumimoji="1" sz="5800" kern="1200">
           <a:solidFill>
             <a:schemeClr val="tx1"/>
           </a:solidFill>
@@ -3332,8 +3801,8 @@
           <a:cs typeface="+mn-cs"/>
         </a:defRPr>
       </a:lvl5pPr>
-      <a:lvl6pPr marL="2286000" algn="l" defTabSz="914400" rtl="0" eaLnBrk="1" latinLnBrk="0" hangingPunct="1">
-        <a:defRPr kumimoji="1" sz="1800" kern="1200">
+      <a:lvl6pPr marL="7380808" algn="l" defTabSz="2952323" rtl="0" eaLnBrk="1" latinLnBrk="0" hangingPunct="1">
+        <a:defRPr kumimoji="1" sz="5800" kern="1200">
           <a:solidFill>
             <a:schemeClr val="tx1"/>
           </a:solidFill>
@@ -3342,8 +3811,8 @@
           <a:cs typeface="+mn-cs"/>
         </a:defRPr>
       </a:lvl6pPr>
-      <a:lvl7pPr marL="2743200" algn="l" defTabSz="914400" rtl="0" eaLnBrk="1" latinLnBrk="0" hangingPunct="1">
-        <a:defRPr kumimoji="1" sz="1800" kern="1200">
+      <a:lvl7pPr marL="8856970" algn="l" defTabSz="2952323" rtl="0" eaLnBrk="1" latinLnBrk="0" hangingPunct="1">
+        <a:defRPr kumimoji="1" sz="5800" kern="1200">
           <a:solidFill>
             <a:schemeClr val="tx1"/>
           </a:solidFill>
@@ -3352,8 +3821,8 @@
           <a:cs typeface="+mn-cs"/>
         </a:defRPr>
       </a:lvl7pPr>
-      <a:lvl8pPr marL="3200400" algn="l" defTabSz="914400" rtl="0" eaLnBrk="1" latinLnBrk="0" hangingPunct="1">
-        <a:defRPr kumimoji="1" sz="1800" kern="1200">
+      <a:lvl8pPr marL="10333131" algn="l" defTabSz="2952323" rtl="0" eaLnBrk="1" latinLnBrk="0" hangingPunct="1">
+        <a:defRPr kumimoji="1" sz="5800" kern="1200">
           <a:solidFill>
             <a:schemeClr val="tx1"/>
           </a:solidFill>
@@ -3362,8 +3831,8 @@
           <a:cs typeface="+mn-cs"/>
         </a:defRPr>
       </a:lvl8pPr>
-      <a:lvl9pPr marL="3657600" algn="l" defTabSz="914400" rtl="0" eaLnBrk="1" latinLnBrk="0" hangingPunct="1">
-        <a:defRPr kumimoji="1" sz="1800" kern="1200">
+      <a:lvl9pPr marL="11809293" algn="l" defTabSz="2952323" rtl="0" eaLnBrk="1" latinLnBrk="0" hangingPunct="1">
+        <a:defRPr kumimoji="1" sz="5800" kern="1200">
           <a:solidFill>
             <a:schemeClr val="tx1"/>
           </a:solidFill>
@@ -3406,8 +3875,8 @@
         </p:nvSpPr>
         <p:spPr>
           <a:xfrm>
-            <a:off x="-171400" y="35496"/>
-            <a:ext cx="4005064" cy="1584176"/>
+            <a:off x="-534514" y="117543"/>
+            <a:ext cx="12489866" cy="5245933"/>
           </a:xfrm>
         </p:spPr>
         <p:txBody>
@@ -3417,7 +3886,7 @@
           <a:lstStyle/>
           <a:p>
             <a:r>
-              <a:rPr lang="en-US" altLang="ja-JP" sz="2800" b="1" dirty="0">
+              <a:rPr lang="en-US" altLang="ja-JP" sz="9000" b="1" dirty="0">
                 <a:solidFill>
                   <a:schemeClr val="tx1">
                     <a:lumMod val="95000"/>
@@ -3431,7 +3900,7 @@
               <a:t>AR</a:t>
             </a:r>
             <a:r>
-              <a:rPr lang="ja-JP" altLang="en-US" sz="2400" b="1" dirty="0">
+              <a:rPr lang="ja-JP" altLang="en-US" sz="7700" b="1" dirty="0">
                 <a:solidFill>
                   <a:schemeClr val="tx1">
                     <a:lumMod val="95000"/>
@@ -3445,7 +3914,7 @@
               <a:t>システム開発</a:t>
             </a:r>
             <a:r>
-              <a:rPr lang="ja-JP" altLang="en-US" sz="2400" b="1" dirty="0" smtClean="0">
+              <a:rPr lang="ja-JP" altLang="en-US" sz="7700" b="1" dirty="0">
                 <a:solidFill>
                   <a:schemeClr val="tx1">
                     <a:lumMod val="95000"/>
@@ -3459,7 +3928,7 @@
               <a:t>に</a:t>
             </a:r>
             <a:r>
-              <a:rPr lang="en-US" altLang="ja-JP" sz="2400" b="1" dirty="0" smtClean="0">
+              <a:rPr lang="en-US" altLang="ja-JP" sz="7700" b="1" dirty="0">
                 <a:solidFill>
                   <a:schemeClr val="tx1">
                     <a:lumMod val="95000"/>
@@ -3473,7 +3942,7 @@
               <a:t/>
             </a:r>
             <a:br>
-              <a:rPr lang="en-US" altLang="ja-JP" sz="2400" b="1" dirty="0" smtClean="0">
+              <a:rPr lang="en-US" altLang="ja-JP" sz="7700" b="1" dirty="0">
                 <a:solidFill>
                   <a:schemeClr val="tx1">
                     <a:lumMod val="95000"/>
@@ -3486,7 +3955,7 @@
               </a:rPr>
             </a:br>
             <a:r>
-              <a:rPr lang="ja-JP" altLang="en-US" sz="2400" b="1" dirty="0" smtClean="0">
+              <a:rPr lang="ja-JP" altLang="en-US" sz="7700" b="1" dirty="0">
                 <a:solidFill>
                   <a:schemeClr val="tx1">
                     <a:lumMod val="95000"/>
@@ -3500,7 +3969,7 @@
               <a:t>おける</a:t>
             </a:r>
             <a:r>
-              <a:rPr lang="ja-JP" altLang="en-US" sz="2400" b="1" dirty="0">
+              <a:rPr lang="ja-JP" altLang="en-US" sz="7700" b="1" dirty="0">
                 <a:solidFill>
                   <a:schemeClr val="tx1">
                     <a:lumMod val="95000"/>
@@ -3513,17 +3982,6 @@
               </a:rPr>
               <a:t>テストの研究</a:t>
             </a:r>
-            <a:endParaRPr kumimoji="1" lang="ja-JP" altLang="en-US" sz="2400" b="1" dirty="0">
-              <a:solidFill>
-                <a:schemeClr val="tx1">
-                  <a:lumMod val="95000"/>
-                  <a:lumOff val="5000"/>
-                </a:schemeClr>
-              </a:solidFill>
-              <a:latin typeface="HGP明朝E" panose="02020900000000000000" pitchFamily="18" charset="-128"/>
-              <a:ea typeface="HGP明朝E" panose="02020900000000000000" pitchFamily="18" charset="-128"/>
-              <a:cs typeface="Times New Roman" panose="02020603050405020304" pitchFamily="18" charset="0"/>
-            </a:endParaRPr>
           </a:p>
         </p:txBody>
       </p:sp>
@@ -3535,8 +3993,8 @@
         </p:nvSpPr>
         <p:spPr>
           <a:xfrm>
-            <a:off x="5157192" y="-36512"/>
-            <a:ext cx="648072" cy="1354217"/>
+            <a:off x="16082799" y="-120906"/>
+            <a:ext cx="2021025" cy="4484433"/>
           </a:xfrm>
           <a:prstGeom prst="rect">
             <a:avLst/>
@@ -3544,7 +4002,7 @@
           <a:noFill/>
         </p:spPr>
         <p:txBody>
-          <a:bodyPr wrap="square" rtlCol="0">
+          <a:bodyPr wrap="square" lIns="295232" tIns="147616" rIns="295232" bIns="147616" rtlCol="0">
             <a:spAutoFit/>
           </a:bodyPr>
           <a:lstStyle/>
@@ -3564,7 +4022,7 @@
               <a:t>AR</a:t>
             </a:r>
             <a:r>
-              <a:rPr lang="ja-JP" altLang="en-US" sz="1600" dirty="0" smtClean="0">
+              <a:rPr lang="ja-JP" altLang="en-US" sz="5200" dirty="0">
                 <a:solidFill>
                   <a:schemeClr val="tx1">
                     <a:lumMod val="75000"/>
@@ -3577,7 +4035,7 @@
               <a:t>の</a:t>
             </a:r>
             <a:r>
-              <a:rPr lang="ja-JP" altLang="en-US" sz="2400" dirty="0" smtClean="0">
+              <a:rPr lang="ja-JP" altLang="en-US" sz="7700" dirty="0">
                 <a:solidFill>
                   <a:schemeClr val="tx1">
                     <a:lumMod val="75000"/>
@@ -3589,7 +4047,7 @@
               </a:rPr>
               <a:t>驚き</a:t>
             </a:r>
-            <a:endParaRPr lang="en-US" altLang="ja-JP" sz="2400" dirty="0" smtClean="0">
+            <a:endParaRPr lang="en-US" altLang="ja-JP" sz="7700" dirty="0">
               <a:solidFill>
                 <a:schemeClr val="tx1">
                   <a:lumMod val="75000"/>
@@ -3610,8 +4068,8 @@
         </p:nvSpPr>
         <p:spPr>
           <a:xfrm>
-            <a:off x="4155029" y="107504"/>
-            <a:ext cx="570115" cy="1785104"/>
+            <a:off x="12957537" y="355995"/>
+            <a:ext cx="1777914" cy="5911298"/>
           </a:xfrm>
           <a:prstGeom prst="rect">
             <a:avLst/>
@@ -3619,7 +4077,7 @@
           <a:noFill/>
         </p:spPr>
         <p:txBody>
-          <a:bodyPr wrap="square" rtlCol="0">
+          <a:bodyPr wrap="square" lIns="295232" tIns="147616" rIns="295232" bIns="147616" rtlCol="0">
             <a:spAutoFit/>
           </a:bodyPr>
           <a:lstStyle/>
@@ -3639,7 +4097,7 @@
               <a:t>AR</a:t>
             </a:r>
             <a:r>
-              <a:rPr lang="ja-JP" altLang="en-US" sz="1600" dirty="0">
+              <a:rPr lang="ja-JP" altLang="en-US" sz="5200" dirty="0">
                 <a:solidFill>
                   <a:schemeClr val="tx1">
                     <a:lumMod val="75000"/>
@@ -3652,7 +4110,7 @@
               <a:t>の</a:t>
             </a:r>
             <a:r>
-              <a:rPr lang="ja-JP" altLang="en-US" sz="2400" dirty="0" smtClean="0">
+              <a:rPr lang="ja-JP" altLang="en-US" sz="7700" dirty="0">
                 <a:solidFill>
                   <a:schemeClr val="tx1">
                     <a:lumMod val="75000"/>
@@ -3664,7 +4122,7 @@
               </a:rPr>
               <a:t>感動</a:t>
             </a:r>
-            <a:endParaRPr lang="en-US" altLang="ja-JP" sz="2400" dirty="0" smtClean="0">
+            <a:endParaRPr lang="en-US" altLang="ja-JP" sz="7700" dirty="0">
               <a:solidFill>
                 <a:schemeClr val="tx1">
                   <a:lumMod val="75000"/>
@@ -3677,7 +4135,7 @@
           </a:p>
           <a:p>
             <a:pPr algn="ctr"/>
-            <a:endParaRPr kumimoji="1" lang="ja-JP" altLang="en-US" sz="2800" dirty="0">
+            <a:endParaRPr lang="ja-JP" altLang="en-US" sz="9000" dirty="0">
               <a:latin typeface="HGP明朝E" panose="02020900000000000000" pitchFamily="18" charset="-128"/>
               <a:ea typeface="HGP明朝E" panose="02020900000000000000" pitchFamily="18" charset="-128"/>
             </a:endParaRPr>
@@ -3692,8 +4150,8 @@
         </p:nvSpPr>
         <p:spPr>
           <a:xfrm>
-            <a:off x="432048" y="1475656"/>
-            <a:ext cx="6453336" cy="338554"/>
+            <a:off x="1347350" y="4886574"/>
+            <a:ext cx="20124848" cy="1121107"/>
           </a:xfrm>
           <a:prstGeom prst="rect">
             <a:avLst/>
@@ -3701,13 +4159,13 @@
           <a:noFill/>
         </p:spPr>
         <p:txBody>
-          <a:bodyPr wrap="square" rtlCol="0">
+          <a:bodyPr wrap="square" lIns="295232" tIns="147616" rIns="295232" bIns="147616" rtlCol="0">
             <a:spAutoFit/>
           </a:bodyPr>
           <a:lstStyle/>
           <a:p>
             <a:r>
-              <a:rPr lang="ja-JP" altLang="en-US" sz="1600" dirty="0">
+              <a:rPr lang="ja-JP" altLang="en-US" sz="5200" dirty="0">
                 <a:solidFill>
                   <a:schemeClr val="tx1">
                     <a:lumMod val="75000"/>
@@ -3720,7 +4178,7 @@
               <a:t>プロジェクトマネジメントコース　矢吹研究室　</a:t>
             </a:r>
             <a:r>
-              <a:rPr lang="en-US" altLang="ja-JP" sz="1600" dirty="0">
+              <a:rPr lang="en-US" altLang="ja-JP" sz="5200" dirty="0">
                 <a:solidFill>
                   <a:schemeClr val="tx1">
                     <a:lumMod val="75000"/>
@@ -3733,7 +4191,7 @@
               <a:t>1142078</a:t>
             </a:r>
             <a:r>
-              <a:rPr lang="ja-JP" altLang="en-US" sz="1600" dirty="0">
+              <a:rPr lang="ja-JP" altLang="en-US" sz="5200" dirty="0">
                 <a:solidFill>
                   <a:schemeClr val="tx1">
                     <a:lumMod val="75000"/>
@@ -3745,16 +4203,6 @@
               </a:rPr>
               <a:t>　土井貴司</a:t>
             </a:r>
-            <a:endParaRPr kumimoji="1" lang="ja-JP" altLang="en-US" sz="1600" dirty="0">
-              <a:solidFill>
-                <a:schemeClr val="tx1">
-                  <a:lumMod val="75000"/>
-                  <a:lumOff val="25000"/>
-                </a:schemeClr>
-              </a:solidFill>
-              <a:latin typeface="HGP明朝E" panose="02020900000000000000" pitchFamily="18" charset="-128"/>
-              <a:ea typeface="HGP明朝E" panose="02020900000000000000" pitchFamily="18" charset="-128"/>
-            </a:endParaRPr>
           </a:p>
         </p:txBody>
       </p:sp>
@@ -3766,8 +4214,8 @@
         </p:nvSpPr>
         <p:spPr>
           <a:xfrm>
-            <a:off x="116632" y="1835696"/>
-            <a:ext cx="792089" cy="369332"/>
+            <a:off x="363721" y="6078831"/>
+            <a:ext cx="2470144" cy="1223028"/>
           </a:xfrm>
           <a:prstGeom prst="rect">
             <a:avLst/>
@@ -3775,7 +4223,7 @@
           <a:noFill/>
         </p:spPr>
         <p:txBody>
-          <a:bodyPr wrap="square" rtlCol="0">
+          <a:bodyPr wrap="square" lIns="295232" tIns="147616" rIns="295232" bIns="147616" rtlCol="0">
             <a:spAutoFit/>
           </a:bodyPr>
           <a:lstStyle/>
@@ -3802,8 +4250,8 @@
         </p:nvCxnSpPr>
         <p:spPr>
           <a:xfrm>
-            <a:off x="44624" y="1835696"/>
-            <a:ext cx="6597352" cy="0"/>
+            <a:off x="139161" y="6078831"/>
+            <a:ext cx="20573964" cy="0"/>
           </a:xfrm>
           <a:prstGeom prst="line">
             <a:avLst/>
@@ -3839,8 +4287,8 @@
         </p:nvCxnSpPr>
         <p:spPr>
           <a:xfrm>
-            <a:off x="44624" y="5076056"/>
-            <a:ext cx="6597352" cy="0"/>
+            <a:off x="139161" y="16809148"/>
+            <a:ext cx="20573964" cy="0"/>
           </a:xfrm>
           <a:prstGeom prst="line">
             <a:avLst/>
@@ -3876,8 +4324,8 @@
         </p:nvSpPr>
         <p:spPr>
           <a:xfrm>
-            <a:off x="116632" y="5076056"/>
-            <a:ext cx="792089" cy="369332"/>
+            <a:off x="363721" y="16809148"/>
+            <a:ext cx="2470144" cy="1223028"/>
           </a:xfrm>
           <a:prstGeom prst="rect">
             <a:avLst/>
@@ -3885,7 +4333,7 @@
           <a:noFill/>
         </p:spPr>
         <p:txBody>
-          <a:bodyPr wrap="square" rtlCol="0">
+          <a:bodyPr wrap="square" lIns="295232" tIns="147616" rIns="295232" bIns="147616" rtlCol="0">
             <a:spAutoFit/>
           </a:bodyPr>
           <a:lstStyle/>
@@ -3912,8 +4360,8 @@
         </p:nvSpPr>
         <p:spPr>
           <a:xfrm>
-            <a:off x="116632" y="6732240"/>
-            <a:ext cx="2376264" cy="369332"/>
+            <a:off x="363719" y="22293532"/>
+            <a:ext cx="7410423" cy="1223028"/>
           </a:xfrm>
           <a:prstGeom prst="rect">
             <a:avLst/>
@@ -3921,7 +4369,7 @@
           <a:noFill/>
         </p:spPr>
         <p:txBody>
-          <a:bodyPr wrap="square" rtlCol="0">
+          <a:bodyPr wrap="square" lIns="295232" tIns="147616" rIns="295232" bIns="147616" rtlCol="0">
             <a:spAutoFit/>
           </a:bodyPr>
           <a:lstStyle/>
@@ -3948,8 +4396,8 @@
         </p:nvCxnSpPr>
         <p:spPr>
           <a:xfrm>
-            <a:off x="85674" y="6732240"/>
-            <a:ext cx="6597352" cy="0"/>
+            <a:off x="267176" y="22293532"/>
+            <a:ext cx="20573964" cy="0"/>
           </a:xfrm>
           <a:prstGeom prst="line">
             <a:avLst/>
@@ -3985,8 +4433,8 @@
         </p:nvSpPr>
         <p:spPr>
           <a:xfrm>
-            <a:off x="216024" y="2123728"/>
-            <a:ext cx="6425952" cy="677108"/>
+            <a:off x="673675" y="7032637"/>
+            <a:ext cx="20039450" cy="2242215"/>
           </a:xfrm>
           <a:prstGeom prst="rect">
             <a:avLst/>
@@ -3994,14 +4442,14 @@
           <a:noFill/>
         </p:spPr>
         <p:txBody>
-          <a:bodyPr wrap="square" rtlCol="0">
+          <a:bodyPr wrap="square" lIns="295232" tIns="147616" rIns="295232" bIns="147616" rtlCol="0">
             <a:spAutoFit/>
           </a:bodyPr>
           <a:lstStyle/>
           <a:p>
-            <a:pPr marL="452438" indent="-452438"/>
-            <a:r>
-              <a:rPr lang="en-US" altLang="ja-JP" sz="2000" dirty="0" smtClean="0">
+            <a:pPr marL="1460787" indent="-1460787"/>
+            <a:r>
+              <a:rPr lang="en-US" altLang="ja-JP" sz="6500" dirty="0">
                 <a:solidFill>
                   <a:schemeClr val="tx1">
                     <a:lumMod val="75000"/>
@@ -4086,10 +4534,10 @@
         </p:nvGrpSpPr>
         <p:grpSpPr>
           <a:xfrm>
-            <a:off x="-27384" y="2555776"/>
-            <a:ext cx="6885384" cy="1778569"/>
+            <a:off x="-85398" y="8463347"/>
+            <a:ext cx="21472198" cy="5645970"/>
             <a:chOff x="-27384" y="2610362"/>
-            <a:chExt cx="6885384" cy="1778569"/>
+            <a:chExt cx="6885384" cy="1704980"/>
           </a:xfrm>
         </p:grpSpPr>
         <p:sp>
@@ -4101,7 +4549,7 @@
           <p:spPr>
             <a:xfrm>
               <a:off x="-27384" y="3164795"/>
-              <a:ext cx="3168352" cy="584775"/>
+              <a:ext cx="3168352" cy="511186"/>
             </a:xfrm>
             <a:prstGeom prst="rect">
               <a:avLst/>
@@ -4116,7 +4564,7 @@
             <a:p>
               <a:pPr algn="ctr"/>
               <a:r>
-                <a:rPr lang="ja-JP" altLang="en-US" sz="1600" dirty="0" smtClean="0">
+                <a:rPr lang="ja-JP" altLang="en-US" sz="5200" dirty="0">
                   <a:solidFill>
                     <a:schemeClr val="tx1">
                       <a:lumMod val="75000"/>
@@ -4128,7 +4576,7 @@
                 </a:rPr>
                 <a:t>情報表現手段であり</a:t>
               </a:r>
-              <a:endParaRPr lang="en-US" altLang="ja-JP" sz="1600" dirty="0" smtClean="0">
+              <a:endParaRPr lang="en-US" altLang="ja-JP" sz="5200" dirty="0">
                 <a:solidFill>
                   <a:schemeClr val="tx1">
                     <a:lumMod val="75000"/>
@@ -4142,7 +4590,7 @@
             <a:p>
               <a:pPr algn="ctr"/>
               <a:r>
-                <a:rPr lang="ja-JP" altLang="en-US" sz="1600" dirty="0" smtClean="0">
+                <a:rPr lang="ja-JP" altLang="en-US" sz="5200" dirty="0">
                   <a:solidFill>
                     <a:schemeClr val="tx1">
                       <a:lumMod val="75000"/>
@@ -4154,7 +4602,7 @@
                 </a:rPr>
                 <a:t>様々な場面で注目されている！</a:t>
               </a:r>
-              <a:endParaRPr kumimoji="1" lang="ja-JP" altLang="en-US" sz="1600" dirty="0">
+              <a:endParaRPr lang="ja-JP" altLang="en-US" sz="5200" dirty="0">
                 <a:solidFill>
                   <a:schemeClr val="tx1">
                     <a:lumMod val="75000"/>
@@ -4181,7 +4629,7 @@
             <a:prstGeom prst="straightConnector1">
               <a:avLst/>
             </a:prstGeom>
-            <a:ln w="38100">
+            <a:ln w="76200">
               <a:solidFill>
                 <a:schemeClr val="tx1">
                   <a:lumMod val="65000"/>
@@ -4215,7 +4663,7 @@
           <p:spPr>
             <a:xfrm>
               <a:off x="4257092" y="2610362"/>
-              <a:ext cx="1800200" cy="584775"/>
+              <a:ext cx="1800200" cy="511186"/>
             </a:xfrm>
             <a:prstGeom prst="rect">
               <a:avLst/>
@@ -4230,7 +4678,7 @@
             <a:p>
               <a:pPr algn="ctr"/>
               <a:r>
-                <a:rPr kumimoji="1" lang="ja-JP" altLang="en-US" sz="1600" dirty="0" smtClean="0">
+                <a:rPr lang="ja-JP" altLang="en-US" sz="5200" dirty="0">
                   <a:solidFill>
                     <a:schemeClr val="tx1">
                       <a:lumMod val="75000"/>
@@ -4242,7 +4690,7 @@
                 </a:rPr>
                 <a:t>スマートフォン</a:t>
               </a:r>
-              <a:endParaRPr kumimoji="1" lang="en-US" altLang="ja-JP" sz="1600" dirty="0" smtClean="0">
+              <a:endParaRPr lang="en-US" altLang="ja-JP" sz="5200" dirty="0">
                 <a:solidFill>
                   <a:schemeClr val="tx1">
                     <a:lumMod val="75000"/>
@@ -4256,7 +4704,7 @@
             <a:p>
               <a:pPr algn="ctr"/>
               <a:r>
-                <a:rPr kumimoji="1" lang="ja-JP" altLang="en-US" sz="1600" dirty="0" smtClean="0">
+                <a:rPr lang="ja-JP" altLang="en-US" sz="5200" dirty="0">
                   <a:solidFill>
                     <a:schemeClr val="tx1">
                       <a:lumMod val="75000"/>
@@ -4268,7 +4716,7 @@
                 </a:rPr>
                 <a:t>普及拡大</a:t>
               </a:r>
-              <a:endParaRPr kumimoji="1" lang="ja-JP" altLang="en-US" sz="1600" dirty="0">
+              <a:endParaRPr lang="ja-JP" altLang="en-US" sz="5200" dirty="0">
                 <a:solidFill>
                   <a:schemeClr val="tx1">
                     <a:lumMod val="75000"/>
@@ -4295,7 +4743,7 @@
             <a:prstGeom prst="straightConnector1">
               <a:avLst/>
             </a:prstGeom>
-            <a:ln w="38100">
+            <a:ln w="76200">
               <a:solidFill>
                 <a:schemeClr val="tx1">
                   <a:lumMod val="65000"/>
@@ -4329,7 +4777,7 @@
           <p:spPr>
             <a:xfrm>
               <a:off x="3933056" y="3297342"/>
-              <a:ext cx="2924944" cy="338554"/>
+              <a:ext cx="2924944" cy="269534"/>
             </a:xfrm>
             <a:prstGeom prst="rect">
               <a:avLst/>
@@ -4344,7 +4792,7 @@
             <a:p>
               <a:pPr algn="ctr"/>
               <a:r>
-                <a:rPr kumimoji="1" lang="ja-JP" altLang="en-US" sz="1600" dirty="0" smtClean="0">
+                <a:rPr lang="ja-JP" altLang="en-US" sz="5200" dirty="0">
                   <a:solidFill>
                     <a:schemeClr val="tx1">
                       <a:lumMod val="75000"/>
@@ -4356,7 +4804,7 @@
                 </a:rPr>
                 <a:t>クラウド＆プラットフォーム</a:t>
               </a:r>
-              <a:endParaRPr kumimoji="1" lang="ja-JP" altLang="en-US" sz="1600" dirty="0">
+              <a:endParaRPr lang="ja-JP" altLang="en-US" sz="5200" dirty="0">
                 <a:solidFill>
                   <a:schemeClr val="tx1">
                     <a:lumMod val="75000"/>
@@ -4378,7 +4826,7 @@
           <p:spPr>
             <a:xfrm>
               <a:off x="4185084" y="3804156"/>
-              <a:ext cx="1944216" cy="584775"/>
+              <a:ext cx="1944216" cy="511186"/>
             </a:xfrm>
             <a:prstGeom prst="rect">
               <a:avLst/>
@@ -4393,7 +4841,7 @@
             <a:p>
               <a:pPr algn="ctr"/>
               <a:r>
-                <a:rPr kumimoji="1" lang="ja-JP" altLang="en-US" sz="1600" dirty="0" smtClean="0">
+                <a:rPr lang="ja-JP" altLang="en-US" sz="5200" dirty="0">
                   <a:solidFill>
                     <a:schemeClr val="tx1">
                       <a:lumMod val="75000"/>
@@ -4405,7 +4853,7 @@
                 </a:rPr>
                 <a:t>ソフトウェアの</a:t>
               </a:r>
-              <a:endParaRPr kumimoji="1" lang="en-US" altLang="ja-JP" sz="1600" dirty="0" smtClean="0">
+              <a:endParaRPr lang="en-US" altLang="ja-JP" sz="5200" dirty="0">
                 <a:solidFill>
                   <a:schemeClr val="tx1">
                     <a:lumMod val="75000"/>
@@ -4419,7 +4867,7 @@
             <a:p>
               <a:pPr algn="ctr"/>
               <a:r>
-                <a:rPr lang="ja-JP" altLang="en-US" sz="1600" dirty="0">
+                <a:rPr lang="ja-JP" altLang="en-US" sz="5200" dirty="0">
                   <a:solidFill>
                     <a:schemeClr val="tx1">
                       <a:lumMod val="75000"/>
@@ -4432,7 +4880,7 @@
                 <a:t>技術</a:t>
               </a:r>
               <a:r>
-                <a:rPr lang="ja-JP" altLang="en-US" sz="1600" dirty="0" smtClean="0">
+                <a:rPr lang="ja-JP" altLang="en-US" sz="5200" dirty="0">
                   <a:solidFill>
                     <a:schemeClr val="tx1">
                       <a:lumMod val="75000"/>
@@ -4444,7 +4892,7 @@
                 </a:rPr>
                 <a:t>の進化</a:t>
               </a:r>
-              <a:endParaRPr kumimoji="1" lang="en-US" altLang="ja-JP" sz="1600" dirty="0" smtClean="0">
+              <a:endParaRPr lang="en-US" altLang="ja-JP" sz="5200" dirty="0">
                 <a:solidFill>
                   <a:schemeClr val="tx1">
                     <a:lumMod val="75000"/>
@@ -4465,8 +4913,8 @@
           </p:nvSpPr>
           <p:spPr>
             <a:xfrm>
-              <a:off x="3298676" y="2797205"/>
-              <a:ext cx="360040" cy="1338828"/>
+              <a:off x="3392227" y="2863915"/>
+              <a:ext cx="360040" cy="1240788"/>
             </a:xfrm>
             <a:prstGeom prst="rect">
               <a:avLst/>
@@ -4513,8 +4961,8 @@
         </p:nvSpPr>
         <p:spPr>
           <a:xfrm>
-            <a:off x="-8540" y="8246149"/>
-            <a:ext cx="1736812" cy="646331"/>
+            <a:off x="-26632" y="27306781"/>
+            <a:ext cx="5416280" cy="2140298"/>
           </a:xfrm>
           <a:prstGeom prst="rect">
             <a:avLst/>
@@ -4522,7 +4970,7 @@
           <a:noFill/>
         </p:spPr>
         <p:txBody>
-          <a:bodyPr wrap="square" rtlCol="0">
+          <a:bodyPr wrap="square" lIns="295232" tIns="147616" rIns="295232" bIns="147616" rtlCol="0">
             <a:spAutoFit/>
           </a:bodyPr>
           <a:lstStyle/>
@@ -4576,8 +5024,8 @@
         </p:nvSpPr>
         <p:spPr>
           <a:xfrm>
-            <a:off x="1723156" y="8101553"/>
-            <a:ext cx="1057772" cy="338554"/>
+            <a:off x="5373694" y="26827955"/>
+            <a:ext cx="3298682" cy="1121107"/>
           </a:xfrm>
           <a:prstGeom prst="rect">
             <a:avLst/>
@@ -4585,13 +5033,13 @@
           <a:noFill/>
         </p:spPr>
         <p:txBody>
-          <a:bodyPr wrap="square" rtlCol="0">
+          <a:bodyPr wrap="square" lIns="295232" tIns="147616" rIns="295232" bIns="147616" rtlCol="0">
             <a:spAutoFit/>
           </a:bodyPr>
           <a:lstStyle/>
           <a:p>
             <a:r>
-              <a:rPr kumimoji="1" lang="ja-JP" altLang="en-US" sz="1600" dirty="0" smtClean="0">
+              <a:rPr lang="ja-JP" altLang="en-US" sz="5200" dirty="0">
                 <a:solidFill>
                   <a:schemeClr val="tx2"/>
                 </a:solidFill>
@@ -4600,7 +5048,7 @@
               </a:rPr>
               <a:t>品質向上</a:t>
             </a:r>
-            <a:endParaRPr kumimoji="1" lang="ja-JP" altLang="en-US" sz="1600" dirty="0">
+            <a:endParaRPr lang="ja-JP" altLang="en-US" sz="5200" dirty="0">
               <a:solidFill>
                 <a:schemeClr val="tx2"/>
               </a:solidFill>
@@ -4618,8 +5066,8 @@
         </p:nvSpPr>
         <p:spPr>
           <a:xfrm>
-            <a:off x="5148572" y="8246149"/>
-            <a:ext cx="1736812" cy="646331"/>
+            <a:off x="16055917" y="27306781"/>
+            <a:ext cx="5416280" cy="2140298"/>
           </a:xfrm>
           <a:prstGeom prst="rect">
             <a:avLst/>
@@ -4627,7 +5075,7 @@
           <a:noFill/>
         </p:spPr>
         <p:txBody>
-          <a:bodyPr wrap="square" rtlCol="0">
+          <a:bodyPr wrap="square" lIns="295232" tIns="147616" rIns="295232" bIns="147616" rtlCol="0">
             <a:spAutoFit/>
           </a:bodyPr>
           <a:lstStyle/>
@@ -4681,8 +5129,8 @@
         </p:nvSpPr>
         <p:spPr>
           <a:xfrm>
-            <a:off x="3933056" y="8009220"/>
-            <a:ext cx="1318456" cy="523220"/>
+            <a:off x="12265308" y="26522198"/>
+            <a:ext cx="4111629" cy="1732621"/>
           </a:xfrm>
           <a:prstGeom prst="rect">
             <a:avLst/>
@@ -4690,14 +5138,14 @@
           <a:noFill/>
         </p:spPr>
         <p:txBody>
-          <a:bodyPr wrap="square" rtlCol="0">
+          <a:bodyPr wrap="square" lIns="295232" tIns="147616" rIns="295232" bIns="147616" rtlCol="0">
             <a:spAutoFit/>
           </a:bodyPr>
           <a:lstStyle/>
           <a:p>
             <a:pPr algn="ctr"/>
             <a:r>
-              <a:rPr kumimoji="1" lang="ja-JP" altLang="en-US" sz="1400" dirty="0" smtClean="0">
+              <a:rPr lang="ja-JP" altLang="en-US" sz="4500" dirty="0">
                 <a:solidFill>
                   <a:srgbClr val="FF0000"/>
                 </a:solidFill>
@@ -4706,7 +5154,7 @@
               </a:rPr>
               <a:t>競合企業との</a:t>
             </a:r>
-            <a:endParaRPr kumimoji="1" lang="en-US" altLang="ja-JP" sz="1400" dirty="0" smtClean="0">
+            <a:endParaRPr lang="en-US" altLang="ja-JP" sz="4500" dirty="0">
               <a:solidFill>
                 <a:srgbClr val="FF0000"/>
               </a:solidFill>
@@ -4717,7 +5165,7 @@
           <a:p>
             <a:pPr algn="ctr"/>
             <a:r>
-              <a:rPr lang="ja-JP" altLang="en-US" sz="1400" dirty="0">
+              <a:rPr lang="ja-JP" altLang="en-US" sz="4500" dirty="0">
                 <a:solidFill>
                   <a:srgbClr val="FF0000"/>
                 </a:solidFill>
@@ -4726,13 +5174,6 @@
               </a:rPr>
               <a:t>差別化</a:t>
             </a:r>
-            <a:endParaRPr kumimoji="1" lang="ja-JP" altLang="en-US" sz="1400" dirty="0">
-              <a:solidFill>
-                <a:srgbClr val="FF0000"/>
-              </a:solidFill>
-              <a:latin typeface="HGS明朝E" panose="02020900000000000000" pitchFamily="18" charset="-128"/>
-              <a:ea typeface="HGS明朝E" panose="02020900000000000000" pitchFamily="18" charset="-128"/>
-            </a:endParaRPr>
           </a:p>
         </p:txBody>
       </p:sp>
@@ -4744,8 +5185,8 @@
         </p:nvGrpSpPr>
         <p:grpSpPr>
           <a:xfrm>
-            <a:off x="3098112" y="3429777"/>
-            <a:ext cx="906952" cy="15034"/>
+            <a:off x="9661519" y="11357564"/>
+            <a:ext cx="2828347" cy="49784"/>
             <a:chOff x="3052184" y="3644934"/>
             <a:chExt cx="906952" cy="15034"/>
           </a:xfrm>
@@ -4764,7 +5205,7 @@
             <a:prstGeom prst="straightConnector1">
               <a:avLst/>
             </a:prstGeom>
-            <a:ln w="38100">
+            <a:ln w="76200">
               <a:solidFill>
                 <a:schemeClr val="tx1">
                   <a:lumMod val="65000"/>
@@ -4803,7 +5244,7 @@
             <a:prstGeom prst="line">
               <a:avLst/>
             </a:prstGeom>
-            <a:ln w="38100">
+            <a:ln w="76200">
               <a:solidFill>
                 <a:schemeClr val="tx1">
                   <a:lumMod val="65000"/>
@@ -4836,8 +5277,8 @@
         </p:nvSpPr>
         <p:spPr>
           <a:xfrm>
-            <a:off x="332657" y="3997677"/>
-            <a:ext cx="2520279" cy="584775"/>
+            <a:off x="1037398" y="13238142"/>
+            <a:ext cx="7859537" cy="1936458"/>
           </a:xfrm>
           <a:prstGeom prst="rect">
             <a:avLst/>
@@ -4845,13 +5286,13 @@
           <a:noFill/>
         </p:spPr>
         <p:txBody>
-          <a:bodyPr wrap="square" rtlCol="0">
+          <a:bodyPr wrap="square" lIns="295232" tIns="147616" rIns="295232" bIns="147616" rtlCol="0">
             <a:spAutoFit/>
           </a:bodyPr>
           <a:lstStyle/>
           <a:p>
             <a:r>
-              <a:rPr kumimoji="1" lang="ja-JP" altLang="en-US" sz="1600" dirty="0" smtClean="0">
+              <a:rPr lang="ja-JP" altLang="en-US" sz="5200" dirty="0">
                 <a:solidFill>
                   <a:schemeClr val="tx1">
                     <a:lumMod val="75000"/>
@@ -4863,7 +5304,7 @@
               </a:rPr>
               <a:t>しかし</a:t>
             </a:r>
-            <a:endParaRPr kumimoji="1" lang="en-US" altLang="ja-JP" sz="1600" dirty="0" smtClean="0">
+            <a:endParaRPr lang="en-US" altLang="ja-JP" sz="5200" dirty="0">
               <a:solidFill>
                 <a:schemeClr val="tx1">
                   <a:lumMod val="75000"/>
@@ -4876,7 +5317,7 @@
           </a:p>
           <a:p>
             <a:r>
-              <a:rPr kumimoji="1" lang="en-US" altLang="ja-JP" sz="1600" dirty="0" smtClean="0">
+              <a:rPr lang="en-US" altLang="ja-JP" sz="5200" dirty="0">
                 <a:solidFill>
                   <a:schemeClr val="tx1">
                     <a:lumMod val="75000"/>
@@ -4889,7 +5330,7 @@
               <a:t>AR</a:t>
             </a:r>
             <a:r>
-              <a:rPr kumimoji="1" lang="ja-JP" altLang="en-US" sz="1600" dirty="0" smtClean="0">
+              <a:rPr lang="ja-JP" altLang="en-US" sz="5200" dirty="0">
                 <a:solidFill>
                   <a:schemeClr val="tx1">
                     <a:lumMod val="75000"/>
@@ -4899,22 +5340,9 @@
                 <a:latin typeface="HGP明朝E" panose="02020900000000000000" pitchFamily="18" charset="-128"/>
                 <a:ea typeface="HGP明朝E" panose="02020900000000000000" pitchFamily="18" charset="-128"/>
               </a:rPr>
-              <a:t>のテストは難しい</a:t>
-            </a:r>
-            <a:r>
-              <a:rPr kumimoji="1" lang="ja-JP" altLang="en-US" sz="1600" dirty="0" smtClean="0">
-                <a:solidFill>
-                  <a:schemeClr val="tx1">
-                    <a:lumMod val="75000"/>
-                    <a:lumOff val="25000"/>
-                  </a:schemeClr>
-                </a:solidFill>
-                <a:latin typeface="HGP明朝E" panose="02020900000000000000" pitchFamily="18" charset="-128"/>
-                <a:ea typeface="HGP明朝E" panose="02020900000000000000" pitchFamily="18" charset="-128"/>
-              </a:rPr>
-              <a:t>．．．</a:t>
-            </a:r>
-            <a:endParaRPr kumimoji="1" lang="ja-JP" altLang="en-US" sz="1600" dirty="0">
+              <a:t>のテストは難しい．．．</a:t>
+            </a:r>
+            <a:endParaRPr lang="ja-JP" altLang="en-US" sz="5200" dirty="0">
               <a:solidFill>
                 <a:schemeClr val="tx1">
                   <a:lumMod val="75000"/>
@@ -4935,8 +5363,8 @@
         </p:nvSpPr>
         <p:spPr>
           <a:xfrm>
-            <a:off x="414046" y="4603938"/>
-            <a:ext cx="6129300" cy="400110"/>
+            <a:off x="1291210" y="15245749"/>
+            <a:ext cx="19114336" cy="1221445"/>
           </a:xfrm>
           <a:prstGeom prst="rect">
             <a:avLst/>
@@ -4944,13 +5372,13 @@
           <a:noFill/>
         </p:spPr>
         <p:txBody>
-          <a:bodyPr wrap="square" rtlCol="0">
+          <a:bodyPr wrap="square" lIns="295232" tIns="147616" rIns="295232" bIns="147616" rtlCol="0">
             <a:spAutoFit/>
           </a:bodyPr>
           <a:lstStyle/>
           <a:p>
             <a:r>
-              <a:rPr lang="ja-JP" altLang="en-US" sz="2000" dirty="0">
+              <a:rPr lang="ja-JP" altLang="en-US" sz="6000" dirty="0">
                 <a:solidFill>
                   <a:schemeClr val="tx1">
                     <a:lumMod val="75000"/>
@@ -4963,7 +5391,7 @@
               <a:t>人間が操作して確かめる部分が多く，自動化</a:t>
             </a:r>
             <a:r>
-              <a:rPr lang="ja-JP" altLang="en-US" sz="2000" dirty="0" smtClean="0">
+              <a:rPr lang="ja-JP" altLang="en-US" sz="6000" dirty="0">
                 <a:solidFill>
                   <a:schemeClr val="tx1">
                     <a:lumMod val="75000"/>
@@ -4975,7 +5403,7 @@
               </a:rPr>
               <a:t>しにくい！</a:t>
             </a:r>
-            <a:endParaRPr kumimoji="1" lang="ja-JP" altLang="en-US" sz="2000" dirty="0">
+            <a:endParaRPr lang="ja-JP" altLang="en-US" sz="6000" dirty="0">
               <a:solidFill>
                 <a:schemeClr val="tx1">
                   <a:lumMod val="75000"/>
@@ -4996,8 +5424,8 @@
         </p:nvSpPr>
         <p:spPr>
           <a:xfrm>
-            <a:off x="490328" y="5580112"/>
-            <a:ext cx="2650640" cy="646331"/>
+            <a:off x="1529096" y="18478310"/>
+            <a:ext cx="8573875" cy="2083219"/>
           </a:xfrm>
           <a:prstGeom prst="rect">
             <a:avLst/>
@@ -5005,7 +5433,7 @@
           <a:noFill/>
         </p:spPr>
         <p:txBody>
-          <a:bodyPr wrap="square" rtlCol="0">
+          <a:bodyPr wrap="square" lIns="295232" tIns="147616" rIns="295232" bIns="147616" rtlCol="0">
             <a:spAutoFit/>
           </a:bodyPr>
           <a:lstStyle/>
@@ -5110,8 +5538,8 @@
         </p:nvSpPr>
         <p:spPr>
           <a:xfrm>
-            <a:off x="886371" y="5260722"/>
-            <a:ext cx="1800199" cy="886162"/>
+            <a:off x="2764166" y="17420661"/>
+            <a:ext cx="5613954" cy="2934489"/>
           </a:xfrm>
           <a:prstGeom prst="arc">
             <a:avLst>
@@ -5140,7 +5568,7 @@
           </a:fontRef>
         </p:style>
         <p:txBody>
-          <a:bodyPr rtlCol="0" anchor="ctr"/>
+          <a:bodyPr lIns="295232" tIns="147616" rIns="295232" bIns="147616" rtlCol="0" anchor="ctr"/>
           <a:lstStyle/>
           <a:p>
             <a:pPr algn="ctr"/>
@@ -5156,12 +5584,12 @@
         </p:nvSpPr>
         <p:spPr>
           <a:xfrm rot="10800000">
-            <a:off x="814363" y="5630054"/>
-            <a:ext cx="1944216" cy="886162"/>
+            <a:off x="2539606" y="18758226"/>
+            <a:ext cx="6063074" cy="2934489"/>
           </a:xfrm>
           <a:prstGeom prst="arc">
             <a:avLst>
-              <a:gd name="adj1" fmla="val 10927602"/>
+              <a:gd name="adj1" fmla="val 10975706"/>
               <a:gd name="adj2" fmla="val 21444214"/>
             </a:avLst>
           </a:prstGeom>
@@ -5186,7 +5614,7 @@
           </a:fontRef>
         </p:style>
         <p:txBody>
-          <a:bodyPr rtlCol="0" anchor="ctr"/>
+          <a:bodyPr lIns="295232" tIns="147616" rIns="295232" bIns="147616" rtlCol="0" anchor="ctr"/>
           <a:lstStyle/>
           <a:p>
             <a:pPr algn="ctr"/>
@@ -5202,8 +5630,8 @@
         </p:nvSpPr>
         <p:spPr>
           <a:xfrm>
-            <a:off x="3789040" y="5580111"/>
-            <a:ext cx="2353916" cy="646331"/>
+            <a:off x="11816191" y="18478307"/>
+            <a:ext cx="7340731" cy="2140298"/>
           </a:xfrm>
           <a:prstGeom prst="rect">
             <a:avLst/>
@@ -5211,7 +5639,7 @@
           <a:noFill/>
         </p:spPr>
         <p:txBody>
-          <a:bodyPr wrap="square" rtlCol="0">
+          <a:bodyPr wrap="square" lIns="295232" tIns="147616" rIns="295232" bIns="147616" rtlCol="0">
             <a:spAutoFit/>
           </a:bodyPr>
           <a:lstStyle/>
@@ -5277,8 +5705,8 @@
         </p:nvSpPr>
         <p:spPr>
           <a:xfrm>
-            <a:off x="4054724" y="5219479"/>
-            <a:ext cx="1800199" cy="886162"/>
+            <a:off x="12644733" y="17284087"/>
+            <a:ext cx="5613954" cy="2934489"/>
           </a:xfrm>
           <a:prstGeom prst="arc">
             <a:avLst>
@@ -5307,7 +5735,7 @@
           </a:fontRef>
         </p:style>
         <p:txBody>
-          <a:bodyPr rtlCol="0" anchor="ctr"/>
+          <a:bodyPr lIns="295232" tIns="147616" rIns="295232" bIns="147616" rtlCol="0" anchor="ctr"/>
           <a:lstStyle/>
           <a:p>
             <a:pPr algn="ctr"/>
@@ -5323,8 +5751,8 @@
         </p:nvSpPr>
         <p:spPr>
           <a:xfrm rot="10800000">
-            <a:off x="4054724" y="5630054"/>
-            <a:ext cx="1836204" cy="886162"/>
+            <a:off x="12644732" y="18686217"/>
+            <a:ext cx="5726236" cy="2934489"/>
           </a:xfrm>
           <a:prstGeom prst="arc">
             <a:avLst>
@@ -5353,7 +5781,7 @@
           </a:fontRef>
         </p:style>
         <p:txBody>
-          <a:bodyPr rtlCol="0" anchor="ctr"/>
+          <a:bodyPr lIns="295232" tIns="147616" rIns="295232" bIns="147616" rtlCol="0" anchor="ctr"/>
           <a:lstStyle/>
           <a:p>
             <a:pPr algn="ctr"/>
@@ -5369,13 +5797,13 @@
         </p:nvCxnSpPr>
         <p:spPr>
           <a:xfrm>
-            <a:off x="3933056" y="8604448"/>
-            <a:ext cx="1296144" cy="0"/>
+            <a:off x="12265308" y="28493271"/>
+            <a:ext cx="4042049" cy="0"/>
           </a:xfrm>
           <a:prstGeom prst="straightConnector1">
             <a:avLst/>
           </a:prstGeom>
-          <a:ln w="28575">
+          <a:ln w="76200">
             <a:solidFill>
               <a:srgbClr val="FF0000"/>
             </a:solidFill>
@@ -5406,10 +5834,10 @@
         </p:nvGrpSpPr>
         <p:grpSpPr>
           <a:xfrm>
-            <a:off x="2852936" y="7806844"/>
-            <a:ext cx="1014167" cy="1013628"/>
-            <a:chOff x="2852936" y="7607661"/>
-            <a:chExt cx="1014167" cy="1013628"/>
+            <a:off x="8866258" y="25860465"/>
+            <a:ext cx="3293341" cy="3435616"/>
+            <a:chOff x="2843098" y="7610203"/>
+            <a:chExt cx="1056059" cy="1037493"/>
           </a:xfrm>
         </p:grpSpPr>
         <p:sp>
@@ -5420,8 +5848,8 @@
           </p:nvSpPr>
           <p:spPr>
             <a:xfrm>
-              <a:off x="2927552" y="7737809"/>
-              <a:ext cx="908877" cy="707886"/>
+              <a:off x="2990280" y="7746549"/>
+              <a:ext cx="908877" cy="627365"/>
             </a:xfrm>
             <a:prstGeom prst="rect">
               <a:avLst/>
@@ -5435,7 +5863,7 @@
             <a:lstStyle/>
             <a:p>
               <a:r>
-                <a:rPr kumimoji="1" lang="en-US" altLang="ja-JP" sz="4000" dirty="0" smtClean="0">
+                <a:rPr lang="en-US" altLang="ja-JP" sz="12900" dirty="0">
                   <a:solidFill>
                     <a:schemeClr val="tx1">
                       <a:lumMod val="75000"/>
@@ -5447,7 +5875,7 @@
                 </a:rPr>
                 <a:t>AR</a:t>
               </a:r>
-              <a:endParaRPr kumimoji="1" lang="ja-JP" altLang="en-US" sz="4000" dirty="0">
+              <a:endParaRPr lang="ja-JP" altLang="en-US" sz="12900" dirty="0">
                 <a:solidFill>
                   <a:schemeClr val="tx1">
                     <a:lumMod val="75000"/>
@@ -5468,10 +5896,10 @@
           </p:nvGrpSpPr>
           <p:grpSpPr>
             <a:xfrm>
-              <a:off x="2852936" y="7607661"/>
-              <a:ext cx="1014167" cy="1013628"/>
-              <a:chOff x="2875725" y="7607661"/>
-              <a:chExt cx="1014167" cy="1013628"/>
+              <a:off x="2843098" y="7610203"/>
+              <a:ext cx="1017873" cy="1037493"/>
+              <a:chOff x="2865887" y="7610203"/>
+              <a:chExt cx="1017873" cy="1037493"/>
             </a:xfrm>
           </p:grpSpPr>
           <p:sp>
@@ -5482,16 +5910,16 @@
             </p:nvSpPr>
             <p:spPr>
               <a:xfrm rot="5824864">
-                <a:off x="2869592" y="7613794"/>
+                <a:off x="2874236" y="7642743"/>
                 <a:ext cx="1011086" cy="998820"/>
               </a:xfrm>
               <a:prstGeom prst="arc">
                 <a:avLst>
-                  <a:gd name="adj1" fmla="val 14707295"/>
-                  <a:gd name="adj2" fmla="val 0"/>
+                  <a:gd name="adj1" fmla="val 15116268"/>
+                  <a:gd name="adj2" fmla="val 20614621"/>
                 </a:avLst>
               </a:prstGeom>
-              <a:ln w="28575">
+              <a:ln w="76200">
                 <a:solidFill>
                   <a:srgbClr val="FF0000"/>
                 </a:solidFill>
@@ -5533,11 +5961,11 @@
               </a:xfrm>
               <a:prstGeom prst="arc">
                 <a:avLst>
-                  <a:gd name="adj1" fmla="val 10204763"/>
-                  <a:gd name="adj2" fmla="val 17042470"/>
+                  <a:gd name="adj1" fmla="val 10935816"/>
+                  <a:gd name="adj2" fmla="val 16408198"/>
                 </a:avLst>
               </a:prstGeom>
-              <a:ln w="28575">
+              <a:ln w="76200">
                 <a:solidFill>
                   <a:schemeClr val="tx2"/>
                 </a:solidFill>
@@ -5574,16 +6002,16 @@
             </p:nvSpPr>
             <p:spPr>
               <a:xfrm rot="2385999">
-                <a:off x="2878806" y="7616335"/>
+                <a:off x="2865887" y="7642743"/>
                 <a:ext cx="1011086" cy="998820"/>
               </a:xfrm>
               <a:prstGeom prst="arc">
                 <a:avLst>
-                  <a:gd name="adj1" fmla="val 9381073"/>
-                  <a:gd name="adj2" fmla="val 18166756"/>
+                  <a:gd name="adj1" fmla="val 9746723"/>
+                  <a:gd name="adj2" fmla="val 17829178"/>
                 </a:avLst>
               </a:prstGeom>
-              <a:ln w="28575">
+              <a:ln w="76200">
                 <a:solidFill>
                   <a:srgbClr val="00B050"/>
                 </a:solidFill>
@@ -5622,13 +6050,13 @@
         </p:nvCxnSpPr>
         <p:spPr>
           <a:xfrm>
-            <a:off x="3356992" y="7335371"/>
-            <a:ext cx="0" cy="413764"/>
+            <a:off x="10468842" y="24290776"/>
+            <a:ext cx="0" cy="1370162"/>
           </a:xfrm>
           <a:prstGeom prst="straightConnector1">
             <a:avLst/>
           </a:prstGeom>
-          <a:ln w="28575">
+          <a:ln w="76200">
             <a:solidFill>
               <a:srgbClr val="00B050"/>
             </a:solidFill>
@@ -5659,13 +6087,13 @@
         </p:nvCxnSpPr>
         <p:spPr>
           <a:xfrm>
-            <a:off x="1628800" y="8604448"/>
-            <a:ext cx="1224136" cy="0"/>
+            <a:off x="5079443" y="28493271"/>
+            <a:ext cx="3817491" cy="0"/>
           </a:xfrm>
           <a:prstGeom prst="straightConnector1">
             <a:avLst/>
           </a:prstGeom>
-          <a:ln w="28575">
+          <a:ln w="76200">
             <a:solidFill>
               <a:schemeClr val="tx2"/>
             </a:solidFill>
@@ -5696,8 +6124,8 @@
         </p:nvSpPr>
         <p:spPr>
           <a:xfrm>
-            <a:off x="2551212" y="6937639"/>
-            <a:ext cx="1885900" cy="369332"/>
+            <a:off x="7956002" y="22973702"/>
+            <a:ext cx="5881214" cy="1223028"/>
           </a:xfrm>
           <a:prstGeom prst="rect">
             <a:avLst/>
@@ -5705,7 +6133,7 @@
           <a:noFill/>
         </p:spPr>
         <p:txBody>
-          <a:bodyPr wrap="square" rtlCol="0">
+          <a:bodyPr wrap="square" lIns="295232" tIns="147616" rIns="295232" bIns="147616" rtlCol="0">
             <a:spAutoFit/>
           </a:bodyPr>
           <a:lstStyle/>
@@ -5738,8 +6166,8 @@
         </p:nvSpPr>
         <p:spPr>
           <a:xfrm>
-            <a:off x="3573016" y="7389159"/>
-            <a:ext cx="2448272" cy="307777"/>
+            <a:off x="11142516" y="24468894"/>
+            <a:ext cx="7634982" cy="1019191"/>
           </a:xfrm>
           <a:prstGeom prst="rect">
             <a:avLst/>
@@ -5747,13 +6175,13 @@
           <a:noFill/>
         </p:spPr>
         <p:txBody>
-          <a:bodyPr wrap="square" rtlCol="0">
+          <a:bodyPr wrap="square" lIns="295232" tIns="147616" rIns="295232" bIns="147616" rtlCol="0">
             <a:spAutoFit/>
           </a:bodyPr>
           <a:lstStyle/>
           <a:p>
             <a:r>
-              <a:rPr lang="ja-JP" altLang="en-US" sz="1400" dirty="0">
+              <a:rPr lang="ja-JP" altLang="en-US" sz="4500" dirty="0">
                 <a:solidFill>
                   <a:srgbClr val="00B050"/>
                 </a:solidFill>
@@ -5763,7 +6191,7 @@
               <a:t>テスト</a:t>
             </a:r>
             <a:r>
-              <a:rPr lang="ja-JP" altLang="en-US" sz="1400" dirty="0" smtClean="0">
+              <a:rPr lang="ja-JP" altLang="en-US" sz="4500" dirty="0">
                 <a:solidFill>
                   <a:srgbClr val="00B050"/>
                 </a:solidFill>
@@ -5772,7 +6200,7 @@
               </a:rPr>
               <a:t>の自動化による不具合</a:t>
             </a:r>
-            <a:endParaRPr kumimoji="1" lang="ja-JP" altLang="en-US" sz="1400" dirty="0">
+            <a:endParaRPr lang="ja-JP" altLang="en-US" sz="4500" dirty="0">
               <a:solidFill>
                 <a:srgbClr val="00B050"/>
               </a:solidFill>
@@ -5827,8 +6255,8 @@
         </p:nvSpPr>
         <p:spPr>
           <a:xfrm>
-            <a:off x="116632" y="107504"/>
-            <a:ext cx="2376264" cy="369332"/>
+            <a:off x="363719" y="355995"/>
+            <a:ext cx="7410423" cy="1223028"/>
           </a:xfrm>
           <a:prstGeom prst="rect">
             <a:avLst/>
@@ -5836,7 +6264,7 @@
           <a:noFill/>
         </p:spPr>
         <p:txBody>
-          <a:bodyPr wrap="square" rtlCol="0">
+          <a:bodyPr wrap="square" lIns="295232" tIns="147616" rIns="295232" bIns="147616" rtlCol="0">
             <a:spAutoFit/>
           </a:bodyPr>
           <a:lstStyle/>
@@ -5863,8 +6291,8 @@
         </p:nvCxnSpPr>
         <p:spPr>
           <a:xfrm>
-            <a:off x="139756" y="2483768"/>
-            <a:ext cx="6480720" cy="0"/>
+            <a:off x="435832" y="8224894"/>
+            <a:ext cx="20210245" cy="0"/>
           </a:xfrm>
           <a:prstGeom prst="line">
             <a:avLst/>
@@ -5900,8 +6328,8 @@
         </p:nvSpPr>
         <p:spPr>
           <a:xfrm>
-            <a:off x="116632" y="2483768"/>
-            <a:ext cx="2376264" cy="369332"/>
+            <a:off x="363719" y="8224894"/>
+            <a:ext cx="7410423" cy="1223028"/>
           </a:xfrm>
           <a:prstGeom prst="rect">
             <a:avLst/>
@@ -5909,7 +6337,7 @@
           <a:noFill/>
         </p:spPr>
         <p:txBody>
-          <a:bodyPr wrap="square" rtlCol="0">
+          <a:bodyPr wrap="square" lIns="295232" tIns="147616" rIns="295232" bIns="147616" rtlCol="0">
             <a:spAutoFit/>
           </a:bodyPr>
           <a:lstStyle/>
@@ -5943,8 +6371,8 @@
         </p:nvSpPr>
         <p:spPr>
           <a:xfrm>
-            <a:off x="116632" y="7010980"/>
-            <a:ext cx="2376264" cy="369332"/>
+            <a:off x="363719" y="23216568"/>
+            <a:ext cx="7410423" cy="1223028"/>
           </a:xfrm>
           <a:prstGeom prst="rect">
             <a:avLst/>
@@ -5952,7 +6380,7 @@
           <a:noFill/>
         </p:spPr>
         <p:txBody>
-          <a:bodyPr wrap="square" rtlCol="0">
+          <a:bodyPr wrap="square" lIns="295232" tIns="147616" rIns="295232" bIns="147616" rtlCol="0">
             <a:spAutoFit/>
           </a:bodyPr>
           <a:lstStyle/>
@@ -5986,8 +6414,8 @@
         </p:nvCxnSpPr>
         <p:spPr>
           <a:xfrm>
-            <a:off x="116632" y="7020272"/>
-            <a:ext cx="6480720" cy="0"/>
+            <a:off x="363719" y="23247338"/>
+            <a:ext cx="20210245" cy="0"/>
           </a:xfrm>
           <a:prstGeom prst="line">
             <a:avLst/>
@@ -6023,8 +6451,8 @@
         </p:nvSpPr>
         <p:spPr>
           <a:xfrm>
-            <a:off x="594928" y="7415152"/>
-            <a:ext cx="5570376" cy="1477328"/>
+            <a:off x="1855294" y="24554967"/>
+            <a:ext cx="17371321" cy="4892110"/>
           </a:xfrm>
           <a:prstGeom prst="rect">
             <a:avLst/>
@@ -6032,7 +6460,7 @@
           <a:noFill/>
         </p:spPr>
         <p:txBody>
-          <a:bodyPr wrap="square" rtlCol="0">
+          <a:bodyPr wrap="square" lIns="295232" tIns="147616" rIns="295232" bIns="147616" rtlCol="0">
             <a:spAutoFit/>
           </a:bodyPr>
           <a:lstStyle/>
@@ -6087,20 +6515,7 @@
                 <a:latin typeface="HGP明朝E" panose="02020900000000000000" pitchFamily="18" charset="-128"/>
                 <a:ea typeface="HGP明朝E" panose="02020900000000000000" pitchFamily="18" charset="-128"/>
               </a:rPr>
-              <a:t>月～</a:t>
-            </a:r>
-            <a:r>
-              <a:rPr kumimoji="1" lang="ja-JP" altLang="en-US" dirty="0" smtClean="0">
-                <a:solidFill>
-                  <a:schemeClr val="tx1">
-                    <a:lumMod val="75000"/>
-                    <a:lumOff val="25000"/>
-                  </a:schemeClr>
-                </a:solidFill>
-                <a:latin typeface="HGP明朝E" panose="02020900000000000000" pitchFamily="18" charset="-128"/>
-                <a:ea typeface="HGP明朝E" panose="02020900000000000000" pitchFamily="18" charset="-128"/>
-              </a:rPr>
-              <a:t>　　　　　</a:t>
+              <a:t>月～　　　　　</a:t>
             </a:r>
             <a:r>
               <a:rPr kumimoji="1" lang="en-US" altLang="ja-JP" dirty="0" smtClean="0">
@@ -6494,8 +6909,8 @@
         </p:nvSpPr>
         <p:spPr>
           <a:xfrm>
-            <a:off x="548680" y="467544"/>
-            <a:ext cx="6048672" cy="1938992"/>
+            <a:off x="1711069" y="1548253"/>
+            <a:ext cx="18862896" cy="6420891"/>
           </a:xfrm>
           <a:prstGeom prst="rect">
             <a:avLst/>
@@ -6503,12 +6918,12 @@
           <a:noFill/>
         </p:spPr>
         <p:txBody>
-          <a:bodyPr wrap="square" rtlCol="0">
+          <a:bodyPr wrap="square" lIns="295232" tIns="147616" rIns="295232" bIns="147616" rtlCol="0">
             <a:spAutoFit/>
           </a:bodyPr>
           <a:lstStyle/>
           <a:p>
-            <a:pPr marL="342900" indent="-342900">
+            <a:pPr marL="1107121" indent="-1107121">
               <a:lnSpc>
                 <a:spcPct val="150000"/>
               </a:lnSpc>
@@ -6516,7 +6931,7 @@
               <a:buAutoNum type="arabicPeriod"/>
             </a:pPr>
             <a:r>
-              <a:rPr kumimoji="1" lang="en-US" altLang="ja-JP" sz="2000" dirty="0" smtClean="0">
+              <a:rPr lang="en-US" altLang="ja-JP" sz="6500" dirty="0">
                 <a:solidFill>
                   <a:schemeClr val="tx1">
                     <a:lumMod val="75000"/>
@@ -6529,7 +6944,7 @@
               <a:t>AR</a:t>
             </a:r>
             <a:r>
-              <a:rPr kumimoji="1" lang="ja-JP" altLang="en-US" sz="2000" dirty="0" smtClean="0">
+              <a:rPr lang="ja-JP" altLang="en-US" sz="6500" dirty="0">
                 <a:solidFill>
                   <a:schemeClr val="tx1">
                     <a:lumMod val="75000"/>
@@ -6541,7 +6956,7 @@
               </a:rPr>
               <a:t>の現状調査</a:t>
             </a:r>
-            <a:endParaRPr kumimoji="1" lang="en-US" altLang="ja-JP" sz="2000" dirty="0" smtClean="0">
+            <a:endParaRPr lang="en-US" altLang="ja-JP" sz="6500" dirty="0">
               <a:solidFill>
                 <a:schemeClr val="tx1">
                   <a:lumMod val="75000"/>
@@ -6553,7 +6968,7 @@
             </a:endParaRPr>
           </a:p>
           <a:p>
-            <a:pPr marL="342900" indent="-342900">
+            <a:pPr marL="1107121" indent="-1107121">
               <a:lnSpc>
                 <a:spcPct val="150000"/>
               </a:lnSpc>
@@ -6561,7 +6976,7 @@
               <a:buAutoNum type="arabicPeriod"/>
             </a:pPr>
             <a:r>
-              <a:rPr lang="en-US" altLang="ja-JP" sz="2000" dirty="0" smtClean="0">
+              <a:rPr lang="en-US" altLang="ja-JP" sz="6500" dirty="0">
                 <a:solidFill>
                   <a:schemeClr val="tx1">
                     <a:lumMod val="75000"/>
@@ -6574,7 +6989,7 @@
               <a:t>AR</a:t>
             </a:r>
             <a:r>
-              <a:rPr lang="ja-JP" altLang="en-US" sz="2000" dirty="0">
+              <a:rPr lang="ja-JP" altLang="en-US" sz="6500" dirty="0">
                 <a:solidFill>
                   <a:schemeClr val="tx1">
                     <a:lumMod val="75000"/>
@@ -6587,7 +7002,7 @@
               <a:t>アプリケーションの実装実験を</a:t>
             </a:r>
             <a:r>
-              <a:rPr lang="ja-JP" altLang="en-US" sz="2000" dirty="0" smtClean="0">
+              <a:rPr lang="ja-JP" altLang="en-US" sz="6500" dirty="0">
                 <a:solidFill>
                   <a:schemeClr val="tx1">
                     <a:lumMod val="75000"/>
@@ -6599,7 +7014,7 @@
               </a:rPr>
               <a:t>行う</a:t>
             </a:r>
-            <a:endParaRPr lang="en-US" altLang="ja-JP" sz="2000" dirty="0" smtClean="0">
+            <a:endParaRPr lang="en-US" altLang="ja-JP" sz="6500" dirty="0">
               <a:solidFill>
                 <a:schemeClr val="tx1">
                   <a:lumMod val="75000"/>
@@ -6611,7 +7026,7 @@
             </a:endParaRPr>
           </a:p>
           <a:p>
-            <a:pPr marL="342900" indent="-342900">
+            <a:pPr marL="1107121" indent="-1107121">
               <a:lnSpc>
                 <a:spcPct val="150000"/>
               </a:lnSpc>
@@ -6619,7 +7034,7 @@
               <a:buAutoNum type="arabicPeriod"/>
             </a:pPr>
             <a:r>
-              <a:rPr lang="en-US" altLang="ja-JP" sz="2000" dirty="0">
+              <a:rPr lang="en-US" altLang="ja-JP" sz="6500" dirty="0">
                 <a:solidFill>
                   <a:schemeClr val="tx1">
                     <a:lumMod val="75000"/>
@@ -6632,7 +7047,7 @@
               <a:t>2</a:t>
             </a:r>
             <a:r>
-              <a:rPr lang="ja-JP" altLang="en-US" sz="2000" dirty="0">
+              <a:rPr lang="ja-JP" altLang="en-US" sz="6500" dirty="0">
                 <a:solidFill>
                   <a:schemeClr val="tx1">
                     <a:lumMod val="75000"/>
@@ -6645,7 +7060,7 @@
               <a:t>を通じて</a:t>
             </a:r>
             <a:r>
-              <a:rPr lang="en-US" altLang="ja-JP" sz="2000" dirty="0">
+              <a:rPr lang="en-US" altLang="ja-JP" sz="6500" dirty="0">
                 <a:solidFill>
                   <a:schemeClr val="tx1">
                     <a:lumMod val="75000"/>
@@ -6658,7 +7073,7 @@
               <a:t>AP</a:t>
             </a:r>
             <a:r>
-              <a:rPr lang="ja-JP" altLang="en-US" sz="2000" dirty="0">
+              <a:rPr lang="ja-JP" altLang="en-US" sz="6500" dirty="0">
                 <a:solidFill>
                   <a:schemeClr val="tx1">
                     <a:lumMod val="75000"/>
@@ -6671,7 +7086,7 @@
               <a:t>アプリのテストの現状を把握</a:t>
             </a:r>
             <a:r>
-              <a:rPr lang="ja-JP" altLang="en-US" sz="2000" dirty="0" smtClean="0">
+              <a:rPr lang="ja-JP" altLang="en-US" sz="6500" dirty="0">
                 <a:solidFill>
                   <a:schemeClr val="tx1">
                     <a:lumMod val="75000"/>
@@ -6683,7 +7098,7 @@
               </a:rPr>
               <a:t>する</a:t>
             </a:r>
-            <a:endParaRPr lang="en-US" altLang="ja-JP" sz="2000" dirty="0">
+            <a:endParaRPr lang="en-US" altLang="ja-JP" sz="6500" dirty="0">
               <a:solidFill>
                 <a:schemeClr val="tx1">
                   <a:lumMod val="75000"/>
@@ -6701,7 +7116,7 @@
               </a:lnSpc>
             </a:pPr>
             <a:r>
-              <a:rPr lang="en-US" altLang="ja-JP" sz="2000" dirty="0" smtClean="0">
+              <a:rPr lang="ja-JP" altLang="en-US" sz="6500" dirty="0" smtClean="0">
                 <a:solidFill>
                   <a:schemeClr val="tx1">
                     <a:lumMod val="75000"/>
@@ -6711,10 +7126,10 @@
                 <a:latin typeface="HGP明朝E" panose="02020900000000000000" pitchFamily="18" charset="-128"/>
                 <a:ea typeface="HGP明朝E" panose="02020900000000000000" pitchFamily="18" charset="-128"/>
               </a:rPr>
-              <a:t>AR</a:t>
-            </a:r>
-            <a:r>
-              <a:rPr lang="ja-JP" altLang="en-US" sz="2000" dirty="0">
+              <a:t>（</a:t>
+            </a:r>
+            <a:r>
+              <a:rPr lang="en-US" altLang="ja-JP" sz="6500" dirty="0" smtClean="0">
                 <a:solidFill>
                   <a:schemeClr val="tx1">
                     <a:lumMod val="75000"/>
@@ -6724,10 +7139,10 @@
                 <a:latin typeface="HGP明朝E" panose="02020900000000000000" pitchFamily="18" charset="-128"/>
                 <a:ea typeface="HGP明朝E" panose="02020900000000000000" pitchFamily="18" charset="-128"/>
               </a:rPr>
-              <a:t>の実装には</a:t>
-            </a:r>
-            <a:r>
-              <a:rPr lang="en-US" altLang="ja-JP" sz="2000" dirty="0">
+              <a:t>AR</a:t>
+            </a:r>
+            <a:r>
+              <a:rPr lang="ja-JP" altLang="en-US" sz="6500" dirty="0">
                 <a:solidFill>
                   <a:schemeClr val="tx1">
                     <a:lumMod val="75000"/>
@@ -6737,10 +7152,10 @@
                 <a:latin typeface="HGP明朝E" panose="02020900000000000000" pitchFamily="18" charset="-128"/>
                 <a:ea typeface="HGP明朝E" panose="02020900000000000000" pitchFamily="18" charset="-128"/>
               </a:rPr>
-              <a:t>Junaio</a:t>
-            </a:r>
-            <a:r>
-              <a:rPr lang="ja-JP" altLang="en-US" sz="2000" dirty="0">
+              <a:t>の実装には</a:t>
+            </a:r>
+            <a:r>
+              <a:rPr lang="en-US" altLang="ja-JP" sz="6500" dirty="0">
                 <a:solidFill>
                   <a:schemeClr val="tx1">
                     <a:lumMod val="75000"/>
@@ -6750,9 +7165,35 @@
                 <a:latin typeface="HGP明朝E" panose="02020900000000000000" pitchFamily="18" charset="-128"/>
                 <a:ea typeface="HGP明朝E" panose="02020900000000000000" pitchFamily="18" charset="-128"/>
               </a:rPr>
-              <a:t>を用いる</a:t>
-            </a:r>
-            <a:endParaRPr kumimoji="1" lang="en-US" altLang="ja-JP" sz="2000" dirty="0">
+              <a:t>Junaio</a:t>
+            </a:r>
+            <a:r>
+              <a:rPr lang="ja-JP" altLang="en-US" sz="6500" dirty="0">
+                <a:solidFill>
+                  <a:schemeClr val="tx1">
+                    <a:lumMod val="75000"/>
+                    <a:lumOff val="25000"/>
+                  </a:schemeClr>
+                </a:solidFill>
+                <a:latin typeface="HGP明朝E" panose="02020900000000000000" pitchFamily="18" charset="-128"/>
+                <a:ea typeface="HGP明朝E" panose="02020900000000000000" pitchFamily="18" charset="-128"/>
+              </a:rPr>
+              <a:t>を</a:t>
+            </a:r>
+            <a:r>
+              <a:rPr lang="ja-JP" altLang="en-US" sz="6500" dirty="0" smtClean="0">
+                <a:solidFill>
+                  <a:schemeClr val="tx1">
+                    <a:lumMod val="75000"/>
+                    <a:lumOff val="25000"/>
+                  </a:schemeClr>
+                </a:solidFill>
+                <a:latin typeface="HGP明朝E" panose="02020900000000000000" pitchFamily="18" charset="-128"/>
+                <a:ea typeface="HGP明朝E" panose="02020900000000000000" pitchFamily="18" charset="-128"/>
+              </a:rPr>
+              <a:t>用いる）</a:t>
+            </a:r>
+            <a:endParaRPr lang="en-US" altLang="ja-JP" sz="6500" dirty="0">
               <a:solidFill>
                 <a:schemeClr val="tx1">
                   <a:lumMod val="75000"/>
@@ -6773,10 +7214,10 @@
         </p:nvGrpSpPr>
         <p:grpSpPr>
           <a:xfrm>
-            <a:off x="344657" y="2871168"/>
-            <a:ext cx="1920213" cy="1772840"/>
+            <a:off x="920869" y="10892285"/>
+            <a:ext cx="5346625" cy="4382513"/>
             <a:chOff x="2516899" y="2915816"/>
-            <a:chExt cx="1920213" cy="1754326"/>
+            <a:chExt cx="1920213" cy="1728192"/>
           </a:xfrm>
         </p:grpSpPr>
         <p:sp>
@@ -6788,7 +7229,7 @@
           <p:spPr>
             <a:xfrm>
               <a:off x="2636912" y="2915816"/>
-              <a:ext cx="1656184" cy="1754326"/>
+              <a:ext cx="1656184" cy="1614195"/>
             </a:xfrm>
             <a:prstGeom prst="rect">
               <a:avLst/>
@@ -6801,9 +7242,9 @@
             </a:bodyPr>
             <a:lstStyle/>
             <a:p>
-              <a:pPr algn="dist"/>
+              <a:pPr algn="ctr"/>
               <a:r>
-                <a:rPr lang="en-US" altLang="ja-JP" dirty="0" smtClean="0">
+                <a:rPr lang="en-US" altLang="ja-JP" sz="5200" dirty="0">
                   <a:solidFill>
                     <a:schemeClr val="tx1">
                       <a:lumMod val="75000"/>
@@ -6816,7 +7257,7 @@
                 <a:t>AR</a:t>
               </a:r>
               <a:r>
-                <a:rPr lang="ja-JP" altLang="en-US" dirty="0" smtClean="0">
+                <a:rPr lang="ja-JP" altLang="en-US" sz="5200" dirty="0">
                   <a:solidFill>
                     <a:schemeClr val="tx1">
                       <a:lumMod val="75000"/>
@@ -6828,7 +7269,7 @@
                 </a:rPr>
                 <a:t>活用企業</a:t>
               </a:r>
-              <a:endParaRPr lang="en-US" altLang="ja-JP" dirty="0" smtClean="0">
+              <a:endParaRPr lang="en-US" altLang="ja-JP" sz="5200" dirty="0">
                 <a:solidFill>
                   <a:schemeClr val="tx1">
                     <a:lumMod val="75000"/>
@@ -6841,7 +7282,7 @@
             </a:p>
             <a:p>
               <a:pPr algn="dist"/>
-              <a:endParaRPr lang="en-US" altLang="ja-JP" dirty="0" smtClean="0">
+              <a:endParaRPr lang="en-US" altLang="ja-JP" sz="5200" dirty="0">
                 <a:solidFill>
                   <a:schemeClr val="tx1">
                     <a:lumMod val="75000"/>
@@ -6855,7 +7296,7 @@
             <a:p>
               <a:pPr algn="ctr"/>
               <a:r>
-                <a:rPr lang="ja-JP" altLang="en-US" dirty="0" smtClean="0">
+                <a:rPr lang="ja-JP" altLang="en-US" sz="5200" dirty="0">
                   <a:solidFill>
                     <a:schemeClr val="tx1">
                       <a:lumMod val="75000"/>
@@ -6867,7 +7308,7 @@
                 </a:rPr>
                 <a:t>富士通</a:t>
               </a:r>
-              <a:endParaRPr lang="en-US" altLang="ja-JP" dirty="0" smtClean="0">
+              <a:endParaRPr lang="en-US" altLang="ja-JP" sz="5200" dirty="0">
                 <a:solidFill>
                   <a:schemeClr val="tx1">
                     <a:lumMod val="75000"/>
@@ -6881,7 +7322,7 @@
             <a:p>
               <a:pPr algn="ctr"/>
               <a:r>
-                <a:rPr lang="en-US" altLang="ja-JP" dirty="0" smtClean="0">
+                <a:rPr lang="en-US" altLang="ja-JP" sz="5200" dirty="0">
                   <a:solidFill>
                     <a:schemeClr val="tx1">
                       <a:lumMod val="75000"/>
@@ -6897,7 +7338,7 @@
             <a:p>
               <a:pPr algn="ctr"/>
               <a:r>
-                <a:rPr lang="en-US" altLang="ja-JP" dirty="0" smtClean="0">
+                <a:rPr lang="en-US" altLang="ja-JP" sz="5200" dirty="0">
                   <a:solidFill>
                     <a:schemeClr val="tx1">
                       <a:lumMod val="75000"/>
@@ -6910,7 +7351,7 @@
                 <a:t>NTT</a:t>
               </a:r>
               <a:r>
-                <a:rPr lang="ja-JP" altLang="en-US" dirty="0" smtClean="0">
+                <a:rPr lang="ja-JP" altLang="en-US" sz="5200" dirty="0">
                   <a:solidFill>
                     <a:schemeClr val="tx1">
                       <a:lumMod val="75000"/>
@@ -6922,7 +7363,7 @@
                 </a:rPr>
                 <a:t>東日本</a:t>
               </a:r>
-              <a:endParaRPr lang="en-US" altLang="ja-JP" dirty="0">
+              <a:endParaRPr lang="en-US" altLang="ja-JP" sz="5200" dirty="0">
                 <a:solidFill>
                   <a:schemeClr val="tx1">
                     <a:lumMod val="75000"/>
@@ -6931,32 +7372,6 @@
                 </a:solidFill>
                 <a:latin typeface="HGP明朝E" panose="02020900000000000000" pitchFamily="18" charset="-128"/>
                 <a:ea typeface="HGP明朝E" panose="02020900000000000000" pitchFamily="18" charset="-128"/>
-              </a:endParaRPr>
-            </a:p>
-            <a:p>
-              <a:pPr algn="ctr"/>
-              <a:r>
-                <a:rPr lang="ja-JP" altLang="en-US" dirty="0" smtClean="0">
-                  <a:solidFill>
-                    <a:schemeClr val="tx1">
-                      <a:lumMod val="75000"/>
-                      <a:lumOff val="25000"/>
-                    </a:schemeClr>
-                  </a:solidFill>
-                  <a:latin typeface="HGS明朝E" panose="02020900000000000000" pitchFamily="18" charset="-128"/>
-                  <a:ea typeface="HGS明朝E" panose="02020900000000000000" pitchFamily="18" charset="-128"/>
-                </a:rPr>
-                <a:t>パナソニック</a:t>
-              </a:r>
-              <a:endParaRPr lang="en-US" altLang="ja-JP" dirty="0" smtClean="0">
-                <a:solidFill>
-                  <a:schemeClr val="tx1">
-                    <a:lumMod val="75000"/>
-                    <a:lumOff val="25000"/>
-                  </a:schemeClr>
-                </a:solidFill>
-                <a:latin typeface="HGS明朝E" panose="02020900000000000000" pitchFamily="18" charset="-128"/>
-                <a:ea typeface="HGS明朝E" panose="02020900000000000000" pitchFamily="18" charset="-128"/>
               </a:endParaRPr>
             </a:p>
           </p:txBody>
@@ -7152,60 +7567,6 @@
           </p:cxnSp>
         </p:grpSp>
       </p:grpSp>
-      <p:sp>
-        <p:nvSpPr>
-          <p:cNvPr id="65" name="テキスト ボックス 64"/>
-          <p:cNvSpPr txBox="1"/>
-          <p:nvPr/>
-        </p:nvSpPr>
-        <p:spPr>
-          <a:xfrm>
-            <a:off x="5085184" y="2977756"/>
-            <a:ext cx="1064576" cy="738664"/>
-          </a:xfrm>
-          <a:prstGeom prst="rect">
-            <a:avLst/>
-          </a:prstGeom>
-          <a:noFill/>
-        </p:spPr>
-        <p:txBody>
-          <a:bodyPr wrap="square" rtlCol="0">
-            <a:spAutoFit/>
-          </a:bodyPr>
-          <a:lstStyle/>
-          <a:p>
-            <a:r>
-              <a:rPr lang="en-US" altLang="ja-JP" sz="2400" dirty="0">
-                <a:solidFill>
-                  <a:schemeClr val="tx1">
-                    <a:lumMod val="75000"/>
-                    <a:lumOff val="25000"/>
-                  </a:schemeClr>
-                </a:solidFill>
-                <a:latin typeface="HGP明朝E" panose="02020900000000000000" pitchFamily="18" charset="-128"/>
-                <a:ea typeface="HGP明朝E" panose="02020900000000000000" pitchFamily="18" charset="-128"/>
-              </a:rPr>
-              <a:t>j</a:t>
-            </a:r>
-            <a:r>
-              <a:rPr kumimoji="1" lang="en-US" altLang="ja-JP" sz="2400" dirty="0" smtClean="0">
-                <a:solidFill>
-                  <a:schemeClr val="tx1">
-                    <a:lumMod val="75000"/>
-                    <a:lumOff val="25000"/>
-                  </a:schemeClr>
-                </a:solidFill>
-                <a:latin typeface="HGP明朝E" panose="02020900000000000000" pitchFamily="18" charset="-128"/>
-                <a:ea typeface="HGP明朝E" panose="02020900000000000000" pitchFamily="18" charset="-128"/>
-              </a:rPr>
-              <a:t>unaio</a:t>
-            </a:r>
-          </a:p>
-          <a:p>
-            <a:endParaRPr kumimoji="1" lang="ja-JP" altLang="en-US" dirty="0"/>
-          </a:p>
-        </p:txBody>
-      </p:sp>
       <p:pic>
         <p:nvPicPr>
           <p:cNvPr id="1027" name="Picture 3" descr="C:\Users\doi\Pictures\IMG_1579.PNG"/>
@@ -7229,8 +7590,8 @@
         </p:blipFill>
         <p:spPr bwMode="auto">
           <a:xfrm>
-            <a:off x="4769504" y="3490690"/>
-            <a:ext cx="1792141" cy="3313558"/>
+            <a:off x="1855293" y="16412904"/>
+            <a:ext cx="4011203" cy="6638653"/>
           </a:xfrm>
           <a:prstGeom prst="rect">
             <a:avLst/>
@@ -7255,8 +7616,8 @@
         </p:nvGrpSpPr>
         <p:grpSpPr>
           <a:xfrm>
-            <a:off x="932601" y="4710619"/>
-            <a:ext cx="2746713" cy="2152788"/>
+            <a:off x="6859679" y="8800783"/>
+            <a:ext cx="8565675" cy="6542230"/>
             <a:chOff x="404664" y="2915816"/>
             <a:chExt cx="1512169" cy="1728192"/>
           </a:xfrm>
@@ -7337,7 +7698,7 @@
             <a:p>
               <a:pPr algn="ctr"/>
               <a:r>
-                <a:rPr lang="ja-JP" altLang="en-US" sz="1400" dirty="0" smtClean="0">
+                <a:rPr lang="ja-JP" altLang="en-US" sz="4500" dirty="0">
                   <a:solidFill>
                     <a:srgbClr val="FF0000"/>
                   </a:solidFill>
@@ -7346,7 +7707,7 @@
                 </a:rPr>
                 <a:t>ロケーションベース</a:t>
               </a:r>
-              <a:endParaRPr lang="en-US" altLang="ja-JP" sz="1400" dirty="0" smtClean="0">
+              <a:endParaRPr lang="en-US" altLang="ja-JP" sz="4500" dirty="0">
                 <a:solidFill>
                   <a:srgbClr val="FF0000"/>
                 </a:solidFill>
@@ -7357,7 +7718,7 @@
             <a:p>
               <a:pPr algn="ctr"/>
               <a:r>
-                <a:rPr lang="ja-JP" altLang="en-US" sz="1400" dirty="0" smtClean="0">
+                <a:rPr lang="ja-JP" altLang="en-US" sz="4500" dirty="0">
                   <a:solidFill>
                     <a:srgbClr val="FF0000"/>
                   </a:solidFill>
@@ -7367,7 +7728,7 @@
                 <a:t>（位置情報）</a:t>
               </a:r>
               <a:r>
-                <a:rPr lang="en-US" altLang="ja-JP" sz="1400" dirty="0" smtClean="0">
+                <a:rPr lang="en-US" altLang="ja-JP" sz="4500" dirty="0">
                   <a:solidFill>
                     <a:srgbClr val="FF0000"/>
                   </a:solidFill>
@@ -7380,7 +7741,7 @@
             <a:p>
               <a:pPr algn="ctr"/>
               <a:r>
-                <a:rPr lang="ja-JP" altLang="en-US" sz="1400" dirty="0" smtClean="0">
+                <a:rPr lang="ja-JP" altLang="en-US" sz="4500" dirty="0">
                   <a:solidFill>
                     <a:schemeClr val="tx1">
                       <a:lumMod val="75000"/>
@@ -7393,7 +7754,7 @@
                 <a:t>マーカーレス</a:t>
               </a:r>
               <a:r>
-                <a:rPr lang="ja-JP" altLang="en-US" sz="1400" dirty="0">
+                <a:rPr lang="ja-JP" altLang="en-US" sz="4500" dirty="0">
                   <a:solidFill>
                     <a:schemeClr val="tx1">
                       <a:lumMod val="75000"/>
@@ -7406,7 +7767,7 @@
                 <a:t>型</a:t>
               </a:r>
               <a:r>
-                <a:rPr lang="ja-JP" altLang="en-US" sz="1400" dirty="0" smtClean="0">
+                <a:rPr lang="ja-JP" altLang="en-US" sz="4500" dirty="0">
                   <a:solidFill>
                     <a:schemeClr val="tx1">
                       <a:lumMod val="75000"/>
@@ -7418,7 +7779,7 @@
                 </a:rPr>
                 <a:t>ビジョンベース</a:t>
               </a:r>
-              <a:endParaRPr lang="en-US" altLang="ja-JP" sz="1400" dirty="0" smtClean="0">
+              <a:endParaRPr lang="en-US" altLang="ja-JP" sz="4500" dirty="0">
                 <a:solidFill>
                   <a:schemeClr val="tx1">
                     <a:lumMod val="75000"/>
@@ -7432,7 +7793,7 @@
             <a:p>
               <a:pPr algn="ctr"/>
               <a:r>
-                <a:rPr lang="ja-JP" altLang="en-US" sz="1400" dirty="0" smtClean="0">
+                <a:rPr lang="ja-JP" altLang="en-US" sz="4500" dirty="0">
                   <a:solidFill>
                     <a:schemeClr val="tx1">
                       <a:lumMod val="75000"/>
@@ -7445,7 +7806,7 @@
                 <a:t>（物体認識）</a:t>
               </a:r>
               <a:r>
-                <a:rPr lang="en-US" altLang="ja-JP" sz="1400" dirty="0" smtClean="0">
+                <a:rPr lang="en-US" altLang="ja-JP" sz="4500" dirty="0">
                   <a:solidFill>
                     <a:schemeClr val="tx1">
                       <a:lumMod val="75000"/>
@@ -7461,7 +7822,7 @@
             <a:p>
               <a:pPr algn="ctr"/>
               <a:r>
-                <a:rPr lang="ja-JP" altLang="en-US" sz="1400" dirty="0" smtClean="0">
+                <a:rPr lang="ja-JP" altLang="en-US" sz="4500" dirty="0">
                   <a:solidFill>
                     <a:schemeClr val="tx1">
                       <a:lumMod val="75000"/>
@@ -7473,7 +7834,7 @@
                 </a:rPr>
                 <a:t>マーカー型ビジョンベース</a:t>
               </a:r>
-              <a:endParaRPr lang="en-US" altLang="ja-JP" sz="1400" dirty="0" smtClean="0">
+              <a:endParaRPr lang="en-US" altLang="ja-JP" sz="4500" dirty="0">
                 <a:solidFill>
                   <a:schemeClr val="tx1">
                     <a:lumMod val="75000"/>
@@ -7487,7 +7848,7 @@
             <a:p>
               <a:pPr algn="ctr"/>
               <a:r>
-                <a:rPr lang="ja-JP" altLang="en-US" sz="1400" dirty="0" smtClean="0">
+                <a:rPr lang="ja-JP" altLang="en-US" sz="4500" dirty="0">
                   <a:solidFill>
                     <a:schemeClr val="tx1">
                       <a:lumMod val="75000"/>
@@ -7500,7 +7861,7 @@
                 <a:t>（マーカー認識）</a:t>
               </a:r>
               <a:r>
-                <a:rPr lang="en-US" altLang="ja-JP" sz="1400" dirty="0" smtClean="0">
+                <a:rPr lang="en-US" altLang="ja-JP" sz="4500" dirty="0">
                   <a:solidFill>
                     <a:schemeClr val="tx1">
                       <a:lumMod val="75000"/>
@@ -7512,7 +7873,7 @@
                 </a:rPr>
                 <a:t>AR</a:t>
               </a:r>
-              <a:endParaRPr lang="en-US" altLang="ja-JP" sz="1400" dirty="0">
+              <a:endParaRPr lang="en-US" altLang="ja-JP" sz="4500" dirty="0">
                 <a:solidFill>
                   <a:schemeClr val="tx1">
                     <a:lumMod val="75000"/>
@@ -7724,8 +8085,8 @@
         </p:nvGrpSpPr>
         <p:grpSpPr>
           <a:xfrm>
-            <a:off x="2604452" y="2931749"/>
-            <a:ext cx="1677386" cy="1694191"/>
+            <a:off x="15969494" y="10831714"/>
+            <a:ext cx="4460189" cy="4511299"/>
             <a:chOff x="455470" y="5235260"/>
             <a:chExt cx="1677386" cy="1694191"/>
           </a:xfrm>
@@ -7753,7 +8114,7 @@
             <p:spPr>
               <a:xfrm>
                 <a:off x="620688" y="5076056"/>
-                <a:ext cx="1368152" cy="1754326"/>
+                <a:ext cx="1368152" cy="1627772"/>
               </a:xfrm>
               <a:prstGeom prst="rect">
                 <a:avLst/>
@@ -7766,9 +8127,9 @@
               </a:bodyPr>
               <a:lstStyle/>
               <a:p>
-                <a:pPr algn="dist"/>
+                <a:pPr algn="ctr"/>
                 <a:r>
-                  <a:rPr kumimoji="1" lang="en-US" altLang="ja-JP" dirty="0" smtClean="0">
+                  <a:rPr lang="en-US" altLang="ja-JP" sz="5200" dirty="0">
                     <a:solidFill>
                       <a:schemeClr val="tx1">
                         <a:lumMod val="75000"/>
@@ -7781,7 +8142,7 @@
                   <a:t>AR</a:t>
                 </a:r>
                 <a:r>
-                  <a:rPr kumimoji="1" lang="ja-JP" altLang="en-US" dirty="0" smtClean="0">
+                  <a:rPr lang="ja-JP" altLang="en-US" sz="5200" dirty="0">
                     <a:solidFill>
                       <a:schemeClr val="tx1">
                         <a:lumMod val="75000"/>
@@ -7793,7 +8154,7 @@
                   </a:rPr>
                   <a:t>の現状</a:t>
                 </a:r>
-                <a:endParaRPr kumimoji="1" lang="en-US" altLang="ja-JP" dirty="0" smtClean="0">
+                <a:endParaRPr lang="en-US" altLang="ja-JP" sz="5200" dirty="0">
                   <a:solidFill>
                     <a:schemeClr val="tx1">
                       <a:lumMod val="75000"/>
@@ -7806,7 +8167,7 @@
               </a:p>
               <a:p>
                 <a:pPr algn="ctr"/>
-                <a:endParaRPr lang="en-US" altLang="ja-JP" dirty="0">
+                <a:endParaRPr lang="en-US" altLang="ja-JP" sz="5200" dirty="0">
                   <a:solidFill>
                     <a:schemeClr val="tx1">
                       <a:lumMod val="75000"/>
@@ -7820,7 +8181,7 @@
               <a:p>
                 <a:pPr algn="ctr"/>
                 <a:r>
-                  <a:rPr kumimoji="1" lang="ja-JP" altLang="en-US" dirty="0" smtClean="0">
+                  <a:rPr lang="ja-JP" altLang="en-US" sz="5200" dirty="0">
                     <a:solidFill>
                       <a:schemeClr val="tx1">
                         <a:lumMod val="75000"/>
@@ -7832,7 +8193,7 @@
                   </a:rPr>
                   <a:t>カーナビ</a:t>
                 </a:r>
-                <a:endParaRPr kumimoji="1" lang="en-US" altLang="ja-JP" dirty="0" smtClean="0">
+                <a:endParaRPr lang="en-US" altLang="ja-JP" sz="5200" dirty="0">
                   <a:solidFill>
                     <a:schemeClr val="tx1">
                       <a:lumMod val="75000"/>
@@ -7846,7 +8207,7 @@
               <a:p>
                 <a:pPr algn="ctr"/>
                 <a:r>
-                  <a:rPr lang="ja-JP" altLang="en-US" dirty="0" smtClean="0">
+                  <a:rPr lang="ja-JP" altLang="en-US" sz="5200" dirty="0">
                     <a:solidFill>
                       <a:schemeClr val="tx1">
                         <a:lumMod val="75000"/>
@@ -7858,7 +8219,7 @@
                   </a:rPr>
                   <a:t>ゲーム機</a:t>
                 </a:r>
-                <a:endParaRPr lang="en-US" altLang="ja-JP" dirty="0" smtClean="0">
+                <a:endParaRPr lang="en-US" altLang="ja-JP" sz="5200" dirty="0">
                   <a:solidFill>
                     <a:schemeClr val="tx1">
                       <a:lumMod val="75000"/>
@@ -7872,7 +8233,7 @@
               <a:p>
                 <a:pPr algn="ctr"/>
                 <a:r>
-                  <a:rPr kumimoji="1" lang="ja-JP" altLang="en-US" dirty="0" smtClean="0">
+                  <a:rPr lang="ja-JP" altLang="en-US" sz="5200" dirty="0">
                     <a:solidFill>
                       <a:schemeClr val="tx1">
                         <a:lumMod val="75000"/>
@@ -7884,46 +8245,7 @@
                   </a:rPr>
                   <a:t>新聞・雑誌</a:t>
                 </a:r>
-                <a:endParaRPr kumimoji="1" lang="en-US" altLang="ja-JP" dirty="0" smtClean="0">
-                  <a:solidFill>
-                    <a:schemeClr val="tx1">
-                      <a:lumMod val="75000"/>
-                      <a:lumOff val="25000"/>
-                    </a:schemeClr>
-                  </a:solidFill>
-                  <a:latin typeface="HGS明朝E" panose="02020900000000000000" pitchFamily="18" charset="-128"/>
-                  <a:ea typeface="HGS明朝E" panose="02020900000000000000" pitchFamily="18" charset="-128"/>
-                </a:endParaRPr>
-              </a:p>
-              <a:p>
-                <a:pPr algn="ctr"/>
-                <a:r>
-                  <a:rPr kumimoji="1" lang="en-US" altLang="ja-JP" dirty="0" smtClean="0">
-                    <a:solidFill>
-                      <a:schemeClr val="tx1">
-                        <a:lumMod val="75000"/>
-                        <a:lumOff val="25000"/>
-                      </a:schemeClr>
-                    </a:solidFill>
-                    <a:latin typeface="HGS明朝E" panose="02020900000000000000" pitchFamily="18" charset="-128"/>
-                    <a:ea typeface="HGS明朝E" panose="02020900000000000000" pitchFamily="18" charset="-128"/>
-                  </a:rPr>
-                  <a:t>T</a:t>
-                </a:r>
-                <a:r>
-                  <a:rPr kumimoji="1" lang="ja-JP" altLang="en-US" dirty="0" smtClean="0">
-                    <a:solidFill>
-                      <a:schemeClr val="tx1">
-                        <a:lumMod val="75000"/>
-                        <a:lumOff val="25000"/>
-                      </a:schemeClr>
-                    </a:solidFill>
-                    <a:latin typeface="HGS明朝E" panose="02020900000000000000" pitchFamily="18" charset="-128"/>
-                    <a:ea typeface="HGS明朝E" panose="02020900000000000000" pitchFamily="18" charset="-128"/>
-                  </a:rPr>
-                  <a:t>シャツ</a:t>
-                </a:r>
-                <a:endParaRPr kumimoji="1" lang="ja-JP" altLang="en-US" dirty="0">
+                <a:endParaRPr lang="en-US" altLang="ja-JP" sz="5200" dirty="0">
                   <a:solidFill>
                     <a:schemeClr val="tx1">
                       <a:lumMod val="75000"/>
@@ -8128,6 +8450,239 @@
           </p:style>
         </p:cxnSp>
       </p:grpSp>
+      <p:sp>
+        <p:nvSpPr>
+          <p:cNvPr id="6" name="テキスト ボックス 5"/>
+          <p:cNvSpPr txBox="1"/>
+          <p:nvPr/>
+        </p:nvSpPr>
+        <p:spPr>
+          <a:xfrm>
+            <a:off x="900312" y="9474582"/>
+            <a:ext cx="1168655" cy="984885"/>
+          </a:xfrm>
+          <a:prstGeom prst="rect">
+            <a:avLst/>
+          </a:prstGeom>
+          <a:noFill/>
+        </p:spPr>
+        <p:txBody>
+          <a:bodyPr wrap="square" rtlCol="0">
+            <a:spAutoFit/>
+          </a:bodyPr>
+          <a:lstStyle/>
+          <a:p>
+            <a:r>
+              <a:rPr kumimoji="1" lang="ja-JP" altLang="en-US" dirty="0" smtClean="0">
+                <a:solidFill>
+                  <a:schemeClr val="tx1">
+                    <a:lumMod val="75000"/>
+                    <a:lumOff val="25000"/>
+                  </a:schemeClr>
+                </a:solidFill>
+                <a:latin typeface="HGP明朝E" panose="02020900000000000000" pitchFamily="18" charset="-128"/>
+                <a:ea typeface="HGP明朝E" panose="02020900000000000000" pitchFamily="18" charset="-128"/>
+              </a:rPr>
+              <a:t>①</a:t>
+            </a:r>
+            <a:endParaRPr kumimoji="1" lang="ja-JP" altLang="en-US" dirty="0">
+              <a:solidFill>
+                <a:schemeClr val="tx1">
+                  <a:lumMod val="75000"/>
+                  <a:lumOff val="25000"/>
+                </a:schemeClr>
+              </a:solidFill>
+              <a:latin typeface="HGP明朝E" panose="02020900000000000000" pitchFamily="18" charset="-128"/>
+              <a:ea typeface="HGP明朝E" panose="02020900000000000000" pitchFamily="18" charset="-128"/>
+            </a:endParaRPr>
+          </a:p>
+        </p:txBody>
+      </p:sp>
+      <p:sp>
+        <p:nvSpPr>
+          <p:cNvPr id="39" name="テキスト ボックス 38"/>
+          <p:cNvSpPr txBox="1"/>
+          <p:nvPr/>
+        </p:nvSpPr>
+        <p:spPr>
+          <a:xfrm>
+            <a:off x="900312" y="15428019"/>
+            <a:ext cx="1168655" cy="984885"/>
+          </a:xfrm>
+          <a:prstGeom prst="rect">
+            <a:avLst/>
+          </a:prstGeom>
+          <a:noFill/>
+        </p:spPr>
+        <p:txBody>
+          <a:bodyPr wrap="square" rtlCol="0">
+            <a:spAutoFit/>
+          </a:bodyPr>
+          <a:lstStyle/>
+          <a:p>
+            <a:r>
+              <a:rPr kumimoji="1" lang="ja-JP" altLang="en-US" dirty="0" smtClean="0">
+                <a:solidFill>
+                  <a:schemeClr val="tx1">
+                    <a:lumMod val="75000"/>
+                    <a:lumOff val="25000"/>
+                  </a:schemeClr>
+                </a:solidFill>
+                <a:latin typeface="HGP明朝E" panose="02020900000000000000" pitchFamily="18" charset="-128"/>
+                <a:ea typeface="HGP明朝E" panose="02020900000000000000" pitchFamily="18" charset="-128"/>
+              </a:rPr>
+              <a:t>②</a:t>
+            </a:r>
+            <a:endParaRPr kumimoji="1" lang="ja-JP" altLang="en-US" dirty="0">
+              <a:solidFill>
+                <a:schemeClr val="tx1">
+                  <a:lumMod val="75000"/>
+                  <a:lumOff val="25000"/>
+                </a:schemeClr>
+              </a:solidFill>
+              <a:latin typeface="HGP明朝E" panose="02020900000000000000" pitchFamily="18" charset="-128"/>
+              <a:ea typeface="HGP明朝E" panose="02020900000000000000" pitchFamily="18" charset="-128"/>
+            </a:endParaRPr>
+          </a:p>
+        </p:txBody>
+      </p:sp>
+      <p:sp>
+        <p:nvSpPr>
+          <p:cNvPr id="40" name="テキスト ボックス 39"/>
+          <p:cNvSpPr txBox="1"/>
+          <p:nvPr/>
+        </p:nvSpPr>
+        <p:spPr>
+          <a:xfrm>
+            <a:off x="6228904" y="18058630"/>
+            <a:ext cx="14833648" cy="2769989"/>
+          </a:xfrm>
+          <a:prstGeom prst="rect">
+            <a:avLst/>
+          </a:prstGeom>
+          <a:noFill/>
+        </p:spPr>
+        <p:txBody>
+          <a:bodyPr wrap="square" rtlCol="0">
+            <a:spAutoFit/>
+          </a:bodyPr>
+          <a:lstStyle/>
+          <a:p>
+            <a:r>
+              <a:rPr kumimoji="1" lang="ja-JP" altLang="en-US" dirty="0" smtClean="0">
+                <a:solidFill>
+                  <a:schemeClr val="tx1">
+                    <a:lumMod val="75000"/>
+                    <a:lumOff val="25000"/>
+                  </a:schemeClr>
+                </a:solidFill>
+                <a:latin typeface="HGP明朝E" panose="02020900000000000000" pitchFamily="18" charset="-128"/>
+                <a:ea typeface="HGP明朝E" panose="02020900000000000000" pitchFamily="18" charset="-128"/>
+              </a:rPr>
+              <a:t>①　</a:t>
+            </a:r>
+            <a:r>
+              <a:rPr kumimoji="1" lang="en-US" altLang="ja-JP" dirty="0" smtClean="0">
+                <a:solidFill>
+                  <a:schemeClr val="tx1">
+                    <a:lumMod val="75000"/>
+                    <a:lumOff val="25000"/>
+                  </a:schemeClr>
+                </a:solidFill>
+                <a:latin typeface="HGP明朝E" panose="02020900000000000000" pitchFamily="18" charset="-128"/>
+                <a:ea typeface="HGP明朝E" panose="02020900000000000000" pitchFamily="18" charset="-128"/>
+              </a:rPr>
+              <a:t>AR</a:t>
+            </a:r>
+            <a:r>
+              <a:rPr kumimoji="1" lang="ja-JP" altLang="en-US" dirty="0" smtClean="0">
+                <a:solidFill>
+                  <a:schemeClr val="tx1">
+                    <a:lumMod val="75000"/>
+                    <a:lumOff val="25000"/>
+                  </a:schemeClr>
+                </a:solidFill>
+                <a:latin typeface="HGP明朝E" panose="02020900000000000000" pitchFamily="18" charset="-128"/>
+                <a:ea typeface="HGP明朝E" panose="02020900000000000000" pitchFamily="18" charset="-128"/>
+              </a:rPr>
+              <a:t>の現状がどのようなものなのか調査終了</a:t>
+            </a:r>
+            <a:endParaRPr kumimoji="1" lang="en-US" altLang="ja-JP" dirty="0" smtClean="0">
+              <a:solidFill>
+                <a:schemeClr val="tx1">
+                  <a:lumMod val="75000"/>
+                  <a:lumOff val="25000"/>
+                </a:schemeClr>
+              </a:solidFill>
+              <a:latin typeface="HGP明朝E" panose="02020900000000000000" pitchFamily="18" charset="-128"/>
+              <a:ea typeface="HGP明朝E" panose="02020900000000000000" pitchFamily="18" charset="-128"/>
+            </a:endParaRPr>
+          </a:p>
+          <a:p>
+            <a:endParaRPr lang="en-US" altLang="ja-JP" dirty="0">
+              <a:solidFill>
+                <a:schemeClr val="tx1">
+                  <a:lumMod val="75000"/>
+                  <a:lumOff val="25000"/>
+                </a:schemeClr>
+              </a:solidFill>
+              <a:latin typeface="HGP明朝E" panose="02020900000000000000" pitchFamily="18" charset="-128"/>
+              <a:ea typeface="HGP明朝E" panose="02020900000000000000" pitchFamily="18" charset="-128"/>
+            </a:endParaRPr>
+          </a:p>
+          <a:p>
+            <a:r>
+              <a:rPr lang="ja-JP" altLang="en-US" dirty="0" smtClean="0">
+                <a:solidFill>
+                  <a:schemeClr val="tx1">
+                    <a:lumMod val="75000"/>
+                    <a:lumOff val="25000"/>
+                  </a:schemeClr>
+                </a:solidFill>
+                <a:latin typeface="HGP明朝E" panose="02020900000000000000" pitchFamily="18" charset="-128"/>
+                <a:ea typeface="HGP明朝E" panose="02020900000000000000" pitchFamily="18" charset="-128"/>
+              </a:rPr>
+              <a:t>②　</a:t>
+            </a:r>
+            <a:r>
+              <a:rPr lang="en-US" altLang="ja-JP" dirty="0" smtClean="0">
+                <a:solidFill>
+                  <a:schemeClr val="tx1">
+                    <a:lumMod val="75000"/>
+                    <a:lumOff val="25000"/>
+                  </a:schemeClr>
+                </a:solidFill>
+                <a:latin typeface="HGP明朝E" panose="02020900000000000000" pitchFamily="18" charset="-128"/>
+                <a:ea typeface="HGP明朝E" panose="02020900000000000000" pitchFamily="18" charset="-128"/>
+              </a:rPr>
+              <a:t>junaio</a:t>
+            </a:r>
+            <a:r>
+              <a:rPr lang="ja-JP" altLang="en-US" dirty="0" smtClean="0">
+                <a:solidFill>
+                  <a:schemeClr val="tx1">
+                    <a:lumMod val="75000"/>
+                    <a:lumOff val="25000"/>
+                  </a:schemeClr>
+                </a:solidFill>
+                <a:latin typeface="HGP明朝E" panose="02020900000000000000" pitchFamily="18" charset="-128"/>
+                <a:ea typeface="HGP明朝E" panose="02020900000000000000" pitchFamily="18" charset="-128"/>
+              </a:rPr>
+              <a:t>のサンプル動作の作成と確認が終了</a:t>
+            </a:r>
+            <a:endParaRPr kumimoji="1" lang="ja-JP" altLang="en-US" dirty="0">
+              <a:solidFill>
+                <a:schemeClr val="tx1">
+                  <a:lumMod val="75000"/>
+                  <a:lumOff val="25000"/>
+                </a:schemeClr>
+              </a:solidFill>
+              <a:latin typeface="HGP明朝E" panose="02020900000000000000" pitchFamily="18" charset="-128"/>
+              <a:ea typeface="HGP明朝E" panose="02020900000000000000" pitchFamily="18" charset="-128"/>
+            </a:endParaRPr>
+          </a:p>
+        </p:txBody>
+      </p:sp>
     </p:spTree>
     <p:extLst>
       <p:ext uri="{BB962C8B-B14F-4D97-AF65-F5344CB8AC3E}">
@@ -8431,4 +8986,289 @@
   <a:objectDefaults/>
   <a:extraClrSchemeLst/>
 </a:theme>
+</file>
+
+<file path=ppt/theme/theme2.xml><?xml version="1.0" encoding="utf-8"?>
+<a:theme xmlns:a="http://schemas.openxmlformats.org/drawingml/2006/main" name="Office ​​テーマ">
+  <a:themeElements>
+    <a:clrScheme name="Office">
+      <a:dk1>
+        <a:sysClr val="windowText" lastClr="000000"/>
+      </a:dk1>
+      <a:lt1>
+        <a:sysClr val="window" lastClr="FFFFFF"/>
+      </a:lt1>
+      <a:dk2>
+        <a:srgbClr val="1F497D"/>
+      </a:dk2>
+      <a:lt2>
+        <a:srgbClr val="EEECE1"/>
+      </a:lt2>
+      <a:accent1>
+        <a:srgbClr val="4F81BD"/>
+      </a:accent1>
+      <a:accent2>
+        <a:srgbClr val="C0504D"/>
+      </a:accent2>
+      <a:accent3>
+        <a:srgbClr val="9BBB59"/>
+      </a:accent3>
+      <a:accent4>
+        <a:srgbClr val="8064A2"/>
+      </a:accent4>
+      <a:accent5>
+        <a:srgbClr val="4BACC6"/>
+      </a:accent5>
+      <a:accent6>
+        <a:srgbClr val="F79646"/>
+      </a:accent6>
+      <a:hlink>
+        <a:srgbClr val="0000FF"/>
+      </a:hlink>
+      <a:folHlink>
+        <a:srgbClr val="800080"/>
+      </a:folHlink>
+    </a:clrScheme>
+    <a:fontScheme name="Office">
+      <a:majorFont>
+        <a:latin typeface="Calibri"/>
+        <a:ea typeface=""/>
+        <a:cs typeface=""/>
+        <a:font script="Jpan" typeface="ＭＳ Ｐゴシック"/>
+        <a:font script="Hang" typeface="맑은 고딕"/>
+        <a:font script="Hans" typeface="宋体"/>
+        <a:font script="Hant" typeface="新細明體"/>
+        <a:font script="Arab" typeface="Times New Roman"/>
+        <a:font script="Hebr" typeface="Times New Roman"/>
+        <a:font script="Thai" typeface="Angsana New"/>
+        <a:font script="Ethi" typeface="Nyala"/>
+        <a:font script="Beng" typeface="Vrinda"/>
+        <a:font script="Gujr" typeface="Shruti"/>
+        <a:font script="Khmr" typeface="MoolBoran"/>
+        <a:font script="Knda" typeface="Tunga"/>
+        <a:font script="Guru" typeface="Raavi"/>
+        <a:font script="Cans" typeface="Euphemia"/>
+        <a:font script="Cher" typeface="Plantagenet Cherokee"/>
+        <a:font script="Yiii" typeface="Microsoft Yi Baiti"/>
+        <a:font script="Tibt" typeface="Microsoft Himalaya"/>
+        <a:font script="Thaa" typeface="MV Boli"/>
+        <a:font script="Deva" typeface="Mangal"/>
+        <a:font script="Telu" typeface="Gautami"/>
+        <a:font script="Taml" typeface="Latha"/>
+        <a:font script="Syrc" typeface="Estrangelo Edessa"/>
+        <a:font script="Orya" typeface="Kalinga"/>
+        <a:font script="Mlym" typeface="Kartika"/>
+        <a:font script="Laoo" typeface="DokChampa"/>
+        <a:font script="Sinh" typeface="Iskoola Pota"/>
+        <a:font script="Mong" typeface="Mongolian Baiti"/>
+        <a:font script="Viet" typeface="Times New Roman"/>
+        <a:font script="Uigh" typeface="Microsoft Uighur"/>
+        <a:font script="Geor" typeface="Sylfaen"/>
+      </a:majorFont>
+      <a:minorFont>
+        <a:latin typeface="Calibri"/>
+        <a:ea typeface=""/>
+        <a:cs typeface=""/>
+        <a:font script="Jpan" typeface="ＭＳ Ｐゴシック"/>
+        <a:font script="Hang" typeface="맑은 고딕"/>
+        <a:font script="Hans" typeface="宋体"/>
+        <a:font script="Hant" typeface="新細明體"/>
+        <a:font script="Arab" typeface="Arial"/>
+        <a:font script="Hebr" typeface="Arial"/>
+        <a:font script="Thai" typeface="Cordia New"/>
+        <a:font script="Ethi" typeface="Nyala"/>
+        <a:font script="Beng" typeface="Vrinda"/>
+        <a:font script="Gujr" typeface="Shruti"/>
+        <a:font script="Khmr" typeface="DaunPenh"/>
+        <a:font script="Knda" typeface="Tunga"/>
+        <a:font script="Guru" typeface="Raavi"/>
+        <a:font script="Cans" typeface="Euphemia"/>
+        <a:font script="Cher" typeface="Plantagenet Cherokee"/>
+        <a:font script="Yiii" typeface="Microsoft Yi Baiti"/>
+        <a:font script="Tibt" typeface="Microsoft Himalaya"/>
+        <a:font script="Thaa" typeface="MV Boli"/>
+        <a:font script="Deva" typeface="Mangal"/>
+        <a:font script="Telu" typeface="Gautami"/>
+        <a:font script="Taml" typeface="Latha"/>
+        <a:font script="Syrc" typeface="Estrangelo Edessa"/>
+        <a:font script="Orya" typeface="Kalinga"/>
+        <a:font script="Mlym" typeface="Kartika"/>
+        <a:font script="Laoo" typeface="DokChampa"/>
+        <a:font script="Sinh" typeface="Iskoola Pota"/>
+        <a:font script="Mong" typeface="Mongolian Baiti"/>
+        <a:font script="Viet" typeface="Arial"/>
+        <a:font script="Uigh" typeface="Microsoft Uighur"/>
+        <a:font script="Geor" typeface="Sylfaen"/>
+      </a:minorFont>
+    </a:fontScheme>
+    <a:fmtScheme name="Office">
+      <a:fillStyleLst>
+        <a:solidFill>
+          <a:schemeClr val="phClr"/>
+        </a:solidFill>
+        <a:gradFill rotWithShape="1">
+          <a:gsLst>
+            <a:gs pos="0">
+              <a:schemeClr val="phClr">
+                <a:tint val="50000"/>
+                <a:satMod val="300000"/>
+              </a:schemeClr>
+            </a:gs>
+            <a:gs pos="35000">
+              <a:schemeClr val="phClr">
+                <a:tint val="37000"/>
+                <a:satMod val="300000"/>
+              </a:schemeClr>
+            </a:gs>
+            <a:gs pos="100000">
+              <a:schemeClr val="phClr">
+                <a:tint val="15000"/>
+                <a:satMod val="350000"/>
+              </a:schemeClr>
+            </a:gs>
+          </a:gsLst>
+          <a:lin ang="16200000" scaled="1"/>
+        </a:gradFill>
+        <a:gradFill rotWithShape="1">
+          <a:gsLst>
+            <a:gs pos="0">
+              <a:schemeClr val="phClr">
+                <a:shade val="51000"/>
+                <a:satMod val="130000"/>
+              </a:schemeClr>
+            </a:gs>
+            <a:gs pos="80000">
+              <a:schemeClr val="phClr">
+                <a:shade val="93000"/>
+                <a:satMod val="130000"/>
+              </a:schemeClr>
+            </a:gs>
+            <a:gs pos="100000">
+              <a:schemeClr val="phClr">
+                <a:shade val="94000"/>
+                <a:satMod val="135000"/>
+              </a:schemeClr>
+            </a:gs>
+          </a:gsLst>
+          <a:lin ang="16200000" scaled="0"/>
+        </a:gradFill>
+      </a:fillStyleLst>
+      <a:lnStyleLst>
+        <a:ln w="9525" cap="flat" cmpd="sng" algn="ctr">
+          <a:solidFill>
+            <a:schemeClr val="phClr">
+              <a:shade val="95000"/>
+              <a:satMod val="105000"/>
+            </a:schemeClr>
+          </a:solidFill>
+          <a:prstDash val="solid"/>
+        </a:ln>
+        <a:ln w="25400" cap="flat" cmpd="sng" algn="ctr">
+          <a:solidFill>
+            <a:schemeClr val="phClr"/>
+          </a:solidFill>
+          <a:prstDash val="solid"/>
+        </a:ln>
+        <a:ln w="38100" cap="flat" cmpd="sng" algn="ctr">
+          <a:solidFill>
+            <a:schemeClr val="phClr"/>
+          </a:solidFill>
+          <a:prstDash val="solid"/>
+        </a:ln>
+      </a:lnStyleLst>
+      <a:effectStyleLst>
+        <a:effectStyle>
+          <a:effectLst>
+            <a:outerShdw blurRad="40000" dist="20000" dir="5400000" rotWithShape="0">
+              <a:srgbClr val="000000">
+                <a:alpha val="38000"/>
+              </a:srgbClr>
+            </a:outerShdw>
+          </a:effectLst>
+        </a:effectStyle>
+        <a:effectStyle>
+          <a:effectLst>
+            <a:outerShdw blurRad="40000" dist="23000" dir="5400000" rotWithShape="0">
+              <a:srgbClr val="000000">
+                <a:alpha val="35000"/>
+              </a:srgbClr>
+            </a:outerShdw>
+          </a:effectLst>
+        </a:effectStyle>
+        <a:effectStyle>
+          <a:effectLst>
+            <a:outerShdw blurRad="40000" dist="23000" dir="5400000" rotWithShape="0">
+              <a:srgbClr val="000000">
+                <a:alpha val="35000"/>
+              </a:srgbClr>
+            </a:outerShdw>
+          </a:effectLst>
+          <a:scene3d>
+            <a:camera prst="orthographicFront">
+              <a:rot lat="0" lon="0" rev="0"/>
+            </a:camera>
+            <a:lightRig rig="threePt" dir="t">
+              <a:rot lat="0" lon="0" rev="1200000"/>
+            </a:lightRig>
+          </a:scene3d>
+          <a:sp3d>
+            <a:bevelT w="63500" h="25400"/>
+          </a:sp3d>
+        </a:effectStyle>
+      </a:effectStyleLst>
+      <a:bgFillStyleLst>
+        <a:solidFill>
+          <a:schemeClr val="phClr"/>
+        </a:solidFill>
+        <a:gradFill rotWithShape="1">
+          <a:gsLst>
+            <a:gs pos="0">
+              <a:schemeClr val="phClr">
+                <a:tint val="40000"/>
+                <a:satMod val="350000"/>
+              </a:schemeClr>
+            </a:gs>
+            <a:gs pos="40000">
+              <a:schemeClr val="phClr">
+                <a:tint val="45000"/>
+                <a:shade val="99000"/>
+                <a:satMod val="350000"/>
+              </a:schemeClr>
+            </a:gs>
+            <a:gs pos="100000">
+              <a:schemeClr val="phClr">
+                <a:shade val="20000"/>
+                <a:satMod val="255000"/>
+              </a:schemeClr>
+            </a:gs>
+          </a:gsLst>
+          <a:path path="circle">
+            <a:fillToRect l="50000" t="-80000" r="50000" b="180000"/>
+          </a:path>
+        </a:gradFill>
+        <a:gradFill rotWithShape="1">
+          <a:gsLst>
+            <a:gs pos="0">
+              <a:schemeClr val="phClr">
+                <a:tint val="80000"/>
+                <a:satMod val="300000"/>
+              </a:schemeClr>
+            </a:gs>
+            <a:gs pos="100000">
+              <a:schemeClr val="phClr">
+                <a:shade val="30000"/>
+                <a:satMod val="200000"/>
+              </a:schemeClr>
+            </a:gs>
+          </a:gsLst>
+          <a:path path="circle">
+            <a:fillToRect l="50000" t="50000" r="50000" b="50000"/>
+          </a:path>
+        </a:gradFill>
+      </a:bgFillStyleLst>
+    </a:fmtScheme>
+  </a:themeElements>
+  <a:objectDefaults/>
+  <a:extraClrSchemeLst/>
+</a:theme>
 </file>
--- a/課題研究/2013/土井貴司/ARシステム開発に.pptx
+++ b/課題研究/2013/土井貴司/ARシステム開発に.pptx
@@ -4,18 +4,21 @@
   <p:sldMasterIdLst>
     <p:sldMasterId id="2147483648" r:id="rId1"/>
   </p:sldMasterIdLst>
+  <p:notesMasterIdLst>
+    <p:notesMasterId r:id="rId4"/>
+  </p:notesMasterIdLst>
   <p:sldIdLst>
     <p:sldId id="256" r:id="rId2"/>
     <p:sldId id="257" r:id="rId3"/>
   </p:sldIdLst>
-  <p:sldSz cx="6858000" cy="9144000" type="screen4x3"/>
+  <p:sldSz cx="21386800" cy="30279975"/>
   <p:notesSz cx="6858000" cy="9144000"/>
   <p:defaultTextStyle>
     <a:defPPr>
       <a:defRPr lang="ja-JP"/>
     </a:defPPr>
-    <a:lvl1pPr marL="0" algn="l" defTabSz="914400" rtl="0" eaLnBrk="1" latinLnBrk="0" hangingPunct="1">
-      <a:defRPr kumimoji="1" sz="1800" kern="1200">
+    <a:lvl1pPr marL="0" algn="l" defTabSz="2952323" rtl="0" eaLnBrk="1" latinLnBrk="0" hangingPunct="1">
+      <a:defRPr kumimoji="1" sz="5800" kern="1200">
         <a:solidFill>
           <a:schemeClr val="tx1"/>
         </a:solidFill>
@@ -24,8 +27,8 @@
         <a:cs typeface="+mn-cs"/>
       </a:defRPr>
     </a:lvl1pPr>
-    <a:lvl2pPr marL="457200" algn="l" defTabSz="914400" rtl="0" eaLnBrk="1" latinLnBrk="0" hangingPunct="1">
-      <a:defRPr kumimoji="1" sz="1800" kern="1200">
+    <a:lvl2pPr marL="1476162" algn="l" defTabSz="2952323" rtl="0" eaLnBrk="1" latinLnBrk="0" hangingPunct="1">
+      <a:defRPr kumimoji="1" sz="5800" kern="1200">
         <a:solidFill>
           <a:schemeClr val="tx1"/>
         </a:solidFill>
@@ -34,8 +37,8 @@
         <a:cs typeface="+mn-cs"/>
       </a:defRPr>
     </a:lvl2pPr>
-    <a:lvl3pPr marL="914400" algn="l" defTabSz="914400" rtl="0" eaLnBrk="1" latinLnBrk="0" hangingPunct="1">
-      <a:defRPr kumimoji="1" sz="1800" kern="1200">
+    <a:lvl3pPr marL="2952323" algn="l" defTabSz="2952323" rtl="0" eaLnBrk="1" latinLnBrk="0" hangingPunct="1">
+      <a:defRPr kumimoji="1" sz="5800" kern="1200">
         <a:solidFill>
           <a:schemeClr val="tx1"/>
         </a:solidFill>
@@ -44,8 +47,8 @@
         <a:cs typeface="+mn-cs"/>
       </a:defRPr>
     </a:lvl3pPr>
-    <a:lvl4pPr marL="1371600" algn="l" defTabSz="914400" rtl="0" eaLnBrk="1" latinLnBrk="0" hangingPunct="1">
-      <a:defRPr kumimoji="1" sz="1800" kern="1200">
+    <a:lvl4pPr marL="4428485" algn="l" defTabSz="2952323" rtl="0" eaLnBrk="1" latinLnBrk="0" hangingPunct="1">
+      <a:defRPr kumimoji="1" sz="5800" kern="1200">
         <a:solidFill>
           <a:schemeClr val="tx1"/>
         </a:solidFill>
@@ -54,8 +57,8 @@
         <a:cs typeface="+mn-cs"/>
       </a:defRPr>
     </a:lvl4pPr>
-    <a:lvl5pPr marL="1828800" algn="l" defTabSz="914400" rtl="0" eaLnBrk="1" latinLnBrk="0" hangingPunct="1">
-      <a:defRPr kumimoji="1" sz="1800" kern="1200">
+    <a:lvl5pPr marL="5904647" algn="l" defTabSz="2952323" rtl="0" eaLnBrk="1" latinLnBrk="0" hangingPunct="1">
+      <a:defRPr kumimoji="1" sz="5800" kern="1200">
         <a:solidFill>
           <a:schemeClr val="tx1"/>
         </a:solidFill>
@@ -64,8 +67,8 @@
         <a:cs typeface="+mn-cs"/>
       </a:defRPr>
     </a:lvl5pPr>
-    <a:lvl6pPr marL="2286000" algn="l" defTabSz="914400" rtl="0" eaLnBrk="1" latinLnBrk="0" hangingPunct="1">
-      <a:defRPr kumimoji="1" sz="1800" kern="1200">
+    <a:lvl6pPr marL="7380808" algn="l" defTabSz="2952323" rtl="0" eaLnBrk="1" latinLnBrk="0" hangingPunct="1">
+      <a:defRPr kumimoji="1" sz="5800" kern="1200">
         <a:solidFill>
           <a:schemeClr val="tx1"/>
         </a:solidFill>
@@ -74,8 +77,8 @@
         <a:cs typeface="+mn-cs"/>
       </a:defRPr>
     </a:lvl6pPr>
-    <a:lvl7pPr marL="2743200" algn="l" defTabSz="914400" rtl="0" eaLnBrk="1" latinLnBrk="0" hangingPunct="1">
-      <a:defRPr kumimoji="1" sz="1800" kern="1200">
+    <a:lvl7pPr marL="8856970" algn="l" defTabSz="2952323" rtl="0" eaLnBrk="1" latinLnBrk="0" hangingPunct="1">
+      <a:defRPr kumimoji="1" sz="5800" kern="1200">
         <a:solidFill>
           <a:schemeClr val="tx1"/>
         </a:solidFill>
@@ -84,8 +87,8 @@
         <a:cs typeface="+mn-cs"/>
       </a:defRPr>
     </a:lvl7pPr>
-    <a:lvl8pPr marL="3200400" algn="l" defTabSz="914400" rtl="0" eaLnBrk="1" latinLnBrk="0" hangingPunct="1">
-      <a:defRPr kumimoji="1" sz="1800" kern="1200">
+    <a:lvl8pPr marL="10333131" algn="l" defTabSz="2952323" rtl="0" eaLnBrk="1" latinLnBrk="0" hangingPunct="1">
+      <a:defRPr kumimoji="1" sz="5800" kern="1200">
         <a:solidFill>
           <a:schemeClr val="tx1"/>
         </a:solidFill>
@@ -94,8 +97,8 @@
         <a:cs typeface="+mn-cs"/>
       </a:defRPr>
     </a:lvl8pPr>
-    <a:lvl9pPr marL="3657600" algn="l" defTabSz="914400" rtl="0" eaLnBrk="1" latinLnBrk="0" hangingPunct="1">
-      <a:defRPr kumimoji="1" sz="1800" kern="1200">
+    <a:lvl9pPr marL="11809293" algn="l" defTabSz="2952323" rtl="0" eaLnBrk="1" latinLnBrk="0" hangingPunct="1">
+      <a:defRPr kumimoji="1" sz="5800" kern="1200">
         <a:solidFill>
           <a:schemeClr val="tx1"/>
         </a:solidFill>
@@ -106,6 +109,472 @@
     </a:lvl9pPr>
   </p:defaultTextStyle>
 </p:presentation>
+</file>
+
+<file path=ppt/notesMasters/notesMaster1.xml><?xml version="1.0" encoding="utf-8"?>
+<p:notesMaster xmlns:a="http://schemas.openxmlformats.org/drawingml/2006/main" xmlns:r="http://schemas.openxmlformats.org/officeDocument/2006/relationships" xmlns:p="http://schemas.openxmlformats.org/presentationml/2006/main">
+  <p:cSld>
+    <p:bg>
+      <p:bgRef idx="1001">
+        <a:schemeClr val="bg1"/>
+      </p:bgRef>
+    </p:bg>
+    <p:spTree>
+      <p:nvGrpSpPr>
+        <p:cNvPr id="1" name=""/>
+        <p:cNvGrpSpPr/>
+        <p:nvPr/>
+      </p:nvGrpSpPr>
+      <p:grpSpPr>
+        <a:xfrm>
+          <a:off x="0" y="0"/>
+          <a:ext cx="0" cy="0"/>
+          <a:chOff x="0" y="0"/>
+          <a:chExt cx="0" cy="0"/>
+        </a:xfrm>
+      </p:grpSpPr>
+      <p:sp>
+        <p:nvSpPr>
+          <p:cNvPr id="2" name="ヘッダー プレースホルダー 1"/>
+          <p:cNvSpPr>
+            <a:spLocks noGrp="1"/>
+          </p:cNvSpPr>
+          <p:nvPr>
+            <p:ph type="hdr" sz="quarter"/>
+          </p:nvPr>
+        </p:nvSpPr>
+        <p:spPr>
+          <a:xfrm>
+            <a:off x="0" y="0"/>
+            <a:ext cx="2971800" cy="457200"/>
+          </a:xfrm>
+          <a:prstGeom prst="rect">
+            <a:avLst/>
+          </a:prstGeom>
+        </p:spPr>
+        <p:txBody>
+          <a:bodyPr vert="horz" lIns="91440" tIns="45720" rIns="91440" bIns="45720" rtlCol="0"/>
+          <a:lstStyle>
+            <a:lvl1pPr algn="l">
+              <a:defRPr sz="1200"/>
+            </a:lvl1pPr>
+          </a:lstStyle>
+          <a:p>
+            <a:endParaRPr kumimoji="1" lang="ja-JP" altLang="en-US"/>
+          </a:p>
+        </p:txBody>
+      </p:sp>
+      <p:sp>
+        <p:nvSpPr>
+          <p:cNvPr id="3" name="日付プレースホルダー 2"/>
+          <p:cNvSpPr>
+            <a:spLocks noGrp="1"/>
+          </p:cNvSpPr>
+          <p:nvPr>
+            <p:ph type="dt" idx="1"/>
+          </p:nvPr>
+        </p:nvSpPr>
+        <p:spPr>
+          <a:xfrm>
+            <a:off x="3884613" y="0"/>
+            <a:ext cx="2971800" cy="457200"/>
+          </a:xfrm>
+          <a:prstGeom prst="rect">
+            <a:avLst/>
+          </a:prstGeom>
+        </p:spPr>
+        <p:txBody>
+          <a:bodyPr vert="horz" lIns="91440" tIns="45720" rIns="91440" bIns="45720" rtlCol="0"/>
+          <a:lstStyle>
+            <a:lvl1pPr algn="r">
+              <a:defRPr sz="1200"/>
+            </a:lvl1pPr>
+          </a:lstStyle>
+          <a:p>
+            <a:fld id="{A5BB4238-7C41-4C19-A49A-A98CA0890A28}" type="datetimeFigureOut">
+              <a:rPr kumimoji="1" lang="ja-JP" altLang="en-US" smtClean="0"/>
+              <a:t>2013/12/12</a:t>
+            </a:fld>
+            <a:endParaRPr kumimoji="1" lang="ja-JP" altLang="en-US"/>
+          </a:p>
+        </p:txBody>
+      </p:sp>
+      <p:sp>
+        <p:nvSpPr>
+          <p:cNvPr id="4" name="スライド イメージ プレースホルダー 3"/>
+          <p:cNvSpPr>
+            <a:spLocks noGrp="1" noRot="1" noChangeAspect="1"/>
+          </p:cNvSpPr>
+          <p:nvPr>
+            <p:ph type="sldImg" idx="2"/>
+          </p:nvPr>
+        </p:nvSpPr>
+        <p:spPr>
+          <a:xfrm>
+            <a:off x="2217738" y="685800"/>
+            <a:ext cx="2422525" cy="3429000"/>
+          </a:xfrm>
+          <a:prstGeom prst="rect">
+            <a:avLst/>
+          </a:prstGeom>
+          <a:noFill/>
+          <a:ln w="12700">
+            <a:solidFill>
+              <a:prstClr val="black"/>
+            </a:solidFill>
+          </a:ln>
+        </p:spPr>
+        <p:txBody>
+          <a:bodyPr vert="horz" lIns="91440" tIns="45720" rIns="91440" bIns="45720" rtlCol="0" anchor="ctr"/>
+          <a:lstStyle/>
+          <a:p>
+            <a:endParaRPr lang="ja-JP" altLang="en-US"/>
+          </a:p>
+        </p:txBody>
+      </p:sp>
+      <p:sp>
+        <p:nvSpPr>
+          <p:cNvPr id="5" name="ノート プレースホルダー 4"/>
+          <p:cNvSpPr>
+            <a:spLocks noGrp="1"/>
+          </p:cNvSpPr>
+          <p:nvPr>
+            <p:ph type="body" sz="quarter" idx="3"/>
+          </p:nvPr>
+        </p:nvSpPr>
+        <p:spPr>
+          <a:xfrm>
+            <a:off x="685800" y="4343400"/>
+            <a:ext cx="5486400" cy="4114800"/>
+          </a:xfrm>
+          <a:prstGeom prst="rect">
+            <a:avLst/>
+          </a:prstGeom>
+        </p:spPr>
+        <p:txBody>
+          <a:bodyPr vert="horz" lIns="91440" tIns="45720" rIns="91440" bIns="45720" rtlCol="0"/>
+          <a:lstStyle/>
+          <a:p>
+            <a:pPr lvl="0"/>
+            <a:r>
+              <a:rPr kumimoji="1" lang="ja-JP" altLang="en-US" smtClean="0"/>
+              <a:t>マスター テキストの書式設定</a:t>
+            </a:r>
+          </a:p>
+          <a:p>
+            <a:pPr lvl="1"/>
+            <a:r>
+              <a:rPr kumimoji="1" lang="ja-JP" altLang="en-US" smtClean="0"/>
+              <a:t>第 </a:t>
+            </a:r>
+            <a:r>
+              <a:rPr kumimoji="1" lang="en-US" altLang="ja-JP" smtClean="0"/>
+              <a:t>2 </a:t>
+            </a:r>
+            <a:r>
+              <a:rPr kumimoji="1" lang="ja-JP" altLang="en-US" smtClean="0"/>
+              <a:t>レベル</a:t>
+            </a:r>
+          </a:p>
+          <a:p>
+            <a:pPr lvl="2"/>
+            <a:r>
+              <a:rPr kumimoji="1" lang="ja-JP" altLang="en-US" smtClean="0"/>
+              <a:t>第 </a:t>
+            </a:r>
+            <a:r>
+              <a:rPr kumimoji="1" lang="en-US" altLang="ja-JP" smtClean="0"/>
+              <a:t>3 </a:t>
+            </a:r>
+            <a:r>
+              <a:rPr kumimoji="1" lang="ja-JP" altLang="en-US" smtClean="0"/>
+              <a:t>レベル</a:t>
+            </a:r>
+          </a:p>
+          <a:p>
+            <a:pPr lvl="3"/>
+            <a:r>
+              <a:rPr kumimoji="1" lang="ja-JP" altLang="en-US" smtClean="0"/>
+              <a:t>第 </a:t>
+            </a:r>
+            <a:r>
+              <a:rPr kumimoji="1" lang="en-US" altLang="ja-JP" smtClean="0"/>
+              <a:t>4 </a:t>
+            </a:r>
+            <a:r>
+              <a:rPr kumimoji="1" lang="ja-JP" altLang="en-US" smtClean="0"/>
+              <a:t>レベル</a:t>
+            </a:r>
+          </a:p>
+          <a:p>
+            <a:pPr lvl="4"/>
+            <a:r>
+              <a:rPr kumimoji="1" lang="ja-JP" altLang="en-US" smtClean="0"/>
+              <a:t>第 </a:t>
+            </a:r>
+            <a:r>
+              <a:rPr kumimoji="1" lang="en-US" altLang="ja-JP" smtClean="0"/>
+              <a:t>5 </a:t>
+            </a:r>
+            <a:r>
+              <a:rPr kumimoji="1" lang="ja-JP" altLang="en-US" smtClean="0"/>
+              <a:t>レベル</a:t>
+            </a:r>
+            <a:endParaRPr kumimoji="1" lang="ja-JP" altLang="en-US"/>
+          </a:p>
+        </p:txBody>
+      </p:sp>
+      <p:sp>
+        <p:nvSpPr>
+          <p:cNvPr id="6" name="フッター プレースホルダー 5"/>
+          <p:cNvSpPr>
+            <a:spLocks noGrp="1"/>
+          </p:cNvSpPr>
+          <p:nvPr>
+            <p:ph type="ftr" sz="quarter" idx="4"/>
+          </p:nvPr>
+        </p:nvSpPr>
+        <p:spPr>
+          <a:xfrm>
+            <a:off x="0" y="8685213"/>
+            <a:ext cx="2971800" cy="457200"/>
+          </a:xfrm>
+          <a:prstGeom prst="rect">
+            <a:avLst/>
+          </a:prstGeom>
+        </p:spPr>
+        <p:txBody>
+          <a:bodyPr vert="horz" lIns="91440" tIns="45720" rIns="91440" bIns="45720" rtlCol="0" anchor="b"/>
+          <a:lstStyle>
+            <a:lvl1pPr algn="l">
+              <a:defRPr sz="1200"/>
+            </a:lvl1pPr>
+          </a:lstStyle>
+          <a:p>
+            <a:endParaRPr kumimoji="1" lang="ja-JP" altLang="en-US"/>
+          </a:p>
+        </p:txBody>
+      </p:sp>
+      <p:sp>
+        <p:nvSpPr>
+          <p:cNvPr id="7" name="スライド番号プレースホルダー 6"/>
+          <p:cNvSpPr>
+            <a:spLocks noGrp="1"/>
+          </p:cNvSpPr>
+          <p:nvPr>
+            <p:ph type="sldNum" sz="quarter" idx="5"/>
+          </p:nvPr>
+        </p:nvSpPr>
+        <p:spPr>
+          <a:xfrm>
+            <a:off x="3884613" y="8685213"/>
+            <a:ext cx="2971800" cy="457200"/>
+          </a:xfrm>
+          <a:prstGeom prst="rect">
+            <a:avLst/>
+          </a:prstGeom>
+        </p:spPr>
+        <p:txBody>
+          <a:bodyPr vert="horz" lIns="91440" tIns="45720" rIns="91440" bIns="45720" rtlCol="0" anchor="b"/>
+          <a:lstStyle>
+            <a:lvl1pPr algn="r">
+              <a:defRPr sz="1200"/>
+            </a:lvl1pPr>
+          </a:lstStyle>
+          <a:p>
+            <a:fld id="{5ECBA51D-1CA4-4A9E-A77B-B1CBCAEC8AE0}" type="slidenum">
+              <a:rPr kumimoji="1" lang="ja-JP" altLang="en-US" smtClean="0"/>
+              <a:t>‹#›</a:t>
+            </a:fld>
+            <a:endParaRPr kumimoji="1" lang="ja-JP" altLang="en-US"/>
+          </a:p>
+        </p:txBody>
+      </p:sp>
+    </p:spTree>
+    <p:extLst>
+      <p:ext uri="{BB962C8B-B14F-4D97-AF65-F5344CB8AC3E}">
+        <p14:creationId xmlns:p14="http://schemas.microsoft.com/office/powerpoint/2010/main" val="3982327722"/>
+      </p:ext>
+    </p:extLst>
+  </p:cSld>
+  <p:clrMap bg1="lt1" tx1="dk1" bg2="lt2" tx2="dk2" accent1="accent1" accent2="accent2" accent3="accent3" accent4="accent4" accent5="accent5" accent6="accent6" hlink="hlink" folHlink="folHlink"/>
+  <p:notesStyle>
+    <a:lvl1pPr marL="0" algn="l" defTabSz="2952323" rtl="0" eaLnBrk="1" latinLnBrk="0" hangingPunct="1">
+      <a:defRPr kumimoji="1" sz="3900" kern="1200">
+        <a:solidFill>
+          <a:schemeClr val="tx1"/>
+        </a:solidFill>
+        <a:latin typeface="+mn-lt"/>
+        <a:ea typeface="+mn-ea"/>
+        <a:cs typeface="+mn-cs"/>
+      </a:defRPr>
+    </a:lvl1pPr>
+    <a:lvl2pPr marL="1476162" algn="l" defTabSz="2952323" rtl="0" eaLnBrk="1" latinLnBrk="0" hangingPunct="1">
+      <a:defRPr kumimoji="1" sz="3900" kern="1200">
+        <a:solidFill>
+          <a:schemeClr val="tx1"/>
+        </a:solidFill>
+        <a:latin typeface="+mn-lt"/>
+        <a:ea typeface="+mn-ea"/>
+        <a:cs typeface="+mn-cs"/>
+      </a:defRPr>
+    </a:lvl2pPr>
+    <a:lvl3pPr marL="2952323" algn="l" defTabSz="2952323" rtl="0" eaLnBrk="1" latinLnBrk="0" hangingPunct="1">
+      <a:defRPr kumimoji="1" sz="3900" kern="1200">
+        <a:solidFill>
+          <a:schemeClr val="tx1"/>
+        </a:solidFill>
+        <a:latin typeface="+mn-lt"/>
+        <a:ea typeface="+mn-ea"/>
+        <a:cs typeface="+mn-cs"/>
+      </a:defRPr>
+    </a:lvl3pPr>
+    <a:lvl4pPr marL="4428485" algn="l" defTabSz="2952323" rtl="0" eaLnBrk="1" latinLnBrk="0" hangingPunct="1">
+      <a:defRPr kumimoji="1" sz="3900" kern="1200">
+        <a:solidFill>
+          <a:schemeClr val="tx1"/>
+        </a:solidFill>
+        <a:latin typeface="+mn-lt"/>
+        <a:ea typeface="+mn-ea"/>
+        <a:cs typeface="+mn-cs"/>
+      </a:defRPr>
+    </a:lvl4pPr>
+    <a:lvl5pPr marL="5904647" algn="l" defTabSz="2952323" rtl="0" eaLnBrk="1" latinLnBrk="0" hangingPunct="1">
+      <a:defRPr kumimoji="1" sz="3900" kern="1200">
+        <a:solidFill>
+          <a:schemeClr val="tx1"/>
+        </a:solidFill>
+        <a:latin typeface="+mn-lt"/>
+        <a:ea typeface="+mn-ea"/>
+        <a:cs typeface="+mn-cs"/>
+      </a:defRPr>
+    </a:lvl5pPr>
+    <a:lvl6pPr marL="7380808" algn="l" defTabSz="2952323" rtl="0" eaLnBrk="1" latinLnBrk="0" hangingPunct="1">
+      <a:defRPr kumimoji="1" sz="3900" kern="1200">
+        <a:solidFill>
+          <a:schemeClr val="tx1"/>
+        </a:solidFill>
+        <a:latin typeface="+mn-lt"/>
+        <a:ea typeface="+mn-ea"/>
+        <a:cs typeface="+mn-cs"/>
+      </a:defRPr>
+    </a:lvl6pPr>
+    <a:lvl7pPr marL="8856970" algn="l" defTabSz="2952323" rtl="0" eaLnBrk="1" latinLnBrk="0" hangingPunct="1">
+      <a:defRPr kumimoji="1" sz="3900" kern="1200">
+        <a:solidFill>
+          <a:schemeClr val="tx1"/>
+        </a:solidFill>
+        <a:latin typeface="+mn-lt"/>
+        <a:ea typeface="+mn-ea"/>
+        <a:cs typeface="+mn-cs"/>
+      </a:defRPr>
+    </a:lvl7pPr>
+    <a:lvl8pPr marL="10333131" algn="l" defTabSz="2952323" rtl="0" eaLnBrk="1" latinLnBrk="0" hangingPunct="1">
+      <a:defRPr kumimoji="1" sz="3900" kern="1200">
+        <a:solidFill>
+          <a:schemeClr val="tx1"/>
+        </a:solidFill>
+        <a:latin typeface="+mn-lt"/>
+        <a:ea typeface="+mn-ea"/>
+        <a:cs typeface="+mn-cs"/>
+      </a:defRPr>
+    </a:lvl8pPr>
+    <a:lvl9pPr marL="11809293" algn="l" defTabSz="2952323" rtl="0" eaLnBrk="1" latinLnBrk="0" hangingPunct="1">
+      <a:defRPr kumimoji="1" sz="3900" kern="1200">
+        <a:solidFill>
+          <a:schemeClr val="tx1"/>
+        </a:solidFill>
+        <a:latin typeface="+mn-lt"/>
+        <a:ea typeface="+mn-ea"/>
+        <a:cs typeface="+mn-cs"/>
+      </a:defRPr>
+    </a:lvl9pPr>
+  </p:notesStyle>
+</p:notesMaster>
+</file>
+
+<file path=ppt/notesSlides/notesSlide1.xml><?xml version="1.0" encoding="utf-8"?>
+<p:notes xmlns:a="http://schemas.openxmlformats.org/drawingml/2006/main" xmlns:r="http://schemas.openxmlformats.org/officeDocument/2006/relationships" xmlns:p="http://schemas.openxmlformats.org/presentationml/2006/main">
+  <p:cSld>
+    <p:spTree>
+      <p:nvGrpSpPr>
+        <p:cNvPr id="1" name=""/>
+        <p:cNvGrpSpPr/>
+        <p:nvPr/>
+      </p:nvGrpSpPr>
+      <p:grpSpPr>
+        <a:xfrm>
+          <a:off x="0" y="0"/>
+          <a:ext cx="0" cy="0"/>
+          <a:chOff x="0" y="0"/>
+          <a:chExt cx="0" cy="0"/>
+        </a:xfrm>
+      </p:grpSpPr>
+      <p:sp>
+        <p:nvSpPr>
+          <p:cNvPr id="2" name="スライド イメージ プレースホルダー 1"/>
+          <p:cNvSpPr>
+            <a:spLocks noGrp="1" noRot="1" noChangeAspect="1"/>
+          </p:cNvSpPr>
+          <p:nvPr>
+            <p:ph type="sldImg"/>
+          </p:nvPr>
+        </p:nvSpPr>
+        <p:spPr/>
+      </p:sp>
+      <p:sp>
+        <p:nvSpPr>
+          <p:cNvPr id="3" name="ノート プレースホルダー 2"/>
+          <p:cNvSpPr>
+            <a:spLocks noGrp="1"/>
+          </p:cNvSpPr>
+          <p:nvPr>
+            <p:ph type="body" idx="1"/>
+          </p:nvPr>
+        </p:nvSpPr>
+        <p:spPr/>
+        <p:txBody>
+          <a:bodyPr/>
+          <a:lstStyle/>
+          <a:p>
+            <a:endParaRPr kumimoji="1" lang="ja-JP" altLang="en-US" dirty="0"/>
+          </a:p>
+        </p:txBody>
+      </p:sp>
+      <p:sp>
+        <p:nvSpPr>
+          <p:cNvPr id="4" name="スライド番号プレースホルダー 3"/>
+          <p:cNvSpPr>
+            <a:spLocks noGrp="1"/>
+          </p:cNvSpPr>
+          <p:nvPr>
+            <p:ph type="sldNum" sz="quarter" idx="10"/>
+          </p:nvPr>
+        </p:nvSpPr>
+        <p:spPr/>
+        <p:txBody>
+          <a:bodyPr/>
+          <a:lstStyle/>
+          <a:p>
+            <a:fld id="{5ECBA51D-1CA4-4A9E-A77B-B1CBCAEC8AE0}" type="slidenum">
+              <a:rPr kumimoji="1" lang="ja-JP" altLang="en-US" smtClean="0"/>
+              <a:t>1</a:t>
+            </a:fld>
+            <a:endParaRPr kumimoji="1" lang="ja-JP" altLang="en-US"/>
+          </a:p>
+        </p:txBody>
+      </p:sp>
+    </p:spTree>
+    <p:extLst>
+      <p:ext uri="{BB962C8B-B14F-4D97-AF65-F5344CB8AC3E}">
+        <p14:creationId xmlns:p14="http://schemas.microsoft.com/office/powerpoint/2010/main" val="1506719642"/>
+      </p:ext>
+    </p:extLst>
+  </p:cSld>
+  <p:clrMapOvr>
+    <a:masterClrMapping/>
+  </p:clrMapOvr>
+</p:notes>
 </file>
 
 <file path=ppt/slideLayouts/slideLayout1.xml><?xml version="1.0" encoding="utf-8"?>
@@ -137,8 +606,8 @@
         </p:nvSpPr>
         <p:spPr>
           <a:xfrm>
-            <a:off x="514350" y="2840568"/>
-            <a:ext cx="5829300" cy="1960033"/>
+            <a:off x="1604010" y="9406424"/>
+            <a:ext cx="18178780" cy="6490568"/>
           </a:xfrm>
         </p:spPr>
         <p:txBody>
@@ -165,8 +634,8 @@
         </p:nvSpPr>
         <p:spPr>
           <a:xfrm>
-            <a:off x="1028700" y="5181600"/>
-            <a:ext cx="4800600" cy="2336800"/>
+            <a:off x="3208020" y="17158652"/>
+            <a:ext cx="14970760" cy="7738216"/>
           </a:xfrm>
         </p:spPr>
         <p:txBody>
@@ -182,7 +651,7 @@
                 </a:solidFill>
               </a:defRPr>
             </a:lvl1pPr>
-            <a:lvl2pPr marL="457200" indent="0" algn="ctr">
+            <a:lvl2pPr marL="1476162" indent="0" algn="ctr">
               <a:buNone/>
               <a:defRPr>
                 <a:solidFill>
@@ -192,7 +661,7 @@
                 </a:solidFill>
               </a:defRPr>
             </a:lvl2pPr>
-            <a:lvl3pPr marL="914400" indent="0" algn="ctr">
+            <a:lvl3pPr marL="2952323" indent="0" algn="ctr">
               <a:buNone/>
               <a:defRPr>
                 <a:solidFill>
@@ -202,7 +671,7 @@
                 </a:solidFill>
               </a:defRPr>
             </a:lvl3pPr>
-            <a:lvl4pPr marL="1371600" indent="0" algn="ctr">
+            <a:lvl4pPr marL="4428485" indent="0" algn="ctr">
               <a:buNone/>
               <a:defRPr>
                 <a:solidFill>
@@ -212,7 +681,7 @@
                 </a:solidFill>
               </a:defRPr>
             </a:lvl4pPr>
-            <a:lvl5pPr marL="1828800" indent="0" algn="ctr">
+            <a:lvl5pPr marL="5904647" indent="0" algn="ctr">
               <a:buNone/>
               <a:defRPr>
                 <a:solidFill>
@@ -222,7 +691,7 @@
                 </a:solidFill>
               </a:defRPr>
             </a:lvl5pPr>
-            <a:lvl6pPr marL="2286000" indent="0" algn="ctr">
+            <a:lvl6pPr marL="7380808" indent="0" algn="ctr">
               <a:buNone/>
               <a:defRPr>
                 <a:solidFill>
@@ -232,7 +701,7 @@
                 </a:solidFill>
               </a:defRPr>
             </a:lvl6pPr>
-            <a:lvl7pPr marL="2743200" indent="0" algn="ctr">
+            <a:lvl7pPr marL="8856970" indent="0" algn="ctr">
               <a:buNone/>
               <a:defRPr>
                 <a:solidFill>
@@ -242,7 +711,7 @@
                 </a:solidFill>
               </a:defRPr>
             </a:lvl7pPr>
-            <a:lvl8pPr marL="3200400" indent="0" algn="ctr">
+            <a:lvl8pPr marL="10333131" indent="0" algn="ctr">
               <a:buNone/>
               <a:defRPr>
                 <a:solidFill>
@@ -252,7 +721,7 @@
                 </a:solidFill>
               </a:defRPr>
             </a:lvl8pPr>
-            <a:lvl9pPr marL="3657600" indent="0" algn="ctr">
+            <a:lvl9pPr marL="11809293" indent="0" algn="ctr">
               <a:buNone/>
               <a:defRPr>
                 <a:solidFill>
@@ -289,7 +758,7 @@
           <a:p>
             <a:fld id="{F2959956-4FD5-416F-A9E5-DABD44530C50}" type="datetimeFigureOut">
               <a:rPr kumimoji="1" lang="ja-JP" altLang="en-US" smtClean="0"/>
-              <a:t>2013/12/10</a:t>
+              <a:t>2013/12/12</a:t>
             </a:fld>
             <a:endParaRPr kumimoji="1" lang="ja-JP" altLang="en-US"/>
           </a:p>
@@ -491,7 +960,7 @@
           <a:p>
             <a:fld id="{F2959956-4FD5-416F-A9E5-DABD44530C50}" type="datetimeFigureOut">
               <a:rPr kumimoji="1" lang="ja-JP" altLang="en-US" smtClean="0"/>
-              <a:t>2013/12/10</a:t>
+              <a:t>2013/12/12</a:t>
             </a:fld>
             <a:endParaRPr kumimoji="1" lang="ja-JP" altLang="en-US"/>
           </a:p>
@@ -581,8 +1050,8 @@
         </p:nvSpPr>
         <p:spPr>
           <a:xfrm>
-            <a:off x="3729037" y="488951"/>
-            <a:ext cx="1157288" cy="10401300"/>
+            <a:off x="11629071" y="1619141"/>
+            <a:ext cx="3609024" cy="34443472"/>
           </a:xfrm>
         </p:spPr>
         <p:txBody>
@@ -609,8 +1078,8 @@
         </p:nvSpPr>
         <p:spPr>
           <a:xfrm>
-            <a:off x="257175" y="488951"/>
-            <a:ext cx="3357563" cy="10401300"/>
+            <a:off x="802007" y="1619141"/>
+            <a:ext cx="10470622" cy="34443472"/>
           </a:xfrm>
         </p:spPr>
         <p:txBody>
@@ -703,7 +1172,7 @@
           <a:p>
             <a:fld id="{F2959956-4FD5-416F-A9E5-DABD44530C50}" type="datetimeFigureOut">
               <a:rPr kumimoji="1" lang="ja-JP" altLang="en-US" smtClean="0"/>
-              <a:t>2013/12/10</a:t>
+              <a:t>2013/12/12</a:t>
             </a:fld>
             <a:endParaRPr kumimoji="1" lang="ja-JP" altLang="en-US"/>
           </a:p>
@@ -905,7 +1374,7 @@
           <a:p>
             <a:fld id="{F2959956-4FD5-416F-A9E5-DABD44530C50}" type="datetimeFigureOut">
               <a:rPr kumimoji="1" lang="ja-JP" altLang="en-US" smtClean="0"/>
-              <a:t>2013/12/10</a:t>
+              <a:t>2013/12/12</a:t>
             </a:fld>
             <a:endParaRPr kumimoji="1" lang="ja-JP" altLang="en-US"/>
           </a:p>
@@ -995,15 +1464,15 @@
         </p:nvSpPr>
         <p:spPr>
           <a:xfrm>
-            <a:off x="541735" y="5875867"/>
-            <a:ext cx="5829300" cy="1816100"/>
+            <a:off x="1689411" y="19457689"/>
+            <a:ext cx="18178780" cy="6013939"/>
           </a:xfrm>
         </p:spPr>
         <p:txBody>
           <a:bodyPr anchor="t"/>
           <a:lstStyle>
             <a:lvl1pPr algn="l">
-              <a:defRPr sz="4000" b="1" cap="all"/>
+              <a:defRPr sz="12900" b="1" cap="all"/>
             </a:lvl1pPr>
           </a:lstStyle>
           <a:p>
@@ -1027,8 +1496,8 @@
         </p:nvSpPr>
         <p:spPr>
           <a:xfrm>
-            <a:off x="541735" y="3875618"/>
-            <a:ext cx="5829300" cy="2000249"/>
+            <a:off x="1689411" y="12833949"/>
+            <a:ext cx="18178780" cy="6623741"/>
           </a:xfrm>
         </p:spPr>
         <p:txBody>
@@ -1036,7 +1505,7 @@
           <a:lstStyle>
             <a:lvl1pPr marL="0" indent="0">
               <a:buNone/>
-              <a:defRPr sz="2000">
+              <a:defRPr sz="6500">
                 <a:solidFill>
                   <a:schemeClr val="tx1">
                     <a:tint val="75000"/>
@@ -1044,9 +1513,9 @@
                 </a:solidFill>
               </a:defRPr>
             </a:lvl1pPr>
-            <a:lvl2pPr marL="457200" indent="0">
+            <a:lvl2pPr marL="1476162" indent="0">
               <a:buNone/>
-              <a:defRPr sz="1800">
+              <a:defRPr sz="5800">
                 <a:solidFill>
                   <a:schemeClr val="tx1">
                     <a:tint val="75000"/>
@@ -1054,9 +1523,9 @@
                 </a:solidFill>
               </a:defRPr>
             </a:lvl2pPr>
-            <a:lvl3pPr marL="914400" indent="0">
+            <a:lvl3pPr marL="2952323" indent="0">
               <a:buNone/>
-              <a:defRPr sz="1600">
+              <a:defRPr sz="5200">
                 <a:solidFill>
                   <a:schemeClr val="tx1">
                     <a:tint val="75000"/>
@@ -1064,9 +1533,9 @@
                 </a:solidFill>
               </a:defRPr>
             </a:lvl3pPr>
-            <a:lvl4pPr marL="1371600" indent="0">
+            <a:lvl4pPr marL="4428485" indent="0">
               <a:buNone/>
-              <a:defRPr sz="1400">
+              <a:defRPr sz="4500">
                 <a:solidFill>
                   <a:schemeClr val="tx1">
                     <a:tint val="75000"/>
@@ -1074,9 +1543,9 @@
                 </a:solidFill>
               </a:defRPr>
             </a:lvl4pPr>
-            <a:lvl5pPr marL="1828800" indent="0">
+            <a:lvl5pPr marL="5904647" indent="0">
               <a:buNone/>
-              <a:defRPr sz="1400">
+              <a:defRPr sz="4500">
                 <a:solidFill>
                   <a:schemeClr val="tx1">
                     <a:tint val="75000"/>
@@ -1084,9 +1553,9 @@
                 </a:solidFill>
               </a:defRPr>
             </a:lvl5pPr>
-            <a:lvl6pPr marL="2286000" indent="0">
+            <a:lvl6pPr marL="7380808" indent="0">
               <a:buNone/>
-              <a:defRPr sz="1400">
+              <a:defRPr sz="4500">
                 <a:solidFill>
                   <a:schemeClr val="tx1">
                     <a:tint val="75000"/>
@@ -1094,9 +1563,9 @@
                 </a:solidFill>
               </a:defRPr>
             </a:lvl6pPr>
-            <a:lvl7pPr marL="2743200" indent="0">
+            <a:lvl7pPr marL="8856970" indent="0">
               <a:buNone/>
-              <a:defRPr sz="1400">
+              <a:defRPr sz="4500">
                 <a:solidFill>
                   <a:schemeClr val="tx1">
                     <a:tint val="75000"/>
@@ -1104,9 +1573,9 @@
                 </a:solidFill>
               </a:defRPr>
             </a:lvl7pPr>
-            <a:lvl8pPr marL="3200400" indent="0">
+            <a:lvl8pPr marL="10333131" indent="0">
               <a:buNone/>
-              <a:defRPr sz="1400">
+              <a:defRPr sz="4500">
                 <a:solidFill>
                   <a:schemeClr val="tx1">
                     <a:tint val="75000"/>
@@ -1114,9 +1583,9 @@
                 </a:solidFill>
               </a:defRPr>
             </a:lvl8pPr>
-            <a:lvl9pPr marL="3657600" indent="0">
+            <a:lvl9pPr marL="11809293" indent="0">
               <a:buNone/>
-              <a:defRPr sz="1400">
+              <a:defRPr sz="4500">
                 <a:solidFill>
                   <a:schemeClr val="tx1">
                     <a:tint val="75000"/>
@@ -1151,7 +1620,7 @@
           <a:p>
             <a:fld id="{F2959956-4FD5-416F-A9E5-DABD44530C50}" type="datetimeFigureOut">
               <a:rPr kumimoji="1" lang="ja-JP" altLang="en-US" smtClean="0"/>
-              <a:t>2013/12/10</a:t>
+              <a:t>2013/12/12</a:t>
             </a:fld>
             <a:endParaRPr kumimoji="1" lang="ja-JP" altLang="en-US"/>
           </a:p>
@@ -1264,39 +1733,39 @@
         </p:nvSpPr>
         <p:spPr>
           <a:xfrm>
-            <a:off x="257175" y="2844800"/>
-            <a:ext cx="2257425" cy="8045451"/>
+            <a:off x="802006" y="9420438"/>
+            <a:ext cx="7039822" cy="26642176"/>
           </a:xfrm>
         </p:spPr>
         <p:txBody>
           <a:bodyPr/>
           <a:lstStyle>
             <a:lvl1pPr>
-              <a:defRPr sz="2800"/>
+              <a:defRPr sz="9000"/>
             </a:lvl1pPr>
             <a:lvl2pPr>
-              <a:defRPr sz="2400"/>
+              <a:defRPr sz="7700"/>
             </a:lvl2pPr>
             <a:lvl3pPr>
-              <a:defRPr sz="2000"/>
+              <a:defRPr sz="6500"/>
             </a:lvl3pPr>
             <a:lvl4pPr>
-              <a:defRPr sz="1800"/>
+              <a:defRPr sz="5800"/>
             </a:lvl4pPr>
             <a:lvl5pPr>
-              <a:defRPr sz="1800"/>
+              <a:defRPr sz="5800"/>
             </a:lvl5pPr>
             <a:lvl6pPr>
-              <a:defRPr sz="1800"/>
+              <a:defRPr sz="5800"/>
             </a:lvl6pPr>
             <a:lvl7pPr>
-              <a:defRPr sz="1800"/>
+              <a:defRPr sz="5800"/>
             </a:lvl7pPr>
             <a:lvl8pPr>
-              <a:defRPr sz="1800"/>
+              <a:defRPr sz="5800"/>
             </a:lvl8pPr>
             <a:lvl9pPr>
-              <a:defRPr sz="1800"/>
+              <a:defRPr sz="5800"/>
             </a:lvl9pPr>
           </a:lstStyle>
           <a:p>
@@ -1381,39 +1850,39 @@
         </p:nvSpPr>
         <p:spPr>
           <a:xfrm>
-            <a:off x="2628900" y="2844800"/>
-            <a:ext cx="2257425" cy="8045451"/>
+            <a:off x="8198275" y="9420438"/>
+            <a:ext cx="7039822" cy="26642176"/>
           </a:xfrm>
         </p:spPr>
         <p:txBody>
           <a:bodyPr/>
           <a:lstStyle>
             <a:lvl1pPr>
-              <a:defRPr sz="2800"/>
+              <a:defRPr sz="9000"/>
             </a:lvl1pPr>
             <a:lvl2pPr>
-              <a:defRPr sz="2400"/>
+              <a:defRPr sz="7700"/>
             </a:lvl2pPr>
             <a:lvl3pPr>
-              <a:defRPr sz="2000"/>
+              <a:defRPr sz="6500"/>
             </a:lvl3pPr>
             <a:lvl4pPr>
-              <a:defRPr sz="1800"/>
+              <a:defRPr sz="5800"/>
             </a:lvl4pPr>
             <a:lvl5pPr>
-              <a:defRPr sz="1800"/>
+              <a:defRPr sz="5800"/>
             </a:lvl5pPr>
             <a:lvl6pPr>
-              <a:defRPr sz="1800"/>
+              <a:defRPr sz="5800"/>
             </a:lvl6pPr>
             <a:lvl7pPr>
-              <a:defRPr sz="1800"/>
+              <a:defRPr sz="5800"/>
             </a:lvl7pPr>
             <a:lvl8pPr>
-              <a:defRPr sz="1800"/>
+              <a:defRPr sz="5800"/>
             </a:lvl8pPr>
             <a:lvl9pPr>
-              <a:defRPr sz="1800"/>
+              <a:defRPr sz="5800"/>
             </a:lvl9pPr>
           </a:lstStyle>
           <a:p>
@@ -1503,7 +1972,7 @@
           <a:p>
             <a:fld id="{F2959956-4FD5-416F-A9E5-DABD44530C50}" type="datetimeFigureOut">
               <a:rPr kumimoji="1" lang="ja-JP" altLang="en-US" smtClean="0"/>
-              <a:t>2013/12/10</a:t>
+              <a:t>2013/12/12</a:t>
             </a:fld>
             <a:endParaRPr kumimoji="1" lang="ja-JP" altLang="en-US"/>
           </a:p>
@@ -1593,8 +2062,8 @@
         </p:nvSpPr>
         <p:spPr>
           <a:xfrm>
-            <a:off x="342900" y="366184"/>
-            <a:ext cx="6172200" cy="1524000"/>
+            <a:off x="1069340" y="1212603"/>
+            <a:ext cx="19248120" cy="5046663"/>
           </a:xfrm>
         </p:spPr>
         <p:txBody>
@@ -1625,8 +2094,8 @@
         </p:nvSpPr>
         <p:spPr>
           <a:xfrm>
-            <a:off x="342900" y="2046817"/>
-            <a:ext cx="3030141" cy="853016"/>
+            <a:off x="1069341" y="6777949"/>
+            <a:ext cx="9449551" cy="2824727"/>
           </a:xfrm>
         </p:spPr>
         <p:txBody>
@@ -1634,39 +2103,39 @@
           <a:lstStyle>
             <a:lvl1pPr marL="0" indent="0">
               <a:buNone/>
-              <a:defRPr sz="2400" b="1"/>
+              <a:defRPr sz="7700" b="1"/>
             </a:lvl1pPr>
-            <a:lvl2pPr marL="457200" indent="0">
+            <a:lvl2pPr marL="1476162" indent="0">
               <a:buNone/>
-              <a:defRPr sz="2000" b="1"/>
+              <a:defRPr sz="6500" b="1"/>
             </a:lvl2pPr>
-            <a:lvl3pPr marL="914400" indent="0">
+            <a:lvl3pPr marL="2952323" indent="0">
               <a:buNone/>
-              <a:defRPr sz="1800" b="1"/>
+              <a:defRPr sz="5800" b="1"/>
             </a:lvl3pPr>
-            <a:lvl4pPr marL="1371600" indent="0">
+            <a:lvl4pPr marL="4428485" indent="0">
               <a:buNone/>
-              <a:defRPr sz="1600" b="1"/>
+              <a:defRPr sz="5200" b="1"/>
             </a:lvl4pPr>
-            <a:lvl5pPr marL="1828800" indent="0">
+            <a:lvl5pPr marL="5904647" indent="0">
               <a:buNone/>
-              <a:defRPr sz="1600" b="1"/>
+              <a:defRPr sz="5200" b="1"/>
             </a:lvl5pPr>
-            <a:lvl6pPr marL="2286000" indent="0">
+            <a:lvl6pPr marL="7380808" indent="0">
               <a:buNone/>
-              <a:defRPr sz="1600" b="1"/>
+              <a:defRPr sz="5200" b="1"/>
             </a:lvl6pPr>
-            <a:lvl7pPr marL="2743200" indent="0">
+            <a:lvl7pPr marL="8856970" indent="0">
               <a:buNone/>
-              <a:defRPr sz="1600" b="1"/>
+              <a:defRPr sz="5200" b="1"/>
             </a:lvl7pPr>
-            <a:lvl8pPr marL="3200400" indent="0">
+            <a:lvl8pPr marL="10333131" indent="0">
               <a:buNone/>
-              <a:defRPr sz="1600" b="1"/>
+              <a:defRPr sz="5200" b="1"/>
             </a:lvl8pPr>
-            <a:lvl9pPr marL="3657600" indent="0">
+            <a:lvl9pPr marL="11809293" indent="0">
               <a:buNone/>
-              <a:defRPr sz="1600" b="1"/>
+              <a:defRPr sz="5200" b="1"/>
             </a:lvl9pPr>
           </a:lstStyle>
           <a:p>
@@ -1690,39 +2159,39 @@
         </p:nvSpPr>
         <p:spPr>
           <a:xfrm>
-            <a:off x="342900" y="2899833"/>
-            <a:ext cx="3030141" cy="5268384"/>
+            <a:off x="1069341" y="9602676"/>
+            <a:ext cx="9449551" cy="17446034"/>
           </a:xfrm>
         </p:spPr>
         <p:txBody>
           <a:bodyPr/>
           <a:lstStyle>
             <a:lvl1pPr>
-              <a:defRPr sz="2400"/>
+              <a:defRPr sz="7700"/>
             </a:lvl1pPr>
             <a:lvl2pPr>
-              <a:defRPr sz="2000"/>
+              <a:defRPr sz="6500"/>
             </a:lvl2pPr>
             <a:lvl3pPr>
-              <a:defRPr sz="1800"/>
+              <a:defRPr sz="5800"/>
             </a:lvl3pPr>
             <a:lvl4pPr>
-              <a:defRPr sz="1600"/>
+              <a:defRPr sz="5200"/>
             </a:lvl4pPr>
             <a:lvl5pPr>
-              <a:defRPr sz="1600"/>
+              <a:defRPr sz="5200"/>
             </a:lvl5pPr>
             <a:lvl6pPr>
-              <a:defRPr sz="1600"/>
+              <a:defRPr sz="5200"/>
             </a:lvl6pPr>
             <a:lvl7pPr>
-              <a:defRPr sz="1600"/>
+              <a:defRPr sz="5200"/>
             </a:lvl7pPr>
             <a:lvl8pPr>
-              <a:defRPr sz="1600"/>
+              <a:defRPr sz="5200"/>
             </a:lvl8pPr>
             <a:lvl9pPr>
-              <a:defRPr sz="1600"/>
+              <a:defRPr sz="5200"/>
             </a:lvl9pPr>
           </a:lstStyle>
           <a:p>
@@ -1807,8 +2276,8 @@
         </p:nvSpPr>
         <p:spPr>
           <a:xfrm>
-            <a:off x="3483769" y="2046817"/>
-            <a:ext cx="3031331" cy="853016"/>
+            <a:off x="10864200" y="6777949"/>
+            <a:ext cx="9453262" cy="2824727"/>
           </a:xfrm>
         </p:spPr>
         <p:txBody>
@@ -1816,39 +2285,39 @@
           <a:lstStyle>
             <a:lvl1pPr marL="0" indent="0">
               <a:buNone/>
-              <a:defRPr sz="2400" b="1"/>
+              <a:defRPr sz="7700" b="1"/>
             </a:lvl1pPr>
-            <a:lvl2pPr marL="457200" indent="0">
+            <a:lvl2pPr marL="1476162" indent="0">
               <a:buNone/>
-              <a:defRPr sz="2000" b="1"/>
+              <a:defRPr sz="6500" b="1"/>
             </a:lvl2pPr>
-            <a:lvl3pPr marL="914400" indent="0">
+            <a:lvl3pPr marL="2952323" indent="0">
               <a:buNone/>
-              <a:defRPr sz="1800" b="1"/>
+              <a:defRPr sz="5800" b="1"/>
             </a:lvl3pPr>
-            <a:lvl4pPr marL="1371600" indent="0">
+            <a:lvl4pPr marL="4428485" indent="0">
               <a:buNone/>
-              <a:defRPr sz="1600" b="1"/>
+              <a:defRPr sz="5200" b="1"/>
             </a:lvl4pPr>
-            <a:lvl5pPr marL="1828800" indent="0">
+            <a:lvl5pPr marL="5904647" indent="0">
               <a:buNone/>
-              <a:defRPr sz="1600" b="1"/>
+              <a:defRPr sz="5200" b="1"/>
             </a:lvl5pPr>
-            <a:lvl6pPr marL="2286000" indent="0">
+            <a:lvl6pPr marL="7380808" indent="0">
               <a:buNone/>
-              <a:defRPr sz="1600" b="1"/>
+              <a:defRPr sz="5200" b="1"/>
             </a:lvl6pPr>
-            <a:lvl7pPr marL="2743200" indent="0">
+            <a:lvl7pPr marL="8856970" indent="0">
               <a:buNone/>
-              <a:defRPr sz="1600" b="1"/>
+              <a:defRPr sz="5200" b="1"/>
             </a:lvl7pPr>
-            <a:lvl8pPr marL="3200400" indent="0">
+            <a:lvl8pPr marL="10333131" indent="0">
               <a:buNone/>
-              <a:defRPr sz="1600" b="1"/>
+              <a:defRPr sz="5200" b="1"/>
             </a:lvl8pPr>
-            <a:lvl9pPr marL="3657600" indent="0">
+            <a:lvl9pPr marL="11809293" indent="0">
               <a:buNone/>
-              <a:defRPr sz="1600" b="1"/>
+              <a:defRPr sz="5200" b="1"/>
             </a:lvl9pPr>
           </a:lstStyle>
           <a:p>
@@ -1872,39 +2341,39 @@
         </p:nvSpPr>
         <p:spPr>
           <a:xfrm>
-            <a:off x="3483769" y="2899833"/>
-            <a:ext cx="3031331" cy="5268384"/>
+            <a:off x="10864200" y="9602676"/>
+            <a:ext cx="9453262" cy="17446034"/>
           </a:xfrm>
         </p:spPr>
         <p:txBody>
           <a:bodyPr/>
           <a:lstStyle>
             <a:lvl1pPr>
-              <a:defRPr sz="2400"/>
+              <a:defRPr sz="7700"/>
             </a:lvl1pPr>
             <a:lvl2pPr>
-              <a:defRPr sz="2000"/>
+              <a:defRPr sz="6500"/>
             </a:lvl2pPr>
             <a:lvl3pPr>
-              <a:defRPr sz="1800"/>
+              <a:defRPr sz="5800"/>
             </a:lvl3pPr>
             <a:lvl4pPr>
-              <a:defRPr sz="1600"/>
+              <a:defRPr sz="5200"/>
             </a:lvl4pPr>
             <a:lvl5pPr>
-              <a:defRPr sz="1600"/>
+              <a:defRPr sz="5200"/>
             </a:lvl5pPr>
             <a:lvl6pPr>
-              <a:defRPr sz="1600"/>
+              <a:defRPr sz="5200"/>
             </a:lvl6pPr>
             <a:lvl7pPr>
-              <a:defRPr sz="1600"/>
+              <a:defRPr sz="5200"/>
             </a:lvl7pPr>
             <a:lvl8pPr>
-              <a:defRPr sz="1600"/>
+              <a:defRPr sz="5200"/>
             </a:lvl8pPr>
             <a:lvl9pPr>
-              <a:defRPr sz="1600"/>
+              <a:defRPr sz="5200"/>
             </a:lvl9pPr>
           </a:lstStyle>
           <a:p>
@@ -1994,7 +2463,7 @@
           <a:p>
             <a:fld id="{F2959956-4FD5-416F-A9E5-DABD44530C50}" type="datetimeFigureOut">
               <a:rPr kumimoji="1" lang="ja-JP" altLang="en-US" smtClean="0"/>
-              <a:t>2013/12/10</a:t>
+              <a:t>2013/12/12</a:t>
             </a:fld>
             <a:endParaRPr kumimoji="1" lang="ja-JP" altLang="en-US"/>
           </a:p>
@@ -2112,7 +2581,7 @@
           <a:p>
             <a:fld id="{F2959956-4FD5-416F-A9E5-DABD44530C50}" type="datetimeFigureOut">
               <a:rPr kumimoji="1" lang="ja-JP" altLang="en-US" smtClean="0"/>
-              <a:t>2013/12/10</a:t>
+              <a:t>2013/12/12</a:t>
             </a:fld>
             <a:endParaRPr kumimoji="1" lang="ja-JP" altLang="en-US"/>
           </a:p>
@@ -2207,7 +2676,7 @@
           <a:p>
             <a:fld id="{F2959956-4FD5-416F-A9E5-DABD44530C50}" type="datetimeFigureOut">
               <a:rPr kumimoji="1" lang="ja-JP" altLang="en-US" smtClean="0"/>
-              <a:t>2013/12/10</a:t>
+              <a:t>2013/12/12</a:t>
             </a:fld>
             <a:endParaRPr kumimoji="1" lang="ja-JP" altLang="en-US"/>
           </a:p>
@@ -2297,15 +2766,15 @@
         </p:nvSpPr>
         <p:spPr>
           <a:xfrm>
-            <a:off x="342900" y="364067"/>
-            <a:ext cx="2256235" cy="1549400"/>
+            <a:off x="1069341" y="1205592"/>
+            <a:ext cx="7036111" cy="5130774"/>
           </a:xfrm>
         </p:spPr>
         <p:txBody>
           <a:bodyPr anchor="b"/>
           <a:lstStyle>
             <a:lvl1pPr algn="l">
-              <a:defRPr sz="2000" b="1"/>
+              <a:defRPr sz="6500" b="1"/>
             </a:lvl1pPr>
           </a:lstStyle>
           <a:p>
@@ -2329,39 +2798,39 @@
         </p:nvSpPr>
         <p:spPr>
           <a:xfrm>
-            <a:off x="2681287" y="364067"/>
-            <a:ext cx="3833813" cy="7804151"/>
+            <a:off x="8361645" y="1205594"/>
+            <a:ext cx="11955817" cy="25843121"/>
           </a:xfrm>
         </p:spPr>
         <p:txBody>
           <a:bodyPr/>
           <a:lstStyle>
             <a:lvl1pPr>
-              <a:defRPr sz="3200"/>
+              <a:defRPr sz="10300"/>
             </a:lvl1pPr>
             <a:lvl2pPr>
-              <a:defRPr sz="2800"/>
+              <a:defRPr sz="9000"/>
             </a:lvl2pPr>
             <a:lvl3pPr>
-              <a:defRPr sz="2400"/>
+              <a:defRPr sz="7700"/>
             </a:lvl3pPr>
             <a:lvl4pPr>
-              <a:defRPr sz="2000"/>
+              <a:defRPr sz="6500"/>
             </a:lvl4pPr>
             <a:lvl5pPr>
-              <a:defRPr sz="2000"/>
+              <a:defRPr sz="6500"/>
             </a:lvl5pPr>
             <a:lvl6pPr>
-              <a:defRPr sz="2000"/>
+              <a:defRPr sz="6500"/>
             </a:lvl6pPr>
             <a:lvl7pPr>
-              <a:defRPr sz="2000"/>
+              <a:defRPr sz="6500"/>
             </a:lvl7pPr>
             <a:lvl8pPr>
-              <a:defRPr sz="2000"/>
+              <a:defRPr sz="6500"/>
             </a:lvl8pPr>
             <a:lvl9pPr>
-              <a:defRPr sz="2000"/>
+              <a:defRPr sz="6500"/>
             </a:lvl9pPr>
           </a:lstStyle>
           <a:p>
@@ -2446,8 +2915,8 @@
         </p:nvSpPr>
         <p:spPr>
           <a:xfrm>
-            <a:off x="342900" y="1913467"/>
-            <a:ext cx="2256235" cy="6254751"/>
+            <a:off x="1069341" y="6336368"/>
+            <a:ext cx="7036111" cy="20712347"/>
           </a:xfrm>
         </p:spPr>
         <p:txBody>
@@ -2455,39 +2924,39 @@
           <a:lstStyle>
             <a:lvl1pPr marL="0" indent="0">
               <a:buNone/>
-              <a:defRPr sz="1400"/>
+              <a:defRPr sz="4500"/>
             </a:lvl1pPr>
-            <a:lvl2pPr marL="457200" indent="0">
+            <a:lvl2pPr marL="1476162" indent="0">
               <a:buNone/>
-              <a:defRPr sz="1200"/>
+              <a:defRPr sz="3900"/>
             </a:lvl2pPr>
-            <a:lvl3pPr marL="914400" indent="0">
+            <a:lvl3pPr marL="2952323" indent="0">
               <a:buNone/>
-              <a:defRPr sz="1000"/>
+              <a:defRPr sz="3200"/>
             </a:lvl3pPr>
-            <a:lvl4pPr marL="1371600" indent="0">
+            <a:lvl4pPr marL="4428485" indent="0">
               <a:buNone/>
-              <a:defRPr sz="900"/>
+              <a:defRPr sz="2900"/>
             </a:lvl4pPr>
-            <a:lvl5pPr marL="1828800" indent="0">
+            <a:lvl5pPr marL="5904647" indent="0">
               <a:buNone/>
-              <a:defRPr sz="900"/>
+              <a:defRPr sz="2900"/>
             </a:lvl5pPr>
-            <a:lvl6pPr marL="2286000" indent="0">
+            <a:lvl6pPr marL="7380808" indent="0">
               <a:buNone/>
-              <a:defRPr sz="900"/>
+              <a:defRPr sz="2900"/>
             </a:lvl6pPr>
-            <a:lvl7pPr marL="2743200" indent="0">
+            <a:lvl7pPr marL="8856970" indent="0">
               <a:buNone/>
-              <a:defRPr sz="900"/>
+              <a:defRPr sz="2900"/>
             </a:lvl7pPr>
-            <a:lvl8pPr marL="3200400" indent="0">
+            <a:lvl8pPr marL="10333131" indent="0">
               <a:buNone/>
-              <a:defRPr sz="900"/>
+              <a:defRPr sz="2900"/>
             </a:lvl8pPr>
-            <a:lvl9pPr marL="3657600" indent="0">
+            <a:lvl9pPr marL="11809293" indent="0">
               <a:buNone/>
-              <a:defRPr sz="900"/>
+              <a:defRPr sz="2900"/>
             </a:lvl9pPr>
           </a:lstStyle>
           <a:p>
@@ -2516,7 +2985,7 @@
           <a:p>
             <a:fld id="{F2959956-4FD5-416F-A9E5-DABD44530C50}" type="datetimeFigureOut">
               <a:rPr kumimoji="1" lang="ja-JP" altLang="en-US" smtClean="0"/>
-              <a:t>2013/12/10</a:t>
+              <a:t>2013/12/12</a:t>
             </a:fld>
             <a:endParaRPr kumimoji="1" lang="ja-JP" altLang="en-US"/>
           </a:p>
@@ -2606,15 +3075,15 @@
         </p:nvSpPr>
         <p:spPr>
           <a:xfrm>
-            <a:off x="1344216" y="6400800"/>
-            <a:ext cx="4114800" cy="755651"/>
+            <a:off x="4191962" y="21195984"/>
+            <a:ext cx="12832080" cy="2502307"/>
           </a:xfrm>
         </p:spPr>
         <p:txBody>
           <a:bodyPr anchor="b"/>
           <a:lstStyle>
             <a:lvl1pPr algn="l">
-              <a:defRPr sz="2000" b="1"/>
+              <a:defRPr sz="6500" b="1"/>
             </a:lvl1pPr>
           </a:lstStyle>
           <a:p>
@@ -2638,8 +3107,8 @@
         </p:nvSpPr>
         <p:spPr>
           <a:xfrm>
-            <a:off x="1344216" y="817033"/>
-            <a:ext cx="4114800" cy="5486400"/>
+            <a:off x="4191962" y="2705571"/>
+            <a:ext cx="12832080" cy="18167985"/>
           </a:xfrm>
         </p:spPr>
         <p:txBody>
@@ -2647,39 +3116,39 @@
           <a:lstStyle>
             <a:lvl1pPr marL="0" indent="0">
               <a:buNone/>
-              <a:defRPr sz="3200"/>
+              <a:defRPr sz="10300"/>
             </a:lvl1pPr>
-            <a:lvl2pPr marL="457200" indent="0">
+            <a:lvl2pPr marL="1476162" indent="0">
               <a:buNone/>
-              <a:defRPr sz="2800"/>
+              <a:defRPr sz="9000"/>
             </a:lvl2pPr>
-            <a:lvl3pPr marL="914400" indent="0">
+            <a:lvl3pPr marL="2952323" indent="0">
               <a:buNone/>
-              <a:defRPr sz="2400"/>
+              <a:defRPr sz="7700"/>
             </a:lvl3pPr>
-            <a:lvl4pPr marL="1371600" indent="0">
+            <a:lvl4pPr marL="4428485" indent="0">
               <a:buNone/>
-              <a:defRPr sz="2000"/>
+              <a:defRPr sz="6500"/>
             </a:lvl4pPr>
-            <a:lvl5pPr marL="1828800" indent="0">
+            <a:lvl5pPr marL="5904647" indent="0">
               <a:buNone/>
-              <a:defRPr sz="2000"/>
+              <a:defRPr sz="6500"/>
             </a:lvl5pPr>
-            <a:lvl6pPr marL="2286000" indent="0">
+            <a:lvl6pPr marL="7380808" indent="0">
               <a:buNone/>
-              <a:defRPr sz="2000"/>
+              <a:defRPr sz="6500"/>
             </a:lvl6pPr>
-            <a:lvl7pPr marL="2743200" indent="0">
+            <a:lvl7pPr marL="8856970" indent="0">
               <a:buNone/>
-              <a:defRPr sz="2000"/>
+              <a:defRPr sz="6500"/>
             </a:lvl7pPr>
-            <a:lvl8pPr marL="3200400" indent="0">
+            <a:lvl8pPr marL="10333131" indent="0">
               <a:buNone/>
-              <a:defRPr sz="2000"/>
+              <a:defRPr sz="6500"/>
             </a:lvl8pPr>
-            <a:lvl9pPr marL="3657600" indent="0">
+            <a:lvl9pPr marL="11809293" indent="0">
               <a:buNone/>
-              <a:defRPr sz="2000"/>
+              <a:defRPr sz="6500"/>
             </a:lvl9pPr>
           </a:lstStyle>
           <a:p>
@@ -2699,8 +3168,8 @@
         </p:nvSpPr>
         <p:spPr>
           <a:xfrm>
-            <a:off x="1344216" y="7156451"/>
-            <a:ext cx="4114800" cy="1073149"/>
+            <a:off x="4191962" y="23698291"/>
+            <a:ext cx="12832080" cy="3553688"/>
           </a:xfrm>
         </p:spPr>
         <p:txBody>
@@ -2708,39 +3177,39 @@
           <a:lstStyle>
             <a:lvl1pPr marL="0" indent="0">
               <a:buNone/>
-              <a:defRPr sz="1400"/>
+              <a:defRPr sz="4500"/>
             </a:lvl1pPr>
-            <a:lvl2pPr marL="457200" indent="0">
+            <a:lvl2pPr marL="1476162" indent="0">
               <a:buNone/>
-              <a:defRPr sz="1200"/>
+              <a:defRPr sz="3900"/>
             </a:lvl2pPr>
-            <a:lvl3pPr marL="914400" indent="0">
+            <a:lvl3pPr marL="2952323" indent="0">
               <a:buNone/>
-              <a:defRPr sz="1000"/>
+              <a:defRPr sz="3200"/>
             </a:lvl3pPr>
-            <a:lvl4pPr marL="1371600" indent="0">
+            <a:lvl4pPr marL="4428485" indent="0">
               <a:buNone/>
-              <a:defRPr sz="900"/>
+              <a:defRPr sz="2900"/>
             </a:lvl4pPr>
-            <a:lvl5pPr marL="1828800" indent="0">
+            <a:lvl5pPr marL="5904647" indent="0">
               <a:buNone/>
-              <a:defRPr sz="900"/>
+              <a:defRPr sz="2900"/>
             </a:lvl5pPr>
-            <a:lvl6pPr marL="2286000" indent="0">
+            <a:lvl6pPr marL="7380808" indent="0">
               <a:buNone/>
-              <a:defRPr sz="900"/>
+              <a:defRPr sz="2900"/>
             </a:lvl6pPr>
-            <a:lvl7pPr marL="2743200" indent="0">
+            <a:lvl7pPr marL="8856970" indent="0">
               <a:buNone/>
-              <a:defRPr sz="900"/>
+              <a:defRPr sz="2900"/>
             </a:lvl7pPr>
-            <a:lvl8pPr marL="3200400" indent="0">
+            <a:lvl8pPr marL="10333131" indent="0">
               <a:buNone/>
-              <a:defRPr sz="900"/>
+              <a:defRPr sz="2900"/>
             </a:lvl8pPr>
-            <a:lvl9pPr marL="3657600" indent="0">
+            <a:lvl9pPr marL="11809293" indent="0">
               <a:buNone/>
-              <a:defRPr sz="900"/>
+              <a:defRPr sz="2900"/>
             </a:lvl9pPr>
           </a:lstStyle>
           <a:p>
@@ -2769,7 +3238,7 @@
           <a:p>
             <a:fld id="{F2959956-4FD5-416F-A9E5-DABD44530C50}" type="datetimeFigureOut">
               <a:rPr kumimoji="1" lang="ja-JP" altLang="en-US" smtClean="0"/>
-              <a:t>2013/12/10</a:t>
+              <a:t>2013/12/12</a:t>
             </a:fld>
             <a:endParaRPr kumimoji="1" lang="ja-JP" altLang="en-US"/>
           </a:p>
@@ -2869,15 +3338,15 @@
         </p:nvSpPr>
         <p:spPr>
           <a:xfrm>
-            <a:off x="342900" y="366184"/>
-            <a:ext cx="6172200" cy="1524000"/>
+            <a:off x="1069340" y="1212603"/>
+            <a:ext cx="19248120" cy="5046663"/>
           </a:xfrm>
           <a:prstGeom prst="rect">
             <a:avLst/>
           </a:prstGeom>
         </p:spPr>
         <p:txBody>
-          <a:bodyPr vert="horz" lIns="91440" tIns="45720" rIns="91440" bIns="45720" rtlCol="0" anchor="ctr">
+          <a:bodyPr vert="horz" lIns="295232" tIns="147616" rIns="295232" bIns="147616" rtlCol="0" anchor="ctr">
             <a:normAutofit/>
           </a:bodyPr>
           <a:lstStyle/>
@@ -2902,15 +3371,15 @@
         </p:nvSpPr>
         <p:spPr>
           <a:xfrm>
-            <a:off x="342900" y="2133601"/>
-            <a:ext cx="6172200" cy="6034617"/>
+            <a:off x="1069340" y="7065332"/>
+            <a:ext cx="19248120" cy="19983383"/>
           </a:xfrm>
           <a:prstGeom prst="rect">
             <a:avLst/>
           </a:prstGeom>
         </p:spPr>
         <p:txBody>
-          <a:bodyPr vert="horz" lIns="91440" tIns="45720" rIns="91440" bIns="45720" rtlCol="0">
+          <a:bodyPr vert="horz" lIns="295232" tIns="147616" rIns="295232" bIns="147616" rtlCol="0">
             <a:normAutofit/>
           </a:bodyPr>
           <a:lstStyle/>
@@ -2996,18 +3465,18 @@
         </p:nvSpPr>
         <p:spPr>
           <a:xfrm>
-            <a:off x="342900" y="8475134"/>
-            <a:ext cx="1600200" cy="486833"/>
+            <a:off x="1069340" y="28065055"/>
+            <a:ext cx="4990253" cy="1612127"/>
           </a:xfrm>
           <a:prstGeom prst="rect">
             <a:avLst/>
           </a:prstGeom>
         </p:spPr>
         <p:txBody>
-          <a:bodyPr vert="horz" lIns="91440" tIns="45720" rIns="91440" bIns="45720" rtlCol="0" anchor="ctr"/>
+          <a:bodyPr vert="horz" lIns="295232" tIns="147616" rIns="295232" bIns="147616" rtlCol="0" anchor="ctr"/>
           <a:lstStyle>
             <a:lvl1pPr algn="l">
-              <a:defRPr sz="1200">
+              <a:defRPr sz="3900">
                 <a:solidFill>
                   <a:schemeClr val="tx1">
                     <a:tint val="75000"/>
@@ -3019,7 +3488,7 @@
           <a:p>
             <a:fld id="{F2959956-4FD5-416F-A9E5-DABD44530C50}" type="datetimeFigureOut">
               <a:rPr kumimoji="1" lang="ja-JP" altLang="en-US" smtClean="0"/>
-              <a:t>2013/12/10</a:t>
+              <a:t>2013/12/12</a:t>
             </a:fld>
             <a:endParaRPr kumimoji="1" lang="ja-JP" altLang="en-US"/>
           </a:p>
@@ -3037,18 +3506,18 @@
         </p:nvSpPr>
         <p:spPr>
           <a:xfrm>
-            <a:off x="2343150" y="8475134"/>
-            <a:ext cx="2171700" cy="486833"/>
+            <a:off x="7307157" y="28065055"/>
+            <a:ext cx="6772487" cy="1612127"/>
           </a:xfrm>
           <a:prstGeom prst="rect">
             <a:avLst/>
           </a:prstGeom>
         </p:spPr>
         <p:txBody>
-          <a:bodyPr vert="horz" lIns="91440" tIns="45720" rIns="91440" bIns="45720" rtlCol="0" anchor="ctr"/>
+          <a:bodyPr vert="horz" lIns="295232" tIns="147616" rIns="295232" bIns="147616" rtlCol="0" anchor="ctr"/>
           <a:lstStyle>
             <a:lvl1pPr algn="ctr">
-              <a:defRPr sz="1200">
+              <a:defRPr sz="3900">
                 <a:solidFill>
                   <a:schemeClr val="tx1">
                     <a:tint val="75000"/>
@@ -3074,18 +3543,18 @@
         </p:nvSpPr>
         <p:spPr>
           <a:xfrm>
-            <a:off x="4914900" y="8475134"/>
-            <a:ext cx="1600200" cy="486833"/>
+            <a:off x="15327207" y="28065055"/>
+            <a:ext cx="4990253" cy="1612127"/>
           </a:xfrm>
           <a:prstGeom prst="rect">
             <a:avLst/>
           </a:prstGeom>
         </p:spPr>
         <p:txBody>
-          <a:bodyPr vert="horz" lIns="91440" tIns="45720" rIns="91440" bIns="45720" rtlCol="0" anchor="ctr"/>
+          <a:bodyPr vert="horz" lIns="295232" tIns="147616" rIns="295232" bIns="147616" rtlCol="0" anchor="ctr"/>
           <a:lstStyle>
             <a:lvl1pPr algn="r">
-              <a:defRPr sz="1200">
+              <a:defRPr sz="3900">
                 <a:solidFill>
                   <a:schemeClr val="tx1">
                     <a:tint val="75000"/>
@@ -3126,12 +3595,12 @@
   </p:sldLayoutIdLst>
   <p:txStyles>
     <p:titleStyle>
-      <a:lvl1pPr algn="ctr" defTabSz="914400" rtl="0" eaLnBrk="1" latinLnBrk="0" hangingPunct="1">
+      <a:lvl1pPr algn="ctr" defTabSz="2952323" rtl="0" eaLnBrk="1" latinLnBrk="0" hangingPunct="1">
         <a:spcBef>
           <a:spcPct val="0"/>
         </a:spcBef>
         <a:buNone/>
-        <a:defRPr kumimoji="1" sz="4400" kern="1200">
+        <a:defRPr kumimoji="1" sz="14200" kern="1200">
           <a:solidFill>
             <a:schemeClr val="tx1"/>
           </a:solidFill>
@@ -3142,13 +3611,13 @@
       </a:lvl1pPr>
     </p:titleStyle>
     <p:bodyStyle>
-      <a:lvl1pPr marL="342900" indent="-342900" algn="l" defTabSz="914400" rtl="0" eaLnBrk="1" latinLnBrk="0" hangingPunct="1">
+      <a:lvl1pPr marL="1107121" indent="-1107121" algn="l" defTabSz="2952323" rtl="0" eaLnBrk="1" latinLnBrk="0" hangingPunct="1">
         <a:spcBef>
           <a:spcPct val="20000"/>
         </a:spcBef>
         <a:buFont typeface="Arial" panose="020B0604020202020204" pitchFamily="34" charset="0"/>
         <a:buChar char="•"/>
-        <a:defRPr kumimoji="1" sz="3200" kern="1200">
+        <a:defRPr kumimoji="1" sz="10300" kern="1200">
           <a:solidFill>
             <a:schemeClr val="tx1"/>
           </a:solidFill>
@@ -3157,13 +3626,13 @@
           <a:cs typeface="+mn-cs"/>
         </a:defRPr>
       </a:lvl1pPr>
-      <a:lvl2pPr marL="742950" indent="-285750" algn="l" defTabSz="914400" rtl="0" eaLnBrk="1" latinLnBrk="0" hangingPunct="1">
+      <a:lvl2pPr marL="2398763" indent="-922601" algn="l" defTabSz="2952323" rtl="0" eaLnBrk="1" latinLnBrk="0" hangingPunct="1">
         <a:spcBef>
           <a:spcPct val="20000"/>
         </a:spcBef>
         <a:buFont typeface="Arial" panose="020B0604020202020204" pitchFamily="34" charset="0"/>
         <a:buChar char="–"/>
-        <a:defRPr kumimoji="1" sz="2800" kern="1200">
+        <a:defRPr kumimoji="1" sz="9000" kern="1200">
           <a:solidFill>
             <a:schemeClr val="tx1"/>
           </a:solidFill>
@@ -3172,13 +3641,13 @@
           <a:cs typeface="+mn-cs"/>
         </a:defRPr>
       </a:lvl2pPr>
-      <a:lvl3pPr marL="1143000" indent="-228600" algn="l" defTabSz="914400" rtl="0" eaLnBrk="1" latinLnBrk="0" hangingPunct="1">
+      <a:lvl3pPr marL="3690404" indent="-738081" algn="l" defTabSz="2952323" rtl="0" eaLnBrk="1" latinLnBrk="0" hangingPunct="1">
         <a:spcBef>
           <a:spcPct val="20000"/>
         </a:spcBef>
         <a:buFont typeface="Arial" panose="020B0604020202020204" pitchFamily="34" charset="0"/>
         <a:buChar char="•"/>
-        <a:defRPr kumimoji="1" sz="2400" kern="1200">
+        <a:defRPr kumimoji="1" sz="7700" kern="1200">
           <a:solidFill>
             <a:schemeClr val="tx1"/>
           </a:solidFill>
@@ -3187,13 +3656,13 @@
           <a:cs typeface="+mn-cs"/>
         </a:defRPr>
       </a:lvl3pPr>
-      <a:lvl4pPr marL="1600200" indent="-228600" algn="l" defTabSz="914400" rtl="0" eaLnBrk="1" latinLnBrk="0" hangingPunct="1">
+      <a:lvl4pPr marL="5166566" indent="-738081" algn="l" defTabSz="2952323" rtl="0" eaLnBrk="1" latinLnBrk="0" hangingPunct="1">
         <a:spcBef>
           <a:spcPct val="20000"/>
         </a:spcBef>
         <a:buFont typeface="Arial" panose="020B0604020202020204" pitchFamily="34" charset="0"/>
         <a:buChar char="–"/>
-        <a:defRPr kumimoji="1" sz="2000" kern="1200">
+        <a:defRPr kumimoji="1" sz="6500" kern="1200">
           <a:solidFill>
             <a:schemeClr val="tx1"/>
           </a:solidFill>
@@ -3202,13 +3671,13 @@
           <a:cs typeface="+mn-cs"/>
         </a:defRPr>
       </a:lvl4pPr>
-      <a:lvl5pPr marL="2057400" indent="-228600" algn="l" defTabSz="914400" rtl="0" eaLnBrk="1" latinLnBrk="0" hangingPunct="1">
+      <a:lvl5pPr marL="6642727" indent="-738081" algn="l" defTabSz="2952323" rtl="0" eaLnBrk="1" latinLnBrk="0" hangingPunct="1">
         <a:spcBef>
           <a:spcPct val="20000"/>
         </a:spcBef>
         <a:buFont typeface="Arial" panose="020B0604020202020204" pitchFamily="34" charset="0"/>
         <a:buChar char="»"/>
-        <a:defRPr kumimoji="1" sz="2000" kern="1200">
+        <a:defRPr kumimoji="1" sz="6500" kern="1200">
           <a:solidFill>
             <a:schemeClr val="tx1"/>
           </a:solidFill>
@@ -3217,13 +3686,13 @@
           <a:cs typeface="+mn-cs"/>
         </a:defRPr>
       </a:lvl5pPr>
-      <a:lvl6pPr marL="2514600" indent="-228600" algn="l" defTabSz="914400" rtl="0" eaLnBrk="1" latinLnBrk="0" hangingPunct="1">
+      <a:lvl6pPr marL="8118889" indent="-738081" algn="l" defTabSz="2952323" rtl="0" eaLnBrk="1" latinLnBrk="0" hangingPunct="1">
         <a:spcBef>
           <a:spcPct val="20000"/>
         </a:spcBef>
         <a:buFont typeface="Arial" panose="020B0604020202020204" pitchFamily="34" charset="0"/>
         <a:buChar char="•"/>
-        <a:defRPr kumimoji="1" sz="2000" kern="1200">
+        <a:defRPr kumimoji="1" sz="6500" kern="1200">
           <a:solidFill>
             <a:schemeClr val="tx1"/>
           </a:solidFill>
@@ -3232,13 +3701,13 @@
           <a:cs typeface="+mn-cs"/>
         </a:defRPr>
       </a:lvl6pPr>
-      <a:lvl7pPr marL="2971800" indent="-228600" algn="l" defTabSz="914400" rtl="0" eaLnBrk="1" latinLnBrk="0" hangingPunct="1">
+      <a:lvl7pPr marL="9595051" indent="-738081" algn="l" defTabSz="2952323" rtl="0" eaLnBrk="1" latinLnBrk="0" hangingPunct="1">
         <a:spcBef>
           <a:spcPct val="20000"/>
         </a:spcBef>
         <a:buFont typeface="Arial" panose="020B0604020202020204" pitchFamily="34" charset="0"/>
         <a:buChar char="•"/>
-        <a:defRPr kumimoji="1" sz="2000" kern="1200">
+        <a:defRPr kumimoji="1" sz="6500" kern="1200">
           <a:solidFill>
             <a:schemeClr val="tx1"/>
           </a:solidFill>
@@ -3247,13 +3716,13 @@
           <a:cs typeface="+mn-cs"/>
         </a:defRPr>
       </a:lvl7pPr>
-      <a:lvl8pPr marL="3429000" indent="-228600" algn="l" defTabSz="914400" rtl="0" eaLnBrk="1" latinLnBrk="0" hangingPunct="1">
+      <a:lvl8pPr marL="11071212" indent="-738081" algn="l" defTabSz="2952323" rtl="0" eaLnBrk="1" latinLnBrk="0" hangingPunct="1">
         <a:spcBef>
           <a:spcPct val="20000"/>
         </a:spcBef>
         <a:buFont typeface="Arial" panose="020B0604020202020204" pitchFamily="34" charset="0"/>
         <a:buChar char="•"/>
-        <a:defRPr kumimoji="1" sz="2000" kern="1200">
+        <a:defRPr kumimoji="1" sz="6500" kern="1200">
           <a:solidFill>
             <a:schemeClr val="tx1"/>
           </a:solidFill>
@@ -3262,13 +3731,13 @@
           <a:cs typeface="+mn-cs"/>
         </a:defRPr>
       </a:lvl8pPr>
-      <a:lvl9pPr marL="3886200" indent="-228600" algn="l" defTabSz="914400" rtl="0" eaLnBrk="1" latinLnBrk="0" hangingPunct="1">
+      <a:lvl9pPr marL="12547374" indent="-738081" algn="l" defTabSz="2952323" rtl="0" eaLnBrk="1" latinLnBrk="0" hangingPunct="1">
         <a:spcBef>
           <a:spcPct val="20000"/>
         </a:spcBef>
         <a:buFont typeface="Arial" panose="020B0604020202020204" pitchFamily="34" charset="0"/>
         <a:buChar char="•"/>
-        <a:defRPr kumimoji="1" sz="2000" kern="1200">
+        <a:defRPr kumimoji="1" sz="6500" kern="1200">
           <a:solidFill>
             <a:schemeClr val="tx1"/>
           </a:solidFill>
@@ -3282,8 +3751,8 @@
       <a:defPPr>
         <a:defRPr lang="ja-JP"/>
       </a:defPPr>
-      <a:lvl1pPr marL="0" algn="l" defTabSz="914400" rtl="0" eaLnBrk="1" latinLnBrk="0" hangingPunct="1">
-        <a:defRPr kumimoji="1" sz="1800" kern="1200">
+      <a:lvl1pPr marL="0" algn="l" defTabSz="2952323" rtl="0" eaLnBrk="1" latinLnBrk="0" hangingPunct="1">
+        <a:defRPr kumimoji="1" sz="5800" kern="1200">
           <a:solidFill>
             <a:schemeClr val="tx1"/>
           </a:solidFill>
@@ -3292,8 +3761,8 @@
           <a:cs typeface="+mn-cs"/>
         </a:defRPr>
       </a:lvl1pPr>
-      <a:lvl2pPr marL="457200" algn="l" defTabSz="914400" rtl="0" eaLnBrk="1" latinLnBrk="0" hangingPunct="1">
-        <a:defRPr kumimoji="1" sz="1800" kern="1200">
+      <a:lvl2pPr marL="1476162" algn="l" defTabSz="2952323" rtl="0" eaLnBrk="1" latinLnBrk="0" hangingPunct="1">
+        <a:defRPr kumimoji="1" sz="5800" kern="1200">
           <a:solidFill>
             <a:schemeClr val="tx1"/>
           </a:solidFill>
@@ -3302,8 +3771,8 @@
           <a:cs typeface="+mn-cs"/>
         </a:defRPr>
       </a:lvl2pPr>
-      <a:lvl3pPr marL="914400" algn="l" defTabSz="914400" rtl="0" eaLnBrk="1" latinLnBrk="0" hangingPunct="1">
-        <a:defRPr kumimoji="1" sz="1800" kern="1200">
+      <a:lvl3pPr marL="2952323" algn="l" defTabSz="2952323" rtl="0" eaLnBrk="1" latinLnBrk="0" hangingPunct="1">
+        <a:defRPr kumimoji="1" sz="5800" kern="1200">
           <a:solidFill>
             <a:schemeClr val="tx1"/>
           </a:solidFill>
@@ -3312,8 +3781,8 @@
           <a:cs typeface="+mn-cs"/>
         </a:defRPr>
       </a:lvl3pPr>
-      <a:lvl4pPr marL="1371600" algn="l" defTabSz="914400" rtl="0" eaLnBrk="1" latinLnBrk="0" hangingPunct="1">
-        <a:defRPr kumimoji="1" sz="1800" kern="1200">
+      <a:lvl4pPr marL="4428485" algn="l" defTabSz="2952323" rtl="0" eaLnBrk="1" latinLnBrk="0" hangingPunct="1">
+        <a:defRPr kumimoji="1" sz="5800" kern="1200">
           <a:solidFill>
             <a:schemeClr val="tx1"/>
           </a:solidFill>
@@ -3322,8 +3791,8 @@
           <a:cs typeface="+mn-cs"/>
         </a:defRPr>
       </a:lvl4pPr>
-      <a:lvl5pPr marL="1828800" algn="l" defTabSz="914400" rtl="0" eaLnBrk="1" latinLnBrk="0" hangingPunct="1">
-        <a:defRPr kumimoji="1" sz="1800" kern="1200">
+      <a:lvl5pPr marL="5904647" algn="l" defTabSz="2952323" rtl="0" eaLnBrk="1" latinLnBrk="0" hangingPunct="1">
+        <a:defRPr kumimoji="1" sz="5800" kern="1200">
           <a:solidFill>
             <a:schemeClr val="tx1"/>
           </a:solidFill>
@@ -3332,8 +3801,8 @@
           <a:cs typeface="+mn-cs"/>
         </a:defRPr>
       </a:lvl5pPr>
-      <a:lvl6pPr marL="2286000" algn="l" defTabSz="914400" rtl="0" eaLnBrk="1" latinLnBrk="0" hangingPunct="1">
-        <a:defRPr kumimoji="1" sz="1800" kern="1200">
+      <a:lvl6pPr marL="7380808" algn="l" defTabSz="2952323" rtl="0" eaLnBrk="1" latinLnBrk="0" hangingPunct="1">
+        <a:defRPr kumimoji="1" sz="5800" kern="1200">
           <a:solidFill>
             <a:schemeClr val="tx1"/>
           </a:solidFill>
@@ -3342,8 +3811,8 @@
           <a:cs typeface="+mn-cs"/>
         </a:defRPr>
       </a:lvl6pPr>
-      <a:lvl7pPr marL="2743200" algn="l" defTabSz="914400" rtl="0" eaLnBrk="1" latinLnBrk="0" hangingPunct="1">
-        <a:defRPr kumimoji="1" sz="1800" kern="1200">
+      <a:lvl7pPr marL="8856970" algn="l" defTabSz="2952323" rtl="0" eaLnBrk="1" latinLnBrk="0" hangingPunct="1">
+        <a:defRPr kumimoji="1" sz="5800" kern="1200">
           <a:solidFill>
             <a:schemeClr val="tx1"/>
           </a:solidFill>
@@ -3352,8 +3821,8 @@
           <a:cs typeface="+mn-cs"/>
         </a:defRPr>
       </a:lvl7pPr>
-      <a:lvl8pPr marL="3200400" algn="l" defTabSz="914400" rtl="0" eaLnBrk="1" latinLnBrk="0" hangingPunct="1">
-        <a:defRPr kumimoji="1" sz="1800" kern="1200">
+      <a:lvl8pPr marL="10333131" algn="l" defTabSz="2952323" rtl="0" eaLnBrk="1" latinLnBrk="0" hangingPunct="1">
+        <a:defRPr kumimoji="1" sz="5800" kern="1200">
           <a:solidFill>
             <a:schemeClr val="tx1"/>
           </a:solidFill>
@@ -3362,8 +3831,8 @@
           <a:cs typeface="+mn-cs"/>
         </a:defRPr>
       </a:lvl8pPr>
-      <a:lvl9pPr marL="3657600" algn="l" defTabSz="914400" rtl="0" eaLnBrk="1" latinLnBrk="0" hangingPunct="1">
-        <a:defRPr kumimoji="1" sz="1800" kern="1200">
+      <a:lvl9pPr marL="11809293" algn="l" defTabSz="2952323" rtl="0" eaLnBrk="1" latinLnBrk="0" hangingPunct="1">
+        <a:defRPr kumimoji="1" sz="5800" kern="1200">
           <a:solidFill>
             <a:schemeClr val="tx1"/>
           </a:solidFill>
@@ -3406,8 +3875,8 @@
         </p:nvSpPr>
         <p:spPr>
           <a:xfrm>
-            <a:off x="-171400" y="35496"/>
-            <a:ext cx="4005064" cy="1584176"/>
+            <a:off x="-534514" y="117543"/>
+            <a:ext cx="12489866" cy="5245933"/>
           </a:xfrm>
         </p:spPr>
         <p:txBody>
@@ -3417,7 +3886,7 @@
           <a:lstStyle/>
           <a:p>
             <a:r>
-              <a:rPr lang="en-US" altLang="ja-JP" sz="2800" b="1" dirty="0">
+              <a:rPr lang="en-US" altLang="ja-JP" sz="9000" b="1" dirty="0">
                 <a:solidFill>
                   <a:schemeClr val="tx1">
                     <a:lumMod val="95000"/>
@@ -3431,7 +3900,7 @@
               <a:t>AR</a:t>
             </a:r>
             <a:r>
-              <a:rPr lang="ja-JP" altLang="en-US" sz="2400" b="1" dirty="0">
+              <a:rPr lang="ja-JP" altLang="en-US" sz="7700" b="1" dirty="0">
                 <a:solidFill>
                   <a:schemeClr val="tx1">
                     <a:lumMod val="95000"/>
@@ -3445,7 +3914,7 @@
               <a:t>システム開発</a:t>
             </a:r>
             <a:r>
-              <a:rPr lang="ja-JP" altLang="en-US" sz="2400" b="1" dirty="0" smtClean="0">
+              <a:rPr lang="ja-JP" altLang="en-US" sz="7700" b="1" dirty="0">
                 <a:solidFill>
                   <a:schemeClr val="tx1">
                     <a:lumMod val="95000"/>
@@ -3459,7 +3928,7 @@
               <a:t>に</a:t>
             </a:r>
             <a:r>
-              <a:rPr lang="en-US" altLang="ja-JP" sz="2400" b="1" dirty="0" smtClean="0">
+              <a:rPr lang="en-US" altLang="ja-JP" sz="7700" b="1" dirty="0">
                 <a:solidFill>
                   <a:schemeClr val="tx1">
                     <a:lumMod val="95000"/>
@@ -3473,7 +3942,7 @@
               <a:t/>
             </a:r>
             <a:br>
-              <a:rPr lang="en-US" altLang="ja-JP" sz="2400" b="1" dirty="0" smtClean="0">
+              <a:rPr lang="en-US" altLang="ja-JP" sz="7700" b="1" dirty="0">
                 <a:solidFill>
                   <a:schemeClr val="tx1">
                     <a:lumMod val="95000"/>
@@ -3486,7 +3955,7 @@
               </a:rPr>
             </a:br>
             <a:r>
-              <a:rPr lang="ja-JP" altLang="en-US" sz="2400" b="1" dirty="0" smtClean="0">
+              <a:rPr lang="ja-JP" altLang="en-US" sz="7700" b="1" dirty="0">
                 <a:solidFill>
                   <a:schemeClr val="tx1">
                     <a:lumMod val="95000"/>
@@ -3500,7 +3969,7 @@
               <a:t>おける</a:t>
             </a:r>
             <a:r>
-              <a:rPr lang="ja-JP" altLang="en-US" sz="2400" b="1" dirty="0">
+              <a:rPr lang="ja-JP" altLang="en-US" sz="7700" b="1" dirty="0">
                 <a:solidFill>
                   <a:schemeClr val="tx1">
                     <a:lumMod val="95000"/>
@@ -3513,17 +3982,6 @@
               </a:rPr>
               <a:t>テストの研究</a:t>
             </a:r>
-            <a:endParaRPr kumimoji="1" lang="ja-JP" altLang="en-US" sz="2400" b="1" dirty="0">
-              <a:solidFill>
-                <a:schemeClr val="tx1">
-                  <a:lumMod val="95000"/>
-                  <a:lumOff val="5000"/>
-                </a:schemeClr>
-              </a:solidFill>
-              <a:latin typeface="HGP明朝E" panose="02020900000000000000" pitchFamily="18" charset="-128"/>
-              <a:ea typeface="HGP明朝E" panose="02020900000000000000" pitchFamily="18" charset="-128"/>
-              <a:cs typeface="Times New Roman" panose="02020603050405020304" pitchFamily="18" charset="0"/>
-            </a:endParaRPr>
           </a:p>
         </p:txBody>
       </p:sp>
@@ -3535,8 +3993,8 @@
         </p:nvSpPr>
         <p:spPr>
           <a:xfrm>
-            <a:off x="5157192" y="-36512"/>
-            <a:ext cx="648072" cy="1354217"/>
+            <a:off x="16082799" y="-120906"/>
+            <a:ext cx="2021025" cy="4484433"/>
           </a:xfrm>
           <a:prstGeom prst="rect">
             <a:avLst/>
@@ -3544,7 +4002,7 @@
           <a:noFill/>
         </p:spPr>
         <p:txBody>
-          <a:bodyPr wrap="square" rtlCol="0">
+          <a:bodyPr wrap="square" lIns="295232" tIns="147616" rIns="295232" bIns="147616" rtlCol="0">
             <a:spAutoFit/>
           </a:bodyPr>
           <a:lstStyle/>
@@ -3564,7 +4022,7 @@
               <a:t>AR</a:t>
             </a:r>
             <a:r>
-              <a:rPr lang="ja-JP" altLang="en-US" sz="1600" dirty="0" smtClean="0">
+              <a:rPr lang="ja-JP" altLang="en-US" sz="5200" dirty="0">
                 <a:solidFill>
                   <a:schemeClr val="tx1">
                     <a:lumMod val="75000"/>
@@ -3577,7 +4035,7 @@
               <a:t>の</a:t>
             </a:r>
             <a:r>
-              <a:rPr lang="ja-JP" altLang="en-US" sz="2400" dirty="0" smtClean="0">
+              <a:rPr lang="ja-JP" altLang="en-US" sz="7700" dirty="0">
                 <a:solidFill>
                   <a:schemeClr val="tx1">
                     <a:lumMod val="75000"/>
@@ -3589,7 +4047,7 @@
               </a:rPr>
               <a:t>驚き</a:t>
             </a:r>
-            <a:endParaRPr lang="en-US" altLang="ja-JP" sz="2400" dirty="0" smtClean="0">
+            <a:endParaRPr lang="en-US" altLang="ja-JP" sz="7700" dirty="0">
               <a:solidFill>
                 <a:schemeClr val="tx1">
                   <a:lumMod val="75000"/>
@@ -3610,8 +4068,8 @@
         </p:nvSpPr>
         <p:spPr>
           <a:xfrm>
-            <a:off x="4155029" y="107504"/>
-            <a:ext cx="570115" cy="1785104"/>
+            <a:off x="12957537" y="355995"/>
+            <a:ext cx="1777914" cy="5911298"/>
           </a:xfrm>
           <a:prstGeom prst="rect">
             <a:avLst/>
@@ -3619,7 +4077,7 @@
           <a:noFill/>
         </p:spPr>
         <p:txBody>
-          <a:bodyPr wrap="square" rtlCol="0">
+          <a:bodyPr wrap="square" lIns="295232" tIns="147616" rIns="295232" bIns="147616" rtlCol="0">
             <a:spAutoFit/>
           </a:bodyPr>
           <a:lstStyle/>
@@ -3639,7 +4097,7 @@
               <a:t>AR</a:t>
             </a:r>
             <a:r>
-              <a:rPr lang="ja-JP" altLang="en-US" sz="1600" dirty="0">
+              <a:rPr lang="ja-JP" altLang="en-US" sz="5200" dirty="0">
                 <a:solidFill>
                   <a:schemeClr val="tx1">
                     <a:lumMod val="75000"/>
@@ -3652,7 +4110,7 @@
               <a:t>の</a:t>
             </a:r>
             <a:r>
-              <a:rPr lang="ja-JP" altLang="en-US" sz="2400" dirty="0" smtClean="0">
+              <a:rPr lang="ja-JP" altLang="en-US" sz="7700" dirty="0">
                 <a:solidFill>
                   <a:schemeClr val="tx1">
                     <a:lumMod val="75000"/>
@@ -3664,7 +4122,7 @@
               </a:rPr>
               <a:t>感動</a:t>
             </a:r>
-            <a:endParaRPr lang="en-US" altLang="ja-JP" sz="2400" dirty="0" smtClean="0">
+            <a:endParaRPr lang="en-US" altLang="ja-JP" sz="7700" dirty="0">
               <a:solidFill>
                 <a:schemeClr val="tx1">
                   <a:lumMod val="75000"/>
@@ -3677,7 +4135,7 @@
           </a:p>
           <a:p>
             <a:pPr algn="ctr"/>
-            <a:endParaRPr kumimoji="1" lang="ja-JP" altLang="en-US" sz="2800" dirty="0">
+            <a:endParaRPr lang="ja-JP" altLang="en-US" sz="9000" dirty="0">
               <a:latin typeface="HGP明朝E" panose="02020900000000000000" pitchFamily="18" charset="-128"/>
               <a:ea typeface="HGP明朝E" panose="02020900000000000000" pitchFamily="18" charset="-128"/>
             </a:endParaRPr>
@@ -3692,8 +4150,8 @@
         </p:nvSpPr>
         <p:spPr>
           <a:xfrm>
-            <a:off x="432048" y="1475656"/>
-            <a:ext cx="6453336" cy="338554"/>
+            <a:off x="1347350" y="4886574"/>
+            <a:ext cx="20124848" cy="1121107"/>
           </a:xfrm>
           <a:prstGeom prst="rect">
             <a:avLst/>
@@ -3701,13 +4159,13 @@
           <a:noFill/>
         </p:spPr>
         <p:txBody>
-          <a:bodyPr wrap="square" rtlCol="0">
+          <a:bodyPr wrap="square" lIns="295232" tIns="147616" rIns="295232" bIns="147616" rtlCol="0">
             <a:spAutoFit/>
           </a:bodyPr>
           <a:lstStyle/>
           <a:p>
             <a:r>
-              <a:rPr lang="ja-JP" altLang="en-US" sz="1600" dirty="0">
+              <a:rPr lang="ja-JP" altLang="en-US" sz="5200" dirty="0">
                 <a:solidFill>
                   <a:schemeClr val="tx1">
                     <a:lumMod val="75000"/>
@@ -3720,7 +4178,7 @@
               <a:t>プロジェクトマネジメントコース　矢吹研究室　</a:t>
             </a:r>
             <a:r>
-              <a:rPr lang="en-US" altLang="ja-JP" sz="1600" dirty="0">
+              <a:rPr lang="en-US" altLang="ja-JP" sz="5200" dirty="0">
                 <a:solidFill>
                   <a:schemeClr val="tx1">
                     <a:lumMod val="75000"/>
@@ -3733,7 +4191,7 @@
               <a:t>1142078</a:t>
             </a:r>
             <a:r>
-              <a:rPr lang="ja-JP" altLang="en-US" sz="1600" dirty="0">
+              <a:rPr lang="ja-JP" altLang="en-US" sz="5200" dirty="0">
                 <a:solidFill>
                   <a:schemeClr val="tx1">
                     <a:lumMod val="75000"/>
@@ -3745,16 +4203,6 @@
               </a:rPr>
               <a:t>　土井貴司</a:t>
             </a:r>
-            <a:endParaRPr kumimoji="1" lang="ja-JP" altLang="en-US" sz="1600" dirty="0">
-              <a:solidFill>
-                <a:schemeClr val="tx1">
-                  <a:lumMod val="75000"/>
-                  <a:lumOff val="25000"/>
-                </a:schemeClr>
-              </a:solidFill>
-              <a:latin typeface="HGP明朝E" panose="02020900000000000000" pitchFamily="18" charset="-128"/>
-              <a:ea typeface="HGP明朝E" panose="02020900000000000000" pitchFamily="18" charset="-128"/>
-            </a:endParaRPr>
           </a:p>
         </p:txBody>
       </p:sp>
@@ -3766,8 +4214,8 @@
         </p:nvSpPr>
         <p:spPr>
           <a:xfrm>
-            <a:off x="116632" y="1835696"/>
-            <a:ext cx="792089" cy="369332"/>
+            <a:off x="363721" y="6078831"/>
+            <a:ext cx="2470144" cy="1223028"/>
           </a:xfrm>
           <a:prstGeom prst="rect">
             <a:avLst/>
@@ -3775,7 +4223,7 @@
           <a:noFill/>
         </p:spPr>
         <p:txBody>
-          <a:bodyPr wrap="square" rtlCol="0">
+          <a:bodyPr wrap="square" lIns="295232" tIns="147616" rIns="295232" bIns="147616" rtlCol="0">
             <a:spAutoFit/>
           </a:bodyPr>
           <a:lstStyle/>
@@ -3802,8 +4250,8 @@
         </p:nvCxnSpPr>
         <p:spPr>
           <a:xfrm>
-            <a:off x="44624" y="1835696"/>
-            <a:ext cx="6597352" cy="0"/>
+            <a:off x="139161" y="6078831"/>
+            <a:ext cx="20573964" cy="0"/>
           </a:xfrm>
           <a:prstGeom prst="line">
             <a:avLst/>
@@ -3839,8 +4287,8 @@
         </p:nvCxnSpPr>
         <p:spPr>
           <a:xfrm>
-            <a:off x="44624" y="5220072"/>
-            <a:ext cx="6597352" cy="0"/>
+            <a:off x="139161" y="16809148"/>
+            <a:ext cx="20573964" cy="0"/>
           </a:xfrm>
           <a:prstGeom prst="line">
             <a:avLst/>
@@ -3876,8 +4324,8 @@
         </p:nvSpPr>
         <p:spPr>
           <a:xfrm>
-            <a:off x="116632" y="5210780"/>
-            <a:ext cx="792089" cy="369332"/>
+            <a:off x="363721" y="16809148"/>
+            <a:ext cx="2470144" cy="1223028"/>
           </a:xfrm>
           <a:prstGeom prst="rect">
             <a:avLst/>
@@ -3885,7 +4333,7 @@
           <a:noFill/>
         </p:spPr>
         <p:txBody>
-          <a:bodyPr wrap="square" rtlCol="0">
+          <a:bodyPr wrap="square" lIns="295232" tIns="147616" rIns="295232" bIns="147616" rtlCol="0">
             <a:spAutoFit/>
           </a:bodyPr>
           <a:lstStyle/>
@@ -3912,8 +4360,8 @@
         </p:nvSpPr>
         <p:spPr>
           <a:xfrm>
-            <a:off x="116632" y="7380312"/>
-            <a:ext cx="2376264" cy="369332"/>
+            <a:off x="363719" y="22293532"/>
+            <a:ext cx="7410423" cy="1223028"/>
           </a:xfrm>
           <a:prstGeom prst="rect">
             <a:avLst/>
@@ -3921,7 +4369,7 @@
           <a:noFill/>
         </p:spPr>
         <p:txBody>
-          <a:bodyPr wrap="square" rtlCol="0">
+          <a:bodyPr wrap="square" lIns="295232" tIns="147616" rIns="295232" bIns="147616" rtlCol="0">
             <a:spAutoFit/>
           </a:bodyPr>
           <a:lstStyle/>
@@ -3948,8 +4396,8 @@
         </p:nvCxnSpPr>
         <p:spPr>
           <a:xfrm>
-            <a:off x="44624" y="7380312"/>
-            <a:ext cx="6597352" cy="0"/>
+            <a:off x="267176" y="22293532"/>
+            <a:ext cx="20573964" cy="0"/>
           </a:xfrm>
           <a:prstGeom prst="line">
             <a:avLst/>
@@ -3985,8 +4433,8 @@
         </p:nvSpPr>
         <p:spPr>
           <a:xfrm>
-            <a:off x="216024" y="2166700"/>
-            <a:ext cx="6425952" cy="677108"/>
+            <a:off x="673675" y="7032637"/>
+            <a:ext cx="20039450" cy="2242215"/>
           </a:xfrm>
           <a:prstGeom prst="rect">
             <a:avLst/>
@@ -3994,14 +4442,14 @@
           <a:noFill/>
         </p:spPr>
         <p:txBody>
-          <a:bodyPr wrap="square" rtlCol="0">
+          <a:bodyPr wrap="square" lIns="295232" tIns="147616" rIns="295232" bIns="147616" rtlCol="0">
             <a:spAutoFit/>
           </a:bodyPr>
           <a:lstStyle/>
           <a:p>
-            <a:pPr marL="452438" indent="-452438"/>
-            <a:r>
-              <a:rPr lang="en-US" altLang="ja-JP" sz="2000" dirty="0" smtClean="0">
+            <a:pPr marL="1460787" indent="-1460787"/>
+            <a:r>
+              <a:rPr lang="en-US" altLang="ja-JP" sz="6500" dirty="0">
                 <a:solidFill>
                   <a:schemeClr val="tx1">
                     <a:lumMod val="75000"/>
@@ -4086,10 +4534,10 @@
         </p:nvGrpSpPr>
         <p:grpSpPr>
           <a:xfrm>
-            <a:off x="-27384" y="2771800"/>
-            <a:ext cx="6885384" cy="1778569"/>
+            <a:off x="-85398" y="8463347"/>
+            <a:ext cx="21472198" cy="5645970"/>
             <a:chOff x="-27384" y="2610362"/>
-            <a:chExt cx="6885384" cy="1778569"/>
+            <a:chExt cx="6885384" cy="1704980"/>
           </a:xfrm>
         </p:grpSpPr>
         <p:sp>
@@ -4101,7 +4549,7 @@
           <p:spPr>
             <a:xfrm>
               <a:off x="-27384" y="3164795"/>
-              <a:ext cx="3168352" cy="584775"/>
+              <a:ext cx="3168352" cy="511186"/>
             </a:xfrm>
             <a:prstGeom prst="rect">
               <a:avLst/>
@@ -4116,7 +4564,7 @@
             <a:p>
               <a:pPr algn="ctr"/>
               <a:r>
-                <a:rPr lang="ja-JP" altLang="en-US" sz="1600" dirty="0" smtClean="0">
+                <a:rPr lang="ja-JP" altLang="en-US" sz="5200" dirty="0">
                   <a:solidFill>
                     <a:schemeClr val="tx1">
                       <a:lumMod val="75000"/>
@@ -4128,7 +4576,7 @@
                 </a:rPr>
                 <a:t>情報表現手段であり</a:t>
               </a:r>
-              <a:endParaRPr lang="en-US" altLang="ja-JP" sz="1600" dirty="0" smtClean="0">
+              <a:endParaRPr lang="en-US" altLang="ja-JP" sz="5200" dirty="0">
                 <a:solidFill>
                   <a:schemeClr val="tx1">
                     <a:lumMod val="75000"/>
@@ -4142,7 +4590,7 @@
             <a:p>
               <a:pPr algn="ctr"/>
               <a:r>
-                <a:rPr lang="ja-JP" altLang="en-US" sz="1600" dirty="0" smtClean="0">
+                <a:rPr lang="ja-JP" altLang="en-US" sz="5200" dirty="0">
                   <a:solidFill>
                     <a:schemeClr val="tx1">
                       <a:lumMod val="75000"/>
@@ -4154,7 +4602,7 @@
                 </a:rPr>
                 <a:t>様々な場面で注目されている！</a:t>
               </a:r>
-              <a:endParaRPr kumimoji="1" lang="ja-JP" altLang="en-US" sz="1600" dirty="0">
+              <a:endParaRPr lang="ja-JP" altLang="en-US" sz="5200" dirty="0">
                 <a:solidFill>
                   <a:schemeClr val="tx1">
                     <a:lumMod val="75000"/>
@@ -4181,7 +4629,7 @@
             <a:prstGeom prst="straightConnector1">
               <a:avLst/>
             </a:prstGeom>
-            <a:ln w="38100">
+            <a:ln w="76200">
               <a:solidFill>
                 <a:schemeClr val="tx1">
                   <a:lumMod val="65000"/>
@@ -4215,7 +4663,7 @@
           <p:spPr>
             <a:xfrm>
               <a:off x="4257092" y="2610362"/>
-              <a:ext cx="1800200" cy="584775"/>
+              <a:ext cx="1800200" cy="511186"/>
             </a:xfrm>
             <a:prstGeom prst="rect">
               <a:avLst/>
@@ -4230,7 +4678,7 @@
             <a:p>
               <a:pPr algn="ctr"/>
               <a:r>
-                <a:rPr kumimoji="1" lang="ja-JP" altLang="en-US" sz="1600" dirty="0" smtClean="0">
+                <a:rPr lang="ja-JP" altLang="en-US" sz="5200" dirty="0">
                   <a:solidFill>
                     <a:schemeClr val="tx1">
                       <a:lumMod val="75000"/>
@@ -4242,7 +4690,7 @@
                 </a:rPr>
                 <a:t>スマートフォン</a:t>
               </a:r>
-              <a:endParaRPr kumimoji="1" lang="en-US" altLang="ja-JP" sz="1600" dirty="0" smtClean="0">
+              <a:endParaRPr lang="en-US" altLang="ja-JP" sz="5200" dirty="0">
                 <a:solidFill>
                   <a:schemeClr val="tx1">
                     <a:lumMod val="75000"/>
@@ -4256,7 +4704,7 @@
             <a:p>
               <a:pPr algn="ctr"/>
               <a:r>
-                <a:rPr kumimoji="1" lang="ja-JP" altLang="en-US" sz="1600" dirty="0" smtClean="0">
+                <a:rPr lang="ja-JP" altLang="en-US" sz="5200" dirty="0">
                   <a:solidFill>
                     <a:schemeClr val="tx1">
                       <a:lumMod val="75000"/>
@@ -4268,7 +4716,7 @@
                 </a:rPr>
                 <a:t>普及拡大</a:t>
               </a:r>
-              <a:endParaRPr kumimoji="1" lang="ja-JP" altLang="en-US" sz="1600" dirty="0">
+              <a:endParaRPr lang="ja-JP" altLang="en-US" sz="5200" dirty="0">
                 <a:solidFill>
                   <a:schemeClr val="tx1">
                     <a:lumMod val="75000"/>
@@ -4295,7 +4743,7 @@
             <a:prstGeom prst="straightConnector1">
               <a:avLst/>
             </a:prstGeom>
-            <a:ln w="38100">
+            <a:ln w="76200">
               <a:solidFill>
                 <a:schemeClr val="tx1">
                   <a:lumMod val="65000"/>
@@ -4329,7 +4777,7 @@
           <p:spPr>
             <a:xfrm>
               <a:off x="3933056" y="3297342"/>
-              <a:ext cx="2924944" cy="338554"/>
+              <a:ext cx="2924944" cy="269534"/>
             </a:xfrm>
             <a:prstGeom prst="rect">
               <a:avLst/>
@@ -4344,7 +4792,7 @@
             <a:p>
               <a:pPr algn="ctr"/>
               <a:r>
-                <a:rPr kumimoji="1" lang="ja-JP" altLang="en-US" sz="1600" dirty="0" smtClean="0">
+                <a:rPr lang="ja-JP" altLang="en-US" sz="5200" dirty="0">
                   <a:solidFill>
                     <a:schemeClr val="tx1">
                       <a:lumMod val="75000"/>
@@ -4356,7 +4804,7 @@
                 </a:rPr>
                 <a:t>クラウド＆プラットフォーム</a:t>
               </a:r>
-              <a:endParaRPr kumimoji="1" lang="ja-JP" altLang="en-US" sz="1600" dirty="0">
+              <a:endParaRPr lang="ja-JP" altLang="en-US" sz="5200" dirty="0">
                 <a:solidFill>
                   <a:schemeClr val="tx1">
                     <a:lumMod val="75000"/>
@@ -4378,7 +4826,7 @@
           <p:spPr>
             <a:xfrm>
               <a:off x="4185084" y="3804156"/>
-              <a:ext cx="1944216" cy="584775"/>
+              <a:ext cx="1944216" cy="511186"/>
             </a:xfrm>
             <a:prstGeom prst="rect">
               <a:avLst/>
@@ -4393,7 +4841,7 @@
             <a:p>
               <a:pPr algn="ctr"/>
               <a:r>
-                <a:rPr kumimoji="1" lang="ja-JP" altLang="en-US" sz="1600" dirty="0" smtClean="0">
+                <a:rPr lang="ja-JP" altLang="en-US" sz="5200" dirty="0">
                   <a:solidFill>
                     <a:schemeClr val="tx1">
                       <a:lumMod val="75000"/>
@@ -4405,7 +4853,7 @@
                 </a:rPr>
                 <a:t>ソフトウェアの</a:t>
               </a:r>
-              <a:endParaRPr kumimoji="1" lang="en-US" altLang="ja-JP" sz="1600" dirty="0" smtClean="0">
+              <a:endParaRPr lang="en-US" altLang="ja-JP" sz="5200" dirty="0">
                 <a:solidFill>
                   <a:schemeClr val="tx1">
                     <a:lumMod val="75000"/>
@@ -4419,7 +4867,7 @@
             <a:p>
               <a:pPr algn="ctr"/>
               <a:r>
-                <a:rPr lang="ja-JP" altLang="en-US" sz="1600" dirty="0">
+                <a:rPr lang="ja-JP" altLang="en-US" sz="5200" dirty="0">
                   <a:solidFill>
                     <a:schemeClr val="tx1">
                       <a:lumMod val="75000"/>
@@ -4432,7 +4880,7 @@
                 <a:t>技術</a:t>
               </a:r>
               <a:r>
-                <a:rPr lang="ja-JP" altLang="en-US" sz="1600" dirty="0" smtClean="0">
+                <a:rPr lang="ja-JP" altLang="en-US" sz="5200" dirty="0">
                   <a:solidFill>
                     <a:schemeClr val="tx1">
                       <a:lumMod val="75000"/>
@@ -4444,7 +4892,7 @@
                 </a:rPr>
                 <a:t>の進化</a:t>
               </a:r>
-              <a:endParaRPr kumimoji="1" lang="en-US" altLang="ja-JP" sz="1600" dirty="0" smtClean="0">
+              <a:endParaRPr lang="en-US" altLang="ja-JP" sz="5200" dirty="0">
                 <a:solidFill>
                   <a:schemeClr val="tx1">
                     <a:lumMod val="75000"/>
@@ -4465,8 +4913,8 @@
           </p:nvSpPr>
           <p:spPr>
             <a:xfrm>
-              <a:off x="3284984" y="2826386"/>
-              <a:ext cx="360040" cy="1338828"/>
+              <a:off x="3392227" y="2863915"/>
+              <a:ext cx="360040" cy="1240788"/>
             </a:xfrm>
             <a:prstGeom prst="rect">
               <a:avLst/>
@@ -4507,131 +4955,416 @@
       </p:grpSp>
       <p:sp>
         <p:nvSpPr>
-          <p:cNvPr id="39" name="テキスト ボックス 38"/>
+          <p:cNvPr id="64" name="テキスト ボックス 63"/>
           <p:cNvSpPr txBox="1"/>
           <p:nvPr/>
         </p:nvSpPr>
         <p:spPr>
           <a:xfrm>
-            <a:off x="1358770" y="5292080"/>
-            <a:ext cx="4140460" cy="338554"/>
+            <a:off x="-26632" y="27306781"/>
+            <a:ext cx="5416280" cy="2140298"/>
           </a:xfrm>
           <a:prstGeom prst="rect">
             <a:avLst/>
           </a:prstGeom>
           <a:noFill/>
-          <a:ln>
-            <a:noFill/>
-          </a:ln>
         </p:spPr>
         <p:txBody>
-          <a:bodyPr wrap="square" rtlCol="0">
+          <a:bodyPr wrap="square" lIns="295232" tIns="147616" rIns="295232" bIns="147616" rtlCol="0">
             <a:spAutoFit/>
           </a:bodyPr>
           <a:lstStyle/>
           <a:p>
             <a:pPr algn="ctr"/>
             <a:r>
-              <a:rPr kumimoji="1" lang="ja-JP" altLang="en-US" sz="1600" dirty="0" smtClean="0">
-                <a:solidFill>
-                  <a:schemeClr val="tx1">
-                    <a:lumMod val="75000"/>
-                    <a:lumOff val="25000"/>
-                  </a:schemeClr>
+              <a:rPr lang="ja-JP" altLang="en-US" dirty="0" smtClean="0">
+                <a:solidFill>
+                  <a:schemeClr val="tx2"/>
                 </a:solidFill>
                 <a:latin typeface="HGS明朝E" panose="02020900000000000000" pitchFamily="18" charset="-128"/>
                 <a:ea typeface="HGS明朝E" panose="02020900000000000000" pitchFamily="18" charset="-128"/>
               </a:rPr>
-              <a:t>様々な現場で</a:t>
-            </a:r>
-            <a:r>
-              <a:rPr kumimoji="1" lang="en-US" altLang="ja-JP" sz="1600" dirty="0" smtClean="0">
-                <a:solidFill>
-                  <a:schemeClr val="tx1">
-                    <a:lumMod val="75000"/>
-                    <a:lumOff val="25000"/>
-                  </a:schemeClr>
+              <a:t>品質</a:t>
+            </a:r>
+            <a:endParaRPr lang="en-US" altLang="ja-JP" dirty="0" smtClean="0">
+              <a:solidFill>
+                <a:schemeClr val="tx2"/>
+              </a:solidFill>
+              <a:latin typeface="HGS明朝E" panose="02020900000000000000" pitchFamily="18" charset="-128"/>
+              <a:ea typeface="HGS明朝E" panose="02020900000000000000" pitchFamily="18" charset="-128"/>
+            </a:endParaRPr>
+          </a:p>
+          <a:p>
+            <a:pPr algn="ctr"/>
+            <a:r>
+              <a:rPr lang="ja-JP" altLang="en-US" dirty="0" smtClean="0">
+                <a:solidFill>
+                  <a:schemeClr val="tx2"/>
                 </a:solidFill>
                 <a:latin typeface="HGS明朝E" panose="02020900000000000000" pitchFamily="18" charset="-128"/>
                 <a:ea typeface="HGS明朝E" panose="02020900000000000000" pitchFamily="18" charset="-128"/>
               </a:rPr>
-              <a:t>AR</a:t>
-            </a:r>
-            <a:r>
-              <a:rPr kumimoji="1" lang="ja-JP" altLang="en-US" sz="1600" dirty="0" smtClean="0">
-                <a:solidFill>
-                  <a:schemeClr val="tx1">
-                    <a:lumMod val="75000"/>
-                    <a:lumOff val="25000"/>
-                  </a:schemeClr>
+              <a:t>マネジメント</a:t>
+            </a:r>
+            <a:endParaRPr kumimoji="1" lang="en-US" altLang="ja-JP" dirty="0" smtClean="0">
+              <a:solidFill>
+                <a:schemeClr val="tx2"/>
+              </a:solidFill>
+              <a:latin typeface="HGS明朝E" panose="02020900000000000000" pitchFamily="18" charset="-128"/>
+              <a:ea typeface="HGS明朝E" panose="02020900000000000000" pitchFamily="18" charset="-128"/>
+            </a:endParaRPr>
+          </a:p>
+        </p:txBody>
+      </p:sp>
+      <p:sp>
+        <p:nvSpPr>
+          <p:cNvPr id="65" name="テキスト ボックス 64"/>
+          <p:cNvSpPr txBox="1"/>
+          <p:nvPr/>
+        </p:nvSpPr>
+        <p:spPr>
+          <a:xfrm>
+            <a:off x="5373694" y="26827955"/>
+            <a:ext cx="3298682" cy="1121107"/>
+          </a:xfrm>
+          <a:prstGeom prst="rect">
+            <a:avLst/>
+          </a:prstGeom>
+          <a:noFill/>
+        </p:spPr>
+        <p:txBody>
+          <a:bodyPr wrap="square" lIns="295232" tIns="147616" rIns="295232" bIns="147616" rtlCol="0">
+            <a:spAutoFit/>
+          </a:bodyPr>
+          <a:lstStyle/>
+          <a:p>
+            <a:r>
+              <a:rPr lang="ja-JP" altLang="en-US" sz="5200" dirty="0">
+                <a:solidFill>
+                  <a:schemeClr val="tx2"/>
                 </a:solidFill>
                 <a:latin typeface="HGS明朝E" panose="02020900000000000000" pitchFamily="18" charset="-128"/>
                 <a:ea typeface="HGS明朝E" panose="02020900000000000000" pitchFamily="18" charset="-128"/>
               </a:rPr>
-              <a:t>が利用されつつある</a:t>
-            </a:r>
-            <a:endParaRPr kumimoji="1" lang="ja-JP" altLang="en-US" sz="1600" dirty="0">
+              <a:t>品質向上</a:t>
+            </a:r>
+            <a:endParaRPr lang="ja-JP" altLang="en-US" sz="5200" dirty="0">
+              <a:solidFill>
+                <a:schemeClr val="tx2"/>
+              </a:solidFill>
+              <a:latin typeface="HGS明朝E" panose="02020900000000000000" pitchFamily="18" charset="-128"/>
+              <a:ea typeface="HGS明朝E" panose="02020900000000000000" pitchFamily="18" charset="-128"/>
+            </a:endParaRPr>
+          </a:p>
+        </p:txBody>
+      </p:sp>
+      <p:sp>
+        <p:nvSpPr>
+          <p:cNvPr id="81" name="テキスト ボックス 80"/>
+          <p:cNvSpPr txBox="1"/>
+          <p:nvPr/>
+        </p:nvSpPr>
+        <p:spPr>
+          <a:xfrm>
+            <a:off x="16055917" y="27306781"/>
+            <a:ext cx="5416280" cy="2140298"/>
+          </a:xfrm>
+          <a:prstGeom prst="rect">
+            <a:avLst/>
+          </a:prstGeom>
+          <a:noFill/>
+        </p:spPr>
+        <p:txBody>
+          <a:bodyPr wrap="square" lIns="295232" tIns="147616" rIns="295232" bIns="147616" rtlCol="0">
+            <a:spAutoFit/>
+          </a:bodyPr>
+          <a:lstStyle/>
+          <a:p>
+            <a:pPr algn="ctr"/>
+            <a:r>
+              <a:rPr kumimoji="1" lang="ja-JP" altLang="en-US" dirty="0" smtClean="0">
+                <a:solidFill>
+                  <a:srgbClr val="FF0000"/>
+                </a:solidFill>
+                <a:latin typeface="HGS明朝E" panose="02020900000000000000" pitchFamily="18" charset="-128"/>
+                <a:ea typeface="HGS明朝E" panose="02020900000000000000" pitchFamily="18" charset="-128"/>
+              </a:rPr>
+              <a:t>経営戦略</a:t>
+            </a:r>
+            <a:endParaRPr kumimoji="1" lang="en-US" altLang="ja-JP" dirty="0" smtClean="0">
+              <a:solidFill>
+                <a:srgbClr val="FF0000"/>
+              </a:solidFill>
+              <a:latin typeface="HGS明朝E" panose="02020900000000000000" pitchFamily="18" charset="-128"/>
+              <a:ea typeface="HGS明朝E" panose="02020900000000000000" pitchFamily="18" charset="-128"/>
+            </a:endParaRPr>
+          </a:p>
+          <a:p>
+            <a:pPr algn="ctr"/>
+            <a:r>
+              <a:rPr lang="ja-JP" altLang="en-US" dirty="0">
+                <a:solidFill>
+                  <a:srgbClr val="FF0000"/>
+                </a:solidFill>
+                <a:latin typeface="HGS明朝E" panose="02020900000000000000" pitchFamily="18" charset="-128"/>
+                <a:ea typeface="HGS明朝E" panose="02020900000000000000" pitchFamily="18" charset="-128"/>
+              </a:rPr>
+              <a:t>マネジメント</a:t>
+            </a:r>
+            <a:endParaRPr kumimoji="1" lang="en-US" altLang="ja-JP" dirty="0" smtClean="0">
+              <a:solidFill>
+                <a:srgbClr val="FF0000"/>
+              </a:solidFill>
+              <a:latin typeface="HGS明朝E" panose="02020900000000000000" pitchFamily="18" charset="-128"/>
+              <a:ea typeface="HGS明朝E" panose="02020900000000000000" pitchFamily="18" charset="-128"/>
+            </a:endParaRPr>
+          </a:p>
+        </p:txBody>
+      </p:sp>
+      <p:sp>
+        <p:nvSpPr>
+          <p:cNvPr id="82" name="テキスト ボックス 81"/>
+          <p:cNvSpPr txBox="1"/>
+          <p:nvPr/>
+        </p:nvSpPr>
+        <p:spPr>
+          <a:xfrm>
+            <a:off x="12265308" y="26522198"/>
+            <a:ext cx="4111629" cy="1732621"/>
+          </a:xfrm>
+          <a:prstGeom prst="rect">
+            <a:avLst/>
+          </a:prstGeom>
+          <a:noFill/>
+        </p:spPr>
+        <p:txBody>
+          <a:bodyPr wrap="square" lIns="295232" tIns="147616" rIns="295232" bIns="147616" rtlCol="0">
+            <a:spAutoFit/>
+          </a:bodyPr>
+          <a:lstStyle/>
+          <a:p>
+            <a:pPr algn="ctr"/>
+            <a:r>
+              <a:rPr lang="ja-JP" altLang="en-US" sz="4500" dirty="0">
+                <a:solidFill>
+                  <a:srgbClr val="FF0000"/>
+                </a:solidFill>
+                <a:latin typeface="HGS明朝E" panose="02020900000000000000" pitchFamily="18" charset="-128"/>
+                <a:ea typeface="HGS明朝E" panose="02020900000000000000" pitchFamily="18" charset="-128"/>
+              </a:rPr>
+              <a:t>競合企業との</a:t>
+            </a:r>
+            <a:endParaRPr lang="en-US" altLang="ja-JP" sz="4500" dirty="0">
+              <a:solidFill>
+                <a:srgbClr val="FF0000"/>
+              </a:solidFill>
+              <a:latin typeface="HGS明朝E" panose="02020900000000000000" pitchFamily="18" charset="-128"/>
+              <a:ea typeface="HGS明朝E" panose="02020900000000000000" pitchFamily="18" charset="-128"/>
+            </a:endParaRPr>
+          </a:p>
+          <a:p>
+            <a:pPr algn="ctr"/>
+            <a:r>
+              <a:rPr lang="ja-JP" altLang="en-US" sz="4500" dirty="0">
+                <a:solidFill>
+                  <a:srgbClr val="FF0000"/>
+                </a:solidFill>
+                <a:latin typeface="HGS明朝E" panose="02020900000000000000" pitchFamily="18" charset="-128"/>
+                <a:ea typeface="HGS明朝E" panose="02020900000000000000" pitchFamily="18" charset="-128"/>
+              </a:rPr>
+              <a:t>差別化</a:t>
+            </a:r>
+          </a:p>
+        </p:txBody>
+      </p:sp>
+      <p:grpSp>
+        <p:nvGrpSpPr>
+          <p:cNvPr id="28" name="グループ化 27"/>
+          <p:cNvGrpSpPr/>
+          <p:nvPr/>
+        </p:nvGrpSpPr>
+        <p:grpSpPr>
+          <a:xfrm>
+            <a:off x="9661519" y="11357564"/>
+            <a:ext cx="2828347" cy="49784"/>
+            <a:chOff x="3052184" y="3644934"/>
+            <a:chExt cx="906952" cy="15034"/>
+          </a:xfrm>
+        </p:grpSpPr>
+        <p:cxnSp>
+          <p:nvCxnSpPr>
+            <p:cNvPr id="40" name="直線矢印コネクタ 39"/>
+            <p:cNvCxnSpPr/>
+            <p:nvPr/>
+          </p:nvCxnSpPr>
+          <p:spPr>
+            <a:xfrm flipV="1">
+              <a:off x="3657448" y="3644934"/>
+              <a:ext cx="301688" cy="12304"/>
+            </a:xfrm>
+            <a:prstGeom prst="straightConnector1">
+              <a:avLst/>
+            </a:prstGeom>
+            <a:ln w="76200">
+              <a:solidFill>
+                <a:schemeClr val="tx1">
+                  <a:lumMod val="65000"/>
+                  <a:lumOff val="35000"/>
+                </a:schemeClr>
+              </a:solidFill>
+              <a:tailEnd type="arrow"/>
+            </a:ln>
+          </p:spPr>
+          <p:style>
+            <a:lnRef idx="1">
+              <a:schemeClr val="accent1"/>
+            </a:lnRef>
+            <a:fillRef idx="0">
+              <a:schemeClr val="accent1"/>
+            </a:fillRef>
+            <a:effectRef idx="0">
+              <a:schemeClr val="accent1"/>
+            </a:effectRef>
+            <a:fontRef idx="minor">
+              <a:schemeClr val="tx1"/>
+            </a:fontRef>
+          </p:style>
+        </p:cxnSp>
+        <p:cxnSp>
+          <p:nvCxnSpPr>
+            <p:cNvPr id="16" name="直線コネクタ 15"/>
+            <p:cNvCxnSpPr/>
+            <p:nvPr/>
+          </p:nvCxnSpPr>
+          <p:spPr>
+            <a:xfrm>
+              <a:off x="3052184" y="3659968"/>
+              <a:ext cx="283117" cy="0"/>
+            </a:xfrm>
+            <a:prstGeom prst="line">
+              <a:avLst/>
+            </a:prstGeom>
+            <a:ln w="76200">
+              <a:solidFill>
+                <a:schemeClr val="tx1">
+                  <a:lumMod val="65000"/>
+                  <a:lumOff val="35000"/>
+                </a:schemeClr>
+              </a:solidFill>
+            </a:ln>
+          </p:spPr>
+          <p:style>
+            <a:lnRef idx="1">
+              <a:schemeClr val="accent1"/>
+            </a:lnRef>
+            <a:fillRef idx="0">
+              <a:schemeClr val="accent1"/>
+            </a:fillRef>
+            <a:effectRef idx="0">
+              <a:schemeClr val="accent1"/>
+            </a:effectRef>
+            <a:fontRef idx="minor">
+              <a:schemeClr val="tx1"/>
+            </a:fontRef>
+          </p:style>
+        </p:cxnSp>
+      </p:grpSp>
+      <p:sp>
+        <p:nvSpPr>
+          <p:cNvPr id="29" name="テキスト ボックス 28"/>
+          <p:cNvSpPr txBox="1"/>
+          <p:nvPr/>
+        </p:nvSpPr>
+        <p:spPr>
+          <a:xfrm>
+            <a:off x="1037398" y="13238142"/>
+            <a:ext cx="7859537" cy="1936458"/>
+          </a:xfrm>
+          <a:prstGeom prst="rect">
+            <a:avLst/>
+          </a:prstGeom>
+          <a:noFill/>
+        </p:spPr>
+        <p:txBody>
+          <a:bodyPr wrap="square" lIns="295232" tIns="147616" rIns="295232" bIns="147616" rtlCol="0">
+            <a:spAutoFit/>
+          </a:bodyPr>
+          <a:lstStyle/>
+          <a:p>
+            <a:r>
+              <a:rPr lang="ja-JP" altLang="en-US" sz="5200" dirty="0">
+                <a:solidFill>
+                  <a:schemeClr val="tx1">
+                    <a:lumMod val="75000"/>
+                    <a:lumOff val="25000"/>
+                  </a:schemeClr>
+                </a:solidFill>
+                <a:latin typeface="HGP明朝E" panose="02020900000000000000" pitchFamily="18" charset="-128"/>
+                <a:ea typeface="HGP明朝E" panose="02020900000000000000" pitchFamily="18" charset="-128"/>
+              </a:rPr>
+              <a:t>しかし</a:t>
+            </a:r>
+            <a:endParaRPr lang="en-US" altLang="ja-JP" sz="5200" dirty="0">
               <a:solidFill>
                 <a:schemeClr val="tx1">
                   <a:lumMod val="75000"/>
                   <a:lumOff val="25000"/>
                 </a:schemeClr>
               </a:solidFill>
-              <a:latin typeface="HGS明朝E" panose="02020900000000000000" pitchFamily="18" charset="-128"/>
-              <a:ea typeface="HGS明朝E" panose="02020900000000000000" pitchFamily="18" charset="-128"/>
+              <a:latin typeface="HGP明朝E" panose="02020900000000000000" pitchFamily="18" charset="-128"/>
+              <a:ea typeface="HGP明朝E" panose="02020900000000000000" pitchFamily="18" charset="-128"/>
             </a:endParaRPr>
           </a:p>
-        </p:txBody>
-      </p:sp>
-      <p:cxnSp>
-        <p:nvCxnSpPr>
-          <p:cNvPr id="41" name="直線矢印コネクタ 40"/>
-          <p:cNvCxnSpPr/>
+          <a:p>
+            <a:r>
+              <a:rPr lang="en-US" altLang="ja-JP" sz="5200" dirty="0">
+                <a:solidFill>
+                  <a:schemeClr val="tx1">
+                    <a:lumMod val="75000"/>
+                    <a:lumOff val="25000"/>
+                  </a:schemeClr>
+                </a:solidFill>
+                <a:latin typeface="HGP明朝E" panose="02020900000000000000" pitchFamily="18" charset="-128"/>
+                <a:ea typeface="HGP明朝E" panose="02020900000000000000" pitchFamily="18" charset="-128"/>
+              </a:rPr>
+              <a:t>AR</a:t>
+            </a:r>
+            <a:r>
+              <a:rPr lang="ja-JP" altLang="en-US" sz="5200" dirty="0">
+                <a:solidFill>
+                  <a:schemeClr val="tx1">
+                    <a:lumMod val="75000"/>
+                    <a:lumOff val="25000"/>
+                  </a:schemeClr>
+                </a:solidFill>
+                <a:latin typeface="HGP明朝E" panose="02020900000000000000" pitchFamily="18" charset="-128"/>
+                <a:ea typeface="HGP明朝E" panose="02020900000000000000" pitchFamily="18" charset="-128"/>
+              </a:rPr>
+              <a:t>のテストは難しい．．．</a:t>
+            </a:r>
+            <a:endParaRPr lang="ja-JP" altLang="en-US" sz="5200" dirty="0">
+              <a:solidFill>
+                <a:schemeClr val="tx1">
+                  <a:lumMod val="75000"/>
+                  <a:lumOff val="25000"/>
+                </a:schemeClr>
+              </a:solidFill>
+              <a:latin typeface="HGP明朝E" panose="02020900000000000000" pitchFamily="18" charset="-128"/>
+              <a:ea typeface="HGP明朝E" panose="02020900000000000000" pitchFamily="18" charset="-128"/>
+            </a:endParaRPr>
+          </a:p>
+        </p:txBody>
+      </p:sp>
+      <p:sp>
+        <p:nvSpPr>
+          <p:cNvPr id="30" name="テキスト ボックス 29"/>
+          <p:cNvSpPr txBox="1"/>
           <p:nvPr/>
-        </p:nvCxnSpPr>
+        </p:nvSpPr>
         <p:spPr>
           <a:xfrm>
-            <a:off x="3419170" y="5580112"/>
-            <a:ext cx="0" cy="360040"/>
-          </a:xfrm>
-          <a:prstGeom prst="straightConnector1">
-            <a:avLst/>
-          </a:prstGeom>
-          <a:ln w="38100">
-            <a:solidFill>
-              <a:schemeClr val="tx1">
-                <a:lumMod val="65000"/>
-                <a:lumOff val="35000"/>
-              </a:schemeClr>
-            </a:solidFill>
-            <a:tailEnd type="arrow"/>
-          </a:ln>
-        </p:spPr>
-        <p:style>
-          <a:lnRef idx="1">
-            <a:schemeClr val="accent1"/>
-          </a:lnRef>
-          <a:fillRef idx="0">
-            <a:schemeClr val="accent1"/>
-          </a:fillRef>
-          <a:effectRef idx="0">
-            <a:schemeClr val="accent1"/>
-          </a:effectRef>
-          <a:fontRef idx="minor">
-            <a:schemeClr val="tx1"/>
-          </a:fontRef>
-        </p:style>
-      </p:cxnSp>
-      <p:sp>
-        <p:nvSpPr>
-          <p:cNvPr id="46" name="テキスト ボックス 45"/>
-          <p:cNvSpPr txBox="1"/>
-          <p:nvPr/>
-        </p:nvSpPr>
-        <p:spPr>
-          <a:xfrm>
-            <a:off x="562372" y="5940152"/>
-            <a:ext cx="5733255" cy="584775"/>
+            <a:off x="1291210" y="15245749"/>
+            <a:ext cx="19114336" cy="1221445"/>
           </a:xfrm>
           <a:prstGeom prst="rect">
             <a:avLst/>
@@ -4639,457 +5372,182 @@
           <a:noFill/>
         </p:spPr>
         <p:txBody>
-          <a:bodyPr wrap="square" rtlCol="0">
+          <a:bodyPr wrap="square" lIns="295232" tIns="147616" rIns="295232" bIns="147616" rtlCol="0">
             <a:spAutoFit/>
           </a:bodyPr>
           <a:lstStyle/>
           <a:p>
-            <a:pPr algn="ctr"/>
-            <a:r>
-              <a:rPr kumimoji="1" lang="ja-JP" altLang="en-US" sz="1600" dirty="0" smtClean="0">
-                <a:solidFill>
-                  <a:schemeClr val="tx1">
-                    <a:lumMod val="75000"/>
-                    <a:lumOff val="25000"/>
-                  </a:schemeClr>
-                </a:solidFill>
-                <a:latin typeface="HGS明朝E" panose="02020900000000000000" pitchFamily="18" charset="-128"/>
-                <a:ea typeface="HGS明朝E" panose="02020900000000000000" pitchFamily="18" charset="-128"/>
-              </a:rPr>
-              <a:t>人間の現実感を拡張するもの</a:t>
-            </a:r>
-            <a:endParaRPr kumimoji="1" lang="en-US" altLang="ja-JP" sz="1600" dirty="0" smtClean="0">
+            <a:r>
+              <a:rPr lang="ja-JP" altLang="en-US" sz="6000" dirty="0">
+                <a:solidFill>
+                  <a:schemeClr val="tx1">
+                    <a:lumMod val="75000"/>
+                    <a:lumOff val="25000"/>
+                  </a:schemeClr>
+                </a:solidFill>
+                <a:latin typeface="HGP明朝E" panose="02020900000000000000" pitchFamily="18" charset="-128"/>
+                <a:ea typeface="HGP明朝E" panose="02020900000000000000" pitchFamily="18" charset="-128"/>
+              </a:rPr>
+              <a:t>人間が操作して確かめる部分が多く，自動化</a:t>
+            </a:r>
+            <a:r>
+              <a:rPr lang="ja-JP" altLang="en-US" sz="6000" dirty="0">
+                <a:solidFill>
+                  <a:schemeClr val="tx1">
+                    <a:lumMod val="75000"/>
+                    <a:lumOff val="25000"/>
+                  </a:schemeClr>
+                </a:solidFill>
+                <a:latin typeface="HGP明朝E" panose="02020900000000000000" pitchFamily="18" charset="-128"/>
+                <a:ea typeface="HGP明朝E" panose="02020900000000000000" pitchFamily="18" charset="-128"/>
+              </a:rPr>
+              <a:t>しにくい！</a:t>
+            </a:r>
+            <a:endParaRPr lang="ja-JP" altLang="en-US" sz="6000" dirty="0">
               <a:solidFill>
                 <a:schemeClr val="tx1">
                   <a:lumMod val="75000"/>
                   <a:lumOff val="25000"/>
                 </a:schemeClr>
               </a:solidFill>
-              <a:latin typeface="HGS明朝E" panose="02020900000000000000" pitchFamily="18" charset="-128"/>
-              <a:ea typeface="HGS明朝E" panose="02020900000000000000" pitchFamily="18" charset="-128"/>
+              <a:latin typeface="HGP明朝E" panose="02020900000000000000" pitchFamily="18" charset="-128"/>
+              <a:ea typeface="HGP明朝E" panose="02020900000000000000" pitchFamily="18" charset="-128"/>
             </a:endParaRPr>
           </a:p>
+        </p:txBody>
+      </p:sp>
+      <p:sp>
+        <p:nvSpPr>
+          <p:cNvPr id="31" name="テキスト ボックス 30"/>
+          <p:cNvSpPr txBox="1"/>
+          <p:nvPr/>
+        </p:nvSpPr>
+        <p:spPr>
+          <a:xfrm>
+            <a:off x="1529096" y="18478310"/>
+            <a:ext cx="8573875" cy="2083219"/>
+          </a:xfrm>
+          <a:prstGeom prst="rect">
+            <a:avLst/>
+          </a:prstGeom>
+          <a:noFill/>
+        </p:spPr>
+        <p:txBody>
+          <a:bodyPr wrap="square" lIns="295232" tIns="147616" rIns="295232" bIns="147616" rtlCol="0">
+            <a:spAutoFit/>
+          </a:bodyPr>
+          <a:lstStyle/>
           <a:p>
             <a:pPr algn="ctr"/>
             <a:r>
-              <a:rPr lang="ja-JP" altLang="en-US" sz="1600" dirty="0">
-                <a:solidFill>
-                  <a:schemeClr val="tx1">
-                    <a:lumMod val="75000"/>
-                    <a:lumOff val="25000"/>
-                  </a:schemeClr>
-                </a:solidFill>
-                <a:latin typeface="HGS明朝E" panose="02020900000000000000" pitchFamily="18" charset="-128"/>
-                <a:ea typeface="HGS明朝E" panose="02020900000000000000" pitchFamily="18" charset="-128"/>
-              </a:rPr>
-              <a:t>機械で</a:t>
-            </a:r>
-            <a:r>
-              <a:rPr lang="ja-JP" altLang="en-US" sz="1600" dirty="0" smtClean="0">
-                <a:solidFill>
-                  <a:schemeClr val="tx1">
-                    <a:lumMod val="75000"/>
-                    <a:lumOff val="25000"/>
-                  </a:schemeClr>
-                </a:solidFill>
-                <a:latin typeface="HGS明朝E" panose="02020900000000000000" pitchFamily="18" charset="-128"/>
-                <a:ea typeface="HGS明朝E" panose="02020900000000000000" pitchFamily="18" charset="-128"/>
-              </a:rPr>
-              <a:t>なく人が見ないとテストにならない</a:t>
-            </a:r>
-            <a:endParaRPr kumimoji="1" lang="ja-JP" altLang="en-US" sz="1600" dirty="0">
+              <a:rPr lang="en-US" altLang="ja-JP" dirty="0">
+                <a:solidFill>
+                  <a:schemeClr val="tx1">
+                    <a:lumMod val="75000"/>
+                    <a:lumOff val="25000"/>
+                  </a:schemeClr>
+                </a:solidFill>
+                <a:latin typeface="HGP明朝E" panose="02020900000000000000" pitchFamily="18" charset="-128"/>
+                <a:ea typeface="HGP明朝E" panose="02020900000000000000" pitchFamily="18" charset="-128"/>
+              </a:rPr>
+              <a:t>AR</a:t>
+            </a:r>
+            <a:r>
+              <a:rPr lang="ja-JP" altLang="en-US" dirty="0">
+                <a:solidFill>
+                  <a:schemeClr val="tx1">
+                    <a:lumMod val="75000"/>
+                    <a:lumOff val="25000"/>
+                  </a:schemeClr>
+                </a:solidFill>
+                <a:latin typeface="HGP明朝E" panose="02020900000000000000" pitchFamily="18" charset="-128"/>
+                <a:ea typeface="HGP明朝E" panose="02020900000000000000" pitchFamily="18" charset="-128"/>
+              </a:rPr>
+              <a:t>システム開発に</a:t>
+            </a:r>
+            <a:r>
+              <a:rPr lang="ja-JP" altLang="en-US" dirty="0" smtClean="0">
+                <a:solidFill>
+                  <a:schemeClr val="tx1">
+                    <a:lumMod val="75000"/>
+                    <a:lumOff val="25000"/>
+                  </a:schemeClr>
+                </a:solidFill>
+                <a:latin typeface="HGP明朝E" panose="02020900000000000000" pitchFamily="18" charset="-128"/>
+                <a:ea typeface="HGP明朝E" panose="02020900000000000000" pitchFamily="18" charset="-128"/>
+              </a:rPr>
+              <a:t>おける</a:t>
+            </a:r>
+            <a:endParaRPr lang="en-US" altLang="ja-JP" dirty="0" smtClean="0">
               <a:solidFill>
                 <a:schemeClr val="tx1">
                   <a:lumMod val="75000"/>
                   <a:lumOff val="25000"/>
                 </a:schemeClr>
               </a:solidFill>
-              <a:latin typeface="HGS明朝E" panose="02020900000000000000" pitchFamily="18" charset="-128"/>
-              <a:ea typeface="HGS明朝E" panose="02020900000000000000" pitchFamily="18" charset="-128"/>
+              <a:latin typeface="HGP明朝E" panose="02020900000000000000" pitchFamily="18" charset="-128"/>
+              <a:ea typeface="HGP明朝E" panose="02020900000000000000" pitchFamily="18" charset="-128"/>
             </a:endParaRPr>
           </a:p>
-        </p:txBody>
-      </p:sp>
-      <p:sp>
-        <p:nvSpPr>
-          <p:cNvPr id="48" name="テキスト ボックス 47"/>
-          <p:cNvSpPr txBox="1"/>
-          <p:nvPr/>
-        </p:nvSpPr>
-        <p:spPr>
-          <a:xfrm>
-            <a:off x="2517744" y="5580112"/>
-            <a:ext cx="2279408" cy="338554"/>
-          </a:xfrm>
-          <a:prstGeom prst="rect">
-            <a:avLst/>
-          </a:prstGeom>
-          <a:noFill/>
-        </p:spPr>
-        <p:txBody>
-          <a:bodyPr wrap="square" rtlCol="0">
-            <a:spAutoFit/>
-          </a:bodyPr>
-          <a:lstStyle/>
-          <a:p>
-            <a:r>
-              <a:rPr lang="ja-JP" altLang="en-US" sz="1600" dirty="0">
-                <a:solidFill>
-                  <a:schemeClr val="tx1">
-                    <a:lumMod val="75000"/>
-                    <a:lumOff val="25000"/>
-                  </a:schemeClr>
-                </a:solidFill>
-                <a:latin typeface="HGS明朝E" panose="02020900000000000000" pitchFamily="18" charset="-128"/>
-                <a:ea typeface="HGS明朝E" panose="02020900000000000000" pitchFamily="18" charset="-128"/>
-              </a:rPr>
-              <a:t>．．</a:t>
-            </a:r>
-            <a:r>
-              <a:rPr lang="ja-JP" altLang="en-US" sz="1600" dirty="0" smtClean="0">
-                <a:solidFill>
-                  <a:schemeClr val="tx1">
-                    <a:lumMod val="75000"/>
-                    <a:lumOff val="25000"/>
-                  </a:schemeClr>
-                </a:solidFill>
-                <a:latin typeface="HGS明朝E" panose="02020900000000000000" pitchFamily="18" charset="-128"/>
-                <a:ea typeface="HGS明朝E" panose="02020900000000000000" pitchFamily="18" charset="-128"/>
-              </a:rPr>
-              <a:t>．　　</a:t>
-            </a:r>
-            <a:r>
-              <a:rPr kumimoji="1" lang="ja-JP" altLang="en-US" sz="1600" dirty="0" smtClean="0">
-                <a:solidFill>
-                  <a:schemeClr val="tx1">
-                    <a:lumMod val="75000"/>
-                    <a:lumOff val="25000"/>
-                  </a:schemeClr>
-                </a:solidFill>
-                <a:latin typeface="HGS明朝E" panose="02020900000000000000" pitchFamily="18" charset="-128"/>
-                <a:ea typeface="HGS明朝E" panose="02020900000000000000" pitchFamily="18" charset="-128"/>
-              </a:rPr>
-              <a:t>しかし！</a:t>
-            </a:r>
-            <a:endParaRPr kumimoji="1" lang="ja-JP" altLang="en-US" sz="1600" dirty="0">
+          <a:p>
+            <a:pPr algn="ctr"/>
+            <a:r>
+              <a:rPr lang="ja-JP" altLang="en-US" dirty="0" smtClean="0">
+                <a:solidFill>
+                  <a:schemeClr val="tx1">
+                    <a:lumMod val="75000"/>
+                    <a:lumOff val="25000"/>
+                  </a:schemeClr>
+                </a:solidFill>
+                <a:latin typeface="HGP明朝E" panose="02020900000000000000" pitchFamily="18" charset="-128"/>
+                <a:ea typeface="HGP明朝E" panose="02020900000000000000" pitchFamily="18" charset="-128"/>
+              </a:rPr>
+              <a:t>テスト</a:t>
+            </a:r>
+            <a:r>
+              <a:rPr lang="ja-JP" altLang="en-US" dirty="0">
+                <a:solidFill>
+                  <a:schemeClr val="tx1">
+                    <a:lumMod val="75000"/>
+                    <a:lumOff val="25000"/>
+                  </a:schemeClr>
+                </a:solidFill>
+                <a:latin typeface="HGP明朝E" panose="02020900000000000000" pitchFamily="18" charset="-128"/>
+                <a:ea typeface="HGP明朝E" panose="02020900000000000000" pitchFamily="18" charset="-128"/>
+              </a:rPr>
+              <a:t>について研究</a:t>
+            </a:r>
+            <a:endParaRPr kumimoji="1" lang="ja-JP" altLang="en-US" dirty="0">
               <a:solidFill>
                 <a:schemeClr val="tx1">
                   <a:lumMod val="75000"/>
                   <a:lumOff val="25000"/>
                 </a:schemeClr>
               </a:solidFill>
-              <a:latin typeface="HGS明朝E" panose="02020900000000000000" pitchFamily="18" charset="-128"/>
-              <a:ea typeface="HGS明朝E" panose="02020900000000000000" pitchFamily="18" charset="-128"/>
+              <a:latin typeface="HGP明朝E" panose="02020900000000000000" pitchFamily="18" charset="-128"/>
+              <a:ea typeface="HGP明朝E" panose="02020900000000000000" pitchFamily="18" charset="-128"/>
             </a:endParaRPr>
           </a:p>
         </p:txBody>
       </p:sp>
-      <p:cxnSp>
-        <p:nvCxnSpPr>
-          <p:cNvPr id="49" name="直線矢印コネクタ 48"/>
-          <p:cNvCxnSpPr/>
+      <p:sp>
+        <p:nvSpPr>
+          <p:cNvPr id="42" name="円弧 41"/>
+          <p:cNvSpPr/>
           <p:nvPr/>
-        </p:nvCxnSpPr>
+        </p:nvSpPr>
         <p:spPr>
           <a:xfrm>
-            <a:off x="3429000" y="6444208"/>
-            <a:ext cx="0" cy="360040"/>
-          </a:xfrm>
-          <a:prstGeom prst="straightConnector1">
-            <a:avLst/>
-          </a:prstGeom>
-          <a:ln w="38100">
-            <a:solidFill>
-              <a:schemeClr val="tx1">
-                <a:lumMod val="65000"/>
-                <a:lumOff val="35000"/>
-              </a:schemeClr>
-            </a:solidFill>
-            <a:tailEnd type="arrow"/>
-          </a:ln>
-        </p:spPr>
-        <p:style>
-          <a:lnRef idx="1">
-            <a:schemeClr val="accent1"/>
-          </a:lnRef>
-          <a:fillRef idx="0">
-            <a:schemeClr val="accent1"/>
-          </a:fillRef>
-          <a:effectRef idx="0">
-            <a:schemeClr val="accent1"/>
-          </a:effectRef>
-          <a:fontRef idx="minor">
-            <a:schemeClr val="tx1"/>
-          </a:fontRef>
-        </p:style>
-      </p:cxnSp>
-      <p:sp>
-        <p:nvSpPr>
-          <p:cNvPr id="50" name="テキスト ボックス 49"/>
-          <p:cNvSpPr txBox="1"/>
-          <p:nvPr/>
-        </p:nvSpPr>
-        <p:spPr>
-          <a:xfrm>
-            <a:off x="880888" y="6795537"/>
-            <a:ext cx="5076564" cy="584775"/>
-          </a:xfrm>
-          <a:prstGeom prst="rect">
-            <a:avLst/>
-          </a:prstGeom>
-          <a:noFill/>
-        </p:spPr>
-        <p:txBody>
-          <a:bodyPr wrap="square" rtlCol="0">
-            <a:spAutoFit/>
-          </a:bodyPr>
-          <a:lstStyle/>
-          <a:p>
-            <a:pPr algn="ctr"/>
-            <a:r>
-              <a:rPr kumimoji="1" lang="en-US" altLang="ja-JP" sz="1600" dirty="0" smtClean="0">
-                <a:solidFill>
-                  <a:schemeClr val="tx1">
-                    <a:lumMod val="75000"/>
-                    <a:lumOff val="25000"/>
-                  </a:schemeClr>
-                </a:solidFill>
-                <a:latin typeface="HGS明朝E" panose="02020900000000000000" pitchFamily="18" charset="-128"/>
-                <a:ea typeface="HGS明朝E" panose="02020900000000000000" pitchFamily="18" charset="-128"/>
-              </a:rPr>
-              <a:t>AR</a:t>
-            </a:r>
-            <a:r>
-              <a:rPr kumimoji="1" lang="ja-JP" altLang="en-US" sz="1600" dirty="0" smtClean="0">
-                <a:solidFill>
-                  <a:schemeClr val="tx1">
-                    <a:lumMod val="75000"/>
-                    <a:lumOff val="25000"/>
-                  </a:schemeClr>
-                </a:solidFill>
-                <a:latin typeface="HGS明朝E" panose="02020900000000000000" pitchFamily="18" charset="-128"/>
-                <a:ea typeface="HGS明朝E" panose="02020900000000000000" pitchFamily="18" charset="-128"/>
-              </a:rPr>
-              <a:t>コンテンツ“</a:t>
-            </a:r>
-            <a:r>
-              <a:rPr kumimoji="1" lang="en-US" altLang="ja-JP" sz="1600" dirty="0" smtClean="0">
-                <a:solidFill>
-                  <a:schemeClr val="tx1">
-                    <a:lumMod val="75000"/>
-                    <a:lumOff val="25000"/>
-                  </a:schemeClr>
-                </a:solidFill>
-                <a:latin typeface="HGS明朝E" panose="02020900000000000000" pitchFamily="18" charset="-128"/>
-                <a:ea typeface="HGS明朝E" panose="02020900000000000000" pitchFamily="18" charset="-128"/>
-              </a:rPr>
-              <a:t>junaio</a:t>
-            </a:r>
-            <a:r>
-              <a:rPr kumimoji="1" lang="ja-JP" altLang="en-US" sz="1600" dirty="0" smtClean="0">
-                <a:solidFill>
-                  <a:schemeClr val="tx1">
-                    <a:lumMod val="75000"/>
-                    <a:lumOff val="25000"/>
-                  </a:schemeClr>
-                </a:solidFill>
-                <a:latin typeface="HGS明朝E" panose="02020900000000000000" pitchFamily="18" charset="-128"/>
-                <a:ea typeface="HGS明朝E" panose="02020900000000000000" pitchFamily="18" charset="-128"/>
-              </a:rPr>
-              <a:t>”を用いり，理解・作成</a:t>
-            </a:r>
-            <a:endParaRPr kumimoji="1" lang="en-US" altLang="ja-JP" sz="1600" dirty="0" smtClean="0">
-              <a:solidFill>
-                <a:schemeClr val="tx1">
-                  <a:lumMod val="75000"/>
-                  <a:lumOff val="25000"/>
-                </a:schemeClr>
-              </a:solidFill>
-              <a:latin typeface="HGS明朝E" panose="02020900000000000000" pitchFamily="18" charset="-128"/>
-              <a:ea typeface="HGS明朝E" panose="02020900000000000000" pitchFamily="18" charset="-128"/>
-            </a:endParaRPr>
-          </a:p>
-          <a:p>
-            <a:pPr algn="ctr"/>
-            <a:r>
-              <a:rPr lang="ja-JP" altLang="en-US" sz="1600" dirty="0">
-                <a:solidFill>
-                  <a:schemeClr val="tx1">
-                    <a:lumMod val="75000"/>
-                    <a:lumOff val="25000"/>
-                  </a:schemeClr>
-                </a:solidFill>
-                <a:latin typeface="HGS明朝E" panose="02020900000000000000" pitchFamily="18" charset="-128"/>
-                <a:ea typeface="HGS明朝E" panose="02020900000000000000" pitchFamily="18" charset="-128"/>
-              </a:rPr>
-              <a:t>実際</a:t>
-            </a:r>
-            <a:r>
-              <a:rPr lang="ja-JP" altLang="en-US" sz="1600" dirty="0" smtClean="0">
-                <a:solidFill>
-                  <a:schemeClr val="tx1">
-                    <a:lumMod val="75000"/>
-                    <a:lumOff val="25000"/>
-                  </a:schemeClr>
-                </a:solidFill>
-                <a:latin typeface="HGS明朝E" panose="02020900000000000000" pitchFamily="18" charset="-128"/>
-                <a:ea typeface="HGS明朝E" panose="02020900000000000000" pitchFamily="18" charset="-128"/>
-              </a:rPr>
-              <a:t>に</a:t>
-            </a:r>
-            <a:r>
-              <a:rPr lang="en-US" altLang="ja-JP" sz="1600" dirty="0" smtClean="0">
-                <a:solidFill>
-                  <a:schemeClr val="tx1">
-                    <a:lumMod val="75000"/>
-                    <a:lumOff val="25000"/>
-                  </a:schemeClr>
-                </a:solidFill>
-                <a:latin typeface="HGS明朝E" panose="02020900000000000000" pitchFamily="18" charset="-128"/>
-                <a:ea typeface="HGS明朝E" panose="02020900000000000000" pitchFamily="18" charset="-128"/>
-              </a:rPr>
-              <a:t>AR</a:t>
-            </a:r>
-            <a:r>
-              <a:rPr lang="ja-JP" altLang="en-US" sz="1600" dirty="0" smtClean="0">
-                <a:solidFill>
-                  <a:schemeClr val="tx1">
-                    <a:lumMod val="75000"/>
-                    <a:lumOff val="25000"/>
-                  </a:schemeClr>
-                </a:solidFill>
-                <a:latin typeface="HGS明朝E" panose="02020900000000000000" pitchFamily="18" charset="-128"/>
-                <a:ea typeface="HGS明朝E" panose="02020900000000000000" pitchFamily="18" charset="-128"/>
-              </a:rPr>
-              <a:t>を使用しテストをする</a:t>
-            </a:r>
-            <a:endParaRPr kumimoji="1" lang="ja-JP" altLang="en-US" sz="1600" dirty="0">
-              <a:solidFill>
-                <a:schemeClr val="tx1">
-                  <a:lumMod val="75000"/>
-                  <a:lumOff val="25000"/>
-                </a:schemeClr>
-              </a:solidFill>
-              <a:latin typeface="HGS明朝E" panose="02020900000000000000" pitchFamily="18" charset="-128"/>
-              <a:ea typeface="HGS明朝E" panose="02020900000000000000" pitchFamily="18" charset="-128"/>
-            </a:endParaRPr>
-          </a:p>
-        </p:txBody>
-      </p:sp>
-      <p:sp>
-        <p:nvSpPr>
-          <p:cNvPr id="51" name="テキスト ボックス 50"/>
-          <p:cNvSpPr txBox="1"/>
-          <p:nvPr/>
-        </p:nvSpPr>
-        <p:spPr>
-          <a:xfrm>
-            <a:off x="3559324" y="6465694"/>
-            <a:ext cx="1237828" cy="338554"/>
-          </a:xfrm>
-          <a:prstGeom prst="rect">
-            <a:avLst/>
-          </a:prstGeom>
-          <a:noFill/>
-        </p:spPr>
-        <p:txBody>
-          <a:bodyPr wrap="square" rtlCol="0">
-            <a:spAutoFit/>
-          </a:bodyPr>
-          <a:lstStyle/>
-          <a:p>
-            <a:r>
-              <a:rPr kumimoji="1" lang="ja-JP" altLang="en-US" sz="1600" dirty="0" smtClean="0">
-                <a:solidFill>
-                  <a:schemeClr val="tx1">
-                    <a:lumMod val="75000"/>
-                    <a:lumOff val="25000"/>
-                  </a:schemeClr>
-                </a:solidFill>
-                <a:latin typeface="HGS明朝E" panose="02020900000000000000" pitchFamily="18" charset="-128"/>
-                <a:ea typeface="HGS明朝E" panose="02020900000000000000" pitchFamily="18" charset="-128"/>
-              </a:rPr>
-              <a:t>そこで！</a:t>
-            </a:r>
-            <a:endParaRPr kumimoji="1" lang="ja-JP" altLang="en-US" sz="1600" dirty="0">
-              <a:solidFill>
-                <a:schemeClr val="tx1">
-                  <a:lumMod val="75000"/>
-                  <a:lumOff val="25000"/>
-                </a:schemeClr>
-              </a:solidFill>
-              <a:latin typeface="HGS明朝E" panose="02020900000000000000" pitchFamily="18" charset="-128"/>
-              <a:ea typeface="HGS明朝E" panose="02020900000000000000" pitchFamily="18" charset="-128"/>
-            </a:endParaRPr>
-          </a:p>
-        </p:txBody>
-      </p:sp>
-      <p:sp>
-        <p:nvSpPr>
-          <p:cNvPr id="52" name="テキスト ボックス 51"/>
-          <p:cNvSpPr txBox="1"/>
-          <p:nvPr/>
-        </p:nvSpPr>
-        <p:spPr>
-          <a:xfrm>
-            <a:off x="2963274" y="7884368"/>
-            <a:ext cx="908877" cy="707886"/>
-          </a:xfrm>
-          <a:prstGeom prst="rect">
-            <a:avLst/>
-          </a:prstGeom>
-          <a:noFill/>
-        </p:spPr>
-        <p:txBody>
-          <a:bodyPr wrap="square" rtlCol="0">
-            <a:spAutoFit/>
-          </a:bodyPr>
-          <a:lstStyle/>
-          <a:p>
-            <a:r>
-              <a:rPr kumimoji="1" lang="en-US" altLang="ja-JP" sz="4000" dirty="0" smtClean="0">
-                <a:solidFill>
-                  <a:schemeClr val="tx1">
-                    <a:lumMod val="75000"/>
-                    <a:lumOff val="25000"/>
-                  </a:schemeClr>
-                </a:solidFill>
-                <a:latin typeface="HGS明朝E" panose="02020900000000000000" pitchFamily="18" charset="-128"/>
-                <a:ea typeface="HGS明朝E" panose="02020900000000000000" pitchFamily="18" charset="-128"/>
-              </a:rPr>
-              <a:t>AR</a:t>
-            </a:r>
-            <a:endParaRPr kumimoji="1" lang="ja-JP" altLang="en-US" sz="4000" dirty="0">
-              <a:solidFill>
-                <a:schemeClr val="tx1">
-                  <a:lumMod val="75000"/>
-                  <a:lumOff val="25000"/>
-                </a:schemeClr>
-              </a:solidFill>
-              <a:latin typeface="HGS明朝E" panose="02020900000000000000" pitchFamily="18" charset="-128"/>
-              <a:ea typeface="HGS明朝E" panose="02020900000000000000" pitchFamily="18" charset="-128"/>
-            </a:endParaRPr>
-          </a:p>
-        </p:txBody>
-      </p:sp>
-      <p:sp>
-        <p:nvSpPr>
-          <p:cNvPr id="57" name="円弧 56"/>
-          <p:cNvSpPr/>
-          <p:nvPr/>
-        </p:nvSpPr>
-        <p:spPr>
-          <a:xfrm rot="5824864">
-            <a:off x="2905314" y="7760353"/>
-            <a:ext cx="1011086" cy="998820"/>
+            <a:off x="2764166" y="17420661"/>
+            <a:ext cx="5613954" cy="2934489"/>
           </a:xfrm>
           <a:prstGeom prst="arc">
             <a:avLst>
-              <a:gd name="adj1" fmla="val 10114227"/>
-              <a:gd name="adj2" fmla="val 0"/>
+              <a:gd name="adj1" fmla="val 10966426"/>
+              <a:gd name="adj2" fmla="val 21444214"/>
             </a:avLst>
           </a:prstGeom>
-          <a:ln w="28575">
+          <a:ln>
             <a:solidFill>
               <a:srgbClr val="FF0000"/>
             </a:solidFill>
@@ -5110,7 +5568,7 @@
           </a:fontRef>
         </p:style>
         <p:txBody>
-          <a:bodyPr rtlCol="0" anchor="ctr"/>
+          <a:bodyPr lIns="295232" tIns="147616" rIns="295232" bIns="147616" rtlCol="0" anchor="ctr"/>
           <a:lstStyle/>
           <a:p>
             <a:pPr algn="ctr"/>
@@ -5120,24 +5578,24 @@
       </p:sp>
       <p:sp>
         <p:nvSpPr>
-          <p:cNvPr id="58" name="円弧 57"/>
+          <p:cNvPr id="59" name="円弧 58"/>
           <p:cNvSpPr/>
           <p:nvPr/>
         </p:nvSpPr>
         <p:spPr>
-          <a:xfrm rot="16425063">
-            <a:off x="2878807" y="7760352"/>
-            <a:ext cx="1011086" cy="998820"/>
+          <a:xfrm rot="10800000">
+            <a:off x="2539606" y="18758226"/>
+            <a:ext cx="6063074" cy="2934489"/>
           </a:xfrm>
           <a:prstGeom prst="arc">
             <a:avLst>
-              <a:gd name="adj1" fmla="val 10204763"/>
-              <a:gd name="adj2" fmla="val 38119"/>
+              <a:gd name="adj1" fmla="val 10975706"/>
+              <a:gd name="adj2" fmla="val 21444214"/>
             </a:avLst>
           </a:prstGeom>
-          <a:ln w="28575">
+          <a:ln>
             <a:solidFill>
-              <a:schemeClr val="tx2"/>
+              <a:srgbClr val="FF0000"/>
             </a:solidFill>
           </a:ln>
         </p:spPr>
@@ -5156,7 +5614,7 @@
           </a:fontRef>
         </p:style>
         <p:txBody>
-          <a:bodyPr rtlCol="0" anchor="ctr"/>
+          <a:bodyPr lIns="295232" tIns="147616" rIns="295232" bIns="147616" rtlCol="0" anchor="ctr"/>
           <a:lstStyle/>
           <a:p>
             <a:pPr algn="ctr"/>
@@ -5164,21 +5622,478 @@
           </a:p>
         </p:txBody>
       </p:sp>
+      <p:sp>
+        <p:nvSpPr>
+          <p:cNvPr id="33" name="テキスト ボックス 32"/>
+          <p:cNvSpPr txBox="1"/>
+          <p:nvPr/>
+        </p:nvSpPr>
+        <p:spPr>
+          <a:xfrm>
+            <a:off x="11816191" y="18478307"/>
+            <a:ext cx="7340731" cy="2140298"/>
+          </a:xfrm>
+          <a:prstGeom prst="rect">
+            <a:avLst/>
+          </a:prstGeom>
+          <a:noFill/>
+        </p:spPr>
+        <p:txBody>
+          <a:bodyPr wrap="square" lIns="295232" tIns="147616" rIns="295232" bIns="147616" rtlCol="0">
+            <a:spAutoFit/>
+          </a:bodyPr>
+          <a:lstStyle/>
+          <a:p>
+            <a:pPr algn="ctr"/>
+            <a:r>
+              <a:rPr lang="ja-JP" altLang="en-US" dirty="0">
+                <a:solidFill>
+                  <a:schemeClr val="tx1">
+                    <a:lumMod val="75000"/>
+                    <a:lumOff val="25000"/>
+                  </a:schemeClr>
+                </a:solidFill>
+                <a:latin typeface="HGP明朝E" panose="02020900000000000000" pitchFamily="18" charset="-128"/>
+                <a:ea typeface="HGP明朝E" panose="02020900000000000000" pitchFamily="18" charset="-128"/>
+              </a:rPr>
+              <a:t>テストの現状を調査</a:t>
+            </a:r>
+            <a:r>
+              <a:rPr lang="ja-JP" altLang="en-US" dirty="0" smtClean="0">
+                <a:solidFill>
+                  <a:schemeClr val="tx1">
+                    <a:lumMod val="75000"/>
+                    <a:lumOff val="25000"/>
+                  </a:schemeClr>
+                </a:solidFill>
+                <a:latin typeface="HGP明朝E" panose="02020900000000000000" pitchFamily="18" charset="-128"/>
+                <a:ea typeface="HGP明朝E" panose="02020900000000000000" pitchFamily="18" charset="-128"/>
+              </a:rPr>
+              <a:t>しテスト</a:t>
+            </a:r>
+            <a:r>
+              <a:rPr lang="ja-JP" altLang="en-US" dirty="0">
+                <a:solidFill>
+                  <a:schemeClr val="tx1">
+                    <a:lumMod val="75000"/>
+                    <a:lumOff val="25000"/>
+                  </a:schemeClr>
+                </a:solidFill>
+                <a:latin typeface="HGP明朝E" panose="02020900000000000000" pitchFamily="18" charset="-128"/>
+                <a:ea typeface="HGP明朝E" panose="02020900000000000000" pitchFamily="18" charset="-128"/>
+              </a:rPr>
+              <a:t>のあり方を提案</a:t>
+            </a:r>
+            <a:endParaRPr kumimoji="1" lang="ja-JP" altLang="en-US" dirty="0">
+              <a:solidFill>
+                <a:schemeClr val="tx1">
+                  <a:lumMod val="75000"/>
+                  <a:lumOff val="25000"/>
+                </a:schemeClr>
+              </a:solidFill>
+              <a:latin typeface="HGP明朝E" panose="02020900000000000000" pitchFamily="18" charset="-128"/>
+              <a:ea typeface="HGP明朝E" panose="02020900000000000000" pitchFamily="18" charset="-128"/>
+            </a:endParaRPr>
+          </a:p>
+        </p:txBody>
+      </p:sp>
+      <p:sp>
+        <p:nvSpPr>
+          <p:cNvPr id="61" name="円弧 60"/>
+          <p:cNvSpPr/>
+          <p:nvPr/>
+        </p:nvSpPr>
+        <p:spPr>
+          <a:xfrm>
+            <a:off x="12644733" y="17284087"/>
+            <a:ext cx="5613954" cy="2934489"/>
+          </a:xfrm>
+          <a:prstGeom prst="arc">
+            <a:avLst>
+              <a:gd name="adj1" fmla="val 10966426"/>
+              <a:gd name="adj2" fmla="val 21444214"/>
+            </a:avLst>
+          </a:prstGeom>
+          <a:ln>
+            <a:solidFill>
+              <a:srgbClr val="FF0000"/>
+            </a:solidFill>
+          </a:ln>
+        </p:spPr>
+        <p:style>
+          <a:lnRef idx="1">
+            <a:schemeClr val="accent1"/>
+          </a:lnRef>
+          <a:fillRef idx="0">
+            <a:schemeClr val="accent1"/>
+          </a:fillRef>
+          <a:effectRef idx="0">
+            <a:schemeClr val="accent1"/>
+          </a:effectRef>
+          <a:fontRef idx="minor">
+            <a:schemeClr val="tx1"/>
+          </a:fontRef>
+        </p:style>
+        <p:txBody>
+          <a:bodyPr lIns="295232" tIns="147616" rIns="295232" bIns="147616" rtlCol="0" anchor="ctr"/>
+          <a:lstStyle/>
+          <a:p>
+            <a:pPr algn="ctr"/>
+            <a:endParaRPr kumimoji="1" lang="ja-JP" altLang="en-US"/>
+          </a:p>
+        </p:txBody>
+      </p:sp>
+      <p:sp>
+        <p:nvSpPr>
+          <p:cNvPr id="63" name="円弧 62"/>
+          <p:cNvSpPr/>
+          <p:nvPr/>
+        </p:nvSpPr>
+        <p:spPr>
+          <a:xfrm rot="10800000">
+            <a:off x="12644732" y="18686217"/>
+            <a:ext cx="5726236" cy="2934489"/>
+          </a:xfrm>
+          <a:prstGeom prst="arc">
+            <a:avLst>
+              <a:gd name="adj1" fmla="val 11117599"/>
+              <a:gd name="adj2" fmla="val 21212043"/>
+            </a:avLst>
+          </a:prstGeom>
+          <a:ln>
+            <a:solidFill>
+              <a:srgbClr val="FF0000"/>
+            </a:solidFill>
+          </a:ln>
+        </p:spPr>
+        <p:style>
+          <a:lnRef idx="1">
+            <a:schemeClr val="accent1"/>
+          </a:lnRef>
+          <a:fillRef idx="0">
+            <a:schemeClr val="accent1"/>
+          </a:fillRef>
+          <a:effectRef idx="0">
+            <a:schemeClr val="accent1"/>
+          </a:effectRef>
+          <a:fontRef idx="minor">
+            <a:schemeClr val="tx1"/>
+          </a:fontRef>
+        </p:style>
+        <p:txBody>
+          <a:bodyPr lIns="295232" tIns="147616" rIns="295232" bIns="147616" rtlCol="0" anchor="ctr"/>
+          <a:lstStyle/>
+          <a:p>
+            <a:pPr algn="ctr"/>
+            <a:endParaRPr kumimoji="1" lang="ja-JP" altLang="en-US"/>
+          </a:p>
+        </p:txBody>
+      </p:sp>
       <p:cxnSp>
         <p:nvCxnSpPr>
-          <p:cNvPr id="60" name="直線矢印コネクタ 59"/>
+          <p:cNvPr id="68" name="直線矢印コネクタ 67"/>
           <p:cNvCxnSpPr/>
           <p:nvPr/>
         </p:nvCxnSpPr>
         <p:spPr>
           <a:xfrm>
-            <a:off x="1628800" y="8259762"/>
-            <a:ext cx="1080120" cy="1"/>
+            <a:off x="12265308" y="28493271"/>
+            <a:ext cx="4042049" cy="0"/>
           </a:xfrm>
           <a:prstGeom prst="straightConnector1">
             <a:avLst/>
           </a:prstGeom>
-          <a:ln w="28575">
+          <a:ln w="76200">
+            <a:solidFill>
+              <a:srgbClr val="FF0000"/>
+            </a:solidFill>
+            <a:headEnd type="arrow" w="med" len="med"/>
+            <a:tailEnd type="arrow" w="med" len="med"/>
+          </a:ln>
+        </p:spPr>
+        <p:style>
+          <a:lnRef idx="1">
+            <a:schemeClr val="accent1"/>
+          </a:lnRef>
+          <a:fillRef idx="0">
+            <a:schemeClr val="accent1"/>
+          </a:fillRef>
+          <a:effectRef idx="0">
+            <a:schemeClr val="accent1"/>
+          </a:effectRef>
+          <a:fontRef idx="minor">
+            <a:schemeClr val="tx1"/>
+          </a:fontRef>
+        </p:style>
+      </p:cxnSp>
+      <p:grpSp>
+        <p:nvGrpSpPr>
+          <p:cNvPr id="76" name="グループ化 75"/>
+          <p:cNvGrpSpPr/>
+          <p:nvPr/>
+        </p:nvGrpSpPr>
+        <p:grpSpPr>
+          <a:xfrm>
+            <a:off x="8866258" y="25860465"/>
+            <a:ext cx="3293341" cy="3435616"/>
+            <a:chOff x="2843098" y="7610203"/>
+            <a:chExt cx="1056059" cy="1037493"/>
+          </a:xfrm>
+        </p:grpSpPr>
+        <p:sp>
+          <p:nvSpPr>
+            <p:cNvPr id="52" name="テキスト ボックス 51"/>
+            <p:cNvSpPr txBox="1"/>
+            <p:nvPr/>
+          </p:nvSpPr>
+          <p:spPr>
+            <a:xfrm>
+              <a:off x="2990280" y="7746549"/>
+              <a:ext cx="908877" cy="627365"/>
+            </a:xfrm>
+            <a:prstGeom prst="rect">
+              <a:avLst/>
+            </a:prstGeom>
+            <a:noFill/>
+          </p:spPr>
+          <p:txBody>
+            <a:bodyPr wrap="square" rtlCol="0">
+              <a:spAutoFit/>
+            </a:bodyPr>
+            <a:lstStyle/>
+            <a:p>
+              <a:r>
+                <a:rPr lang="en-US" altLang="ja-JP" sz="12900" dirty="0">
+                  <a:solidFill>
+                    <a:schemeClr val="tx1">
+                      <a:lumMod val="75000"/>
+                      <a:lumOff val="25000"/>
+                    </a:schemeClr>
+                  </a:solidFill>
+                  <a:latin typeface="HGS明朝E" panose="02020900000000000000" pitchFamily="18" charset="-128"/>
+                  <a:ea typeface="HGS明朝E" panose="02020900000000000000" pitchFamily="18" charset="-128"/>
+                </a:rPr>
+                <a:t>AR</a:t>
+              </a:r>
+              <a:endParaRPr lang="ja-JP" altLang="en-US" sz="12900" dirty="0">
+                <a:solidFill>
+                  <a:schemeClr val="tx1">
+                    <a:lumMod val="75000"/>
+                    <a:lumOff val="25000"/>
+                  </a:schemeClr>
+                </a:solidFill>
+                <a:latin typeface="HGS明朝E" panose="02020900000000000000" pitchFamily="18" charset="-128"/>
+                <a:ea typeface="HGS明朝E" panose="02020900000000000000" pitchFamily="18" charset="-128"/>
+              </a:endParaRPr>
+            </a:p>
+          </p:txBody>
+        </p:sp>
+        <p:grpSp>
+          <p:nvGrpSpPr>
+            <p:cNvPr id="75" name="グループ化 74"/>
+            <p:cNvGrpSpPr/>
+            <p:nvPr/>
+          </p:nvGrpSpPr>
+          <p:grpSpPr>
+            <a:xfrm>
+              <a:off x="2843098" y="7610203"/>
+              <a:ext cx="1017873" cy="1037493"/>
+              <a:chOff x="2865887" y="7610203"/>
+              <a:chExt cx="1017873" cy="1037493"/>
+            </a:xfrm>
+          </p:grpSpPr>
+          <p:sp>
+            <p:nvSpPr>
+              <p:cNvPr id="57" name="円弧 56"/>
+              <p:cNvSpPr/>
+              <p:nvPr/>
+            </p:nvSpPr>
+            <p:spPr>
+              <a:xfrm rot="5824864">
+                <a:off x="2874236" y="7642743"/>
+                <a:ext cx="1011086" cy="998820"/>
+              </a:xfrm>
+              <a:prstGeom prst="arc">
+                <a:avLst>
+                  <a:gd name="adj1" fmla="val 15116268"/>
+                  <a:gd name="adj2" fmla="val 20614621"/>
+                </a:avLst>
+              </a:prstGeom>
+              <a:ln w="76200">
+                <a:solidFill>
+                  <a:srgbClr val="FF0000"/>
+                </a:solidFill>
+              </a:ln>
+            </p:spPr>
+            <p:style>
+              <a:lnRef idx="1">
+                <a:schemeClr val="accent1"/>
+              </a:lnRef>
+              <a:fillRef idx="0">
+                <a:schemeClr val="accent1"/>
+              </a:fillRef>
+              <a:effectRef idx="0">
+                <a:schemeClr val="accent1"/>
+              </a:effectRef>
+              <a:fontRef idx="minor">
+                <a:schemeClr val="tx1"/>
+              </a:fontRef>
+            </p:style>
+            <p:txBody>
+              <a:bodyPr rtlCol="0" anchor="ctr"/>
+              <a:lstStyle/>
+              <a:p>
+                <a:pPr algn="ctr"/>
+                <a:endParaRPr kumimoji="1" lang="ja-JP" altLang="en-US"/>
+              </a:p>
+            </p:txBody>
+          </p:sp>
+          <p:sp>
+            <p:nvSpPr>
+              <p:cNvPr id="58" name="円弧 57"/>
+              <p:cNvSpPr/>
+              <p:nvPr/>
+            </p:nvSpPr>
+            <p:spPr>
+              <a:xfrm rot="16425063">
+                <a:off x="2878807" y="7616336"/>
+                <a:ext cx="1011086" cy="998820"/>
+              </a:xfrm>
+              <a:prstGeom prst="arc">
+                <a:avLst>
+                  <a:gd name="adj1" fmla="val 10935816"/>
+                  <a:gd name="adj2" fmla="val 16408198"/>
+                </a:avLst>
+              </a:prstGeom>
+              <a:ln w="76200">
+                <a:solidFill>
+                  <a:schemeClr val="tx2"/>
+                </a:solidFill>
+              </a:ln>
+            </p:spPr>
+            <p:style>
+              <a:lnRef idx="1">
+                <a:schemeClr val="accent1"/>
+              </a:lnRef>
+              <a:fillRef idx="0">
+                <a:schemeClr val="accent1"/>
+              </a:fillRef>
+              <a:effectRef idx="0">
+                <a:schemeClr val="accent1"/>
+              </a:effectRef>
+              <a:fontRef idx="minor">
+                <a:schemeClr val="tx1"/>
+              </a:fontRef>
+            </p:style>
+            <p:txBody>
+              <a:bodyPr rtlCol="0" anchor="ctr"/>
+              <a:lstStyle/>
+              <a:p>
+                <a:pPr algn="ctr"/>
+                <a:endParaRPr kumimoji="1" lang="ja-JP" altLang="en-US"/>
+              </a:p>
+            </p:txBody>
+          </p:sp>
+          <p:sp>
+            <p:nvSpPr>
+              <p:cNvPr id="73" name="円弧 72"/>
+              <p:cNvSpPr/>
+              <p:nvPr/>
+            </p:nvSpPr>
+            <p:spPr>
+              <a:xfrm rot="2385999">
+                <a:off x="2865887" y="7642743"/>
+                <a:ext cx="1011086" cy="998820"/>
+              </a:xfrm>
+              <a:prstGeom prst="arc">
+                <a:avLst>
+                  <a:gd name="adj1" fmla="val 9746723"/>
+                  <a:gd name="adj2" fmla="val 17829178"/>
+                </a:avLst>
+              </a:prstGeom>
+              <a:ln w="76200">
+                <a:solidFill>
+                  <a:srgbClr val="00B050"/>
+                </a:solidFill>
+              </a:ln>
+            </p:spPr>
+            <p:style>
+              <a:lnRef idx="1">
+                <a:schemeClr val="accent1"/>
+              </a:lnRef>
+              <a:fillRef idx="0">
+                <a:schemeClr val="accent1"/>
+              </a:fillRef>
+              <a:effectRef idx="0">
+                <a:schemeClr val="accent1"/>
+              </a:effectRef>
+              <a:fontRef idx="minor">
+                <a:schemeClr val="tx1"/>
+              </a:fontRef>
+            </p:style>
+            <p:txBody>
+              <a:bodyPr rtlCol="0" anchor="ctr"/>
+              <a:lstStyle/>
+              <a:p>
+                <a:pPr algn="ctr"/>
+                <a:endParaRPr kumimoji="1" lang="ja-JP" altLang="en-US"/>
+              </a:p>
+            </p:txBody>
+          </p:sp>
+        </p:grpSp>
+      </p:grpSp>
+      <p:cxnSp>
+        <p:nvCxnSpPr>
+          <p:cNvPr id="74" name="直線矢印コネクタ 73"/>
+          <p:cNvCxnSpPr/>
+          <p:nvPr/>
+        </p:nvCxnSpPr>
+        <p:spPr>
+          <a:xfrm>
+            <a:off x="10468842" y="24290776"/>
+            <a:ext cx="0" cy="1370162"/>
+          </a:xfrm>
+          <a:prstGeom prst="straightConnector1">
+            <a:avLst/>
+          </a:prstGeom>
+          <a:ln w="76200">
+            <a:solidFill>
+              <a:srgbClr val="00B050"/>
+            </a:solidFill>
+            <a:headEnd type="arrow" w="med" len="med"/>
+            <a:tailEnd type="arrow" w="med" len="med"/>
+          </a:ln>
+        </p:spPr>
+        <p:style>
+          <a:lnRef idx="1">
+            <a:schemeClr val="accent1"/>
+          </a:lnRef>
+          <a:fillRef idx="0">
+            <a:schemeClr val="accent1"/>
+          </a:fillRef>
+          <a:effectRef idx="0">
+            <a:schemeClr val="accent1"/>
+          </a:effectRef>
+          <a:fontRef idx="minor">
+            <a:schemeClr val="tx1"/>
+          </a:fontRef>
+        </p:style>
+      </p:cxnSp>
+      <p:cxnSp>
+        <p:nvCxnSpPr>
+          <p:cNvPr id="83" name="直線矢印コネクタ 82"/>
+          <p:cNvCxnSpPr/>
+          <p:nvPr/>
+        </p:nvCxnSpPr>
+        <p:spPr>
+          <a:xfrm>
+            <a:off x="5079443" y="28493271"/>
+            <a:ext cx="3817491" cy="0"/>
+          </a:xfrm>
+          <a:prstGeom prst="straightConnector1">
+            <a:avLst/>
+          </a:prstGeom>
+          <a:ln w="76200">
             <a:solidFill>
               <a:schemeClr val="tx2"/>
             </a:solidFill>
@@ -5203,14 +6118,14 @@
       </p:cxnSp>
       <p:sp>
         <p:nvSpPr>
-          <p:cNvPr id="64" name="テキスト ボックス 63"/>
+          <p:cNvPr id="80" name="テキスト ボックス 79"/>
           <p:cNvSpPr txBox="1"/>
           <p:nvPr/>
         </p:nvSpPr>
         <p:spPr>
           <a:xfrm>
-            <a:off x="-27384" y="7958117"/>
-            <a:ext cx="1736812" cy="646331"/>
+            <a:off x="7956002" y="22973702"/>
+            <a:ext cx="5881214" cy="1223028"/>
           </a:xfrm>
           <a:prstGeom prst="rect">
             <a:avLst/>
@@ -5218,62 +6133,41 @@
           <a:noFill/>
         </p:spPr>
         <p:txBody>
-          <a:bodyPr wrap="square" rtlCol="0">
+          <a:bodyPr wrap="square" lIns="295232" tIns="147616" rIns="295232" bIns="147616" rtlCol="0">
             <a:spAutoFit/>
           </a:bodyPr>
           <a:lstStyle/>
           <a:p>
-            <a:pPr algn="ctr"/>
-            <a:r>
-              <a:rPr lang="ja-JP" altLang="en-US" dirty="0" smtClean="0">
-                <a:solidFill>
-                  <a:schemeClr val="tx2"/>
-                </a:solidFill>
-                <a:latin typeface="HGS明朝E" panose="02020900000000000000" pitchFamily="18" charset="-128"/>
-                <a:ea typeface="HGS明朝E" panose="02020900000000000000" pitchFamily="18" charset="-128"/>
-              </a:rPr>
-              <a:t>品質</a:t>
-            </a:r>
-            <a:endParaRPr lang="en-US" altLang="ja-JP" dirty="0" smtClean="0">
+            <a:r>
+              <a:rPr kumimoji="1" lang="ja-JP" altLang="en-US" dirty="0" smtClean="0">
+                <a:solidFill>
+                  <a:srgbClr val="00B050"/>
+                </a:solidFill>
+                <a:latin typeface="HGP明朝E" panose="02020900000000000000" pitchFamily="18" charset="-128"/>
+                <a:ea typeface="HGP明朝E" panose="02020900000000000000" pitchFamily="18" charset="-128"/>
+              </a:rPr>
+              <a:t>リスクマネジメント</a:t>
+            </a:r>
+            <a:endParaRPr kumimoji="1" lang="ja-JP" altLang="en-US" dirty="0">
               <a:solidFill>
-                <a:schemeClr val="tx2"/>
+                <a:srgbClr val="00B050"/>
               </a:solidFill>
-              <a:latin typeface="HGS明朝E" panose="02020900000000000000" pitchFamily="18" charset="-128"/>
-              <a:ea typeface="HGS明朝E" panose="02020900000000000000" pitchFamily="18" charset="-128"/>
+              <a:latin typeface="HGP明朝E" panose="02020900000000000000" pitchFamily="18" charset="-128"/>
+              <a:ea typeface="HGP明朝E" panose="02020900000000000000" pitchFamily="18" charset="-128"/>
             </a:endParaRPr>
           </a:p>
-          <a:p>
-            <a:pPr algn="ctr"/>
-            <a:r>
-              <a:rPr lang="ja-JP" altLang="en-US" dirty="0" smtClean="0">
-                <a:solidFill>
-                  <a:schemeClr val="tx2"/>
-                </a:solidFill>
-                <a:latin typeface="HGS明朝E" panose="02020900000000000000" pitchFamily="18" charset="-128"/>
-                <a:ea typeface="HGS明朝E" panose="02020900000000000000" pitchFamily="18" charset="-128"/>
-              </a:rPr>
-              <a:t>マネジメント</a:t>
-            </a:r>
-            <a:endParaRPr kumimoji="1" lang="en-US" altLang="ja-JP" dirty="0" smtClean="0">
-              <a:solidFill>
-                <a:schemeClr val="tx2"/>
-              </a:solidFill>
-              <a:latin typeface="HGS明朝E" panose="02020900000000000000" pitchFamily="18" charset="-128"/>
-              <a:ea typeface="HGS明朝E" panose="02020900000000000000" pitchFamily="18" charset="-128"/>
-            </a:endParaRPr>
-          </a:p>
-        </p:txBody>
-      </p:sp>
-      <p:sp>
-        <p:nvSpPr>
-          <p:cNvPr id="65" name="テキスト ボックス 64"/>
+        </p:txBody>
+      </p:sp>
+      <p:sp>
+        <p:nvSpPr>
+          <p:cNvPr id="84" name="テキスト ボックス 83"/>
           <p:cNvSpPr txBox="1"/>
           <p:nvPr/>
         </p:nvSpPr>
         <p:spPr>
           <a:xfrm>
-            <a:off x="1628800" y="8481918"/>
-            <a:ext cx="1080120" cy="338554"/>
+            <a:off x="11142516" y="24468894"/>
+            <a:ext cx="7634982" cy="1019191"/>
           </a:xfrm>
           <a:prstGeom prst="rect">
             <a:avLst/>
@@ -5281,325 +6175,34 @@
           <a:noFill/>
         </p:spPr>
         <p:txBody>
-          <a:bodyPr wrap="square" rtlCol="0">
+          <a:bodyPr wrap="square" lIns="295232" tIns="147616" rIns="295232" bIns="147616" rtlCol="0">
             <a:spAutoFit/>
           </a:bodyPr>
           <a:lstStyle/>
           <a:p>
             <a:r>
-              <a:rPr kumimoji="1" lang="ja-JP" altLang="en-US" sz="1600" dirty="0" smtClean="0">
-                <a:solidFill>
-                  <a:schemeClr val="tx2"/>
-                </a:solidFill>
-                <a:latin typeface="HGS明朝E" panose="02020900000000000000" pitchFamily="18" charset="-128"/>
-                <a:ea typeface="HGS明朝E" panose="02020900000000000000" pitchFamily="18" charset="-128"/>
-              </a:rPr>
-              <a:t>品質向上</a:t>
-            </a:r>
-            <a:endParaRPr kumimoji="1" lang="ja-JP" altLang="en-US" sz="1600" dirty="0">
-              <a:solidFill>
-                <a:schemeClr val="tx2"/>
-              </a:solidFill>
-              <a:latin typeface="HGS明朝E" panose="02020900000000000000" pitchFamily="18" charset="-128"/>
-              <a:ea typeface="HGS明朝E" panose="02020900000000000000" pitchFamily="18" charset="-128"/>
-            </a:endParaRPr>
-          </a:p>
-        </p:txBody>
-      </p:sp>
-      <p:cxnSp>
-        <p:nvCxnSpPr>
-          <p:cNvPr id="66" name="直線矢印コネクタ 65"/>
-          <p:cNvCxnSpPr/>
-          <p:nvPr/>
-        </p:nvCxnSpPr>
-        <p:spPr>
-          <a:xfrm flipH="1">
-            <a:off x="4077073" y="8259762"/>
-            <a:ext cx="1022052" cy="761"/>
-          </a:xfrm>
-          <a:prstGeom prst="straightConnector1">
-            <a:avLst/>
-          </a:prstGeom>
-          <a:ln w="28575">
-            <a:solidFill>
-              <a:srgbClr val="FF0000"/>
-            </a:solidFill>
-            <a:headEnd type="arrow" w="med" len="med"/>
-            <a:tailEnd type="arrow" w="med" len="med"/>
-          </a:ln>
-        </p:spPr>
-        <p:style>
-          <a:lnRef idx="1">
-            <a:schemeClr val="accent1"/>
-          </a:lnRef>
-          <a:fillRef idx="0">
-            <a:schemeClr val="accent1"/>
-          </a:fillRef>
-          <a:effectRef idx="0">
-            <a:schemeClr val="accent1"/>
-          </a:effectRef>
-          <a:fontRef idx="minor">
-            <a:schemeClr val="tx1"/>
-          </a:fontRef>
-        </p:style>
-      </p:cxnSp>
-      <p:sp>
-        <p:nvSpPr>
-          <p:cNvPr id="81" name="テキスト ボックス 80"/>
-          <p:cNvSpPr txBox="1"/>
-          <p:nvPr/>
-        </p:nvSpPr>
-        <p:spPr>
-          <a:xfrm>
-            <a:off x="4941168" y="7956376"/>
-            <a:ext cx="1736812" cy="646331"/>
-          </a:xfrm>
-          <a:prstGeom prst="rect">
-            <a:avLst/>
-          </a:prstGeom>
-          <a:noFill/>
-        </p:spPr>
-        <p:txBody>
-          <a:bodyPr wrap="square" rtlCol="0">
-            <a:spAutoFit/>
-          </a:bodyPr>
-          <a:lstStyle/>
-          <a:p>
-            <a:pPr algn="ctr"/>
-            <a:r>
-              <a:rPr kumimoji="1" lang="ja-JP" altLang="en-US" dirty="0" smtClean="0">
-                <a:solidFill>
-                  <a:srgbClr val="FF0000"/>
-                </a:solidFill>
-                <a:latin typeface="HGS明朝E" panose="02020900000000000000" pitchFamily="18" charset="-128"/>
-                <a:ea typeface="HGS明朝E" panose="02020900000000000000" pitchFamily="18" charset="-128"/>
-              </a:rPr>
-              <a:t>経営戦略</a:t>
-            </a:r>
-            <a:endParaRPr kumimoji="1" lang="en-US" altLang="ja-JP" dirty="0" smtClean="0">
-              <a:solidFill>
-                <a:srgbClr val="FF0000"/>
-              </a:solidFill>
-              <a:latin typeface="HGS明朝E" panose="02020900000000000000" pitchFamily="18" charset="-128"/>
-              <a:ea typeface="HGS明朝E" panose="02020900000000000000" pitchFamily="18" charset="-128"/>
-            </a:endParaRPr>
-          </a:p>
-          <a:p>
-            <a:pPr algn="ctr"/>
-            <a:r>
-              <a:rPr lang="ja-JP" altLang="en-US" dirty="0">
-                <a:solidFill>
-                  <a:srgbClr val="FF0000"/>
-                </a:solidFill>
-                <a:latin typeface="HGS明朝E" panose="02020900000000000000" pitchFamily="18" charset="-128"/>
-                <a:ea typeface="HGS明朝E" panose="02020900000000000000" pitchFamily="18" charset="-128"/>
-              </a:rPr>
-              <a:t>マネジメント</a:t>
-            </a:r>
-            <a:endParaRPr kumimoji="1" lang="en-US" altLang="ja-JP" dirty="0" smtClean="0">
-              <a:solidFill>
-                <a:srgbClr val="FF0000"/>
-              </a:solidFill>
-              <a:latin typeface="HGS明朝E" panose="02020900000000000000" pitchFamily="18" charset="-128"/>
-              <a:ea typeface="HGS明朝E" panose="02020900000000000000" pitchFamily="18" charset="-128"/>
-            </a:endParaRPr>
-          </a:p>
-        </p:txBody>
-      </p:sp>
-      <p:sp>
-        <p:nvSpPr>
-          <p:cNvPr id="82" name="テキスト ボックス 81"/>
-          <p:cNvSpPr txBox="1"/>
-          <p:nvPr/>
-        </p:nvSpPr>
-        <p:spPr>
-          <a:xfrm>
-            <a:off x="3933056" y="8460432"/>
-            <a:ext cx="1318456" cy="523220"/>
-          </a:xfrm>
-          <a:prstGeom prst="rect">
-            <a:avLst/>
-          </a:prstGeom>
-          <a:noFill/>
-        </p:spPr>
-        <p:txBody>
-          <a:bodyPr wrap="square" rtlCol="0">
-            <a:spAutoFit/>
-          </a:bodyPr>
-          <a:lstStyle/>
-          <a:p>
-            <a:pPr algn="ctr"/>
-            <a:r>
-              <a:rPr kumimoji="1" lang="ja-JP" altLang="en-US" sz="1400" dirty="0" smtClean="0">
-                <a:solidFill>
-                  <a:srgbClr val="FF0000"/>
-                </a:solidFill>
-                <a:latin typeface="HGS明朝E" panose="02020900000000000000" pitchFamily="18" charset="-128"/>
-                <a:ea typeface="HGS明朝E" panose="02020900000000000000" pitchFamily="18" charset="-128"/>
-              </a:rPr>
-              <a:t>競合企業との</a:t>
-            </a:r>
-            <a:endParaRPr kumimoji="1" lang="en-US" altLang="ja-JP" sz="1400" dirty="0" smtClean="0">
-              <a:solidFill>
-                <a:srgbClr val="FF0000"/>
-              </a:solidFill>
-              <a:latin typeface="HGS明朝E" panose="02020900000000000000" pitchFamily="18" charset="-128"/>
-              <a:ea typeface="HGS明朝E" panose="02020900000000000000" pitchFamily="18" charset="-128"/>
-            </a:endParaRPr>
-          </a:p>
-          <a:p>
-            <a:pPr algn="ctr"/>
-            <a:r>
-              <a:rPr lang="ja-JP" altLang="en-US" sz="1400" dirty="0">
-                <a:solidFill>
-                  <a:srgbClr val="FF0000"/>
-                </a:solidFill>
-                <a:latin typeface="HGS明朝E" panose="02020900000000000000" pitchFamily="18" charset="-128"/>
-                <a:ea typeface="HGS明朝E" panose="02020900000000000000" pitchFamily="18" charset="-128"/>
-              </a:rPr>
-              <a:t>差別化</a:t>
-            </a:r>
-            <a:endParaRPr kumimoji="1" lang="ja-JP" altLang="en-US" sz="1400" dirty="0">
-              <a:solidFill>
-                <a:srgbClr val="FF0000"/>
-              </a:solidFill>
-              <a:latin typeface="HGS明朝E" panose="02020900000000000000" pitchFamily="18" charset="-128"/>
-              <a:ea typeface="HGS明朝E" panose="02020900000000000000" pitchFamily="18" charset="-128"/>
-            </a:endParaRPr>
-          </a:p>
-        </p:txBody>
-      </p:sp>
-      <p:cxnSp>
-        <p:nvCxnSpPr>
-          <p:cNvPr id="40" name="直線矢印コネクタ 39"/>
-          <p:cNvCxnSpPr/>
-          <p:nvPr/>
-        </p:nvCxnSpPr>
-        <p:spPr>
-          <a:xfrm flipV="1">
-            <a:off x="3657448" y="3644934"/>
-            <a:ext cx="301688" cy="12304"/>
-          </a:xfrm>
-          <a:prstGeom prst="straightConnector1">
-            <a:avLst/>
-          </a:prstGeom>
-          <a:ln w="38100">
-            <a:solidFill>
-              <a:schemeClr val="tx1">
-                <a:lumMod val="65000"/>
-                <a:lumOff val="35000"/>
-              </a:schemeClr>
-            </a:solidFill>
-            <a:tailEnd type="arrow"/>
-          </a:ln>
-        </p:spPr>
-        <p:style>
-          <a:lnRef idx="1">
-            <a:schemeClr val="accent1"/>
-          </a:lnRef>
-          <a:fillRef idx="0">
-            <a:schemeClr val="accent1"/>
-          </a:fillRef>
-          <a:effectRef idx="0">
-            <a:schemeClr val="accent1"/>
-          </a:effectRef>
-          <a:fontRef idx="minor">
-            <a:schemeClr val="tx1"/>
-          </a:fontRef>
-        </p:style>
-      </p:cxnSp>
-      <p:cxnSp>
-        <p:nvCxnSpPr>
-          <p:cNvPr id="16" name="直線コネクタ 15"/>
-          <p:cNvCxnSpPr/>
-          <p:nvPr/>
-        </p:nvCxnSpPr>
-        <p:spPr>
-          <a:xfrm>
-            <a:off x="3052184" y="3659968"/>
-            <a:ext cx="283117" cy="0"/>
-          </a:xfrm>
-          <a:prstGeom prst="line">
-            <a:avLst/>
-          </a:prstGeom>
-          <a:ln w="38100">
-            <a:solidFill>
-              <a:schemeClr val="tx1">
-                <a:lumMod val="65000"/>
-                <a:lumOff val="35000"/>
-              </a:schemeClr>
-            </a:solidFill>
-          </a:ln>
-        </p:spPr>
-        <p:style>
-          <a:lnRef idx="1">
-            <a:schemeClr val="accent1"/>
-          </a:lnRef>
-          <a:fillRef idx="0">
-            <a:schemeClr val="accent1"/>
-          </a:fillRef>
-          <a:effectRef idx="0">
-            <a:schemeClr val="accent1"/>
-          </a:effectRef>
-          <a:fontRef idx="minor">
-            <a:schemeClr val="tx1"/>
-          </a:fontRef>
-        </p:style>
-      </p:cxnSp>
-      <p:sp>
-        <p:nvSpPr>
-          <p:cNvPr id="24" name="テキスト ボックス 23"/>
-          <p:cNvSpPr txBox="1"/>
-          <p:nvPr/>
-        </p:nvSpPr>
-        <p:spPr>
-          <a:xfrm>
-            <a:off x="792784" y="4706724"/>
-            <a:ext cx="5416447" cy="369332"/>
-          </a:xfrm>
-          <a:prstGeom prst="rect">
-            <a:avLst/>
-          </a:prstGeom>
-          <a:noFill/>
-        </p:spPr>
-        <p:txBody>
-          <a:bodyPr wrap="square" rtlCol="0">
-            <a:spAutoFit/>
-          </a:bodyPr>
-          <a:lstStyle/>
-          <a:p>
-            <a:r>
-              <a:rPr lang="ja-JP" altLang="en-US" dirty="0">
-                <a:solidFill>
-                  <a:schemeClr val="tx1">
-                    <a:lumMod val="75000"/>
-                    <a:lumOff val="25000"/>
-                  </a:schemeClr>
+              <a:rPr lang="ja-JP" altLang="en-US" sz="4500" dirty="0">
+                <a:solidFill>
+                  <a:srgbClr val="00B050"/>
                 </a:solidFill>
                 <a:latin typeface="HGP明朝E" panose="02020900000000000000" pitchFamily="18" charset="-128"/>
                 <a:ea typeface="HGP明朝E" panose="02020900000000000000" pitchFamily="18" charset="-128"/>
               </a:rPr>
-              <a:t>新しいコミュニケーション空間を創造することが</a:t>
-            </a:r>
-            <a:r>
-              <a:rPr lang="ja-JP" altLang="en-US" dirty="0" smtClean="0">
-                <a:solidFill>
-                  <a:schemeClr val="tx1">
-                    <a:lumMod val="75000"/>
-                    <a:lumOff val="25000"/>
-                  </a:schemeClr>
+              <a:t>テスト</a:t>
+            </a:r>
+            <a:r>
+              <a:rPr lang="ja-JP" altLang="en-US" sz="4500" dirty="0">
+                <a:solidFill>
+                  <a:srgbClr val="00B050"/>
                 </a:solidFill>
                 <a:latin typeface="HGP明朝E" panose="02020900000000000000" pitchFamily="18" charset="-128"/>
                 <a:ea typeface="HGP明朝E" panose="02020900000000000000" pitchFamily="18" charset="-128"/>
               </a:rPr>
-              <a:t>できる！</a:t>
-            </a:r>
-            <a:endParaRPr kumimoji="1" lang="ja-JP" altLang="en-US" dirty="0">
+              <a:t>の自動化による不具合</a:t>
+            </a:r>
+            <a:endParaRPr lang="ja-JP" altLang="en-US" sz="4500" dirty="0">
               <a:solidFill>
-                <a:schemeClr val="tx1">
-                  <a:lumMod val="75000"/>
-                  <a:lumOff val="25000"/>
-                </a:schemeClr>
+                <a:srgbClr val="00B050"/>
               </a:solidFill>
               <a:latin typeface="HGP明朝E" panose="02020900000000000000" pitchFamily="18" charset="-128"/>
               <a:ea typeface="HGP明朝E" panose="02020900000000000000" pitchFamily="18" charset="-128"/>
@@ -5652,8 +6255,8 @@
         </p:nvSpPr>
         <p:spPr>
           <a:xfrm>
-            <a:off x="116632" y="107504"/>
-            <a:ext cx="2376264" cy="369332"/>
+            <a:off x="363719" y="355995"/>
+            <a:ext cx="7410423" cy="1223028"/>
           </a:xfrm>
           <a:prstGeom prst="rect">
             <a:avLst/>
@@ -5661,7 +6264,7 @@
           <a:noFill/>
         </p:spPr>
         <p:txBody>
-          <a:bodyPr wrap="square" rtlCol="0">
+          <a:bodyPr wrap="square" lIns="295232" tIns="147616" rIns="295232" bIns="147616" rtlCol="0">
             <a:spAutoFit/>
           </a:bodyPr>
           <a:lstStyle/>
@@ -5688,8 +6291,8 @@
         </p:nvCxnSpPr>
         <p:spPr>
           <a:xfrm>
-            <a:off x="116632" y="2483768"/>
-            <a:ext cx="6480720" cy="0"/>
+            <a:off x="435832" y="8224894"/>
+            <a:ext cx="20210245" cy="0"/>
           </a:xfrm>
           <a:prstGeom prst="line">
             <a:avLst/>
@@ -5725,8 +6328,8 @@
         </p:nvSpPr>
         <p:spPr>
           <a:xfrm>
-            <a:off x="116632" y="2483768"/>
-            <a:ext cx="2376264" cy="369332"/>
+            <a:off x="363719" y="8224894"/>
+            <a:ext cx="7410423" cy="1223028"/>
           </a:xfrm>
           <a:prstGeom prst="rect">
             <a:avLst/>
@@ -5734,7 +6337,7 @@
           <a:noFill/>
         </p:spPr>
         <p:txBody>
-          <a:bodyPr wrap="square" rtlCol="0">
+          <a:bodyPr wrap="square" lIns="295232" tIns="147616" rIns="295232" bIns="147616" rtlCol="0">
             <a:spAutoFit/>
           </a:bodyPr>
           <a:lstStyle/>
@@ -5768,8 +6371,8 @@
         </p:nvSpPr>
         <p:spPr>
           <a:xfrm>
-            <a:off x="116632" y="7010980"/>
-            <a:ext cx="2376264" cy="369332"/>
+            <a:off x="363719" y="23216568"/>
+            <a:ext cx="7410423" cy="1223028"/>
           </a:xfrm>
           <a:prstGeom prst="rect">
             <a:avLst/>
@@ -5777,7 +6380,7 @@
           <a:noFill/>
         </p:spPr>
         <p:txBody>
-          <a:bodyPr wrap="square" rtlCol="0">
+          <a:bodyPr wrap="square" lIns="295232" tIns="147616" rIns="295232" bIns="147616" rtlCol="0">
             <a:spAutoFit/>
           </a:bodyPr>
           <a:lstStyle/>
@@ -5811,8 +6414,8 @@
         </p:nvCxnSpPr>
         <p:spPr>
           <a:xfrm>
-            <a:off x="116632" y="7020272"/>
-            <a:ext cx="6480720" cy="0"/>
+            <a:off x="363719" y="23247338"/>
+            <a:ext cx="20210245" cy="0"/>
           </a:xfrm>
           <a:prstGeom prst="line">
             <a:avLst/>
@@ -5848,8 +6451,8 @@
         </p:nvSpPr>
         <p:spPr>
           <a:xfrm>
-            <a:off x="594928" y="7415152"/>
-            <a:ext cx="5570376" cy="1477328"/>
+            <a:off x="1855294" y="24554967"/>
+            <a:ext cx="17371321" cy="4892110"/>
           </a:xfrm>
           <a:prstGeom prst="rect">
             <a:avLst/>
@@ -5857,7 +6460,7 @@
           <a:noFill/>
         </p:spPr>
         <p:txBody>
-          <a:bodyPr wrap="square" rtlCol="0">
+          <a:bodyPr wrap="square" lIns="295232" tIns="147616" rIns="295232" bIns="147616" rtlCol="0">
             <a:spAutoFit/>
           </a:bodyPr>
           <a:lstStyle/>
@@ -5912,20 +6515,7 @@
                 <a:latin typeface="HGP明朝E" panose="02020900000000000000" pitchFamily="18" charset="-128"/>
                 <a:ea typeface="HGP明朝E" panose="02020900000000000000" pitchFamily="18" charset="-128"/>
               </a:rPr>
-              <a:t>月～</a:t>
-            </a:r>
-            <a:r>
-              <a:rPr kumimoji="1" lang="ja-JP" altLang="en-US" dirty="0" smtClean="0">
-                <a:solidFill>
-                  <a:schemeClr val="tx1">
-                    <a:lumMod val="75000"/>
-                    <a:lumOff val="25000"/>
-                  </a:schemeClr>
-                </a:solidFill>
-                <a:latin typeface="HGP明朝E" panose="02020900000000000000" pitchFamily="18" charset="-128"/>
-                <a:ea typeface="HGP明朝E" panose="02020900000000000000" pitchFamily="18" charset="-128"/>
-              </a:rPr>
-              <a:t>　　　　　</a:t>
+              <a:t>月～　　　　　</a:t>
             </a:r>
             <a:r>
               <a:rPr kumimoji="1" lang="en-US" altLang="ja-JP" dirty="0" smtClean="0">
@@ -6319,8 +6909,8 @@
         </p:nvSpPr>
         <p:spPr>
           <a:xfrm>
-            <a:off x="548680" y="467544"/>
-            <a:ext cx="6048672" cy="1938992"/>
+            <a:off x="1711069" y="1548253"/>
+            <a:ext cx="18862896" cy="6420891"/>
           </a:xfrm>
           <a:prstGeom prst="rect">
             <a:avLst/>
@@ -6328,12 +6918,12 @@
           <a:noFill/>
         </p:spPr>
         <p:txBody>
-          <a:bodyPr wrap="square" rtlCol="0">
+          <a:bodyPr wrap="square" lIns="295232" tIns="147616" rIns="295232" bIns="147616" rtlCol="0">
             <a:spAutoFit/>
           </a:bodyPr>
           <a:lstStyle/>
           <a:p>
-            <a:pPr marL="342900" indent="-342900">
+            <a:pPr marL="1107121" indent="-1107121">
               <a:lnSpc>
                 <a:spcPct val="150000"/>
               </a:lnSpc>
@@ -6341,7 +6931,7 @@
               <a:buAutoNum type="arabicPeriod"/>
             </a:pPr>
             <a:r>
-              <a:rPr kumimoji="1" lang="en-US" altLang="ja-JP" sz="2000" dirty="0" smtClean="0">
+              <a:rPr lang="en-US" altLang="ja-JP" sz="6500" dirty="0">
                 <a:solidFill>
                   <a:schemeClr val="tx1">
                     <a:lumMod val="75000"/>
@@ -6354,7 +6944,7 @@
               <a:t>AR</a:t>
             </a:r>
             <a:r>
-              <a:rPr kumimoji="1" lang="ja-JP" altLang="en-US" sz="2000" dirty="0" smtClean="0">
+              <a:rPr lang="ja-JP" altLang="en-US" sz="6500" dirty="0">
                 <a:solidFill>
                   <a:schemeClr val="tx1">
                     <a:lumMod val="75000"/>
@@ -6366,7 +6956,7 @@
               </a:rPr>
               <a:t>の現状調査</a:t>
             </a:r>
-            <a:endParaRPr kumimoji="1" lang="en-US" altLang="ja-JP" sz="2000" dirty="0" smtClean="0">
+            <a:endParaRPr lang="en-US" altLang="ja-JP" sz="6500" dirty="0">
               <a:solidFill>
                 <a:schemeClr val="tx1">
                   <a:lumMod val="75000"/>
@@ -6378,7 +6968,7 @@
             </a:endParaRPr>
           </a:p>
           <a:p>
-            <a:pPr marL="342900" indent="-342900">
+            <a:pPr marL="1107121" indent="-1107121">
               <a:lnSpc>
                 <a:spcPct val="150000"/>
               </a:lnSpc>
@@ -6386,7 +6976,7 @@
               <a:buAutoNum type="arabicPeriod"/>
             </a:pPr>
             <a:r>
-              <a:rPr lang="en-US" altLang="ja-JP" sz="2000" dirty="0" smtClean="0">
+              <a:rPr lang="en-US" altLang="ja-JP" sz="6500" dirty="0">
                 <a:solidFill>
                   <a:schemeClr val="tx1">
                     <a:lumMod val="75000"/>
@@ -6399,57 +6989,44 @@
               <a:t>AR</a:t>
             </a:r>
             <a:r>
-              <a:rPr lang="ja-JP" altLang="en-US" sz="2000" dirty="0" smtClean="0">
-                <a:solidFill>
-                  <a:schemeClr val="tx1">
-                    <a:lumMod val="75000"/>
-                    <a:lumOff val="25000"/>
-                  </a:schemeClr>
-                </a:solidFill>
-                <a:latin typeface="HGS明朝E" panose="02020900000000000000" pitchFamily="18" charset="-128"/>
-                <a:ea typeface="HGS明朝E" panose="02020900000000000000" pitchFamily="18" charset="-128"/>
-              </a:rPr>
-              <a:t>のコンテンツ作成である“</a:t>
-            </a:r>
-            <a:r>
-              <a:rPr lang="en-US" altLang="ja-JP" sz="2000" dirty="0" smtClean="0">
-                <a:solidFill>
-                  <a:schemeClr val="tx1">
-                    <a:lumMod val="75000"/>
-                    <a:lumOff val="25000"/>
-                  </a:schemeClr>
-                </a:solidFill>
-                <a:latin typeface="HGS明朝E" panose="02020900000000000000" pitchFamily="18" charset="-128"/>
-                <a:ea typeface="HGS明朝E" panose="02020900000000000000" pitchFamily="18" charset="-128"/>
-              </a:rPr>
-              <a:t>junaio</a:t>
-            </a:r>
-            <a:r>
-              <a:rPr lang="ja-JP" altLang="en-US" sz="2000" dirty="0" smtClean="0">
-                <a:solidFill>
-                  <a:schemeClr val="tx1">
-                    <a:lumMod val="75000"/>
-                    <a:lumOff val="25000"/>
-                  </a:schemeClr>
-                </a:solidFill>
-                <a:latin typeface="HGS明朝E" panose="02020900000000000000" pitchFamily="18" charset="-128"/>
-                <a:ea typeface="HGS明朝E" panose="02020900000000000000" pitchFamily="18" charset="-128"/>
-              </a:rPr>
-              <a:t>”を用いる</a:t>
-            </a:r>
-            <a:endParaRPr lang="en-US" altLang="ja-JP" sz="2000" dirty="0" smtClean="0">
+              <a:rPr lang="ja-JP" altLang="en-US" sz="6500" dirty="0">
+                <a:solidFill>
+                  <a:schemeClr val="tx1">
+                    <a:lumMod val="75000"/>
+                    <a:lumOff val="25000"/>
+                  </a:schemeClr>
+                </a:solidFill>
+                <a:latin typeface="HGP明朝E" panose="02020900000000000000" pitchFamily="18" charset="-128"/>
+                <a:ea typeface="HGP明朝E" panose="02020900000000000000" pitchFamily="18" charset="-128"/>
+              </a:rPr>
+              <a:t>アプリケーションの実装実験を</a:t>
+            </a:r>
+            <a:r>
+              <a:rPr lang="ja-JP" altLang="en-US" sz="6500" dirty="0">
+                <a:solidFill>
+                  <a:schemeClr val="tx1">
+                    <a:lumMod val="75000"/>
+                    <a:lumOff val="25000"/>
+                  </a:schemeClr>
+                </a:solidFill>
+                <a:latin typeface="HGP明朝E" panose="02020900000000000000" pitchFamily="18" charset="-128"/>
+                <a:ea typeface="HGP明朝E" panose="02020900000000000000" pitchFamily="18" charset="-128"/>
+              </a:rPr>
+              <a:t>行う</a:t>
+            </a:r>
+            <a:endParaRPr lang="en-US" altLang="ja-JP" sz="6500" dirty="0">
               <a:solidFill>
                 <a:schemeClr val="tx1">
                   <a:lumMod val="75000"/>
                   <a:lumOff val="25000"/>
                 </a:schemeClr>
               </a:solidFill>
-              <a:latin typeface="HGS明朝E" panose="02020900000000000000" pitchFamily="18" charset="-128"/>
-              <a:ea typeface="HGS明朝E" panose="02020900000000000000" pitchFamily="18" charset="-128"/>
+              <a:latin typeface="HGP明朝E" panose="02020900000000000000" pitchFamily="18" charset="-128"/>
+              <a:ea typeface="HGP明朝E" panose="02020900000000000000" pitchFamily="18" charset="-128"/>
             </a:endParaRPr>
           </a:p>
           <a:p>
-            <a:pPr marL="342900" indent="-342900">
+            <a:pPr marL="1107121" indent="-1107121">
               <a:lnSpc>
                 <a:spcPct val="150000"/>
               </a:lnSpc>
@@ -6457,72 +7034,174 @@
               <a:buAutoNum type="arabicPeriod"/>
             </a:pPr>
             <a:r>
-              <a:rPr kumimoji="1" lang="en-US" altLang="ja-JP" sz="2000" dirty="0" smtClean="0">
-                <a:solidFill>
-                  <a:schemeClr val="tx1">
-                    <a:lumMod val="75000"/>
-                    <a:lumOff val="25000"/>
-                  </a:schemeClr>
-                </a:solidFill>
-                <a:latin typeface="HGS明朝E" panose="02020900000000000000" pitchFamily="18" charset="-128"/>
-                <a:ea typeface="HGS明朝E" panose="02020900000000000000" pitchFamily="18" charset="-128"/>
-              </a:rPr>
-              <a:t>junaio</a:t>
-            </a:r>
-            <a:r>
-              <a:rPr kumimoji="1" lang="ja-JP" altLang="en-US" sz="2000" dirty="0" smtClean="0">
-                <a:solidFill>
-                  <a:schemeClr val="tx1">
-                    <a:lumMod val="75000"/>
-                    <a:lumOff val="25000"/>
-                  </a:schemeClr>
-                </a:solidFill>
-                <a:latin typeface="HGS明朝E" panose="02020900000000000000" pitchFamily="18" charset="-128"/>
-                <a:ea typeface="HGS明朝E" panose="02020900000000000000" pitchFamily="18" charset="-128"/>
-              </a:rPr>
-              <a:t>で実践する</a:t>
-            </a:r>
-            <a:endParaRPr kumimoji="1" lang="en-US" altLang="ja-JP" sz="2000" dirty="0" smtClean="0">
+              <a:rPr lang="en-US" altLang="ja-JP" sz="6500" dirty="0">
+                <a:solidFill>
+                  <a:schemeClr val="tx1">
+                    <a:lumMod val="75000"/>
+                    <a:lumOff val="25000"/>
+                  </a:schemeClr>
+                </a:solidFill>
+                <a:latin typeface="HGP明朝E" panose="02020900000000000000" pitchFamily="18" charset="-128"/>
+                <a:ea typeface="HGP明朝E" panose="02020900000000000000" pitchFamily="18" charset="-128"/>
+              </a:rPr>
+              <a:t>2</a:t>
+            </a:r>
+            <a:r>
+              <a:rPr lang="ja-JP" altLang="en-US" sz="6500" dirty="0">
+                <a:solidFill>
+                  <a:schemeClr val="tx1">
+                    <a:lumMod val="75000"/>
+                    <a:lumOff val="25000"/>
+                  </a:schemeClr>
+                </a:solidFill>
+                <a:latin typeface="HGP明朝E" panose="02020900000000000000" pitchFamily="18" charset="-128"/>
+                <a:ea typeface="HGP明朝E" panose="02020900000000000000" pitchFamily="18" charset="-128"/>
+              </a:rPr>
+              <a:t>を通じて</a:t>
+            </a:r>
+            <a:r>
+              <a:rPr lang="en-US" altLang="ja-JP" sz="6500" dirty="0">
+                <a:solidFill>
+                  <a:schemeClr val="tx1">
+                    <a:lumMod val="75000"/>
+                    <a:lumOff val="25000"/>
+                  </a:schemeClr>
+                </a:solidFill>
+                <a:latin typeface="HGP明朝E" panose="02020900000000000000" pitchFamily="18" charset="-128"/>
+                <a:ea typeface="HGP明朝E" panose="02020900000000000000" pitchFamily="18" charset="-128"/>
+              </a:rPr>
+              <a:t>AP</a:t>
+            </a:r>
+            <a:r>
+              <a:rPr lang="ja-JP" altLang="en-US" sz="6500" dirty="0">
+                <a:solidFill>
+                  <a:schemeClr val="tx1">
+                    <a:lumMod val="75000"/>
+                    <a:lumOff val="25000"/>
+                  </a:schemeClr>
+                </a:solidFill>
+                <a:latin typeface="HGP明朝E" panose="02020900000000000000" pitchFamily="18" charset="-128"/>
+                <a:ea typeface="HGP明朝E" panose="02020900000000000000" pitchFamily="18" charset="-128"/>
+              </a:rPr>
+              <a:t>アプリのテストの現状を把握</a:t>
+            </a:r>
+            <a:r>
+              <a:rPr lang="ja-JP" altLang="en-US" sz="6500" dirty="0">
+                <a:solidFill>
+                  <a:schemeClr val="tx1">
+                    <a:lumMod val="75000"/>
+                    <a:lumOff val="25000"/>
+                  </a:schemeClr>
+                </a:solidFill>
+                <a:latin typeface="HGP明朝E" panose="02020900000000000000" pitchFamily="18" charset="-128"/>
+                <a:ea typeface="HGP明朝E" panose="02020900000000000000" pitchFamily="18" charset="-128"/>
+              </a:rPr>
+              <a:t>する</a:t>
+            </a:r>
+            <a:endParaRPr lang="en-US" altLang="ja-JP" sz="6500" dirty="0">
               <a:solidFill>
                 <a:schemeClr val="tx1">
                   <a:lumMod val="75000"/>
                   <a:lumOff val="25000"/>
                 </a:schemeClr>
               </a:solidFill>
-              <a:latin typeface="HGS明朝E" panose="02020900000000000000" pitchFamily="18" charset="-128"/>
-              <a:ea typeface="HGS明朝E" panose="02020900000000000000" pitchFamily="18" charset="-128"/>
+              <a:latin typeface="HGP明朝E" panose="02020900000000000000" pitchFamily="18" charset="-128"/>
+              <a:ea typeface="HGP明朝E" panose="02020900000000000000" pitchFamily="18" charset="-128"/>
             </a:endParaRPr>
           </a:p>
           <a:p>
-            <a:pPr marL="342900" indent="-342900">
+            <a:pPr lvl="2">
               <a:lnSpc>
                 <a:spcPct val="150000"/>
               </a:lnSpc>
-              <a:buFont typeface="+mj-lt"/>
-              <a:buAutoNum type="arabicPeriod"/>
             </a:pPr>
             <a:r>
-              <a:rPr lang="ja-JP" altLang="en-US" sz="2000" dirty="0" smtClean="0">
-                <a:solidFill>
-                  <a:schemeClr val="tx1">
-                    <a:lumMod val="75000"/>
-                    <a:lumOff val="25000"/>
-                  </a:schemeClr>
-                </a:solidFill>
-                <a:latin typeface="HGS明朝E" panose="02020900000000000000" pitchFamily="18" charset="-128"/>
-                <a:ea typeface="HGS明朝E" panose="02020900000000000000" pitchFamily="18" charset="-128"/>
-              </a:rPr>
-              <a:t>テストを行う</a:t>
-            </a:r>
-            <a:endParaRPr kumimoji="1" lang="ja-JP" altLang="en-US" sz="2000" dirty="0">
+              <a:rPr lang="ja-JP" altLang="en-US" sz="6500" dirty="0" smtClean="0">
+                <a:solidFill>
+                  <a:schemeClr val="tx1">
+                    <a:lumMod val="75000"/>
+                    <a:lumOff val="25000"/>
+                  </a:schemeClr>
+                </a:solidFill>
+                <a:latin typeface="HGP明朝E" panose="02020900000000000000" pitchFamily="18" charset="-128"/>
+                <a:ea typeface="HGP明朝E" panose="02020900000000000000" pitchFamily="18" charset="-128"/>
+              </a:rPr>
+              <a:t>（</a:t>
+            </a:r>
+            <a:r>
+              <a:rPr lang="en-US" altLang="ja-JP" sz="6500" dirty="0" smtClean="0">
+                <a:solidFill>
+                  <a:schemeClr val="tx1">
+                    <a:lumMod val="75000"/>
+                    <a:lumOff val="25000"/>
+                  </a:schemeClr>
+                </a:solidFill>
+                <a:latin typeface="HGP明朝E" panose="02020900000000000000" pitchFamily="18" charset="-128"/>
+                <a:ea typeface="HGP明朝E" panose="02020900000000000000" pitchFamily="18" charset="-128"/>
+              </a:rPr>
+              <a:t>AR</a:t>
+            </a:r>
+            <a:r>
+              <a:rPr lang="ja-JP" altLang="en-US" sz="6500" dirty="0">
+                <a:solidFill>
+                  <a:schemeClr val="tx1">
+                    <a:lumMod val="75000"/>
+                    <a:lumOff val="25000"/>
+                  </a:schemeClr>
+                </a:solidFill>
+                <a:latin typeface="HGP明朝E" panose="02020900000000000000" pitchFamily="18" charset="-128"/>
+                <a:ea typeface="HGP明朝E" panose="02020900000000000000" pitchFamily="18" charset="-128"/>
+              </a:rPr>
+              <a:t>の実装には</a:t>
+            </a:r>
+            <a:r>
+              <a:rPr lang="en-US" altLang="ja-JP" sz="6500" dirty="0">
+                <a:solidFill>
+                  <a:schemeClr val="tx1">
+                    <a:lumMod val="75000"/>
+                    <a:lumOff val="25000"/>
+                  </a:schemeClr>
+                </a:solidFill>
+                <a:latin typeface="HGP明朝E" panose="02020900000000000000" pitchFamily="18" charset="-128"/>
+                <a:ea typeface="HGP明朝E" panose="02020900000000000000" pitchFamily="18" charset="-128"/>
+              </a:rPr>
+              <a:t>Junaio</a:t>
+            </a:r>
+            <a:r>
+              <a:rPr lang="ja-JP" altLang="en-US" sz="6500" dirty="0">
+                <a:solidFill>
+                  <a:schemeClr val="tx1">
+                    <a:lumMod val="75000"/>
+                    <a:lumOff val="25000"/>
+                  </a:schemeClr>
+                </a:solidFill>
+                <a:latin typeface="HGP明朝E" panose="02020900000000000000" pitchFamily="18" charset="-128"/>
+                <a:ea typeface="HGP明朝E" panose="02020900000000000000" pitchFamily="18" charset="-128"/>
+              </a:rPr>
+              <a:t>を</a:t>
+            </a:r>
+            <a:r>
+              <a:rPr lang="ja-JP" altLang="en-US" sz="6500" dirty="0" smtClean="0">
+                <a:solidFill>
+                  <a:schemeClr val="tx1">
+                    <a:lumMod val="75000"/>
+                    <a:lumOff val="25000"/>
+                  </a:schemeClr>
+                </a:solidFill>
+                <a:latin typeface="HGP明朝E" panose="02020900000000000000" pitchFamily="18" charset="-128"/>
+                <a:ea typeface="HGP明朝E" panose="02020900000000000000" pitchFamily="18" charset="-128"/>
+              </a:rPr>
+              <a:t>用いる）</a:t>
+            </a:r>
+            <a:endParaRPr lang="en-US" altLang="ja-JP" sz="6500" dirty="0">
               <a:solidFill>
                 <a:schemeClr val="tx1">
                   <a:lumMod val="75000"/>
                   <a:lumOff val="25000"/>
                 </a:schemeClr>
               </a:solidFill>
-              <a:latin typeface="HGS明朝E" panose="02020900000000000000" pitchFamily="18" charset="-128"/>
-              <a:ea typeface="HGS明朝E" panose="02020900000000000000" pitchFamily="18" charset="-128"/>
+              <a:latin typeface="HGP明朝E" panose="02020900000000000000" pitchFamily="18" charset="-128"/>
+              <a:ea typeface="HGP明朝E" panose="02020900000000000000" pitchFamily="18" charset="-128"/>
             </a:endParaRPr>
           </a:p>
         </p:txBody>
@@ -6535,10 +7214,10 @@
         </p:nvGrpSpPr>
         <p:grpSpPr>
           <a:xfrm>
-            <a:off x="68627" y="3033698"/>
-            <a:ext cx="1920213" cy="1754326"/>
+            <a:off x="920869" y="10892285"/>
+            <a:ext cx="5346625" cy="4382513"/>
             <a:chOff x="2516899" y="2915816"/>
-            <a:chExt cx="1920213" cy="1754326"/>
+            <a:chExt cx="1920213" cy="1728192"/>
           </a:xfrm>
         </p:grpSpPr>
         <p:sp>
@@ -6550,7 +7229,7 @@
           <p:spPr>
             <a:xfrm>
               <a:off x="2636912" y="2915816"/>
-              <a:ext cx="1656184" cy="1754326"/>
+              <a:ext cx="1656184" cy="1614195"/>
             </a:xfrm>
             <a:prstGeom prst="rect">
               <a:avLst/>
@@ -6563,9 +7242,9 @@
             </a:bodyPr>
             <a:lstStyle/>
             <a:p>
-              <a:pPr algn="dist"/>
+              <a:pPr algn="ctr"/>
               <a:r>
-                <a:rPr lang="en-US" altLang="ja-JP" dirty="0" smtClean="0">
+                <a:rPr lang="en-US" altLang="ja-JP" sz="5200" dirty="0">
                   <a:solidFill>
                     <a:schemeClr val="tx1">
                       <a:lumMod val="75000"/>
@@ -6578,7 +7257,7 @@
                 <a:t>AR</a:t>
               </a:r>
               <a:r>
-                <a:rPr lang="ja-JP" altLang="en-US" dirty="0" smtClean="0">
+                <a:rPr lang="ja-JP" altLang="en-US" sz="5200" dirty="0">
                   <a:solidFill>
                     <a:schemeClr val="tx1">
                       <a:lumMod val="75000"/>
@@ -6590,7 +7269,7 @@
                 </a:rPr>
                 <a:t>活用企業</a:t>
               </a:r>
-              <a:endParaRPr lang="en-US" altLang="ja-JP" dirty="0" smtClean="0">
+              <a:endParaRPr lang="en-US" altLang="ja-JP" sz="5200" dirty="0">
                 <a:solidFill>
                   <a:schemeClr val="tx1">
                     <a:lumMod val="75000"/>
@@ -6603,7 +7282,7 @@
             </a:p>
             <a:p>
               <a:pPr algn="dist"/>
-              <a:endParaRPr lang="en-US" altLang="ja-JP" dirty="0" smtClean="0">
+              <a:endParaRPr lang="en-US" altLang="ja-JP" sz="5200" dirty="0">
                 <a:solidFill>
                   <a:schemeClr val="tx1">
                     <a:lumMod val="75000"/>
@@ -6617,7 +7296,7 @@
             <a:p>
               <a:pPr algn="ctr"/>
               <a:r>
-                <a:rPr lang="ja-JP" altLang="en-US" dirty="0" smtClean="0">
+                <a:rPr lang="ja-JP" altLang="en-US" sz="5200" dirty="0">
                   <a:solidFill>
                     <a:schemeClr val="tx1">
                       <a:lumMod val="75000"/>
@@ -6629,7 +7308,7 @@
                 </a:rPr>
                 <a:t>富士通</a:t>
               </a:r>
-              <a:endParaRPr lang="en-US" altLang="ja-JP" dirty="0" smtClean="0">
+              <a:endParaRPr lang="en-US" altLang="ja-JP" sz="5200" dirty="0">
                 <a:solidFill>
                   <a:schemeClr val="tx1">
                     <a:lumMod val="75000"/>
@@ -6643,7 +7322,23 @@
             <a:p>
               <a:pPr algn="ctr"/>
               <a:r>
-                <a:rPr lang="en-US" altLang="ja-JP" dirty="0" smtClean="0">
+                <a:rPr lang="en-US" altLang="ja-JP" sz="5200" dirty="0">
+                  <a:solidFill>
+                    <a:schemeClr val="tx1">
+                      <a:lumMod val="75000"/>
+                      <a:lumOff val="25000"/>
+                    </a:schemeClr>
+                  </a:solidFill>
+                  <a:latin typeface="HGS明朝E" panose="02020900000000000000" pitchFamily="18" charset="-128"/>
+                  <a:ea typeface="HGS明朝E" panose="02020900000000000000" pitchFamily="18" charset="-128"/>
+                </a:rPr>
+                <a:t>pioneer</a:t>
+              </a:r>
+            </a:p>
+            <a:p>
+              <a:pPr algn="ctr"/>
+              <a:r>
+                <a:rPr lang="en-US" altLang="ja-JP" sz="5200" dirty="0">
                   <a:solidFill>
                     <a:schemeClr val="tx1">
                       <a:lumMod val="75000"/>
@@ -6656,7 +7351,7 @@
                 <a:t>NTT</a:t>
               </a:r>
               <a:r>
-                <a:rPr lang="ja-JP" altLang="en-US" dirty="0" smtClean="0">
+                <a:rPr lang="ja-JP" altLang="en-US" sz="5200" dirty="0">
                   <a:solidFill>
                     <a:schemeClr val="tx1">
                       <a:lumMod val="75000"/>
@@ -6668,67 +7363,15 @@
                 </a:rPr>
                 <a:t>東日本</a:t>
               </a:r>
-              <a:endParaRPr lang="en-US" altLang="ja-JP" dirty="0" smtClean="0">
-                <a:solidFill>
-                  <a:schemeClr val="tx1">
-                    <a:lumMod val="75000"/>
-                    <a:lumOff val="25000"/>
-                  </a:schemeClr>
-                </a:solidFill>
-                <a:latin typeface="HGS明朝E" panose="02020900000000000000" pitchFamily="18" charset="-128"/>
-                <a:ea typeface="HGS明朝E" panose="02020900000000000000" pitchFamily="18" charset="-128"/>
-              </a:endParaRPr>
-            </a:p>
-            <a:p>
-              <a:pPr algn="ctr"/>
-              <a:r>
-                <a:rPr lang="ja-JP" altLang="en-US" dirty="0" smtClean="0">
-                  <a:solidFill>
-                    <a:schemeClr val="tx1">
-                      <a:lumMod val="75000"/>
-                      <a:lumOff val="25000"/>
-                    </a:schemeClr>
-                  </a:solidFill>
-                  <a:latin typeface="HGS明朝E" panose="02020900000000000000" pitchFamily="18" charset="-128"/>
-                  <a:ea typeface="HGS明朝E" panose="02020900000000000000" pitchFamily="18" charset="-128"/>
-                </a:rPr>
-                <a:t>コカ・コーラ</a:t>
-              </a:r>
-              <a:endParaRPr lang="en-US" altLang="ja-JP" dirty="0">
-                <a:solidFill>
-                  <a:schemeClr val="tx1">
-                    <a:lumMod val="75000"/>
-                    <a:lumOff val="25000"/>
-                  </a:schemeClr>
-                </a:solidFill>
-                <a:latin typeface="HGS明朝E" panose="02020900000000000000" pitchFamily="18" charset="-128"/>
-                <a:ea typeface="HGS明朝E" panose="02020900000000000000" pitchFamily="18" charset="-128"/>
-              </a:endParaRPr>
-            </a:p>
-            <a:p>
-              <a:pPr algn="ctr"/>
-              <a:r>
-                <a:rPr lang="ja-JP" altLang="en-US" dirty="0" smtClean="0">
-                  <a:solidFill>
-                    <a:schemeClr val="tx1">
-                      <a:lumMod val="75000"/>
-                      <a:lumOff val="25000"/>
-                    </a:schemeClr>
-                  </a:solidFill>
-                  <a:latin typeface="HGS明朝E" panose="02020900000000000000" pitchFamily="18" charset="-128"/>
-                  <a:ea typeface="HGS明朝E" panose="02020900000000000000" pitchFamily="18" charset="-128"/>
-                </a:rPr>
-                <a:t>パナソニック</a:t>
-              </a:r>
-              <a:endParaRPr lang="en-US" altLang="ja-JP" dirty="0" smtClean="0">
-                <a:solidFill>
-                  <a:schemeClr val="tx1">
-                    <a:lumMod val="75000"/>
-                    <a:lumOff val="25000"/>
-                  </a:schemeClr>
-                </a:solidFill>
-                <a:latin typeface="HGS明朝E" panose="02020900000000000000" pitchFamily="18" charset="-128"/>
-                <a:ea typeface="HGS明朝E" panose="02020900000000000000" pitchFamily="18" charset="-128"/>
+              <a:endParaRPr lang="en-US" altLang="ja-JP" sz="5200" dirty="0">
+                <a:solidFill>
+                  <a:schemeClr val="tx1">
+                    <a:lumMod val="75000"/>
+                    <a:lumOff val="25000"/>
+                  </a:schemeClr>
+                </a:solidFill>
+                <a:latin typeface="HGP明朝E" panose="02020900000000000000" pitchFamily="18" charset="-128"/>
+                <a:ea typeface="HGP明朝E" panose="02020900000000000000" pitchFamily="18" charset="-128"/>
               </a:endParaRPr>
             </a:p>
           </p:txBody>
@@ -6924,23 +7567,64 @@
           </p:cxnSp>
         </p:grpSp>
       </p:grpSp>
+      <p:pic>
+        <p:nvPicPr>
+          <p:cNvPr id="1027" name="Picture 3" descr="C:\Users\doi\Pictures\IMG_1579.PNG"/>
+          <p:cNvPicPr>
+            <a:picLocks noChangeAspect="1" noChangeArrowheads="1"/>
+          </p:cNvPicPr>
+          <p:nvPr/>
+        </p:nvPicPr>
+        <p:blipFill>
+          <a:blip r:embed="rId2" cstate="print">
+            <a:extLst>
+              <a:ext uri="{28A0092B-C50C-407E-A947-70E740481C1C}">
+                <a14:useLocalDpi xmlns:a14="http://schemas.microsoft.com/office/drawing/2010/main" val="0"/>
+              </a:ext>
+            </a:extLst>
+          </a:blip>
+          <a:srcRect/>
+          <a:stretch>
+            <a:fillRect/>
+          </a:stretch>
+        </p:blipFill>
+        <p:spPr bwMode="auto">
+          <a:xfrm>
+            <a:off x="1855293" y="16412904"/>
+            <a:ext cx="4011203" cy="6638653"/>
+          </a:xfrm>
+          <a:prstGeom prst="rect">
+            <a:avLst/>
+          </a:prstGeom>
+          <a:noFill/>
+          <a:extLst>
+            <a:ext uri="{909E8E84-426E-40DD-AFC4-6F175D3DCCD1}">
+              <a14:hiddenFill xmlns:a14="http://schemas.microsoft.com/office/drawing/2010/main">
+                <a:solidFill>
+                  <a:srgbClr val="FFFFFF"/>
+                </a:solidFill>
+              </a14:hiddenFill>
+            </a:ext>
+          </a:extLst>
+        </p:spPr>
+      </p:pic>
       <p:grpSp>
         <p:nvGrpSpPr>
-          <p:cNvPr id="40" name="グループ化 39"/>
+          <p:cNvPr id="71" name="グループ化 70"/>
           <p:cNvGrpSpPr/>
           <p:nvPr/>
         </p:nvGrpSpPr>
         <p:grpSpPr>
           <a:xfrm>
-            <a:off x="2132856" y="2699792"/>
-            <a:ext cx="2863345" cy="2054798"/>
+            <a:off x="6859679" y="8800783"/>
+            <a:ext cx="8565675" cy="6542230"/>
             <a:chOff x="404664" y="2915816"/>
             <a:chExt cx="1512169" cy="1728192"/>
           </a:xfrm>
         </p:grpSpPr>
         <p:sp>
           <p:nvSpPr>
-            <p:cNvPr id="41" name="テキスト ボックス 40"/>
+            <p:cNvPr id="72" name="テキスト ボックス 71"/>
             <p:cNvSpPr txBox="1"/>
             <p:nvPr/>
           </p:nvSpPr>
@@ -7014,7 +7698,50 @@
             <a:p>
               <a:pPr algn="ctr"/>
               <a:r>
-                <a:rPr lang="ja-JP" altLang="en-US" sz="1400" dirty="0" smtClean="0">
+                <a:rPr lang="ja-JP" altLang="en-US" sz="4500" dirty="0">
+                  <a:solidFill>
+                    <a:srgbClr val="FF0000"/>
+                  </a:solidFill>
+                  <a:latin typeface="HGS明朝E" panose="02020900000000000000" pitchFamily="18" charset="-128"/>
+                  <a:ea typeface="HGS明朝E" panose="02020900000000000000" pitchFamily="18" charset="-128"/>
+                </a:rPr>
+                <a:t>ロケーションベース</a:t>
+              </a:r>
+              <a:endParaRPr lang="en-US" altLang="ja-JP" sz="4500" dirty="0">
+                <a:solidFill>
+                  <a:srgbClr val="FF0000"/>
+                </a:solidFill>
+                <a:latin typeface="HGS明朝E" panose="02020900000000000000" pitchFamily="18" charset="-128"/>
+                <a:ea typeface="HGS明朝E" panose="02020900000000000000" pitchFamily="18" charset="-128"/>
+              </a:endParaRPr>
+            </a:p>
+            <a:p>
+              <a:pPr algn="ctr"/>
+              <a:r>
+                <a:rPr lang="ja-JP" altLang="en-US" sz="4500" dirty="0">
+                  <a:solidFill>
+                    <a:srgbClr val="FF0000"/>
+                  </a:solidFill>
+                  <a:latin typeface="HGS明朝E" panose="02020900000000000000" pitchFamily="18" charset="-128"/>
+                  <a:ea typeface="HGS明朝E" panose="02020900000000000000" pitchFamily="18" charset="-128"/>
+                </a:rPr>
+                <a:t>（位置情報）</a:t>
+              </a:r>
+              <a:r>
+                <a:rPr lang="en-US" altLang="ja-JP" sz="4500" dirty="0">
+                  <a:solidFill>
+                    <a:srgbClr val="FF0000"/>
+                  </a:solidFill>
+                  <a:latin typeface="HGS明朝E" panose="02020900000000000000" pitchFamily="18" charset="-128"/>
+                  <a:ea typeface="HGS明朝E" panose="02020900000000000000" pitchFamily="18" charset="-128"/>
+                </a:rPr>
+                <a:t>AR</a:t>
+              </a:r>
+            </a:p>
+            <a:p>
+              <a:pPr algn="ctr"/>
+              <a:r>
+                <a:rPr lang="ja-JP" altLang="en-US" sz="4500" dirty="0">
                   <a:solidFill>
                     <a:schemeClr val="tx1">
                       <a:lumMod val="75000"/>
@@ -7024,23 +7751,10 @@
                   <a:latin typeface="HGS明朝E" panose="02020900000000000000" pitchFamily="18" charset="-128"/>
                   <a:ea typeface="HGS明朝E" panose="02020900000000000000" pitchFamily="18" charset="-128"/>
                 </a:rPr>
-                <a:t>ロケーションベース</a:t>
+                <a:t>マーカーレス</a:t>
               </a:r>
-              <a:endParaRPr lang="en-US" altLang="ja-JP" sz="1400" dirty="0" smtClean="0">
-                <a:solidFill>
-                  <a:schemeClr val="tx1">
-                    <a:lumMod val="75000"/>
-                    <a:lumOff val="25000"/>
-                  </a:schemeClr>
-                </a:solidFill>
-                <a:latin typeface="HGS明朝E" panose="02020900000000000000" pitchFamily="18" charset="-128"/>
-                <a:ea typeface="HGS明朝E" panose="02020900000000000000" pitchFamily="18" charset="-128"/>
-              </a:endParaRPr>
-            </a:p>
-            <a:p>
-              <a:pPr algn="ctr"/>
               <a:r>
-                <a:rPr lang="ja-JP" altLang="en-US" sz="1400" dirty="0" smtClean="0">
+                <a:rPr lang="ja-JP" altLang="en-US" sz="4500" dirty="0">
                   <a:solidFill>
                     <a:schemeClr val="tx1">
                       <a:lumMod val="75000"/>
@@ -7050,10 +7764,49 @@
                   <a:latin typeface="HGS明朝E" panose="02020900000000000000" pitchFamily="18" charset="-128"/>
                   <a:ea typeface="HGS明朝E" panose="02020900000000000000" pitchFamily="18" charset="-128"/>
                 </a:rPr>
-                <a:t>（位置情報）</a:t>
+                <a:t>型</a:t>
               </a:r>
               <a:r>
-                <a:rPr lang="en-US" altLang="ja-JP" sz="1400" dirty="0" smtClean="0">
+                <a:rPr lang="ja-JP" altLang="en-US" sz="4500" dirty="0">
+                  <a:solidFill>
+                    <a:schemeClr val="tx1">
+                      <a:lumMod val="75000"/>
+                      <a:lumOff val="25000"/>
+                    </a:schemeClr>
+                  </a:solidFill>
+                  <a:latin typeface="HGS明朝E" panose="02020900000000000000" pitchFamily="18" charset="-128"/>
+                  <a:ea typeface="HGS明朝E" panose="02020900000000000000" pitchFamily="18" charset="-128"/>
+                </a:rPr>
+                <a:t>ビジョンベース</a:t>
+              </a:r>
+              <a:endParaRPr lang="en-US" altLang="ja-JP" sz="4500" dirty="0">
+                <a:solidFill>
+                  <a:schemeClr val="tx1">
+                    <a:lumMod val="75000"/>
+                    <a:lumOff val="25000"/>
+                  </a:schemeClr>
+                </a:solidFill>
+                <a:latin typeface="HGS明朝E" panose="02020900000000000000" pitchFamily="18" charset="-128"/>
+                <a:ea typeface="HGS明朝E" panose="02020900000000000000" pitchFamily="18" charset="-128"/>
+              </a:endParaRPr>
+            </a:p>
+            <a:p>
+              <a:pPr algn="ctr"/>
+              <a:r>
+                <a:rPr lang="ja-JP" altLang="en-US" sz="4500" dirty="0">
+                  <a:solidFill>
+                    <a:schemeClr val="tx1">
+                      <a:lumMod val="75000"/>
+                      <a:lumOff val="25000"/>
+                    </a:schemeClr>
+                  </a:solidFill>
+                  <a:latin typeface="HGS明朝E" panose="02020900000000000000" pitchFamily="18" charset="-128"/>
+                  <a:ea typeface="HGS明朝E" panose="02020900000000000000" pitchFamily="18" charset="-128"/>
+                </a:rPr>
+                <a:t>（物体認識）</a:t>
+              </a:r>
+              <a:r>
+                <a:rPr lang="en-US" altLang="ja-JP" sz="4500" dirty="0">
                   <a:solidFill>
                     <a:schemeClr val="tx1">
                       <a:lumMod val="75000"/>
@@ -7069,88 +7822,7 @@
             <a:p>
               <a:pPr algn="ctr"/>
               <a:r>
-                <a:rPr lang="ja-JP" altLang="en-US" sz="1400" dirty="0" smtClean="0">
-                  <a:solidFill>
-                    <a:schemeClr val="tx1">
-                      <a:lumMod val="75000"/>
-                      <a:lumOff val="25000"/>
-                    </a:schemeClr>
-                  </a:solidFill>
-                  <a:latin typeface="HGS明朝E" panose="02020900000000000000" pitchFamily="18" charset="-128"/>
-                  <a:ea typeface="HGS明朝E" panose="02020900000000000000" pitchFamily="18" charset="-128"/>
-                </a:rPr>
-                <a:t>マーカーレス</a:t>
-              </a:r>
-              <a:r>
-                <a:rPr lang="ja-JP" altLang="en-US" sz="1400" dirty="0">
-                  <a:solidFill>
-                    <a:schemeClr val="tx1">
-                      <a:lumMod val="75000"/>
-                      <a:lumOff val="25000"/>
-                    </a:schemeClr>
-                  </a:solidFill>
-                  <a:latin typeface="HGS明朝E" panose="02020900000000000000" pitchFamily="18" charset="-128"/>
-                  <a:ea typeface="HGS明朝E" panose="02020900000000000000" pitchFamily="18" charset="-128"/>
-                </a:rPr>
-                <a:t>型</a:t>
-              </a:r>
-              <a:r>
-                <a:rPr lang="ja-JP" altLang="en-US" sz="1400" dirty="0" smtClean="0">
-                  <a:solidFill>
-                    <a:schemeClr val="tx1">
-                      <a:lumMod val="75000"/>
-                      <a:lumOff val="25000"/>
-                    </a:schemeClr>
-                  </a:solidFill>
-                  <a:latin typeface="HGS明朝E" panose="02020900000000000000" pitchFamily="18" charset="-128"/>
-                  <a:ea typeface="HGS明朝E" panose="02020900000000000000" pitchFamily="18" charset="-128"/>
-                </a:rPr>
-                <a:t>ビジョンベース</a:t>
-              </a:r>
-              <a:endParaRPr lang="en-US" altLang="ja-JP" sz="1400" dirty="0" smtClean="0">
-                <a:solidFill>
-                  <a:schemeClr val="tx1">
-                    <a:lumMod val="75000"/>
-                    <a:lumOff val="25000"/>
-                  </a:schemeClr>
-                </a:solidFill>
-                <a:latin typeface="HGS明朝E" panose="02020900000000000000" pitchFamily="18" charset="-128"/>
-                <a:ea typeface="HGS明朝E" panose="02020900000000000000" pitchFamily="18" charset="-128"/>
-              </a:endParaRPr>
-            </a:p>
-            <a:p>
-              <a:pPr algn="ctr"/>
-              <a:r>
-                <a:rPr lang="ja-JP" altLang="en-US" sz="1400" dirty="0" smtClean="0">
-                  <a:solidFill>
-                    <a:schemeClr val="tx1">
-                      <a:lumMod val="75000"/>
-                      <a:lumOff val="25000"/>
-                    </a:schemeClr>
-                  </a:solidFill>
-                  <a:latin typeface="HGS明朝E" panose="02020900000000000000" pitchFamily="18" charset="-128"/>
-                  <a:ea typeface="HGS明朝E" panose="02020900000000000000" pitchFamily="18" charset="-128"/>
-                </a:rPr>
-                <a:t>（物体認識）</a:t>
-              </a:r>
-              <a:r>
-                <a:rPr lang="en-US" altLang="ja-JP" sz="1400" dirty="0" smtClean="0">
-                  <a:solidFill>
-                    <a:schemeClr val="tx1">
-                      <a:lumMod val="75000"/>
-                      <a:lumOff val="25000"/>
-                    </a:schemeClr>
-                  </a:solidFill>
-                  <a:latin typeface="HGS明朝E" panose="02020900000000000000" pitchFamily="18" charset="-128"/>
-                  <a:ea typeface="HGS明朝E" panose="02020900000000000000" pitchFamily="18" charset="-128"/>
-                </a:rPr>
-                <a:t>AR</a:t>
-              </a:r>
-            </a:p>
-            <a:p>
-              <a:pPr algn="ctr"/>
-              <a:r>
-                <a:rPr lang="ja-JP" altLang="en-US" sz="1400" dirty="0" smtClean="0">
+                <a:rPr lang="ja-JP" altLang="en-US" sz="4500" dirty="0">
                   <a:solidFill>
                     <a:schemeClr val="tx1">
                       <a:lumMod val="75000"/>
@@ -7162,7 +7834,7 @@
                 </a:rPr>
                 <a:t>マーカー型ビジョンベース</a:t>
               </a:r>
-              <a:endParaRPr lang="en-US" altLang="ja-JP" sz="1400" dirty="0" smtClean="0">
+              <a:endParaRPr lang="en-US" altLang="ja-JP" sz="4500" dirty="0">
                 <a:solidFill>
                   <a:schemeClr val="tx1">
                     <a:lumMod val="75000"/>
@@ -7176,7 +7848,7 @@
             <a:p>
               <a:pPr algn="ctr"/>
               <a:r>
-                <a:rPr lang="ja-JP" altLang="en-US" sz="1400" dirty="0" smtClean="0">
+                <a:rPr lang="ja-JP" altLang="en-US" sz="4500" dirty="0">
                   <a:solidFill>
                     <a:schemeClr val="tx1">
                       <a:lumMod val="75000"/>
@@ -7189,7 +7861,7 @@
                 <a:t>（マーカー認識）</a:t>
               </a:r>
               <a:r>
-                <a:rPr lang="en-US" altLang="ja-JP" sz="1400" dirty="0" smtClean="0">
+                <a:rPr lang="en-US" altLang="ja-JP" sz="4500" dirty="0">
                   <a:solidFill>
                     <a:schemeClr val="tx1">
                       <a:lumMod val="75000"/>
@@ -7201,7 +7873,7 @@
                 </a:rPr>
                 <a:t>AR</a:t>
               </a:r>
-              <a:endParaRPr lang="en-US" altLang="ja-JP" sz="1400" dirty="0">
+              <a:endParaRPr lang="en-US" altLang="ja-JP" sz="4500" dirty="0">
                 <a:solidFill>
                   <a:schemeClr val="tx1">
                     <a:lumMod val="75000"/>
@@ -7216,7 +7888,7 @@
         </p:sp>
         <p:grpSp>
           <p:nvGrpSpPr>
-            <p:cNvPr id="42" name="グループ化 41"/>
+            <p:cNvPr id="73" name="グループ化 72"/>
             <p:cNvGrpSpPr/>
             <p:nvPr/>
           </p:nvGrpSpPr>
@@ -7230,7 +7902,7 @@
           </p:grpSpPr>
           <p:cxnSp>
             <p:nvCxnSpPr>
-              <p:cNvPr id="43" name="直線コネクタ 42"/>
+              <p:cNvPr id="74" name="直線コネクタ 73"/>
               <p:cNvCxnSpPr/>
               <p:nvPr/>
             </p:nvCxnSpPr>
@@ -7265,7 +7937,7 @@
           </p:cxnSp>
           <p:cxnSp>
             <p:nvCxnSpPr>
-              <p:cNvPr id="44" name="直線コネクタ 43"/>
+              <p:cNvPr id="75" name="直線コネクタ 74"/>
               <p:cNvCxnSpPr/>
               <p:nvPr/>
             </p:nvCxnSpPr>
@@ -7300,7 +7972,7 @@
           </p:cxnSp>
           <p:cxnSp>
             <p:nvCxnSpPr>
-              <p:cNvPr id="45" name="直線コネクタ 44"/>
+              <p:cNvPr id="76" name="直線コネクタ 75"/>
               <p:cNvCxnSpPr/>
               <p:nvPr/>
             </p:nvCxnSpPr>
@@ -7335,7 +8007,7 @@
           </p:cxnSp>
           <p:cxnSp>
             <p:nvCxnSpPr>
-              <p:cNvPr id="46" name="直線コネクタ 45"/>
+              <p:cNvPr id="77" name="直線コネクタ 76"/>
               <p:cNvCxnSpPr/>
               <p:nvPr/>
             </p:nvCxnSpPr>
@@ -7370,14 +8042,14 @@
           </p:cxnSp>
           <p:cxnSp>
             <p:nvCxnSpPr>
-              <p:cNvPr id="47" name="直線コネクタ 46"/>
+              <p:cNvPr id="78" name="直線コネクタ 77"/>
               <p:cNvCxnSpPr/>
               <p:nvPr/>
             </p:nvCxnSpPr>
             <p:spPr>
-              <a:xfrm>
+              <a:xfrm flipV="1">
                 <a:off x="404664" y="3131840"/>
-                <a:ext cx="430692" cy="0"/>
+                <a:ext cx="366040" cy="1"/>
               </a:xfrm>
               <a:prstGeom prst="line">
                 <a:avLst/>
@@ -7405,362 +8077,353 @@
           </p:cxnSp>
         </p:grpSp>
       </p:grpSp>
-      <p:sp>
-        <p:nvSpPr>
-          <p:cNvPr id="58" name="テキスト ボックス 57"/>
-          <p:cNvSpPr txBox="1"/>
-          <p:nvPr/>
-        </p:nvSpPr>
-        <p:spPr>
-          <a:xfrm>
-            <a:off x="5229200" y="3011679"/>
-            <a:ext cx="1368152" cy="1754326"/>
-          </a:xfrm>
-          <a:prstGeom prst="rect">
-            <a:avLst/>
-          </a:prstGeom>
-          <a:noFill/>
-        </p:spPr>
-        <p:txBody>
-          <a:bodyPr wrap="square" rtlCol="0">
-            <a:spAutoFit/>
-          </a:bodyPr>
-          <a:lstStyle/>
-          <a:p>
-            <a:pPr algn="dist"/>
-            <a:r>
-              <a:rPr kumimoji="1" lang="en-US" altLang="ja-JP" dirty="0" smtClean="0">
-                <a:solidFill>
-                  <a:schemeClr val="tx1">
-                    <a:lumMod val="75000"/>
-                    <a:lumOff val="25000"/>
-                  </a:schemeClr>
-                </a:solidFill>
-                <a:latin typeface="HGS明朝E" panose="02020900000000000000" pitchFamily="18" charset="-128"/>
-                <a:ea typeface="HGS明朝E" panose="02020900000000000000" pitchFamily="18" charset="-128"/>
-              </a:rPr>
-              <a:t>AR</a:t>
-            </a:r>
-            <a:r>
-              <a:rPr kumimoji="1" lang="ja-JP" altLang="en-US" dirty="0" smtClean="0">
-                <a:solidFill>
-                  <a:schemeClr val="tx1">
-                    <a:lumMod val="75000"/>
-                    <a:lumOff val="25000"/>
-                  </a:schemeClr>
-                </a:solidFill>
-                <a:latin typeface="HGS明朝E" panose="02020900000000000000" pitchFamily="18" charset="-128"/>
-                <a:ea typeface="HGS明朝E" panose="02020900000000000000" pitchFamily="18" charset="-128"/>
-              </a:rPr>
-              <a:t>の現状</a:t>
-            </a:r>
-            <a:endParaRPr kumimoji="1" lang="en-US" altLang="ja-JP" dirty="0" smtClean="0">
-              <a:solidFill>
-                <a:schemeClr val="tx1">
-                  <a:lumMod val="75000"/>
-                  <a:lumOff val="25000"/>
-                </a:schemeClr>
-              </a:solidFill>
-              <a:latin typeface="HGS明朝E" panose="02020900000000000000" pitchFamily="18" charset="-128"/>
-              <a:ea typeface="HGS明朝E" panose="02020900000000000000" pitchFamily="18" charset="-128"/>
-            </a:endParaRPr>
-          </a:p>
-          <a:p>
-            <a:pPr algn="ctr"/>
-            <a:endParaRPr lang="en-US" altLang="ja-JP" dirty="0">
-              <a:solidFill>
-                <a:schemeClr val="tx1">
-                  <a:lumMod val="75000"/>
-                  <a:lumOff val="25000"/>
-                </a:schemeClr>
-              </a:solidFill>
-              <a:latin typeface="HGS明朝E" panose="02020900000000000000" pitchFamily="18" charset="-128"/>
-              <a:ea typeface="HGS明朝E" panose="02020900000000000000" pitchFamily="18" charset="-128"/>
-            </a:endParaRPr>
-          </a:p>
-          <a:p>
-            <a:pPr algn="ctr"/>
-            <a:r>
-              <a:rPr kumimoji="1" lang="ja-JP" altLang="en-US" dirty="0" smtClean="0">
-                <a:solidFill>
-                  <a:schemeClr val="tx1">
-                    <a:lumMod val="75000"/>
-                    <a:lumOff val="25000"/>
-                  </a:schemeClr>
-                </a:solidFill>
-                <a:latin typeface="HGS明朝E" panose="02020900000000000000" pitchFamily="18" charset="-128"/>
-                <a:ea typeface="HGS明朝E" panose="02020900000000000000" pitchFamily="18" charset="-128"/>
-              </a:rPr>
-              <a:t>カーナビ</a:t>
-            </a:r>
-            <a:endParaRPr kumimoji="1" lang="en-US" altLang="ja-JP" dirty="0" smtClean="0">
-              <a:solidFill>
-                <a:schemeClr val="tx1">
-                  <a:lumMod val="75000"/>
-                  <a:lumOff val="25000"/>
-                </a:schemeClr>
-              </a:solidFill>
-              <a:latin typeface="HGS明朝E" panose="02020900000000000000" pitchFamily="18" charset="-128"/>
-              <a:ea typeface="HGS明朝E" panose="02020900000000000000" pitchFamily="18" charset="-128"/>
-            </a:endParaRPr>
-          </a:p>
-          <a:p>
-            <a:pPr algn="ctr"/>
-            <a:r>
-              <a:rPr lang="ja-JP" altLang="en-US" dirty="0" smtClean="0">
-                <a:solidFill>
-                  <a:schemeClr val="tx1">
-                    <a:lumMod val="75000"/>
-                    <a:lumOff val="25000"/>
-                  </a:schemeClr>
-                </a:solidFill>
-                <a:latin typeface="HGS明朝E" panose="02020900000000000000" pitchFamily="18" charset="-128"/>
-                <a:ea typeface="HGS明朝E" panose="02020900000000000000" pitchFamily="18" charset="-128"/>
-              </a:rPr>
-              <a:t>ゲーム機</a:t>
-            </a:r>
-            <a:endParaRPr lang="en-US" altLang="ja-JP" dirty="0" smtClean="0">
-              <a:solidFill>
-                <a:schemeClr val="tx1">
-                  <a:lumMod val="75000"/>
-                  <a:lumOff val="25000"/>
-                </a:schemeClr>
-              </a:solidFill>
-              <a:latin typeface="HGS明朝E" panose="02020900000000000000" pitchFamily="18" charset="-128"/>
-              <a:ea typeface="HGS明朝E" panose="02020900000000000000" pitchFamily="18" charset="-128"/>
-            </a:endParaRPr>
-          </a:p>
-          <a:p>
-            <a:pPr algn="ctr"/>
-            <a:r>
-              <a:rPr kumimoji="1" lang="ja-JP" altLang="en-US" dirty="0" smtClean="0">
-                <a:solidFill>
-                  <a:schemeClr val="tx1">
-                    <a:lumMod val="75000"/>
-                    <a:lumOff val="25000"/>
-                  </a:schemeClr>
-                </a:solidFill>
-                <a:latin typeface="HGS明朝E" panose="02020900000000000000" pitchFamily="18" charset="-128"/>
-                <a:ea typeface="HGS明朝E" panose="02020900000000000000" pitchFamily="18" charset="-128"/>
-              </a:rPr>
-              <a:t>新聞・雑誌</a:t>
-            </a:r>
-            <a:endParaRPr kumimoji="1" lang="en-US" altLang="ja-JP" dirty="0" smtClean="0">
-              <a:solidFill>
-                <a:schemeClr val="tx1">
-                  <a:lumMod val="75000"/>
-                  <a:lumOff val="25000"/>
-                </a:schemeClr>
-              </a:solidFill>
-              <a:latin typeface="HGS明朝E" panose="02020900000000000000" pitchFamily="18" charset="-128"/>
-              <a:ea typeface="HGS明朝E" panose="02020900000000000000" pitchFamily="18" charset="-128"/>
-            </a:endParaRPr>
-          </a:p>
-          <a:p>
-            <a:pPr algn="ctr"/>
-            <a:r>
-              <a:rPr kumimoji="1" lang="en-US" altLang="ja-JP" dirty="0" smtClean="0">
-                <a:solidFill>
-                  <a:schemeClr val="tx1">
-                    <a:lumMod val="75000"/>
-                    <a:lumOff val="25000"/>
-                  </a:schemeClr>
-                </a:solidFill>
-                <a:latin typeface="HGS明朝E" panose="02020900000000000000" pitchFamily="18" charset="-128"/>
-                <a:ea typeface="HGS明朝E" panose="02020900000000000000" pitchFamily="18" charset="-128"/>
-              </a:rPr>
-              <a:t>T</a:t>
-            </a:r>
-            <a:r>
-              <a:rPr kumimoji="1" lang="ja-JP" altLang="en-US" dirty="0" smtClean="0">
-                <a:solidFill>
-                  <a:schemeClr val="tx1">
-                    <a:lumMod val="75000"/>
-                    <a:lumOff val="25000"/>
-                  </a:schemeClr>
-                </a:solidFill>
-                <a:latin typeface="HGS明朝E" panose="02020900000000000000" pitchFamily="18" charset="-128"/>
-                <a:ea typeface="HGS明朝E" panose="02020900000000000000" pitchFamily="18" charset="-128"/>
-              </a:rPr>
-              <a:t>シャツ</a:t>
-            </a:r>
-            <a:endParaRPr kumimoji="1" lang="ja-JP" altLang="en-US" dirty="0">
-              <a:solidFill>
-                <a:schemeClr val="tx1">
-                  <a:lumMod val="75000"/>
-                  <a:lumOff val="25000"/>
-                </a:schemeClr>
-              </a:solidFill>
-              <a:latin typeface="HGS明朝E" panose="02020900000000000000" pitchFamily="18" charset="-128"/>
-              <a:ea typeface="HGS明朝E" panose="02020900000000000000" pitchFamily="18" charset="-128"/>
-            </a:endParaRPr>
-          </a:p>
-        </p:txBody>
-      </p:sp>
       <p:grpSp>
         <p:nvGrpSpPr>
-          <p:cNvPr id="59" name="グループ化 58"/>
+          <p:cNvPr id="90" name="グループ化 89"/>
           <p:cNvGrpSpPr/>
           <p:nvPr/>
         </p:nvGrpSpPr>
         <p:grpSpPr>
           <a:xfrm>
-            <a:off x="5157192" y="3215484"/>
-            <a:ext cx="1512168" cy="1524387"/>
-            <a:chOff x="404664" y="3119621"/>
-            <a:chExt cx="1512168" cy="1524387"/>
+            <a:off x="15969494" y="10831714"/>
+            <a:ext cx="4460189" cy="4511299"/>
+            <a:chOff x="455470" y="5235260"/>
+            <a:chExt cx="1677386" cy="1694191"/>
           </a:xfrm>
         </p:grpSpPr>
+        <p:grpSp>
+          <p:nvGrpSpPr>
+            <p:cNvPr id="68" name="グループ化 67"/>
+            <p:cNvGrpSpPr/>
+            <p:nvPr/>
+          </p:nvGrpSpPr>
+          <p:grpSpPr>
+            <a:xfrm>
+              <a:off x="455470" y="5235260"/>
+              <a:ext cx="1669585" cy="1694191"/>
+              <a:chOff x="517966" y="5076056"/>
+              <a:chExt cx="1614890" cy="1793941"/>
+            </a:xfrm>
+          </p:grpSpPr>
+          <p:sp>
+            <p:nvSpPr>
+              <p:cNvPr id="58" name="テキスト ボックス 57"/>
+              <p:cNvSpPr txBox="1"/>
+              <p:nvPr/>
+            </p:nvSpPr>
+            <p:spPr>
+              <a:xfrm>
+                <a:off x="620688" y="5076056"/>
+                <a:ext cx="1368152" cy="1627772"/>
+              </a:xfrm>
+              <a:prstGeom prst="rect">
+                <a:avLst/>
+              </a:prstGeom>
+              <a:noFill/>
+            </p:spPr>
+            <p:txBody>
+              <a:bodyPr wrap="square" rtlCol="0">
+                <a:spAutoFit/>
+              </a:bodyPr>
+              <a:lstStyle/>
+              <a:p>
+                <a:pPr algn="ctr"/>
+                <a:r>
+                  <a:rPr lang="en-US" altLang="ja-JP" sz="5200" dirty="0">
+                    <a:solidFill>
+                      <a:schemeClr val="tx1">
+                        <a:lumMod val="75000"/>
+                        <a:lumOff val="25000"/>
+                      </a:schemeClr>
+                    </a:solidFill>
+                    <a:latin typeface="HGS明朝E" panose="02020900000000000000" pitchFamily="18" charset="-128"/>
+                    <a:ea typeface="HGS明朝E" panose="02020900000000000000" pitchFamily="18" charset="-128"/>
+                  </a:rPr>
+                  <a:t>AR</a:t>
+                </a:r>
+                <a:r>
+                  <a:rPr lang="ja-JP" altLang="en-US" sz="5200" dirty="0">
+                    <a:solidFill>
+                      <a:schemeClr val="tx1">
+                        <a:lumMod val="75000"/>
+                        <a:lumOff val="25000"/>
+                      </a:schemeClr>
+                    </a:solidFill>
+                    <a:latin typeface="HGS明朝E" panose="02020900000000000000" pitchFamily="18" charset="-128"/>
+                    <a:ea typeface="HGS明朝E" panose="02020900000000000000" pitchFamily="18" charset="-128"/>
+                  </a:rPr>
+                  <a:t>の現状</a:t>
+                </a:r>
+                <a:endParaRPr lang="en-US" altLang="ja-JP" sz="5200" dirty="0">
+                  <a:solidFill>
+                    <a:schemeClr val="tx1">
+                      <a:lumMod val="75000"/>
+                      <a:lumOff val="25000"/>
+                    </a:schemeClr>
+                  </a:solidFill>
+                  <a:latin typeface="HGS明朝E" panose="02020900000000000000" pitchFamily="18" charset="-128"/>
+                  <a:ea typeface="HGS明朝E" panose="02020900000000000000" pitchFamily="18" charset="-128"/>
+                </a:endParaRPr>
+              </a:p>
+              <a:p>
+                <a:pPr algn="ctr"/>
+                <a:endParaRPr lang="en-US" altLang="ja-JP" sz="5200" dirty="0">
+                  <a:solidFill>
+                    <a:schemeClr val="tx1">
+                      <a:lumMod val="75000"/>
+                      <a:lumOff val="25000"/>
+                    </a:schemeClr>
+                  </a:solidFill>
+                  <a:latin typeface="HGS明朝E" panose="02020900000000000000" pitchFamily="18" charset="-128"/>
+                  <a:ea typeface="HGS明朝E" panose="02020900000000000000" pitchFamily="18" charset="-128"/>
+                </a:endParaRPr>
+              </a:p>
+              <a:p>
+                <a:pPr algn="ctr"/>
+                <a:r>
+                  <a:rPr lang="ja-JP" altLang="en-US" sz="5200" dirty="0">
+                    <a:solidFill>
+                      <a:schemeClr val="tx1">
+                        <a:lumMod val="75000"/>
+                        <a:lumOff val="25000"/>
+                      </a:schemeClr>
+                    </a:solidFill>
+                    <a:latin typeface="HGS明朝E" panose="02020900000000000000" pitchFamily="18" charset="-128"/>
+                    <a:ea typeface="HGS明朝E" panose="02020900000000000000" pitchFamily="18" charset="-128"/>
+                  </a:rPr>
+                  <a:t>カーナビ</a:t>
+                </a:r>
+                <a:endParaRPr lang="en-US" altLang="ja-JP" sz="5200" dirty="0">
+                  <a:solidFill>
+                    <a:schemeClr val="tx1">
+                      <a:lumMod val="75000"/>
+                      <a:lumOff val="25000"/>
+                    </a:schemeClr>
+                  </a:solidFill>
+                  <a:latin typeface="HGS明朝E" panose="02020900000000000000" pitchFamily="18" charset="-128"/>
+                  <a:ea typeface="HGS明朝E" panose="02020900000000000000" pitchFamily="18" charset="-128"/>
+                </a:endParaRPr>
+              </a:p>
+              <a:p>
+                <a:pPr algn="ctr"/>
+                <a:r>
+                  <a:rPr lang="ja-JP" altLang="en-US" sz="5200" dirty="0">
+                    <a:solidFill>
+                      <a:schemeClr val="tx1">
+                        <a:lumMod val="75000"/>
+                        <a:lumOff val="25000"/>
+                      </a:schemeClr>
+                    </a:solidFill>
+                    <a:latin typeface="HGS明朝E" panose="02020900000000000000" pitchFamily="18" charset="-128"/>
+                    <a:ea typeface="HGS明朝E" panose="02020900000000000000" pitchFamily="18" charset="-128"/>
+                  </a:rPr>
+                  <a:t>ゲーム機</a:t>
+                </a:r>
+                <a:endParaRPr lang="en-US" altLang="ja-JP" sz="5200" dirty="0">
+                  <a:solidFill>
+                    <a:schemeClr val="tx1">
+                      <a:lumMod val="75000"/>
+                      <a:lumOff val="25000"/>
+                    </a:schemeClr>
+                  </a:solidFill>
+                  <a:latin typeface="HGS明朝E" panose="02020900000000000000" pitchFamily="18" charset="-128"/>
+                  <a:ea typeface="HGS明朝E" panose="02020900000000000000" pitchFamily="18" charset="-128"/>
+                </a:endParaRPr>
+              </a:p>
+              <a:p>
+                <a:pPr algn="ctr"/>
+                <a:r>
+                  <a:rPr lang="ja-JP" altLang="en-US" sz="5200" dirty="0">
+                    <a:solidFill>
+                      <a:schemeClr val="tx1">
+                        <a:lumMod val="75000"/>
+                        <a:lumOff val="25000"/>
+                      </a:schemeClr>
+                    </a:solidFill>
+                    <a:latin typeface="HGS明朝E" panose="02020900000000000000" pitchFamily="18" charset="-128"/>
+                    <a:ea typeface="HGS明朝E" panose="02020900000000000000" pitchFamily="18" charset="-128"/>
+                  </a:rPr>
+                  <a:t>新聞・雑誌</a:t>
+                </a:r>
+                <a:endParaRPr lang="en-US" altLang="ja-JP" sz="5200" dirty="0">
+                  <a:solidFill>
+                    <a:schemeClr val="tx1">
+                      <a:lumMod val="75000"/>
+                      <a:lumOff val="25000"/>
+                    </a:schemeClr>
+                  </a:solidFill>
+                  <a:latin typeface="HGS明朝E" panose="02020900000000000000" pitchFamily="18" charset="-128"/>
+                  <a:ea typeface="HGS明朝E" panose="02020900000000000000" pitchFamily="18" charset="-128"/>
+                </a:endParaRPr>
+              </a:p>
+            </p:txBody>
+          </p:sp>
+          <p:grpSp>
+            <p:nvGrpSpPr>
+              <p:cNvPr id="59" name="グループ化 58"/>
+              <p:cNvGrpSpPr/>
+              <p:nvPr/>
+            </p:nvGrpSpPr>
+            <p:grpSpPr>
+              <a:xfrm>
+                <a:off x="517966" y="5318214"/>
+                <a:ext cx="1614890" cy="1551783"/>
+                <a:chOff x="395001" y="3131840"/>
+                <a:chExt cx="1521831" cy="1551783"/>
+              </a:xfrm>
+            </p:grpSpPr>
+            <p:cxnSp>
+              <p:nvCxnSpPr>
+                <p:cNvPr id="60" name="直線コネクタ 59"/>
+                <p:cNvCxnSpPr/>
+                <p:nvPr/>
+              </p:nvCxnSpPr>
+              <p:spPr>
+                <a:xfrm>
+                  <a:off x="1772816" y="3131840"/>
+                  <a:ext cx="144016" cy="0"/>
+                </a:xfrm>
+                <a:prstGeom prst="line">
+                  <a:avLst/>
+                </a:prstGeom>
+                <a:ln w="19050">
+                  <a:solidFill>
+                    <a:srgbClr val="0070C0"/>
+                  </a:solidFill>
+                </a:ln>
+              </p:spPr>
+              <p:style>
+                <a:lnRef idx="1">
+                  <a:schemeClr val="accent1"/>
+                </a:lnRef>
+                <a:fillRef idx="0">
+                  <a:schemeClr val="accent1"/>
+                </a:fillRef>
+                <a:effectRef idx="0">
+                  <a:schemeClr val="accent1"/>
+                </a:effectRef>
+                <a:fontRef idx="minor">
+                  <a:schemeClr val="tx1"/>
+                </a:fontRef>
+              </p:style>
+            </p:cxnSp>
+            <p:cxnSp>
+              <p:nvCxnSpPr>
+                <p:cNvPr id="62" name="直線コネクタ 61"/>
+                <p:cNvCxnSpPr/>
+                <p:nvPr/>
+              </p:nvCxnSpPr>
+              <p:spPr>
+                <a:xfrm>
+                  <a:off x="404664" y="3131840"/>
+                  <a:ext cx="0" cy="1551783"/>
+                </a:xfrm>
+                <a:prstGeom prst="line">
+                  <a:avLst/>
+                </a:prstGeom>
+                <a:ln w="19050">
+                  <a:solidFill>
+                    <a:srgbClr val="0070C0"/>
+                  </a:solidFill>
+                </a:ln>
+              </p:spPr>
+              <p:style>
+                <a:lnRef idx="1">
+                  <a:schemeClr val="accent1"/>
+                </a:lnRef>
+                <a:fillRef idx="0">
+                  <a:schemeClr val="accent1"/>
+                </a:fillRef>
+                <a:effectRef idx="0">
+                  <a:schemeClr val="accent1"/>
+                </a:effectRef>
+                <a:fontRef idx="minor">
+                  <a:schemeClr val="tx1"/>
+                </a:fontRef>
+              </p:style>
+            </p:cxnSp>
+            <p:cxnSp>
+              <p:nvCxnSpPr>
+                <p:cNvPr id="63" name="直線コネクタ 62"/>
+                <p:cNvCxnSpPr/>
+                <p:nvPr/>
+              </p:nvCxnSpPr>
+              <p:spPr>
+                <a:xfrm>
+                  <a:off x="395001" y="4683623"/>
+                  <a:ext cx="1512168" cy="0"/>
+                </a:xfrm>
+                <a:prstGeom prst="line">
+                  <a:avLst/>
+                </a:prstGeom>
+                <a:ln w="19050">
+                  <a:solidFill>
+                    <a:srgbClr val="0070C0"/>
+                  </a:solidFill>
+                </a:ln>
+              </p:spPr>
+              <p:style>
+                <a:lnRef idx="1">
+                  <a:schemeClr val="accent1"/>
+                </a:lnRef>
+                <a:fillRef idx="0">
+                  <a:schemeClr val="accent1"/>
+                </a:fillRef>
+                <a:effectRef idx="0">
+                  <a:schemeClr val="accent1"/>
+                </a:effectRef>
+                <a:fontRef idx="minor">
+                  <a:schemeClr val="tx1"/>
+                </a:fontRef>
+              </p:style>
+            </p:cxnSp>
+            <p:cxnSp>
+              <p:nvCxnSpPr>
+                <p:cNvPr id="64" name="直線コネクタ 63"/>
+                <p:cNvCxnSpPr/>
+                <p:nvPr/>
+              </p:nvCxnSpPr>
+              <p:spPr>
+                <a:xfrm flipV="1">
+                  <a:off x="413576" y="3131840"/>
+                  <a:ext cx="126192" cy="1"/>
+                </a:xfrm>
+                <a:prstGeom prst="line">
+                  <a:avLst/>
+                </a:prstGeom>
+                <a:ln w="19050">
+                  <a:solidFill>
+                    <a:srgbClr val="0070C0"/>
+                  </a:solidFill>
+                </a:ln>
+              </p:spPr>
+              <p:style>
+                <a:lnRef idx="1">
+                  <a:schemeClr val="accent1"/>
+                </a:lnRef>
+                <a:fillRef idx="0">
+                  <a:schemeClr val="accent1"/>
+                </a:fillRef>
+                <a:effectRef idx="0">
+                  <a:schemeClr val="accent1"/>
+                </a:effectRef>
+                <a:fontRef idx="minor">
+                  <a:schemeClr val="tx1"/>
+                </a:fontRef>
+              </p:style>
+            </p:cxnSp>
+          </p:grpSp>
+        </p:grpSp>
         <p:cxnSp>
           <p:nvCxnSpPr>
-            <p:cNvPr id="60" name="直線コネクタ 59"/>
+            <p:cNvPr id="92" name="直線コネクタ 91"/>
             <p:cNvCxnSpPr/>
             <p:nvPr/>
           </p:nvCxnSpPr>
           <p:spPr>
             <a:xfrm>
-              <a:off x="1772816" y="3131840"/>
-              <a:ext cx="144016" cy="0"/>
-            </a:xfrm>
-            <a:prstGeom prst="line">
-              <a:avLst/>
-            </a:prstGeom>
-            <a:ln w="19050">
-              <a:solidFill>
-                <a:srgbClr val="0070C0"/>
-              </a:solidFill>
-            </a:ln>
-          </p:spPr>
-          <p:style>
-            <a:lnRef idx="1">
-              <a:schemeClr val="accent1"/>
-            </a:lnRef>
-            <a:fillRef idx="0">
-              <a:schemeClr val="accent1"/>
-            </a:fillRef>
-            <a:effectRef idx="0">
-              <a:schemeClr val="accent1"/>
-            </a:effectRef>
-            <a:fontRef idx="minor">
-              <a:schemeClr val="tx1"/>
-            </a:fontRef>
-          </p:style>
-        </p:cxnSp>
-        <p:cxnSp>
-          <p:nvCxnSpPr>
-            <p:cNvPr id="61" name="直線コネクタ 60"/>
-            <p:cNvCxnSpPr/>
-            <p:nvPr/>
-          </p:nvCxnSpPr>
-          <p:spPr>
-            <a:xfrm>
-              <a:off x="1916832" y="3119621"/>
-              <a:ext cx="0" cy="1524387"/>
-            </a:xfrm>
-            <a:prstGeom prst="line">
-              <a:avLst/>
-            </a:prstGeom>
-            <a:ln w="19050">
-              <a:solidFill>
-                <a:srgbClr val="0070C0"/>
-              </a:solidFill>
-            </a:ln>
-          </p:spPr>
-          <p:style>
-            <a:lnRef idx="1">
-              <a:schemeClr val="accent1"/>
-            </a:lnRef>
-            <a:fillRef idx="0">
-              <a:schemeClr val="accent1"/>
-            </a:fillRef>
-            <a:effectRef idx="0">
-              <a:schemeClr val="accent1"/>
-            </a:effectRef>
-            <a:fontRef idx="minor">
-              <a:schemeClr val="tx1"/>
-            </a:fontRef>
-          </p:style>
-        </p:cxnSp>
-        <p:cxnSp>
-          <p:nvCxnSpPr>
-            <p:cNvPr id="62" name="直線コネクタ 61"/>
-            <p:cNvCxnSpPr/>
-            <p:nvPr/>
-          </p:nvCxnSpPr>
-          <p:spPr>
-            <a:xfrm>
-              <a:off x="404664" y="3131840"/>
-              <a:ext cx="0" cy="1512168"/>
-            </a:xfrm>
-            <a:prstGeom prst="line">
-              <a:avLst/>
-            </a:prstGeom>
-            <a:ln w="19050">
-              <a:solidFill>
-                <a:srgbClr val="0070C0"/>
-              </a:solidFill>
-            </a:ln>
-          </p:spPr>
-          <p:style>
-            <a:lnRef idx="1">
-              <a:schemeClr val="accent1"/>
-            </a:lnRef>
-            <a:fillRef idx="0">
-              <a:schemeClr val="accent1"/>
-            </a:fillRef>
-            <a:effectRef idx="0">
-              <a:schemeClr val="accent1"/>
-            </a:effectRef>
-            <a:fontRef idx="minor">
-              <a:schemeClr val="tx1"/>
-            </a:fontRef>
-          </p:style>
-        </p:cxnSp>
-        <p:cxnSp>
-          <p:nvCxnSpPr>
-            <p:cNvPr id="63" name="直線コネクタ 62"/>
-            <p:cNvCxnSpPr/>
-            <p:nvPr/>
-          </p:nvCxnSpPr>
-          <p:spPr>
-            <a:xfrm>
-              <a:off x="404664" y="4644008"/>
-              <a:ext cx="1512168" cy="0"/>
-            </a:xfrm>
-            <a:prstGeom prst="line">
-              <a:avLst/>
-            </a:prstGeom>
-            <a:ln w="19050">
-              <a:solidFill>
-                <a:srgbClr val="0070C0"/>
-              </a:solidFill>
-            </a:ln>
-          </p:spPr>
-          <p:style>
-            <a:lnRef idx="1">
-              <a:schemeClr val="accent1"/>
-            </a:lnRef>
-            <a:fillRef idx="0">
-              <a:schemeClr val="accent1"/>
-            </a:fillRef>
-            <a:effectRef idx="0">
-              <a:schemeClr val="accent1"/>
-            </a:effectRef>
-            <a:fontRef idx="minor">
-              <a:schemeClr val="tx1"/>
-            </a:fontRef>
-          </p:style>
-        </p:cxnSp>
-        <p:cxnSp>
-          <p:nvCxnSpPr>
-            <p:cNvPr id="64" name="直線コネクタ 63"/>
-            <p:cNvCxnSpPr/>
-            <p:nvPr/>
-          </p:nvCxnSpPr>
-          <p:spPr>
-            <a:xfrm flipV="1">
-              <a:off x="413576" y="3131840"/>
-              <a:ext cx="126192" cy="1"/>
+              <a:off x="2132856" y="5463953"/>
+              <a:ext cx="0" cy="1465497"/>
             </a:xfrm>
             <a:prstGeom prst="line">
               <a:avLst/>
@@ -7789,14 +8452,14 @@
       </p:grpSp>
       <p:sp>
         <p:nvSpPr>
-          <p:cNvPr id="65" name="テキスト ボックス 64"/>
+          <p:cNvPr id="6" name="テキスト ボックス 5"/>
           <p:cNvSpPr txBox="1"/>
           <p:nvPr/>
         </p:nvSpPr>
         <p:spPr>
           <a:xfrm>
-            <a:off x="276192" y="4985464"/>
-            <a:ext cx="1064576" cy="738664"/>
+            <a:off x="900312" y="9474582"/>
+            <a:ext cx="1168655" cy="984885"/>
           </a:xfrm>
           <a:prstGeom prst="rect">
             <a:avLst/>
@@ -7810,7 +8473,7 @@
           <a:lstStyle/>
           <a:p>
             <a:r>
-              <a:rPr lang="en-US" altLang="ja-JP" sz="2400" dirty="0">
+              <a:rPr kumimoji="1" lang="ja-JP" altLang="en-US" dirty="0" smtClean="0">
                 <a:solidFill>
                   <a:schemeClr val="tx1">
                     <a:lumMod val="75000"/>
@@ -7820,68 +8483,206 @@
                 <a:latin typeface="HGP明朝E" panose="02020900000000000000" pitchFamily="18" charset="-128"/>
                 <a:ea typeface="HGP明朝E" panose="02020900000000000000" pitchFamily="18" charset="-128"/>
               </a:rPr>
-              <a:t>j</a:t>
-            </a:r>
-            <a:r>
-              <a:rPr kumimoji="1" lang="en-US" altLang="ja-JP" sz="2400" dirty="0" smtClean="0">
-                <a:solidFill>
-                  <a:schemeClr val="tx1">
-                    <a:lumMod val="75000"/>
-                    <a:lumOff val="25000"/>
-                  </a:schemeClr>
-                </a:solidFill>
-                <a:latin typeface="HGP明朝E" panose="02020900000000000000" pitchFamily="18" charset="-128"/>
-                <a:ea typeface="HGP明朝E" panose="02020900000000000000" pitchFamily="18" charset="-128"/>
-              </a:rPr>
-              <a:t>unaio</a:t>
-            </a:r>
-          </a:p>
-          <a:p>
-            <a:endParaRPr kumimoji="1" lang="ja-JP" altLang="en-US" dirty="0"/>
-          </a:p>
-        </p:txBody>
-      </p:sp>
-      <p:pic>
-        <p:nvPicPr>
-          <p:cNvPr id="1026" name="Picture 2" descr="C:\Users\doi\Pictures\system-1.png"/>
-          <p:cNvPicPr>
-            <a:picLocks noChangeAspect="1" noChangeArrowheads="1"/>
-          </p:cNvPicPr>
+              <a:t>①</a:t>
+            </a:r>
+            <a:endParaRPr kumimoji="1" lang="ja-JP" altLang="en-US" dirty="0">
+              <a:solidFill>
+                <a:schemeClr val="tx1">
+                  <a:lumMod val="75000"/>
+                  <a:lumOff val="25000"/>
+                </a:schemeClr>
+              </a:solidFill>
+              <a:latin typeface="HGP明朝E" panose="02020900000000000000" pitchFamily="18" charset="-128"/>
+              <a:ea typeface="HGP明朝E" panose="02020900000000000000" pitchFamily="18" charset="-128"/>
+            </a:endParaRPr>
+          </a:p>
+        </p:txBody>
+      </p:sp>
+      <p:sp>
+        <p:nvSpPr>
+          <p:cNvPr id="39" name="テキスト ボックス 38"/>
+          <p:cNvSpPr txBox="1"/>
           <p:nvPr/>
-        </p:nvPicPr>
-        <p:blipFill>
-          <a:blip r:embed="rId2">
-            <a:extLst>
-              <a:ext uri="{28A0092B-C50C-407E-A947-70E740481C1C}">
-                <a14:useLocalDpi xmlns:a14="http://schemas.microsoft.com/office/drawing/2010/main" val="0"/>
-              </a:ext>
-            </a:extLst>
-          </a:blip>
-          <a:srcRect/>
-          <a:stretch>
-            <a:fillRect/>
-          </a:stretch>
-        </p:blipFill>
-        <p:spPr bwMode="auto">
+        </p:nvSpPr>
+        <p:spPr>
           <a:xfrm>
-            <a:off x="1534741" y="4937829"/>
-            <a:ext cx="3920727" cy="1938427"/>
+            <a:off x="900312" y="15428019"/>
+            <a:ext cx="1168655" cy="984885"/>
           </a:xfrm>
           <a:prstGeom prst="rect">
             <a:avLst/>
           </a:prstGeom>
           <a:noFill/>
-          <a:extLst>
-            <a:ext uri="{909E8E84-426E-40DD-AFC4-6F175D3DCCD1}">
-              <a14:hiddenFill xmlns:a14="http://schemas.microsoft.com/office/drawing/2010/main">
-                <a:solidFill>
-                  <a:srgbClr val="FFFFFF"/>
-                </a:solidFill>
-              </a14:hiddenFill>
-            </a:ext>
-          </a:extLst>
         </p:spPr>
-      </p:pic>
+        <p:txBody>
+          <a:bodyPr wrap="square" rtlCol="0">
+            <a:spAutoFit/>
+          </a:bodyPr>
+          <a:lstStyle/>
+          <a:p>
+            <a:r>
+              <a:rPr kumimoji="1" lang="ja-JP" altLang="en-US" dirty="0" smtClean="0">
+                <a:solidFill>
+                  <a:schemeClr val="tx1">
+                    <a:lumMod val="75000"/>
+                    <a:lumOff val="25000"/>
+                  </a:schemeClr>
+                </a:solidFill>
+                <a:latin typeface="HGP明朝E" panose="02020900000000000000" pitchFamily="18" charset="-128"/>
+                <a:ea typeface="HGP明朝E" panose="02020900000000000000" pitchFamily="18" charset="-128"/>
+              </a:rPr>
+              <a:t>②</a:t>
+            </a:r>
+            <a:endParaRPr kumimoji="1" lang="ja-JP" altLang="en-US" dirty="0">
+              <a:solidFill>
+                <a:schemeClr val="tx1">
+                  <a:lumMod val="75000"/>
+                  <a:lumOff val="25000"/>
+                </a:schemeClr>
+              </a:solidFill>
+              <a:latin typeface="HGP明朝E" panose="02020900000000000000" pitchFamily="18" charset="-128"/>
+              <a:ea typeface="HGP明朝E" panose="02020900000000000000" pitchFamily="18" charset="-128"/>
+            </a:endParaRPr>
+          </a:p>
+        </p:txBody>
+      </p:sp>
+      <p:sp>
+        <p:nvSpPr>
+          <p:cNvPr id="40" name="テキスト ボックス 39"/>
+          <p:cNvSpPr txBox="1"/>
+          <p:nvPr/>
+        </p:nvSpPr>
+        <p:spPr>
+          <a:xfrm>
+            <a:off x="6228904" y="18058630"/>
+            <a:ext cx="14833648" cy="2769989"/>
+          </a:xfrm>
+          <a:prstGeom prst="rect">
+            <a:avLst/>
+          </a:prstGeom>
+          <a:noFill/>
+        </p:spPr>
+        <p:txBody>
+          <a:bodyPr wrap="square" rtlCol="0">
+            <a:spAutoFit/>
+          </a:bodyPr>
+          <a:lstStyle/>
+          <a:p>
+            <a:r>
+              <a:rPr kumimoji="1" lang="ja-JP" altLang="en-US" dirty="0" smtClean="0">
+                <a:solidFill>
+                  <a:schemeClr val="tx1">
+                    <a:lumMod val="75000"/>
+                    <a:lumOff val="25000"/>
+                  </a:schemeClr>
+                </a:solidFill>
+                <a:latin typeface="HGP明朝E" panose="02020900000000000000" pitchFamily="18" charset="-128"/>
+                <a:ea typeface="HGP明朝E" panose="02020900000000000000" pitchFamily="18" charset="-128"/>
+              </a:rPr>
+              <a:t>①　</a:t>
+            </a:r>
+            <a:r>
+              <a:rPr kumimoji="1" lang="en-US" altLang="ja-JP" dirty="0" smtClean="0">
+                <a:solidFill>
+                  <a:schemeClr val="tx1">
+                    <a:lumMod val="75000"/>
+                    <a:lumOff val="25000"/>
+                  </a:schemeClr>
+                </a:solidFill>
+                <a:latin typeface="HGP明朝E" panose="02020900000000000000" pitchFamily="18" charset="-128"/>
+                <a:ea typeface="HGP明朝E" panose="02020900000000000000" pitchFamily="18" charset="-128"/>
+              </a:rPr>
+              <a:t>AR</a:t>
+            </a:r>
+            <a:r>
+              <a:rPr kumimoji="1" lang="ja-JP" altLang="en-US" dirty="0" smtClean="0">
+                <a:solidFill>
+                  <a:schemeClr val="tx1">
+                    <a:lumMod val="75000"/>
+                    <a:lumOff val="25000"/>
+                  </a:schemeClr>
+                </a:solidFill>
+                <a:latin typeface="HGP明朝E" panose="02020900000000000000" pitchFamily="18" charset="-128"/>
+                <a:ea typeface="HGP明朝E" panose="02020900000000000000" pitchFamily="18" charset="-128"/>
+              </a:rPr>
+              <a:t>の現状がどのようなものなのか調査終了</a:t>
+            </a:r>
+            <a:endParaRPr kumimoji="1" lang="en-US" altLang="ja-JP" dirty="0" smtClean="0">
+              <a:solidFill>
+                <a:schemeClr val="tx1">
+                  <a:lumMod val="75000"/>
+                  <a:lumOff val="25000"/>
+                </a:schemeClr>
+              </a:solidFill>
+              <a:latin typeface="HGP明朝E" panose="02020900000000000000" pitchFamily="18" charset="-128"/>
+              <a:ea typeface="HGP明朝E" panose="02020900000000000000" pitchFamily="18" charset="-128"/>
+            </a:endParaRPr>
+          </a:p>
+          <a:p>
+            <a:endParaRPr lang="en-US" altLang="ja-JP" dirty="0">
+              <a:solidFill>
+                <a:schemeClr val="tx1">
+                  <a:lumMod val="75000"/>
+                  <a:lumOff val="25000"/>
+                </a:schemeClr>
+              </a:solidFill>
+              <a:latin typeface="HGP明朝E" panose="02020900000000000000" pitchFamily="18" charset="-128"/>
+              <a:ea typeface="HGP明朝E" panose="02020900000000000000" pitchFamily="18" charset="-128"/>
+            </a:endParaRPr>
+          </a:p>
+          <a:p>
+            <a:r>
+              <a:rPr lang="ja-JP" altLang="en-US" dirty="0" smtClean="0">
+                <a:solidFill>
+                  <a:schemeClr val="tx1">
+                    <a:lumMod val="75000"/>
+                    <a:lumOff val="25000"/>
+                  </a:schemeClr>
+                </a:solidFill>
+                <a:latin typeface="HGP明朝E" panose="02020900000000000000" pitchFamily="18" charset="-128"/>
+                <a:ea typeface="HGP明朝E" panose="02020900000000000000" pitchFamily="18" charset="-128"/>
+              </a:rPr>
+              <a:t>②　</a:t>
+            </a:r>
+            <a:r>
+              <a:rPr lang="en-US" altLang="ja-JP" dirty="0" smtClean="0">
+                <a:solidFill>
+                  <a:schemeClr val="tx1">
+                    <a:lumMod val="75000"/>
+                    <a:lumOff val="25000"/>
+                  </a:schemeClr>
+                </a:solidFill>
+                <a:latin typeface="HGP明朝E" panose="02020900000000000000" pitchFamily="18" charset="-128"/>
+                <a:ea typeface="HGP明朝E" panose="02020900000000000000" pitchFamily="18" charset="-128"/>
+              </a:rPr>
+              <a:t>junaio</a:t>
+            </a:r>
+            <a:r>
+              <a:rPr lang="ja-JP" altLang="en-US" dirty="0" smtClean="0">
+                <a:solidFill>
+                  <a:schemeClr val="tx1">
+                    <a:lumMod val="75000"/>
+                    <a:lumOff val="25000"/>
+                  </a:schemeClr>
+                </a:solidFill>
+                <a:latin typeface="HGP明朝E" panose="02020900000000000000" pitchFamily="18" charset="-128"/>
+                <a:ea typeface="HGP明朝E" panose="02020900000000000000" pitchFamily="18" charset="-128"/>
+              </a:rPr>
+              <a:t>のサンプル動作の作成と確認が終了</a:t>
+            </a:r>
+            <a:endParaRPr kumimoji="1" lang="ja-JP" altLang="en-US" dirty="0">
+              <a:solidFill>
+                <a:schemeClr val="tx1">
+                  <a:lumMod val="75000"/>
+                  <a:lumOff val="25000"/>
+                </a:schemeClr>
+              </a:solidFill>
+              <a:latin typeface="HGP明朝E" panose="02020900000000000000" pitchFamily="18" charset="-128"/>
+              <a:ea typeface="HGP明朝E" panose="02020900000000000000" pitchFamily="18" charset="-128"/>
+            </a:endParaRPr>
+          </a:p>
+        </p:txBody>
+      </p:sp>
     </p:spTree>
     <p:extLst>
       <p:ext uri="{BB962C8B-B14F-4D97-AF65-F5344CB8AC3E}">
@@ -8185,4 +8986,289 @@
   <a:objectDefaults/>
   <a:extraClrSchemeLst/>
 </a:theme>
+</file>
+
+<file path=ppt/theme/theme2.xml><?xml version="1.0" encoding="utf-8"?>
+<a:theme xmlns:a="http://schemas.openxmlformats.org/drawingml/2006/main" name="Office ​​テーマ">
+  <a:themeElements>
+    <a:clrScheme name="Office">
+      <a:dk1>
+        <a:sysClr val="windowText" lastClr="000000"/>
+      </a:dk1>
+      <a:lt1>
+        <a:sysClr val="window" lastClr="FFFFFF"/>
+      </a:lt1>
+      <a:dk2>
+        <a:srgbClr val="1F497D"/>
+      </a:dk2>
+      <a:lt2>
+        <a:srgbClr val="EEECE1"/>
+      </a:lt2>
+      <a:accent1>
+        <a:srgbClr val="4F81BD"/>
+      </a:accent1>
+      <a:accent2>
+        <a:srgbClr val="C0504D"/>
+      </a:accent2>
+      <a:accent3>
+        <a:srgbClr val="9BBB59"/>
+      </a:accent3>
+      <a:accent4>
+        <a:srgbClr val="8064A2"/>
+      </a:accent4>
+      <a:accent5>
+        <a:srgbClr val="4BACC6"/>
+      </a:accent5>
+      <a:accent6>
+        <a:srgbClr val="F79646"/>
+      </a:accent6>
+      <a:hlink>
+        <a:srgbClr val="0000FF"/>
+      </a:hlink>
+      <a:folHlink>
+        <a:srgbClr val="800080"/>
+      </a:folHlink>
+    </a:clrScheme>
+    <a:fontScheme name="Office">
+      <a:majorFont>
+        <a:latin typeface="Calibri"/>
+        <a:ea typeface=""/>
+        <a:cs typeface=""/>
+        <a:font script="Jpan" typeface="ＭＳ Ｐゴシック"/>
+        <a:font script="Hang" typeface="맑은 고딕"/>
+        <a:font script="Hans" typeface="宋体"/>
+        <a:font script="Hant" typeface="新細明體"/>
+        <a:font script="Arab" typeface="Times New Roman"/>
+        <a:font script="Hebr" typeface="Times New Roman"/>
+        <a:font script="Thai" typeface="Angsana New"/>
+        <a:font script="Ethi" typeface="Nyala"/>
+        <a:font script="Beng" typeface="Vrinda"/>
+        <a:font script="Gujr" typeface="Shruti"/>
+        <a:font script="Khmr" typeface="MoolBoran"/>
+        <a:font script="Knda" typeface="Tunga"/>
+        <a:font script="Guru" typeface="Raavi"/>
+        <a:font script="Cans" typeface="Euphemia"/>
+        <a:font script="Cher" typeface="Plantagenet Cherokee"/>
+        <a:font script="Yiii" typeface="Microsoft Yi Baiti"/>
+        <a:font script="Tibt" typeface="Microsoft Himalaya"/>
+        <a:font script="Thaa" typeface="MV Boli"/>
+        <a:font script="Deva" typeface="Mangal"/>
+        <a:font script="Telu" typeface="Gautami"/>
+        <a:font script="Taml" typeface="Latha"/>
+        <a:font script="Syrc" typeface="Estrangelo Edessa"/>
+        <a:font script="Orya" typeface="Kalinga"/>
+        <a:font script="Mlym" typeface="Kartika"/>
+        <a:font script="Laoo" typeface="DokChampa"/>
+        <a:font script="Sinh" typeface="Iskoola Pota"/>
+        <a:font script="Mong" typeface="Mongolian Baiti"/>
+        <a:font script="Viet" typeface="Times New Roman"/>
+        <a:font script="Uigh" typeface="Microsoft Uighur"/>
+        <a:font script="Geor" typeface="Sylfaen"/>
+      </a:majorFont>
+      <a:minorFont>
+        <a:latin typeface="Calibri"/>
+        <a:ea typeface=""/>
+        <a:cs typeface=""/>
+        <a:font script="Jpan" typeface="ＭＳ Ｐゴシック"/>
+        <a:font script="Hang" typeface="맑은 고딕"/>
+        <a:font script="Hans" typeface="宋体"/>
+        <a:font script="Hant" typeface="新細明體"/>
+        <a:font script="Arab" typeface="Arial"/>
+        <a:font script="Hebr" typeface="Arial"/>
+        <a:font script="Thai" typeface="Cordia New"/>
+        <a:font script="Ethi" typeface="Nyala"/>
+        <a:font script="Beng" typeface="Vrinda"/>
+        <a:font script="Gujr" typeface="Shruti"/>
+        <a:font script="Khmr" typeface="DaunPenh"/>
+        <a:font script="Knda" typeface="Tunga"/>
+        <a:font script="Guru" typeface="Raavi"/>
+        <a:font script="Cans" typeface="Euphemia"/>
+        <a:font script="Cher" typeface="Plantagenet Cherokee"/>
+        <a:font script="Yiii" typeface="Microsoft Yi Baiti"/>
+        <a:font script="Tibt" typeface="Microsoft Himalaya"/>
+        <a:font script="Thaa" typeface="MV Boli"/>
+        <a:font script="Deva" typeface="Mangal"/>
+        <a:font script="Telu" typeface="Gautami"/>
+        <a:font script="Taml" typeface="Latha"/>
+        <a:font script="Syrc" typeface="Estrangelo Edessa"/>
+        <a:font script="Orya" typeface="Kalinga"/>
+        <a:font script="Mlym" typeface="Kartika"/>
+        <a:font script="Laoo" typeface="DokChampa"/>
+        <a:font script="Sinh" typeface="Iskoola Pota"/>
+        <a:font script="Mong" typeface="Mongolian Baiti"/>
+        <a:font script="Viet" typeface="Arial"/>
+        <a:font script="Uigh" typeface="Microsoft Uighur"/>
+        <a:font script="Geor" typeface="Sylfaen"/>
+      </a:minorFont>
+    </a:fontScheme>
+    <a:fmtScheme name="Office">
+      <a:fillStyleLst>
+        <a:solidFill>
+          <a:schemeClr val="phClr"/>
+        </a:solidFill>
+        <a:gradFill rotWithShape="1">
+          <a:gsLst>
+            <a:gs pos="0">
+              <a:schemeClr val="phClr">
+                <a:tint val="50000"/>
+                <a:satMod val="300000"/>
+              </a:schemeClr>
+            </a:gs>
+            <a:gs pos="35000">
+              <a:schemeClr val="phClr">
+                <a:tint val="37000"/>
+                <a:satMod val="300000"/>
+              </a:schemeClr>
+            </a:gs>
+            <a:gs pos="100000">
+              <a:schemeClr val="phClr">
+                <a:tint val="15000"/>
+                <a:satMod val="350000"/>
+              </a:schemeClr>
+            </a:gs>
+          </a:gsLst>
+          <a:lin ang="16200000" scaled="1"/>
+        </a:gradFill>
+        <a:gradFill rotWithShape="1">
+          <a:gsLst>
+            <a:gs pos="0">
+              <a:schemeClr val="phClr">
+                <a:shade val="51000"/>
+                <a:satMod val="130000"/>
+              </a:schemeClr>
+            </a:gs>
+            <a:gs pos="80000">
+              <a:schemeClr val="phClr">
+                <a:shade val="93000"/>
+                <a:satMod val="130000"/>
+              </a:schemeClr>
+            </a:gs>
+            <a:gs pos="100000">
+              <a:schemeClr val="phClr">
+                <a:shade val="94000"/>
+                <a:satMod val="135000"/>
+              </a:schemeClr>
+            </a:gs>
+          </a:gsLst>
+          <a:lin ang="16200000" scaled="0"/>
+        </a:gradFill>
+      </a:fillStyleLst>
+      <a:lnStyleLst>
+        <a:ln w="9525" cap="flat" cmpd="sng" algn="ctr">
+          <a:solidFill>
+            <a:schemeClr val="phClr">
+              <a:shade val="95000"/>
+              <a:satMod val="105000"/>
+            </a:schemeClr>
+          </a:solidFill>
+          <a:prstDash val="solid"/>
+        </a:ln>
+        <a:ln w="25400" cap="flat" cmpd="sng" algn="ctr">
+          <a:solidFill>
+            <a:schemeClr val="phClr"/>
+          </a:solidFill>
+          <a:prstDash val="solid"/>
+        </a:ln>
+        <a:ln w="38100" cap="flat" cmpd="sng" algn="ctr">
+          <a:solidFill>
+            <a:schemeClr val="phClr"/>
+          </a:solidFill>
+          <a:prstDash val="solid"/>
+        </a:ln>
+      </a:lnStyleLst>
+      <a:effectStyleLst>
+        <a:effectStyle>
+          <a:effectLst>
+            <a:outerShdw blurRad="40000" dist="20000" dir="5400000" rotWithShape="0">
+              <a:srgbClr val="000000">
+                <a:alpha val="38000"/>
+              </a:srgbClr>
+            </a:outerShdw>
+          </a:effectLst>
+        </a:effectStyle>
+        <a:effectStyle>
+          <a:effectLst>
+            <a:outerShdw blurRad="40000" dist="23000" dir="5400000" rotWithShape="0">
+              <a:srgbClr val="000000">
+                <a:alpha val="35000"/>
+              </a:srgbClr>
+            </a:outerShdw>
+          </a:effectLst>
+        </a:effectStyle>
+        <a:effectStyle>
+          <a:effectLst>
+            <a:outerShdw blurRad="40000" dist="23000" dir="5400000" rotWithShape="0">
+              <a:srgbClr val="000000">
+                <a:alpha val="35000"/>
+              </a:srgbClr>
+            </a:outerShdw>
+          </a:effectLst>
+          <a:scene3d>
+            <a:camera prst="orthographicFront">
+              <a:rot lat="0" lon="0" rev="0"/>
+            </a:camera>
+            <a:lightRig rig="threePt" dir="t">
+              <a:rot lat="0" lon="0" rev="1200000"/>
+            </a:lightRig>
+          </a:scene3d>
+          <a:sp3d>
+            <a:bevelT w="63500" h="25400"/>
+          </a:sp3d>
+        </a:effectStyle>
+      </a:effectStyleLst>
+      <a:bgFillStyleLst>
+        <a:solidFill>
+          <a:schemeClr val="phClr"/>
+        </a:solidFill>
+        <a:gradFill rotWithShape="1">
+          <a:gsLst>
+            <a:gs pos="0">
+              <a:schemeClr val="phClr">
+                <a:tint val="40000"/>
+                <a:satMod val="350000"/>
+              </a:schemeClr>
+            </a:gs>
+            <a:gs pos="40000">
+              <a:schemeClr val="phClr">
+                <a:tint val="45000"/>
+                <a:shade val="99000"/>
+                <a:satMod val="350000"/>
+              </a:schemeClr>
+            </a:gs>
+            <a:gs pos="100000">
+              <a:schemeClr val="phClr">
+                <a:shade val="20000"/>
+                <a:satMod val="255000"/>
+              </a:schemeClr>
+            </a:gs>
+          </a:gsLst>
+          <a:path path="circle">
+            <a:fillToRect l="50000" t="-80000" r="50000" b="180000"/>
+          </a:path>
+        </a:gradFill>
+        <a:gradFill rotWithShape="1">
+          <a:gsLst>
+            <a:gs pos="0">
+              <a:schemeClr val="phClr">
+                <a:tint val="80000"/>
+                <a:satMod val="300000"/>
+              </a:schemeClr>
+            </a:gs>
+            <a:gs pos="100000">
+              <a:schemeClr val="phClr">
+                <a:shade val="30000"/>
+                <a:satMod val="200000"/>
+              </a:schemeClr>
+            </a:gs>
+          </a:gsLst>
+          <a:path path="circle">
+            <a:fillToRect l="50000" t="50000" r="50000" b="50000"/>
+          </a:path>
+        </a:gradFill>
+      </a:bgFillStyleLst>
+    </a:fmtScheme>
+  </a:themeElements>
+  <a:objectDefaults/>
+  <a:extraClrSchemeLst/>
+</a:theme>
 </file>